--- a/Sae S2.04.pptx
+++ b/Sae S2.04.pptx
@@ -1,53 +1,53 @@
 
 <file path=ppt/presentation.xml><?xml version="1.0" encoding="utf-8"?>
-<p:presentation xmlns:a="http://schemas.openxmlformats.org/drawingml/2006/main" xmlns:r="http://schemas.openxmlformats.org/officeDocument/2006/relationships" xmlns:mc="http://schemas.openxmlformats.org/markup-compatibility/2006" xmlns:mv="urn:schemas-microsoft-com:mac:vml" xmlns:p="http://schemas.openxmlformats.org/presentationml/2006/main" xmlns:c="http://schemas.openxmlformats.org/drawingml/2006/chart" xmlns:dgm="http://schemas.openxmlformats.org/drawingml/2006/diagram" xmlns:o="urn:schemas-microsoft-com:office:office" xmlns:v="urn:schemas-microsoft-com:vml" xmlns:pvml="urn:schemas-microsoft-com:office:powerpoint" xmlns:com="http://schemas.openxmlformats.org/drawingml/2006/compatibility" xmlns:p14="http://schemas.microsoft.com/office/powerpoint/2010/main" xmlns:p15="http://schemas.microsoft.com/office/powerpoint/2012/main" xmlns:ahyp="http://schemas.microsoft.com/office/drawing/2018/hyperlinkcolor" autoCompressPictures="0" embedTrueTypeFonts="1" strictFirstAndLastChars="0" saveSubsetFonts="1">
+<p:presentation xmlns:a="http://schemas.openxmlformats.org/drawingml/2006/main" xmlns:r="http://schemas.openxmlformats.org/officeDocument/2006/relationships" xmlns:p="http://schemas.openxmlformats.org/presentationml/2006/main" strictFirstAndLastChars="0" embedTrueTypeFonts="1" saveSubsetFonts="1" autoCompressPictures="0">
   <p:sldMasterIdLst>
-    <p:sldMasterId id="2147483663" r:id="rId4"/>
+    <p:sldMasterId id="2147483663" r:id="rId1"/>
   </p:sldMasterIdLst>
   <p:notesMasterIdLst>
-    <p:notesMasterId r:id="rId5"/>
+    <p:notesMasterId r:id="rId14"/>
   </p:notesMasterIdLst>
   <p:sldIdLst>
-    <p:sldId id="256" r:id="rId6"/>
-    <p:sldId id="257" r:id="rId7"/>
-    <p:sldId id="258" r:id="rId8"/>
-    <p:sldId id="259" r:id="rId9"/>
-    <p:sldId id="260" r:id="rId10"/>
-    <p:sldId id="261" r:id="rId11"/>
-    <p:sldId id="262" r:id="rId12"/>
-    <p:sldId id="263" r:id="rId13"/>
-    <p:sldId id="264" r:id="rId14"/>
-    <p:sldId id="265" r:id="rId15"/>
-    <p:sldId id="266" r:id="rId16"/>
-    <p:sldId id="267" r:id="rId17"/>
+    <p:sldId id="256" r:id="rId2"/>
+    <p:sldId id="257" r:id="rId3"/>
+    <p:sldId id="258" r:id="rId4"/>
+    <p:sldId id="259" r:id="rId5"/>
+    <p:sldId id="260" r:id="rId6"/>
+    <p:sldId id="261" r:id="rId7"/>
+    <p:sldId id="262" r:id="rId8"/>
+    <p:sldId id="263" r:id="rId9"/>
+    <p:sldId id="264" r:id="rId10"/>
+    <p:sldId id="265" r:id="rId11"/>
+    <p:sldId id="266" r:id="rId12"/>
+    <p:sldId id="267" r:id="rId13"/>
   </p:sldIdLst>
-  <p:sldSz cy="5143500" cx="9144000"/>
+  <p:sldSz cx="9144000" cy="5143500" type="screen16x9"/>
   <p:notesSz cx="6858000" cy="9144000"/>
   <p:embeddedFontLst>
     <p:embeddedFont>
-      <p:font typeface="Raleway"/>
-      <p:regular r:id="rId18"/>
-      <p:bold r:id="rId19"/>
-      <p:italic r:id="rId20"/>
-      <p:boldItalic r:id="rId21"/>
+      <p:font typeface="Raleway" pitchFamily="2" charset="0"/>
+      <p:regular r:id="rId15"/>
+      <p:bold r:id="rId16"/>
+      <p:italic r:id="rId17"/>
+      <p:boldItalic r:id="rId18"/>
     </p:embeddedFont>
     <p:embeddedFont>
-      <p:font typeface="Raleway Medium"/>
-      <p:regular r:id="rId22"/>
-      <p:bold r:id="rId23"/>
-      <p:italic r:id="rId24"/>
-      <p:boldItalic r:id="rId25"/>
+      <p:font typeface="Raleway Medium" pitchFamily="2" charset="0"/>
+      <p:regular r:id="rId19"/>
+      <p:bold r:id="rId20"/>
+      <p:italic r:id="rId21"/>
+      <p:boldItalic r:id="rId22"/>
     </p:embeddedFont>
     <p:embeddedFont>
-      <p:font typeface="Source Sans Pro"/>
-      <p:regular r:id="rId26"/>
-      <p:bold r:id="rId27"/>
-      <p:italic r:id="rId28"/>
-      <p:boldItalic r:id="rId29"/>
+      <p:font typeface="Source Sans Pro" panose="020B0503030403020204" pitchFamily="34" charset="0"/>
+      <p:regular r:id="rId23"/>
+      <p:bold r:id="rId24"/>
+      <p:italic r:id="rId25"/>
+      <p:boldItalic r:id="rId26"/>
     </p:embeddedFont>
   </p:embeddedFontLst>
   <p:defaultTextStyle>
-    <a:defPPr lvl="0" marR="0" rtl="0" algn="l">
+    <a:defPPr marR="0" lvl="0" algn="l" rtl="0">
       <a:lnSpc>
         <a:spcPct val="100000"/>
       </a:lnSpc>
@@ -58,7 +58,7 @@
         <a:spcPts val="0"/>
       </a:spcAft>
     </a:defPPr>
-    <a:lvl1pPr lvl="0" marR="0" rtl="0" algn="l">
+    <a:lvl1pPr marR="0" lvl="0" algn="l" rtl="0">
       <a:lnSpc>
         <a:spcPct val="100000"/>
       </a:lnSpc>
@@ -72,7 +72,7 @@
         <a:srgbClr val="000000"/>
       </a:buClr>
       <a:buFont typeface="Arial"/>
-      <a:defRPr b="0" i="0" sz="1400" u="none" cap="none" strike="noStrike">
+      <a:defRPr sz="1400" b="0" i="0" u="none" strike="noStrike" cap="none">
         <a:solidFill>
           <a:srgbClr val="000000"/>
         </a:solidFill>
@@ -82,7 +82,7 @@
         <a:sym typeface="Arial"/>
       </a:defRPr>
     </a:lvl1pPr>
-    <a:lvl2pPr lvl="1" marR="0" rtl="0" algn="l">
+    <a:lvl2pPr marR="0" lvl="1" algn="l" rtl="0">
       <a:lnSpc>
         <a:spcPct val="100000"/>
       </a:lnSpc>
@@ -96,7 +96,7 @@
         <a:srgbClr val="000000"/>
       </a:buClr>
       <a:buFont typeface="Arial"/>
-      <a:defRPr b="0" i="0" sz="1400" u="none" cap="none" strike="noStrike">
+      <a:defRPr sz="1400" b="0" i="0" u="none" strike="noStrike" cap="none">
         <a:solidFill>
           <a:srgbClr val="000000"/>
         </a:solidFill>
@@ -106,7 +106,7 @@
         <a:sym typeface="Arial"/>
       </a:defRPr>
     </a:lvl2pPr>
-    <a:lvl3pPr lvl="2" marR="0" rtl="0" algn="l">
+    <a:lvl3pPr marR="0" lvl="2" algn="l" rtl="0">
       <a:lnSpc>
         <a:spcPct val="100000"/>
       </a:lnSpc>
@@ -120,7 +120,7 @@
         <a:srgbClr val="000000"/>
       </a:buClr>
       <a:buFont typeface="Arial"/>
-      <a:defRPr b="0" i="0" sz="1400" u="none" cap="none" strike="noStrike">
+      <a:defRPr sz="1400" b="0" i="0" u="none" strike="noStrike" cap="none">
         <a:solidFill>
           <a:srgbClr val="000000"/>
         </a:solidFill>
@@ -130,7 +130,7 @@
         <a:sym typeface="Arial"/>
       </a:defRPr>
     </a:lvl3pPr>
-    <a:lvl4pPr lvl="3" marR="0" rtl="0" algn="l">
+    <a:lvl4pPr marR="0" lvl="3" algn="l" rtl="0">
       <a:lnSpc>
         <a:spcPct val="100000"/>
       </a:lnSpc>
@@ -144,7 +144,7 @@
         <a:srgbClr val="000000"/>
       </a:buClr>
       <a:buFont typeface="Arial"/>
-      <a:defRPr b="0" i="0" sz="1400" u="none" cap="none" strike="noStrike">
+      <a:defRPr sz="1400" b="0" i="0" u="none" strike="noStrike" cap="none">
         <a:solidFill>
           <a:srgbClr val="000000"/>
         </a:solidFill>
@@ -154,7 +154,7 @@
         <a:sym typeface="Arial"/>
       </a:defRPr>
     </a:lvl4pPr>
-    <a:lvl5pPr lvl="4" marR="0" rtl="0" algn="l">
+    <a:lvl5pPr marR="0" lvl="4" algn="l" rtl="0">
       <a:lnSpc>
         <a:spcPct val="100000"/>
       </a:lnSpc>
@@ -168,7 +168,7 @@
         <a:srgbClr val="000000"/>
       </a:buClr>
       <a:buFont typeface="Arial"/>
-      <a:defRPr b="0" i="0" sz="1400" u="none" cap="none" strike="noStrike">
+      <a:defRPr sz="1400" b="0" i="0" u="none" strike="noStrike" cap="none">
         <a:solidFill>
           <a:srgbClr val="000000"/>
         </a:solidFill>
@@ -178,7 +178,7 @@
         <a:sym typeface="Arial"/>
       </a:defRPr>
     </a:lvl5pPr>
-    <a:lvl6pPr lvl="5" marR="0" rtl="0" algn="l">
+    <a:lvl6pPr marR="0" lvl="5" algn="l" rtl="0">
       <a:lnSpc>
         <a:spcPct val="100000"/>
       </a:lnSpc>
@@ -192,7 +192,7 @@
         <a:srgbClr val="000000"/>
       </a:buClr>
       <a:buFont typeface="Arial"/>
-      <a:defRPr b="0" i="0" sz="1400" u="none" cap="none" strike="noStrike">
+      <a:defRPr sz="1400" b="0" i="0" u="none" strike="noStrike" cap="none">
         <a:solidFill>
           <a:srgbClr val="000000"/>
         </a:solidFill>
@@ -202,7 +202,7 @@
         <a:sym typeface="Arial"/>
       </a:defRPr>
     </a:lvl6pPr>
-    <a:lvl7pPr lvl="6" marR="0" rtl="0" algn="l">
+    <a:lvl7pPr marR="0" lvl="6" algn="l" rtl="0">
       <a:lnSpc>
         <a:spcPct val="100000"/>
       </a:lnSpc>
@@ -216,7 +216,7 @@
         <a:srgbClr val="000000"/>
       </a:buClr>
       <a:buFont typeface="Arial"/>
-      <a:defRPr b="0" i="0" sz="1400" u="none" cap="none" strike="noStrike">
+      <a:defRPr sz="1400" b="0" i="0" u="none" strike="noStrike" cap="none">
         <a:solidFill>
           <a:srgbClr val="000000"/>
         </a:solidFill>
@@ -226,7 +226,7 @@
         <a:sym typeface="Arial"/>
       </a:defRPr>
     </a:lvl7pPr>
-    <a:lvl8pPr lvl="7" marR="0" rtl="0" algn="l">
+    <a:lvl8pPr marR="0" lvl="7" algn="l" rtl="0">
       <a:lnSpc>
         <a:spcPct val="100000"/>
       </a:lnSpc>
@@ -240,7 +240,7 @@
         <a:srgbClr val="000000"/>
       </a:buClr>
       <a:buFont typeface="Arial"/>
-      <a:defRPr b="0" i="0" sz="1400" u="none" cap="none" strike="noStrike">
+      <a:defRPr sz="1400" b="0" i="0" u="none" strike="noStrike" cap="none">
         <a:solidFill>
           <a:srgbClr val="000000"/>
         </a:solidFill>
@@ -250,7 +250,7 @@
         <a:sym typeface="Arial"/>
       </a:defRPr>
     </a:lvl8pPr>
-    <a:lvl9pPr lvl="8" marR="0" rtl="0" algn="l">
+    <a:lvl9pPr marR="0" lvl="8" algn="l" rtl="0">
       <a:lnSpc>
         <a:spcPct val="100000"/>
       </a:lnSpc>
@@ -264,7 +264,7 @@
         <a:srgbClr val="000000"/>
       </a:buClr>
       <a:buFont typeface="Arial"/>
-      <a:defRPr b="0" i="0" sz="1400" u="none" cap="none" strike="noStrike">
+      <a:defRPr sz="1400" b="0" i="0" u="none" strike="noStrike" cap="none">
         <a:solidFill>
           <a:srgbClr val="000000"/>
         </a:solidFill>
@@ -277,7 +277,7 @@
   </p:defaultTextStyle>
   <p:extLst>
     <p:ext uri="{EFAFB233-063F-42B5-8137-9DF3F51BA10A}">
-      <p15:sldGuideLst>
+      <p15:sldGuideLst xmlns:p15="http://schemas.microsoft.com/office/powerpoint/2012/main">
         <p15:guide id="1" orient="horz" pos="1620">
           <p15:clr>
             <a:srgbClr val="A4A3A4"/>
@@ -294,12 +294,1118 @@
 </p:presentation>
 </file>
 
+<file path=ppt/revisionInfo.xml><?xml version="1.0" encoding="utf-8"?>
+<p1510:revInfo xmlns:a="http://schemas.openxmlformats.org/drawingml/2006/main" xmlns:r="http://schemas.openxmlformats.org/officeDocument/2006/relationships" xmlns:p1510="http://schemas.microsoft.com/office/powerpoint/2015/10/main">
+  <p1510:revLst>
+    <p1510:client id="{509695E9-A8A1-4C5E-9696-9E12DEB9A5B1}" v="15" dt="2022-06-06T18:37:18.467"/>
+  </p1510:revLst>
+</p1510:revInfo>
+</file>
+
+<file path=ppt/changesInfos/changesInfo1.xml><?xml version="1.0" encoding="utf-8"?>
+<pc:chgInfo xmlns:a="http://schemas.openxmlformats.org/drawingml/2006/main" xmlns:r="http://schemas.openxmlformats.org/officeDocument/2006/relationships" xmlns:ac="http://schemas.microsoft.com/office/drawing/2013/main/command" xmlns:pc="http://schemas.microsoft.com/office/powerpoint/2013/main/command">
+  <pc:docChgLst>
+    <pc:chgData name="Erwann Sami" userId="08f666b5-0a69-478b-9c5b-8cf158a45da4" providerId="ADAL" clId="{509695E9-A8A1-4C5E-9696-9E12DEB9A5B1}"/>
+    <pc:docChg chg="undo custSel modSld">
+      <pc:chgData name="Erwann Sami" userId="08f666b5-0a69-478b-9c5b-8cf158a45da4" providerId="ADAL" clId="{509695E9-A8A1-4C5E-9696-9E12DEB9A5B1}" dt="2022-06-06T18:37:18.467" v="72"/>
+      <pc:docMkLst>
+        <pc:docMk/>
+      </pc:docMkLst>
+      <pc:sldChg chg="modSp mod">
+        <pc:chgData name="Erwann Sami" userId="08f666b5-0a69-478b-9c5b-8cf158a45da4" providerId="ADAL" clId="{509695E9-A8A1-4C5E-9696-9E12DEB9A5B1}" dt="2022-06-06T18:28:22.313" v="25" actId="27636"/>
+        <pc:sldMkLst>
+          <pc:docMk/>
+          <pc:sldMk cId="0" sldId="256"/>
+        </pc:sldMkLst>
+        <pc:spChg chg="mod">
+          <ac:chgData name="Erwann Sami" userId="08f666b5-0a69-478b-9c5b-8cf158a45da4" providerId="ADAL" clId="{509695E9-A8A1-4C5E-9696-9E12DEB9A5B1}" dt="2022-06-06T18:28:22.313" v="25" actId="27636"/>
+          <ac:spMkLst>
+            <pc:docMk/>
+            <pc:sldMk cId="0" sldId="256"/>
+            <ac:spMk id="119" creationId="{00000000-0000-0000-0000-000000000000}"/>
+          </ac:spMkLst>
+        </pc:spChg>
+      </pc:sldChg>
+      <pc:sldChg chg="addSp delSp modSp mod modClrScheme chgLayout">
+        <pc:chgData name="Erwann Sami" userId="08f666b5-0a69-478b-9c5b-8cf158a45da4" providerId="ADAL" clId="{509695E9-A8A1-4C5E-9696-9E12DEB9A5B1}" dt="2022-06-06T18:37:18.467" v="72"/>
+        <pc:sldMkLst>
+          <pc:docMk/>
+          <pc:sldMk cId="0" sldId="264"/>
+        </pc:sldMkLst>
+        <pc:spChg chg="add del mod ord">
+          <ac:chgData name="Erwann Sami" userId="08f666b5-0a69-478b-9c5b-8cf158a45da4" providerId="ADAL" clId="{509695E9-A8A1-4C5E-9696-9E12DEB9A5B1}" dt="2022-06-06T18:31:29.786" v="40" actId="700"/>
+          <ac:spMkLst>
+            <pc:docMk/>
+            <pc:sldMk cId="0" sldId="264"/>
+            <ac:spMk id="2" creationId="{3F4A3A59-44EF-B999-F467-4483BDBF67C1}"/>
+          </ac:spMkLst>
+        </pc:spChg>
+        <pc:spChg chg="add del mod ord">
+          <ac:chgData name="Erwann Sami" userId="08f666b5-0a69-478b-9c5b-8cf158a45da4" providerId="ADAL" clId="{509695E9-A8A1-4C5E-9696-9E12DEB9A5B1}" dt="2022-06-06T18:31:35.338" v="42" actId="700"/>
+          <ac:spMkLst>
+            <pc:docMk/>
+            <pc:sldMk cId="0" sldId="264"/>
+            <ac:spMk id="5" creationId="{C8E8BAD6-FAC0-F385-6248-F3C22ADFAF8E}"/>
+          </ac:spMkLst>
+        </pc:spChg>
+        <pc:spChg chg="add del mod ord">
+          <ac:chgData name="Erwann Sami" userId="08f666b5-0a69-478b-9c5b-8cf158a45da4" providerId="ADAL" clId="{509695E9-A8A1-4C5E-9696-9E12DEB9A5B1}" dt="2022-06-06T18:31:35.338" v="42" actId="700"/>
+          <ac:spMkLst>
+            <pc:docMk/>
+            <pc:sldMk cId="0" sldId="264"/>
+            <ac:spMk id="6" creationId="{276396E5-98C3-5DBE-7E71-68BCF9CAD5A5}"/>
+          </ac:spMkLst>
+        </pc:spChg>
+        <pc:spChg chg="add mod ord">
+          <ac:chgData name="Erwann Sami" userId="08f666b5-0a69-478b-9c5b-8cf158a45da4" providerId="ADAL" clId="{509695E9-A8A1-4C5E-9696-9E12DEB9A5B1}" dt="2022-06-06T18:36:12.680" v="67" actId="14100"/>
+          <ac:spMkLst>
+            <pc:docMk/>
+            <pc:sldMk cId="0" sldId="264"/>
+            <ac:spMk id="7" creationId="{B2AA0B6F-CB4A-ED64-A32B-AE631003E41B}"/>
+          </ac:spMkLst>
+        </pc:spChg>
+        <pc:spChg chg="add mod ord">
+          <ac:chgData name="Erwann Sami" userId="08f666b5-0a69-478b-9c5b-8cf158a45da4" providerId="ADAL" clId="{509695E9-A8A1-4C5E-9696-9E12DEB9A5B1}" dt="2022-06-06T18:36:08.762" v="66" actId="27636"/>
+          <ac:spMkLst>
+            <pc:docMk/>
+            <pc:sldMk cId="0" sldId="264"/>
+            <ac:spMk id="8" creationId="{F90D0448-E8DA-05E8-D398-57CD1FC6A962}"/>
+          </ac:spMkLst>
+        </pc:spChg>
+        <pc:spChg chg="del mod ord">
+          <ac:chgData name="Erwann Sami" userId="08f666b5-0a69-478b-9c5b-8cf158a45da4" providerId="ADAL" clId="{509695E9-A8A1-4C5E-9696-9E12DEB9A5B1}" dt="2022-06-06T18:31:09.993" v="34" actId="700"/>
+          <ac:spMkLst>
+            <pc:docMk/>
+            <pc:sldMk cId="0" sldId="264"/>
+            <ac:spMk id="179" creationId="{00000000-0000-0000-0000-000000000000}"/>
+          </ac:spMkLst>
+        </pc:spChg>
+        <pc:spChg chg="mod ord">
+          <ac:chgData name="Erwann Sami" userId="08f666b5-0a69-478b-9c5b-8cf158a45da4" providerId="ADAL" clId="{509695E9-A8A1-4C5E-9696-9E12DEB9A5B1}" dt="2022-06-06T18:31:35.338" v="42" actId="700"/>
+          <ac:spMkLst>
+            <pc:docMk/>
+            <pc:sldMk cId="0" sldId="264"/>
+            <ac:spMk id="180" creationId="{00000000-0000-0000-0000-000000000000}"/>
+          </ac:spMkLst>
+        </pc:spChg>
+        <pc:graphicFrameChg chg="add del mod">
+          <ac:chgData name="Erwann Sami" userId="08f666b5-0a69-478b-9c5b-8cf158a45da4" providerId="ADAL" clId="{509695E9-A8A1-4C5E-9696-9E12DEB9A5B1}" dt="2022-06-06T18:32:22.111" v="47" actId="1957"/>
+          <ac:graphicFrameMkLst>
+            <pc:docMk/>
+            <pc:sldMk cId="0" sldId="264"/>
+            <ac:graphicFrameMk id="11" creationId="{F4BC80BA-3B70-C848-6C74-E8A6AA711FA0}"/>
+          </ac:graphicFrameMkLst>
+        </pc:graphicFrameChg>
+        <pc:graphicFrameChg chg="add mod">
+          <ac:chgData name="Erwann Sami" userId="08f666b5-0a69-478b-9c5b-8cf158a45da4" providerId="ADAL" clId="{509695E9-A8A1-4C5E-9696-9E12DEB9A5B1}" dt="2022-06-06T18:37:18.467" v="72"/>
+          <ac:graphicFrameMkLst>
+            <pc:docMk/>
+            <pc:sldMk cId="0" sldId="264"/>
+            <ac:graphicFrameMk id="14" creationId="{3A19E190-8F46-D3BF-978A-925FAC981F07}"/>
+          </ac:graphicFrameMkLst>
+        </pc:graphicFrameChg>
+        <pc:picChg chg="add del mod">
+          <ac:chgData name="Erwann Sami" userId="08f666b5-0a69-478b-9c5b-8cf158a45da4" providerId="ADAL" clId="{509695E9-A8A1-4C5E-9696-9E12DEB9A5B1}" dt="2022-06-06T18:31:27.077" v="39" actId="478"/>
+          <ac:picMkLst>
+            <pc:docMk/>
+            <pc:sldMk cId="0" sldId="264"/>
+            <ac:picMk id="4" creationId="{56E9902B-ABCC-4EAF-9715-91C03448F29F}"/>
+          </ac:picMkLst>
+        </pc:picChg>
+      </pc:sldChg>
+      <pc:sldChg chg="addSp delSp modSp mod modClrScheme chgLayout">
+        <pc:chgData name="Erwann Sami" userId="08f666b5-0a69-478b-9c5b-8cf158a45da4" providerId="ADAL" clId="{509695E9-A8A1-4C5E-9696-9E12DEB9A5B1}" dt="2022-06-06T18:28:51.174" v="32" actId="1076"/>
+        <pc:sldMkLst>
+          <pc:docMk/>
+          <pc:sldMk cId="0" sldId="266"/>
+        </pc:sldMkLst>
+        <pc:spChg chg="add del mod ord">
+          <ac:chgData name="Erwann Sami" userId="08f666b5-0a69-478b-9c5b-8cf158a45da4" providerId="ADAL" clId="{509695E9-A8A1-4C5E-9696-9E12DEB9A5B1}" dt="2022-06-06T18:27:29.375" v="3" actId="700"/>
+          <ac:spMkLst>
+            <pc:docMk/>
+            <pc:sldMk cId="0" sldId="266"/>
+            <ac:spMk id="2" creationId="{A40FDB50-C144-41D7-7455-C3221FDF8439}"/>
+          </ac:spMkLst>
+        </pc:spChg>
+        <pc:spChg chg="add mod ord">
+          <ac:chgData name="Erwann Sami" userId="08f666b5-0a69-478b-9c5b-8cf158a45da4" providerId="ADAL" clId="{509695E9-A8A1-4C5E-9696-9E12DEB9A5B1}" dt="2022-06-06T18:28:17.107" v="22" actId="700"/>
+          <ac:spMkLst>
+            <pc:docMk/>
+            <pc:sldMk cId="0" sldId="266"/>
+            <ac:spMk id="3" creationId="{935F02DB-CB1D-3E07-D18E-3FF2BE66051B}"/>
+          </ac:spMkLst>
+        </pc:spChg>
+        <pc:spChg chg="del mod ord">
+          <ac:chgData name="Erwann Sami" userId="08f666b5-0a69-478b-9c5b-8cf158a45da4" providerId="ADAL" clId="{509695E9-A8A1-4C5E-9696-9E12DEB9A5B1}" dt="2022-06-06T18:28:17.107" v="22" actId="700"/>
+          <ac:spMkLst>
+            <pc:docMk/>
+            <pc:sldMk cId="0" sldId="266"/>
+            <ac:spMk id="191" creationId="{00000000-0000-0000-0000-000000000000}"/>
+          </ac:spMkLst>
+        </pc:spChg>
+        <pc:spChg chg="mod ord">
+          <ac:chgData name="Erwann Sami" userId="08f666b5-0a69-478b-9c5b-8cf158a45da4" providerId="ADAL" clId="{509695E9-A8A1-4C5E-9696-9E12DEB9A5B1}" dt="2022-06-06T18:28:17.107" v="22" actId="700"/>
+          <ac:spMkLst>
+            <pc:docMk/>
+            <pc:sldMk cId="0" sldId="266"/>
+            <ac:spMk id="192" creationId="{00000000-0000-0000-0000-000000000000}"/>
+          </ac:spMkLst>
+        </pc:spChg>
+        <pc:picChg chg="add del mod">
+          <ac:chgData name="Erwann Sami" userId="08f666b5-0a69-478b-9c5b-8cf158a45da4" providerId="ADAL" clId="{509695E9-A8A1-4C5E-9696-9E12DEB9A5B1}" dt="2022-06-06T18:27:29.367" v="2"/>
+          <ac:picMkLst>
+            <pc:docMk/>
+            <pc:sldMk cId="0" sldId="266"/>
+            <ac:picMk id="5" creationId="{B9F7231C-76E2-138A-DB62-3E01D4B09A71}"/>
+          </ac:picMkLst>
+        </pc:picChg>
+        <pc:picChg chg="add del mod">
+          <ac:chgData name="Erwann Sami" userId="08f666b5-0a69-478b-9c5b-8cf158a45da4" providerId="ADAL" clId="{509695E9-A8A1-4C5E-9696-9E12DEB9A5B1}" dt="2022-06-06T18:28:09.335" v="18"/>
+          <ac:picMkLst>
+            <pc:docMk/>
+            <pc:sldMk cId="0" sldId="266"/>
+            <ac:picMk id="6" creationId="{10CB4CA1-B040-8C6F-B1D0-70FBA6A0EA8E}"/>
+          </ac:picMkLst>
+        </pc:picChg>
+        <pc:picChg chg="add mod">
+          <ac:chgData name="Erwann Sami" userId="08f666b5-0a69-478b-9c5b-8cf158a45da4" providerId="ADAL" clId="{509695E9-A8A1-4C5E-9696-9E12DEB9A5B1}" dt="2022-06-06T18:28:51.174" v="32" actId="1076"/>
+          <ac:picMkLst>
+            <pc:docMk/>
+            <pc:sldMk cId="0" sldId="266"/>
+            <ac:picMk id="8" creationId="{38A09904-1B23-84E9-8028-9E64674DF485}"/>
+          </ac:picMkLst>
+        </pc:picChg>
+      </pc:sldChg>
+    </pc:docChg>
+  </pc:docChgLst>
+</pc:chgInfo>
+</file>
+
+<file path=ppt/charts/chart1.xml><?xml version="1.0" encoding="utf-8"?>
+<c:chartSpace xmlns:c="http://schemas.openxmlformats.org/drawingml/2006/chart" xmlns:a="http://schemas.openxmlformats.org/drawingml/2006/main" xmlns:r="http://schemas.openxmlformats.org/officeDocument/2006/relationships" xmlns:c16r2="http://schemas.microsoft.com/office/drawing/2015/06/chart">
+  <c:date1904 val="0"/>
+  <c:lang val="fr-FR"/>
+  <c:roundedCorners val="0"/>
+  <mc:AlternateContent xmlns:mc="http://schemas.openxmlformats.org/markup-compatibility/2006">
+    <mc:Choice xmlns:c14="http://schemas.microsoft.com/office/drawing/2007/8/2/chart" Requires="c14">
+      <c14:style val="102"/>
+    </mc:Choice>
+    <mc:Fallback>
+      <c:style val="2"/>
+    </mc:Fallback>
+  </mc:AlternateContent>
+  <c:chart>
+    <c:title>
+      <c:layout>
+        <c:manualLayout>
+          <c:xMode val="edge"/>
+          <c:yMode val="edge"/>
+          <c:x val="0.43780902860653054"/>
+          <c:y val="1.1517004925786733E-2"/>
+        </c:manualLayout>
+      </c:layout>
+      <c:overlay val="0"/>
+      <c:spPr>
+        <a:noFill/>
+        <a:ln>
+          <a:noFill/>
+        </a:ln>
+        <a:effectLst/>
+      </c:spPr>
+      <c:txPr>
+        <a:bodyPr rot="0" spcFirstLastPara="1" vertOverflow="ellipsis" vert="horz" wrap="square" anchor="ctr" anchorCtr="1"/>
+        <a:lstStyle/>
+        <a:p>
+          <a:pPr>
+            <a:defRPr sz="1862" b="0" i="0" u="none" strike="noStrike" kern="1200" spc="0" baseline="0">
+              <a:solidFill>
+                <a:schemeClr val="tx1">
+                  <a:lumMod val="65000"/>
+                  <a:lumOff val="35000"/>
+                </a:schemeClr>
+              </a:solidFill>
+              <a:latin typeface="+mn-lt"/>
+              <a:ea typeface="+mn-ea"/>
+              <a:cs typeface="+mn-cs"/>
+            </a:defRPr>
+          </a:pPr>
+          <a:endParaRPr lang="fr-FR"/>
+        </a:p>
+      </c:txPr>
+    </c:title>
+    <c:autoTitleDeleted val="0"/>
+    <c:plotArea>
+      <c:layout/>
+      <c:pieChart>
+        <c:varyColors val="1"/>
+        <c:ser>
+          <c:idx val="0"/>
+          <c:order val="0"/>
+          <c:tx>
+            <c:strRef>
+              <c:f>Feuil1!$B$1</c:f>
+              <c:strCache>
+                <c:ptCount val="1"/>
+                <c:pt idx="0">
+                  <c:v>Ventes</c:v>
+                </c:pt>
+              </c:strCache>
+            </c:strRef>
+          </c:tx>
+          <c:dPt>
+            <c:idx val="0"/>
+            <c:bubble3D val="0"/>
+            <c:spPr>
+              <a:solidFill>
+                <a:schemeClr val="accent1"/>
+              </a:solidFill>
+              <a:ln w="19050">
+                <a:solidFill>
+                  <a:schemeClr val="lt1"/>
+                </a:solidFill>
+              </a:ln>
+              <a:effectLst/>
+            </c:spPr>
+          </c:dPt>
+          <c:dPt>
+            <c:idx val="1"/>
+            <c:bubble3D val="0"/>
+            <c:spPr>
+              <a:solidFill>
+                <a:schemeClr val="accent2"/>
+              </a:solidFill>
+              <a:ln w="19050">
+                <a:solidFill>
+                  <a:schemeClr val="lt1"/>
+                </a:solidFill>
+              </a:ln>
+              <a:effectLst/>
+            </c:spPr>
+          </c:dPt>
+          <c:dPt>
+            <c:idx val="2"/>
+            <c:bubble3D val="0"/>
+            <c:spPr>
+              <a:solidFill>
+                <a:schemeClr val="accent3"/>
+              </a:solidFill>
+              <a:ln w="19050">
+                <a:solidFill>
+                  <a:schemeClr val="lt1"/>
+                </a:solidFill>
+              </a:ln>
+              <a:effectLst/>
+            </c:spPr>
+          </c:dPt>
+          <c:dPt>
+            <c:idx val="3"/>
+            <c:bubble3D val="0"/>
+            <c:spPr>
+              <a:solidFill>
+                <a:schemeClr val="accent4"/>
+              </a:solidFill>
+              <a:ln w="19050">
+                <a:solidFill>
+                  <a:schemeClr val="lt1"/>
+                </a:solidFill>
+              </a:ln>
+              <a:effectLst/>
+            </c:spPr>
+          </c:dPt>
+          <c:dPt>
+            <c:idx val="4"/>
+            <c:bubble3D val="0"/>
+            <c:spPr>
+              <a:solidFill>
+                <a:schemeClr val="accent5"/>
+              </a:solidFill>
+              <a:ln w="19050">
+                <a:solidFill>
+                  <a:schemeClr val="lt1"/>
+                </a:solidFill>
+              </a:ln>
+              <a:effectLst/>
+            </c:spPr>
+          </c:dPt>
+          <c:dPt>
+            <c:idx val="5"/>
+            <c:bubble3D val="0"/>
+            <c:spPr>
+              <a:solidFill>
+                <a:schemeClr val="accent6"/>
+              </a:solidFill>
+              <a:ln w="19050">
+                <a:solidFill>
+                  <a:schemeClr val="lt1"/>
+                </a:solidFill>
+              </a:ln>
+              <a:effectLst/>
+            </c:spPr>
+          </c:dPt>
+          <c:dPt>
+            <c:idx val="6"/>
+            <c:bubble3D val="0"/>
+            <c:spPr>
+              <a:solidFill>
+                <a:schemeClr val="accent1">
+                  <a:lumMod val="60000"/>
+                </a:schemeClr>
+              </a:solidFill>
+              <a:ln w="19050">
+                <a:solidFill>
+                  <a:schemeClr val="lt1"/>
+                </a:solidFill>
+              </a:ln>
+              <a:effectLst/>
+            </c:spPr>
+          </c:dPt>
+          <c:dLbls>
+            <c:spPr>
+              <a:solidFill>
+                <a:srgbClr val="FFFFFF"/>
+              </a:solidFill>
+              <a:ln>
+                <a:solidFill>
+                  <a:srgbClr val="611BB8">
+                    <a:lumMod val="25000"/>
+                    <a:lumOff val="75000"/>
+                  </a:srgbClr>
+                </a:solidFill>
+              </a:ln>
+              <a:effectLst/>
+            </c:spPr>
+            <c:txPr>
+              <a:bodyPr rot="0" spcFirstLastPara="1" vertOverflow="clip" horzOverflow="clip" vert="horz" wrap="square" lIns="38100" tIns="19050" rIns="38100" bIns="19050" anchor="ctr" anchorCtr="1">
+                <a:spAutoFit/>
+              </a:bodyPr>
+              <a:lstStyle/>
+              <a:p>
+                <a:pPr>
+                  <a:defRPr sz="1197" b="0" i="0" u="none" strike="noStrike" kern="1200" baseline="0">
+                    <a:solidFill>
+                      <a:schemeClr val="dk1">
+                        <a:lumMod val="65000"/>
+                        <a:lumOff val="35000"/>
+                      </a:schemeClr>
+                    </a:solidFill>
+                    <a:latin typeface="+mn-lt"/>
+                    <a:ea typeface="+mn-ea"/>
+                    <a:cs typeface="+mn-cs"/>
+                  </a:defRPr>
+                </a:pPr>
+                <a:endParaRPr lang="fr-FR"/>
+              </a:p>
+            </c:txPr>
+            <c:dLblPos val="outEnd"/>
+            <c:showLegendKey val="0"/>
+            <c:showVal val="0"/>
+            <c:showCatName val="1"/>
+            <c:showSerName val="0"/>
+            <c:showPercent val="1"/>
+            <c:showBubbleSize val="0"/>
+            <c:showLeaderLines val="0"/>
+            <c:extLst>
+              <c:ext xmlns:c15="http://schemas.microsoft.com/office/drawing/2012/chart" uri="{CE6537A1-D6FC-4f65-9D91-7224C49458BB}">
+                <c15:spPr xmlns:c15="http://schemas.microsoft.com/office/drawing/2012/chart">
+                  <a:prstGeom prst="wedgeRectCallout">
+                    <a:avLst/>
+                  </a:prstGeom>
+                  <a:noFill/>
+                  <a:ln>
+                    <a:noFill/>
+                  </a:ln>
+                </c15:spPr>
+              </c:ext>
+            </c:extLst>
+          </c:dLbls>
+          <c:cat>
+            <c:strRef>
+              <c:f>Feuil1!$A$2:$A$8</c:f>
+              <c:strCache>
+                <c:ptCount val="7"/>
+                <c:pt idx="0">
+                  <c:v>Classic Cars</c:v>
+                </c:pt>
+                <c:pt idx="1">
+                  <c:v>Vintage Cars</c:v>
+                </c:pt>
+                <c:pt idx="2">
+                  <c:v>Motorcycles</c:v>
+                </c:pt>
+                <c:pt idx="3">
+                  <c:v>Planes</c:v>
+                </c:pt>
+                <c:pt idx="4">
+                  <c:v>Trucks ans Buses</c:v>
+                </c:pt>
+                <c:pt idx="5">
+                  <c:v>Ships</c:v>
+                </c:pt>
+                <c:pt idx="6">
+                  <c:v>Trains</c:v>
+                </c:pt>
+              </c:strCache>
+            </c:strRef>
+          </c:cat>
+          <c:val>
+            <c:numRef>
+              <c:f>Feuil1!$B$2:$B$8</c:f>
+              <c:numCache>
+                <c:formatCode>General</c:formatCode>
+                <c:ptCount val="7"/>
+                <c:pt idx="0">
+                  <c:v>3.4</c:v>
+                </c:pt>
+                <c:pt idx="1">
+                  <c:v>2.2000000000000002</c:v>
+                </c:pt>
+                <c:pt idx="2">
+                  <c:v>1.2</c:v>
+                </c:pt>
+                <c:pt idx="3">
+                  <c:v>1.1000000000000001</c:v>
+                </c:pt>
+                <c:pt idx="4">
+                  <c:v>1</c:v>
+                </c:pt>
+                <c:pt idx="5">
+                  <c:v>0.8</c:v>
+                </c:pt>
+                <c:pt idx="6">
+                  <c:v>0.3</c:v>
+                </c:pt>
+              </c:numCache>
+            </c:numRef>
+          </c:val>
+          <c:extLst>
+            <c:ext xmlns:c16="http://schemas.microsoft.com/office/drawing/2014/chart" uri="{C3380CC4-5D6E-409C-BE32-E72D297353CC}">
+              <c16:uniqueId val="{00000000-9FAA-4B4F-B432-B152423D5AAE}"/>
+            </c:ext>
+          </c:extLst>
+        </c:ser>
+        <c:dLbls>
+          <c:showLegendKey val="0"/>
+          <c:showVal val="0"/>
+          <c:showCatName val="0"/>
+          <c:showSerName val="0"/>
+          <c:showPercent val="0"/>
+          <c:showBubbleSize val="0"/>
+          <c:showLeaderLines val="0"/>
+        </c:dLbls>
+        <c:firstSliceAng val="0"/>
+      </c:pieChart>
+      <c:spPr>
+        <a:noFill/>
+        <a:ln>
+          <a:noFill/>
+        </a:ln>
+        <a:effectLst/>
+      </c:spPr>
+    </c:plotArea>
+    <c:plotVisOnly val="1"/>
+    <c:dispBlanksAs val="gap"/>
+    <c:extLst>
+      <c:ext xmlns:c16r3="http://schemas.microsoft.com/office/drawing/2017/03/chart" uri="{56B9EC1D-385E-4148-901F-78D8002777C0}">
+        <c16r3:dataDisplayOptions16>
+          <c16r3:dispNaAsBlank val="1"/>
+        </c16r3:dataDisplayOptions16>
+      </c:ext>
+    </c:extLst>
+    <c:showDLblsOverMax val="0"/>
+  </c:chart>
+  <c:spPr>
+    <a:noFill/>
+    <a:ln>
+      <a:noFill/>
+    </a:ln>
+    <a:effectLst/>
+  </c:spPr>
+  <c:txPr>
+    <a:bodyPr/>
+    <a:lstStyle/>
+    <a:p>
+      <a:pPr>
+        <a:defRPr/>
+      </a:pPr>
+      <a:endParaRPr lang="fr-FR"/>
+    </a:p>
+  </c:txPr>
+  <c:externalData r:id="rId3">
+    <c:autoUpdate val="0"/>
+  </c:externalData>
+</c:chartSpace>
+</file>
+
+<file path=ppt/charts/colors1.xml><?xml version="1.0" encoding="utf-8"?>
+<cs:colorStyle xmlns:cs="http://schemas.microsoft.com/office/drawing/2012/chartStyle" xmlns:a="http://schemas.openxmlformats.org/drawingml/2006/main" meth="cycle" id="10">
+  <a:schemeClr val="accent1"/>
+  <a:schemeClr val="accent2"/>
+  <a:schemeClr val="accent3"/>
+  <a:schemeClr val="accent4"/>
+  <a:schemeClr val="accent5"/>
+  <a:schemeClr val="accent6"/>
+  <cs:variation/>
+  <cs:variation>
+    <a:lumMod val="60000"/>
+  </cs:variation>
+  <cs:variation>
+    <a:lumMod val="80000"/>
+    <a:lumOff val="20000"/>
+  </cs:variation>
+  <cs:variation>
+    <a:lumMod val="80000"/>
+  </cs:variation>
+  <cs:variation>
+    <a:lumMod val="60000"/>
+    <a:lumOff val="40000"/>
+  </cs:variation>
+  <cs:variation>
+    <a:lumMod val="50000"/>
+  </cs:variation>
+  <cs:variation>
+    <a:lumMod val="70000"/>
+    <a:lumOff val="30000"/>
+  </cs:variation>
+  <cs:variation>
+    <a:lumMod val="70000"/>
+  </cs:variation>
+  <cs:variation>
+    <a:lumMod val="50000"/>
+    <a:lumOff val="50000"/>
+  </cs:variation>
+</cs:colorStyle>
+</file>
+
+<file path=ppt/charts/style1.xml><?xml version="1.0" encoding="utf-8"?>
+<cs:chartStyle xmlns:cs="http://schemas.microsoft.com/office/drawing/2012/chartStyle" xmlns:a="http://schemas.openxmlformats.org/drawingml/2006/main" id="251">
+  <cs:axisTitle>
+    <cs:lnRef idx="0"/>
+    <cs:fillRef idx="0"/>
+    <cs:effectRef idx="0"/>
+    <cs:fontRef idx="minor">
+      <a:schemeClr val="tx1">
+        <a:lumMod val="65000"/>
+        <a:lumOff val="35000"/>
+      </a:schemeClr>
+    </cs:fontRef>
+    <cs:defRPr sz="1330" kern="1200"/>
+  </cs:axisTitle>
+  <cs:categoryAxis>
+    <cs:lnRef idx="0"/>
+    <cs:fillRef idx="0"/>
+    <cs:effectRef idx="0"/>
+    <cs:fontRef idx="minor">
+      <a:schemeClr val="tx1">
+        <a:lumMod val="65000"/>
+        <a:lumOff val="35000"/>
+      </a:schemeClr>
+    </cs:fontRef>
+    <cs:spPr>
+      <a:ln w="9525" cap="flat" cmpd="sng" algn="ctr">
+        <a:solidFill>
+          <a:schemeClr val="tx1">
+            <a:lumMod val="15000"/>
+            <a:lumOff val="85000"/>
+          </a:schemeClr>
+        </a:solidFill>
+        <a:round/>
+      </a:ln>
+    </cs:spPr>
+    <cs:defRPr sz="1197" kern="1200"/>
+  </cs:categoryAxis>
+  <cs:chartArea mods="allowNoFillOverride allowNoLineOverride">
+    <cs:lnRef idx="0"/>
+    <cs:fillRef idx="0"/>
+    <cs:effectRef idx="0"/>
+    <cs:fontRef idx="minor">
+      <a:schemeClr val="tx1"/>
+    </cs:fontRef>
+    <cs:spPr>
+      <a:solidFill>
+        <a:schemeClr val="bg1"/>
+      </a:solidFill>
+      <a:ln w="9525" cap="flat" cmpd="sng" algn="ctr">
+        <a:solidFill>
+          <a:schemeClr val="tx1">
+            <a:lumMod val="15000"/>
+            <a:lumOff val="85000"/>
+          </a:schemeClr>
+        </a:solidFill>
+        <a:round/>
+      </a:ln>
+    </cs:spPr>
+    <cs:defRPr sz="1197" kern="1200"/>
+  </cs:chartArea>
+  <cs:dataLabel>
+    <cs:lnRef idx="0"/>
+    <cs:fillRef idx="0"/>
+    <cs:effectRef idx="0"/>
+    <cs:fontRef idx="minor">
+      <a:schemeClr val="tx1">
+        <a:lumMod val="75000"/>
+        <a:lumOff val="25000"/>
+      </a:schemeClr>
+    </cs:fontRef>
+    <cs:defRPr sz="1197" kern="1200"/>
+  </cs:dataLabel>
+  <cs:dataLabelCallout>
+    <cs:lnRef idx="0"/>
+    <cs:fillRef idx="0"/>
+    <cs:effectRef idx="0"/>
+    <cs:fontRef idx="minor">
+      <a:schemeClr val="dk1">
+        <a:lumMod val="65000"/>
+        <a:lumOff val="35000"/>
+      </a:schemeClr>
+    </cs:fontRef>
+    <cs:spPr>
+      <a:solidFill>
+        <a:schemeClr val="lt1"/>
+      </a:solidFill>
+      <a:ln>
+        <a:solidFill>
+          <a:schemeClr val="dk1">
+            <a:lumMod val="25000"/>
+            <a:lumOff val="75000"/>
+          </a:schemeClr>
+        </a:solidFill>
+      </a:ln>
+    </cs:spPr>
+    <cs:defRPr sz="1197" kern="1200"/>
+    <cs:bodyPr rot="0" spcFirstLastPara="1" vertOverflow="clip" horzOverflow="clip" vert="horz" wrap="square" lIns="36576" tIns="18288" rIns="36576" bIns="18288" anchor="ctr" anchorCtr="1">
+      <a:spAutoFit/>
+    </cs:bodyPr>
+  </cs:dataLabelCallout>
+  <cs:dataPoint>
+    <cs:lnRef idx="0"/>
+    <cs:fillRef idx="1">
+      <cs:styleClr val="auto"/>
+    </cs:fillRef>
+    <cs:effectRef idx="0"/>
+    <cs:fontRef idx="minor">
+      <a:schemeClr val="tx1"/>
+    </cs:fontRef>
+    <cs:spPr>
+      <a:ln w="19050">
+        <a:solidFill>
+          <a:schemeClr val="lt1"/>
+        </a:solidFill>
+      </a:ln>
+    </cs:spPr>
+  </cs:dataPoint>
+  <cs:dataPoint3D>
+    <cs:lnRef idx="0"/>
+    <cs:fillRef idx="1">
+      <cs:styleClr val="auto"/>
+    </cs:fillRef>
+    <cs:effectRef idx="0"/>
+    <cs:fontRef idx="minor">
+      <a:schemeClr val="tx1"/>
+    </cs:fontRef>
+    <cs:spPr>
+      <a:ln w="25400">
+        <a:solidFill>
+          <a:schemeClr val="lt1"/>
+        </a:solidFill>
+      </a:ln>
+    </cs:spPr>
+  </cs:dataPoint3D>
+  <cs:dataPointLine>
+    <cs:lnRef idx="0">
+      <cs:styleClr val="auto"/>
+    </cs:lnRef>
+    <cs:fillRef idx="0"/>
+    <cs:effectRef idx="0"/>
+    <cs:fontRef idx="minor">
+      <a:schemeClr val="tx1"/>
+    </cs:fontRef>
+    <cs:spPr>
+      <a:ln w="28575" cap="rnd">
+        <a:solidFill>
+          <a:schemeClr val="phClr"/>
+        </a:solidFill>
+        <a:round/>
+      </a:ln>
+    </cs:spPr>
+  </cs:dataPointLine>
+  <cs:dataPointMarker>
+    <cs:lnRef idx="0">
+      <cs:styleClr val="auto"/>
+    </cs:lnRef>
+    <cs:fillRef idx="1">
+      <cs:styleClr val="auto"/>
+    </cs:fillRef>
+    <cs:effectRef idx="0"/>
+    <cs:fontRef idx="minor">
+      <a:schemeClr val="tx1"/>
+    </cs:fontRef>
+    <cs:spPr>
+      <a:ln w="9525">
+        <a:solidFill>
+          <a:schemeClr val="phClr"/>
+        </a:solidFill>
+      </a:ln>
+    </cs:spPr>
+  </cs:dataPointMarker>
+  <cs:dataPointMarkerLayout symbol="circle" size="5"/>
+  <cs:dataPointWireframe>
+    <cs:lnRef idx="0">
+      <cs:styleClr val="auto"/>
+    </cs:lnRef>
+    <cs:fillRef idx="0"/>
+    <cs:effectRef idx="0"/>
+    <cs:fontRef idx="minor">
+      <a:schemeClr val="tx1"/>
+    </cs:fontRef>
+    <cs:spPr>
+      <a:ln w="9525" cap="rnd">
+        <a:solidFill>
+          <a:schemeClr val="phClr"/>
+        </a:solidFill>
+        <a:round/>
+      </a:ln>
+    </cs:spPr>
+  </cs:dataPointWireframe>
+  <cs:dataTable>
+    <cs:lnRef idx="0"/>
+    <cs:fillRef idx="0"/>
+    <cs:effectRef idx="0"/>
+    <cs:fontRef idx="minor">
+      <a:schemeClr val="tx1">
+        <a:lumMod val="65000"/>
+        <a:lumOff val="35000"/>
+      </a:schemeClr>
+    </cs:fontRef>
+    <cs:spPr>
+      <a:noFill/>
+      <a:ln w="9525" cap="flat" cmpd="sng" algn="ctr">
+        <a:solidFill>
+          <a:schemeClr val="tx1">
+            <a:lumMod val="15000"/>
+            <a:lumOff val="85000"/>
+          </a:schemeClr>
+        </a:solidFill>
+        <a:round/>
+      </a:ln>
+    </cs:spPr>
+    <cs:defRPr sz="1197" kern="1200"/>
+  </cs:dataTable>
+  <cs:downBar>
+    <cs:lnRef idx="0"/>
+    <cs:fillRef idx="0"/>
+    <cs:effectRef idx="0"/>
+    <cs:fontRef idx="minor">
+      <a:schemeClr val="tx1"/>
+    </cs:fontRef>
+    <cs:spPr>
+      <a:solidFill>
+        <a:schemeClr val="dk1">
+          <a:lumMod val="75000"/>
+          <a:lumOff val="25000"/>
+        </a:schemeClr>
+      </a:solidFill>
+      <a:ln w="9525" cap="flat" cmpd="sng" algn="ctr">
+        <a:solidFill>
+          <a:schemeClr val="tx1">
+            <a:lumMod val="65000"/>
+            <a:lumOff val="35000"/>
+          </a:schemeClr>
+        </a:solidFill>
+        <a:round/>
+      </a:ln>
+    </cs:spPr>
+  </cs:downBar>
+  <cs:dropLine>
+    <cs:lnRef idx="0"/>
+    <cs:fillRef idx="0"/>
+    <cs:effectRef idx="0"/>
+    <cs:fontRef idx="minor">
+      <a:schemeClr val="tx1"/>
+    </cs:fontRef>
+    <cs:spPr>
+      <a:ln w="9525" cap="flat" cmpd="sng" algn="ctr">
+        <a:solidFill>
+          <a:schemeClr val="tx1">
+            <a:lumMod val="35000"/>
+            <a:lumOff val="65000"/>
+          </a:schemeClr>
+        </a:solidFill>
+        <a:round/>
+      </a:ln>
+    </cs:spPr>
+  </cs:dropLine>
+  <cs:errorBar>
+    <cs:lnRef idx="0"/>
+    <cs:fillRef idx="0"/>
+    <cs:effectRef idx="0"/>
+    <cs:fontRef idx="minor">
+      <a:schemeClr val="tx1"/>
+    </cs:fontRef>
+    <cs:spPr>
+      <a:ln w="9525" cap="flat" cmpd="sng" algn="ctr">
+        <a:solidFill>
+          <a:schemeClr val="tx1">
+            <a:lumMod val="65000"/>
+            <a:lumOff val="35000"/>
+          </a:schemeClr>
+        </a:solidFill>
+        <a:round/>
+      </a:ln>
+    </cs:spPr>
+  </cs:errorBar>
+  <cs:floor>
+    <cs:lnRef idx="0"/>
+    <cs:fillRef idx="0"/>
+    <cs:effectRef idx="0"/>
+    <cs:fontRef idx="minor">
+      <a:schemeClr val="tx1"/>
+    </cs:fontRef>
+    <cs:spPr>
+      <a:noFill/>
+      <a:ln>
+        <a:noFill/>
+      </a:ln>
+    </cs:spPr>
+  </cs:floor>
+  <cs:gridlineMajor>
+    <cs:lnRef idx="0"/>
+    <cs:fillRef idx="0"/>
+    <cs:effectRef idx="0"/>
+    <cs:fontRef idx="minor">
+      <a:schemeClr val="tx1"/>
+    </cs:fontRef>
+    <cs:spPr>
+      <a:ln w="9525" cap="flat" cmpd="sng" algn="ctr">
+        <a:solidFill>
+          <a:schemeClr val="tx1">
+            <a:lumMod val="15000"/>
+            <a:lumOff val="85000"/>
+          </a:schemeClr>
+        </a:solidFill>
+        <a:round/>
+      </a:ln>
+    </cs:spPr>
+  </cs:gridlineMajor>
+  <cs:gridlineMinor>
+    <cs:lnRef idx="0"/>
+    <cs:fillRef idx="0"/>
+    <cs:effectRef idx="0"/>
+    <cs:fontRef idx="minor">
+      <a:schemeClr val="tx1"/>
+    </cs:fontRef>
+    <cs:spPr>
+      <a:ln w="9525" cap="flat" cmpd="sng" algn="ctr">
+        <a:solidFill>
+          <a:schemeClr val="tx1">
+            <a:lumMod val="5000"/>
+            <a:lumOff val="95000"/>
+          </a:schemeClr>
+        </a:solidFill>
+        <a:round/>
+      </a:ln>
+    </cs:spPr>
+  </cs:gridlineMinor>
+  <cs:hiLoLine>
+    <cs:lnRef idx="0"/>
+    <cs:fillRef idx="0"/>
+    <cs:effectRef idx="0"/>
+    <cs:fontRef idx="minor">
+      <a:schemeClr val="tx1"/>
+    </cs:fontRef>
+    <cs:spPr>
+      <a:ln w="9525" cap="flat" cmpd="sng" algn="ctr">
+        <a:solidFill>
+          <a:schemeClr val="tx1">
+            <a:lumMod val="50000"/>
+            <a:lumOff val="50000"/>
+          </a:schemeClr>
+        </a:solidFill>
+        <a:round/>
+      </a:ln>
+    </cs:spPr>
+  </cs:hiLoLine>
+  <cs:leaderLine>
+    <cs:lnRef idx="0"/>
+    <cs:fillRef idx="0"/>
+    <cs:effectRef idx="0"/>
+    <cs:fontRef idx="minor">
+      <a:schemeClr val="tx1"/>
+    </cs:fontRef>
+    <cs:spPr>
+      <a:ln w="9525" cap="flat" cmpd="sng" algn="ctr">
+        <a:solidFill>
+          <a:schemeClr val="tx1">
+            <a:lumMod val="35000"/>
+            <a:lumOff val="65000"/>
+          </a:schemeClr>
+        </a:solidFill>
+        <a:round/>
+      </a:ln>
+    </cs:spPr>
+  </cs:leaderLine>
+  <cs:legend>
+    <cs:lnRef idx="0"/>
+    <cs:fillRef idx="0"/>
+    <cs:effectRef idx="0"/>
+    <cs:fontRef idx="minor">
+      <a:schemeClr val="tx1">
+        <a:lumMod val="65000"/>
+        <a:lumOff val="35000"/>
+      </a:schemeClr>
+    </cs:fontRef>
+    <cs:defRPr sz="1197" kern="1200"/>
+  </cs:legend>
+  <cs:plotArea mods="allowNoFillOverride allowNoLineOverride">
+    <cs:lnRef idx="0"/>
+    <cs:fillRef idx="0"/>
+    <cs:effectRef idx="0"/>
+    <cs:fontRef idx="minor">
+      <a:schemeClr val="tx1"/>
+    </cs:fontRef>
+  </cs:plotArea>
+  <cs:plotArea3D mods="allowNoFillOverride allowNoLineOverride">
+    <cs:lnRef idx="0"/>
+    <cs:fillRef idx="0"/>
+    <cs:effectRef idx="0"/>
+    <cs:fontRef idx="minor">
+      <a:schemeClr val="tx1"/>
+    </cs:fontRef>
+  </cs:plotArea3D>
+  <cs:seriesAxis>
+    <cs:lnRef idx="0"/>
+    <cs:fillRef idx="0"/>
+    <cs:effectRef idx="0"/>
+    <cs:fontRef idx="minor">
+      <a:schemeClr val="tx1">
+        <a:lumMod val="65000"/>
+        <a:lumOff val="35000"/>
+      </a:schemeClr>
+    </cs:fontRef>
+    <cs:defRPr sz="1197" kern="1200"/>
+  </cs:seriesAxis>
+  <cs:seriesLine>
+    <cs:lnRef idx="0"/>
+    <cs:fillRef idx="0"/>
+    <cs:effectRef idx="0"/>
+    <cs:fontRef idx="minor">
+      <a:schemeClr val="tx1"/>
+    </cs:fontRef>
+    <cs:spPr>
+      <a:ln w="9525" cap="flat" cmpd="sng" algn="ctr">
+        <a:solidFill>
+          <a:schemeClr val="tx1">
+            <a:lumMod val="35000"/>
+            <a:lumOff val="65000"/>
+          </a:schemeClr>
+        </a:solidFill>
+        <a:round/>
+      </a:ln>
+    </cs:spPr>
+  </cs:seriesLine>
+  <cs:title>
+    <cs:lnRef idx="0"/>
+    <cs:fillRef idx="0"/>
+    <cs:effectRef idx="0"/>
+    <cs:fontRef idx="minor">
+      <a:schemeClr val="tx1">
+        <a:lumMod val="65000"/>
+        <a:lumOff val="35000"/>
+      </a:schemeClr>
+    </cs:fontRef>
+    <cs:defRPr sz="1862" b="0" kern="1200" spc="0" baseline="0"/>
+  </cs:title>
+  <cs:trendline>
+    <cs:lnRef idx="0">
+      <cs:styleClr val="auto"/>
+    </cs:lnRef>
+    <cs:fillRef idx="0"/>
+    <cs:effectRef idx="0"/>
+    <cs:fontRef idx="minor">
+      <a:schemeClr val="tx1"/>
+    </cs:fontRef>
+    <cs:spPr>
+      <a:ln w="19050" cap="rnd">
+        <a:solidFill>
+          <a:schemeClr val="phClr"/>
+        </a:solidFill>
+        <a:prstDash val="sysDot"/>
+      </a:ln>
+    </cs:spPr>
+  </cs:trendline>
+  <cs:trendlineLabel>
+    <cs:lnRef idx="0"/>
+    <cs:fillRef idx="0"/>
+    <cs:effectRef idx="0"/>
+    <cs:fontRef idx="minor">
+      <a:schemeClr val="tx1">
+        <a:lumMod val="65000"/>
+        <a:lumOff val="35000"/>
+      </a:schemeClr>
+    </cs:fontRef>
+    <cs:defRPr sz="1197" kern="1200"/>
+  </cs:trendlineLabel>
+  <cs:upBar>
+    <cs:lnRef idx="0"/>
+    <cs:fillRef idx="0"/>
+    <cs:effectRef idx="0"/>
+    <cs:fontRef idx="minor">
+      <a:schemeClr val="tx1"/>
+    </cs:fontRef>
+    <cs:spPr>
+      <a:solidFill>
+        <a:schemeClr val="lt1"/>
+      </a:solidFill>
+      <a:ln w="9525" cap="flat" cmpd="sng" algn="ctr">
+        <a:solidFill>
+          <a:schemeClr val="tx1">
+            <a:lumMod val="65000"/>
+            <a:lumOff val="35000"/>
+          </a:schemeClr>
+        </a:solidFill>
+        <a:round/>
+      </a:ln>
+    </cs:spPr>
+  </cs:upBar>
+  <cs:valueAxis>
+    <cs:lnRef idx="0"/>
+    <cs:fillRef idx="0"/>
+    <cs:effectRef idx="0"/>
+    <cs:fontRef idx="minor">
+      <a:schemeClr val="tx1">
+        <a:lumMod val="65000"/>
+        <a:lumOff val="35000"/>
+      </a:schemeClr>
+    </cs:fontRef>
+    <cs:defRPr sz="1197" kern="1200"/>
+  </cs:valueAxis>
+  <cs:wall>
+    <cs:lnRef idx="0"/>
+    <cs:fillRef idx="0"/>
+    <cs:effectRef idx="0"/>
+    <cs:fontRef idx="minor">
+      <a:schemeClr val="tx1"/>
+    </cs:fontRef>
+    <cs:spPr>
+      <a:noFill/>
+      <a:ln>
+        <a:noFill/>
+      </a:ln>
+    </cs:spPr>
+  </cs:wall>
+</cs:chartStyle>
+</file>
+
 <file path=ppt/notesMasters/notesMaster1.xml><?xml version="1.0" encoding="utf-8"?>
-<p:notesMaster xmlns:a="http://schemas.openxmlformats.org/drawingml/2006/main" xmlns:r="http://schemas.openxmlformats.org/officeDocument/2006/relationships" xmlns:mc="http://schemas.openxmlformats.org/markup-compatibility/2006" xmlns:mv="urn:schemas-microsoft-com:mac:vml" xmlns:p="http://schemas.openxmlformats.org/presentationml/2006/main" xmlns:c="http://schemas.openxmlformats.org/drawingml/2006/chart" xmlns:dgm="http://schemas.openxmlformats.org/drawingml/2006/diagram" xmlns:o="urn:schemas-microsoft-com:office:office" xmlns:v="urn:schemas-microsoft-com:vml" xmlns:pvml="urn:schemas-microsoft-com:office:powerpoint" xmlns:com="http://schemas.openxmlformats.org/drawingml/2006/compatibility" xmlns:p14="http://schemas.microsoft.com/office/powerpoint/2010/main" xmlns:p15="http://schemas.microsoft.com/office/powerpoint/2012/main" xmlns:ahyp="http://schemas.microsoft.com/office/drawing/2018/hyperlinkcolor">
+<p:notesMaster xmlns:a="http://schemas.openxmlformats.org/drawingml/2006/main" xmlns:r="http://schemas.openxmlformats.org/officeDocument/2006/relationships" xmlns:p="http://schemas.openxmlformats.org/presentationml/2006/main">
   <p:cSld>
+    <p:bg>
+      <p:bgRef idx="1001">
+        <a:schemeClr val="bg1"/>
+      </p:bgRef>
+    </p:bg>
     <p:spTree>
       <p:nvGrpSpPr>
-        <p:cNvPr id="2" name="Shape 2"/>
+        <p:cNvPr id="1" name="Shape 2"/>
         <p:cNvGrpSpPr/>
         <p:nvPr/>
       </p:nvGrpSpPr>
@@ -314,9 +1420,11 @@
       <p:sp>
         <p:nvSpPr>
           <p:cNvPr id="3" name="Google Shape;3;n"/>
-          <p:cNvSpPr/>
+          <p:cNvSpPr>
+            <a:spLocks noGrp="1" noRot="1" noChangeAspect="1"/>
+          </p:cNvSpPr>
           <p:nvPr>
-            <p:ph idx="2" type="sldImg"/>
+            <p:ph type="sldImg" idx="2"/>
           </p:nvPr>
         </p:nvSpPr>
         <p:spPr>
@@ -325,9 +1433,13 @@
             <a:ext cx="6096075" cy="3429000"/>
           </a:xfrm>
           <a:custGeom>
-            <a:rect b="b" l="l" r="r" t="t"/>
+            <a:avLst/>
+            <a:gdLst/>
+            <a:ahLst/>
+            <a:cxnLst/>
+            <a:rect l="l" t="t" r="r" b="b"/>
             <a:pathLst>
-              <a:path extrusionOk="0" h="120000" w="120000">
+              <a:path w="120000" h="120000" extrusionOk="0">
                 <a:moveTo>
                   <a:pt x="0" y="0"/>
                 </a:moveTo>
@@ -345,23 +1457,25 @@
             </a:pathLst>
           </a:custGeom>
           <a:noFill/>
-          <a:ln cap="flat" cmpd="sng" w="9525">
+          <a:ln w="9525" cap="flat" cmpd="sng">
             <a:solidFill>
               <a:srgbClr val="000000"/>
             </a:solidFill>
             <a:prstDash val="solid"/>
             <a:round/>
-            <a:headEnd len="sm" w="sm" type="none"/>
-            <a:tailEnd len="sm" w="sm" type="none"/>
+            <a:headEnd type="none" w="sm" len="sm"/>
+            <a:tailEnd type="none" w="sm" len="sm"/>
           </a:ln>
         </p:spPr>
       </p:sp>
       <p:sp>
         <p:nvSpPr>
           <p:cNvPr id="4" name="Google Shape;4;n"/>
-          <p:cNvSpPr txBox="1"/>
+          <p:cNvSpPr txBox="1">
+            <a:spLocks noGrp="1"/>
+          </p:cNvSpPr>
           <p:nvPr>
-            <p:ph idx="1" type="body"/>
+            <p:ph type="body" idx="1"/>
           </p:nvPr>
         </p:nvSpPr>
         <p:spPr>
@@ -378,11 +1492,11 @@
           </a:ln>
         </p:spPr>
         <p:txBody>
-          <a:bodyPr anchorCtr="0" anchor="t" bIns="91425" lIns="91425" spcFirstLastPara="1" rIns="91425" wrap="square" tIns="91425">
+          <a:bodyPr spcFirstLastPara="1" wrap="square" lIns="91425" tIns="91425" rIns="91425" bIns="91425" anchor="t" anchorCtr="0">
             <a:noAutofit/>
           </a:bodyPr>
           <a:lstStyle>
-            <a:lvl1pPr indent="-317500" lvl="0" marL="457200">
+            <a:lvl1pPr marL="457200" lvl="0" indent="-317500">
               <a:spcBef>
                 <a:spcPts val="0"/>
               </a:spcBef>
@@ -393,7 +1507,7 @@
               <a:buChar char="●"/>
               <a:defRPr sz="1100"/>
             </a:lvl1pPr>
-            <a:lvl2pPr indent="-317500" lvl="1" marL="914400">
+            <a:lvl2pPr marL="914400" lvl="1" indent="-317500">
               <a:spcBef>
                 <a:spcPts val="0"/>
               </a:spcBef>
@@ -404,7 +1518,7 @@
               <a:buChar char="○"/>
               <a:defRPr sz="1100"/>
             </a:lvl2pPr>
-            <a:lvl3pPr indent="-317500" lvl="2" marL="1371600">
+            <a:lvl3pPr marL="1371600" lvl="2" indent="-317500">
               <a:spcBef>
                 <a:spcPts val="0"/>
               </a:spcBef>
@@ -415,7 +1529,7 @@
               <a:buChar char="■"/>
               <a:defRPr sz="1100"/>
             </a:lvl3pPr>
-            <a:lvl4pPr indent="-317500" lvl="3" marL="1828800">
+            <a:lvl4pPr marL="1828800" lvl="3" indent="-317500">
               <a:spcBef>
                 <a:spcPts val="0"/>
               </a:spcBef>
@@ -426,7 +1540,7 @@
               <a:buChar char="●"/>
               <a:defRPr sz="1100"/>
             </a:lvl4pPr>
-            <a:lvl5pPr indent="-317500" lvl="4" marL="2286000">
+            <a:lvl5pPr marL="2286000" lvl="4" indent="-317500">
               <a:spcBef>
                 <a:spcPts val="0"/>
               </a:spcBef>
@@ -437,7 +1551,7 @@
               <a:buChar char="○"/>
               <a:defRPr sz="1100"/>
             </a:lvl5pPr>
-            <a:lvl6pPr indent="-317500" lvl="5" marL="2743200">
+            <a:lvl6pPr marL="2743200" lvl="5" indent="-317500">
               <a:spcBef>
                 <a:spcPts val="0"/>
               </a:spcBef>
@@ -448,7 +1562,7 @@
               <a:buChar char="■"/>
               <a:defRPr sz="1100"/>
             </a:lvl6pPr>
-            <a:lvl7pPr indent="-317500" lvl="6" marL="3200400">
+            <a:lvl7pPr marL="3200400" lvl="6" indent="-317500">
               <a:spcBef>
                 <a:spcPts val="0"/>
               </a:spcBef>
@@ -459,7 +1573,7 @@
               <a:buChar char="●"/>
               <a:defRPr sz="1100"/>
             </a:lvl7pPr>
-            <a:lvl8pPr indent="-317500" lvl="7" marL="3657600">
+            <a:lvl8pPr marL="3657600" lvl="7" indent="-317500">
               <a:spcBef>
                 <a:spcPts val="0"/>
               </a:spcBef>
@@ -470,7 +1584,7 @@
               <a:buChar char="○"/>
               <a:defRPr sz="1100"/>
             </a:lvl8pPr>
-            <a:lvl9pPr indent="-317500" lvl="8" marL="4114800">
+            <a:lvl9pPr marL="4114800" lvl="8" indent="-317500">
               <a:spcBef>
                 <a:spcPts val="0"/>
               </a:spcBef>
@@ -482,14 +1596,16 @@
               <a:defRPr sz="1100"/>
             </a:lvl9pPr>
           </a:lstStyle>
-          <a:p/>
+          <a:p>
+            <a:endParaRPr/>
+          </a:p>
         </p:txBody>
       </p:sp>
     </p:spTree>
   </p:cSld>
-  <p:clrMap accent1="accent1" accent2="accent2" accent3="accent3" accent4="accent4" accent5="accent5" accent6="accent6" bg1="lt1" bg2="dk2" tx1="dk1" tx2="lt2" folHlink="folHlink" hlink="hlink"/>
+  <p:clrMap bg1="lt1" tx1="dk1" bg2="dk2" tx2="lt2" accent1="accent1" accent2="accent2" accent3="accent3" accent4="accent4" accent5="accent5" accent6="accent6" hlink="hlink" folHlink="folHlink"/>
   <p:notesStyle>
-    <a:defPPr lvl="0" marR="0" rtl="0" algn="l">
+    <a:defPPr marR="0" lvl="0" algn="l" rtl="0">
       <a:lnSpc>
         <a:spcPct val="100000"/>
       </a:lnSpc>
@@ -500,7 +1616,7 @@
         <a:spcPts val="0"/>
       </a:spcAft>
     </a:defPPr>
-    <a:lvl1pPr lvl="0" marR="0" rtl="0" algn="l">
+    <a:lvl1pPr marR="0" lvl="0" algn="l" rtl="0">
       <a:lnSpc>
         <a:spcPct val="100000"/>
       </a:lnSpc>
@@ -514,7 +1630,7 @@
         <a:srgbClr val="000000"/>
       </a:buClr>
       <a:buFont typeface="Arial"/>
-      <a:defRPr b="0" i="0" sz="1400" u="none" cap="none" strike="noStrike">
+      <a:defRPr sz="1400" b="0" i="0" u="none" strike="noStrike" cap="none">
         <a:solidFill>
           <a:srgbClr val="000000"/>
         </a:solidFill>
@@ -524,7 +1640,7 @@
         <a:sym typeface="Arial"/>
       </a:defRPr>
     </a:lvl1pPr>
-    <a:lvl2pPr lvl="1" marR="0" rtl="0" algn="l">
+    <a:lvl2pPr marR="0" lvl="1" algn="l" rtl="0">
       <a:lnSpc>
         <a:spcPct val="100000"/>
       </a:lnSpc>
@@ -538,7 +1654,7 @@
         <a:srgbClr val="000000"/>
       </a:buClr>
       <a:buFont typeface="Arial"/>
-      <a:defRPr b="0" i="0" sz="1400" u="none" cap="none" strike="noStrike">
+      <a:defRPr sz="1400" b="0" i="0" u="none" strike="noStrike" cap="none">
         <a:solidFill>
           <a:srgbClr val="000000"/>
         </a:solidFill>
@@ -548,7 +1664,7 @@
         <a:sym typeface="Arial"/>
       </a:defRPr>
     </a:lvl2pPr>
-    <a:lvl3pPr lvl="2" marR="0" rtl="0" algn="l">
+    <a:lvl3pPr marR="0" lvl="2" algn="l" rtl="0">
       <a:lnSpc>
         <a:spcPct val="100000"/>
       </a:lnSpc>
@@ -562,7 +1678,7 @@
         <a:srgbClr val="000000"/>
       </a:buClr>
       <a:buFont typeface="Arial"/>
-      <a:defRPr b="0" i="0" sz="1400" u="none" cap="none" strike="noStrike">
+      <a:defRPr sz="1400" b="0" i="0" u="none" strike="noStrike" cap="none">
         <a:solidFill>
           <a:srgbClr val="000000"/>
         </a:solidFill>
@@ -572,7 +1688,7 @@
         <a:sym typeface="Arial"/>
       </a:defRPr>
     </a:lvl3pPr>
-    <a:lvl4pPr lvl="3" marR="0" rtl="0" algn="l">
+    <a:lvl4pPr marR="0" lvl="3" algn="l" rtl="0">
       <a:lnSpc>
         <a:spcPct val="100000"/>
       </a:lnSpc>
@@ -586,7 +1702,7 @@
         <a:srgbClr val="000000"/>
       </a:buClr>
       <a:buFont typeface="Arial"/>
-      <a:defRPr b="0" i="0" sz="1400" u="none" cap="none" strike="noStrike">
+      <a:defRPr sz="1400" b="0" i="0" u="none" strike="noStrike" cap="none">
         <a:solidFill>
           <a:srgbClr val="000000"/>
         </a:solidFill>
@@ -596,7 +1712,7 @@
         <a:sym typeface="Arial"/>
       </a:defRPr>
     </a:lvl4pPr>
-    <a:lvl5pPr lvl="4" marR="0" rtl="0" algn="l">
+    <a:lvl5pPr marR="0" lvl="4" algn="l" rtl="0">
       <a:lnSpc>
         <a:spcPct val="100000"/>
       </a:lnSpc>
@@ -610,7 +1726,7 @@
         <a:srgbClr val="000000"/>
       </a:buClr>
       <a:buFont typeface="Arial"/>
-      <a:defRPr b="0" i="0" sz="1400" u="none" cap="none" strike="noStrike">
+      <a:defRPr sz="1400" b="0" i="0" u="none" strike="noStrike" cap="none">
         <a:solidFill>
           <a:srgbClr val="000000"/>
         </a:solidFill>
@@ -620,7 +1736,7 @@
         <a:sym typeface="Arial"/>
       </a:defRPr>
     </a:lvl5pPr>
-    <a:lvl6pPr lvl="5" marR="0" rtl="0" algn="l">
+    <a:lvl6pPr marR="0" lvl="5" algn="l" rtl="0">
       <a:lnSpc>
         <a:spcPct val="100000"/>
       </a:lnSpc>
@@ -634,7 +1750,7 @@
         <a:srgbClr val="000000"/>
       </a:buClr>
       <a:buFont typeface="Arial"/>
-      <a:defRPr b="0" i="0" sz="1400" u="none" cap="none" strike="noStrike">
+      <a:defRPr sz="1400" b="0" i="0" u="none" strike="noStrike" cap="none">
         <a:solidFill>
           <a:srgbClr val="000000"/>
         </a:solidFill>
@@ -644,7 +1760,7 @@
         <a:sym typeface="Arial"/>
       </a:defRPr>
     </a:lvl6pPr>
-    <a:lvl7pPr lvl="6" marR="0" rtl="0" algn="l">
+    <a:lvl7pPr marR="0" lvl="6" algn="l" rtl="0">
       <a:lnSpc>
         <a:spcPct val="100000"/>
       </a:lnSpc>
@@ -658,7 +1774,7 @@
         <a:srgbClr val="000000"/>
       </a:buClr>
       <a:buFont typeface="Arial"/>
-      <a:defRPr b="0" i="0" sz="1400" u="none" cap="none" strike="noStrike">
+      <a:defRPr sz="1400" b="0" i="0" u="none" strike="noStrike" cap="none">
         <a:solidFill>
           <a:srgbClr val="000000"/>
         </a:solidFill>
@@ -668,7 +1784,7 @@
         <a:sym typeface="Arial"/>
       </a:defRPr>
     </a:lvl7pPr>
-    <a:lvl8pPr lvl="7" marR="0" rtl="0" algn="l">
+    <a:lvl8pPr marR="0" lvl="7" algn="l" rtl="0">
       <a:lnSpc>
         <a:spcPct val="100000"/>
       </a:lnSpc>
@@ -682,7 +1798,7 @@
         <a:srgbClr val="000000"/>
       </a:buClr>
       <a:buFont typeface="Arial"/>
-      <a:defRPr b="0" i="0" sz="1400" u="none" cap="none" strike="noStrike">
+      <a:defRPr sz="1400" b="0" i="0" u="none" strike="noStrike" cap="none">
         <a:solidFill>
           <a:srgbClr val="000000"/>
         </a:solidFill>
@@ -692,7 +1808,7 @@
         <a:sym typeface="Arial"/>
       </a:defRPr>
     </a:lvl8pPr>
-    <a:lvl9pPr lvl="8" marR="0" rtl="0" algn="l">
+    <a:lvl9pPr marR="0" lvl="8" algn="l" rtl="0">
       <a:lnSpc>
         <a:spcPct val="100000"/>
       </a:lnSpc>
@@ -706,7 +1822,7 @@
         <a:srgbClr val="000000"/>
       </a:buClr>
       <a:buFont typeface="Arial"/>
-      <a:defRPr b="0" i="0" sz="1400" u="none" cap="none" strike="noStrike">
+      <a:defRPr sz="1400" b="0" i="0" u="none" strike="noStrike" cap="none">
         <a:solidFill>
           <a:srgbClr val="000000"/>
         </a:solidFill>
@@ -721,11 +1837,11 @@
 </file>
 
 <file path=ppt/notesSlides/notesSlide1.xml><?xml version="1.0" encoding="utf-8"?>
-<p:notes xmlns:a="http://schemas.openxmlformats.org/drawingml/2006/main" xmlns:r="http://schemas.openxmlformats.org/officeDocument/2006/relationships" xmlns:mc="http://schemas.openxmlformats.org/markup-compatibility/2006" xmlns:mv="urn:schemas-microsoft-com:mac:vml" xmlns:p="http://schemas.openxmlformats.org/presentationml/2006/main" xmlns:c="http://schemas.openxmlformats.org/drawingml/2006/chart" xmlns:dgm="http://schemas.openxmlformats.org/drawingml/2006/diagram" xmlns:o="urn:schemas-microsoft-com:office:office" xmlns:v="urn:schemas-microsoft-com:vml" xmlns:pvml="urn:schemas-microsoft-com:office:powerpoint" xmlns:com="http://schemas.openxmlformats.org/drawingml/2006/compatibility" xmlns:p14="http://schemas.microsoft.com/office/powerpoint/2010/main" xmlns:p15="http://schemas.microsoft.com/office/powerpoint/2012/main" xmlns:ahyp="http://schemas.microsoft.com/office/drawing/2018/hyperlinkcolor" showMasterPhAnim="0" showMasterSp="0">
+<p:notes xmlns:a="http://schemas.openxmlformats.org/drawingml/2006/main" xmlns:r="http://schemas.openxmlformats.org/officeDocument/2006/relationships" xmlns:p="http://schemas.openxmlformats.org/presentationml/2006/main" showMasterSp="0" showMasterPhAnim="0">
   <p:cSld>
     <p:spTree>
       <p:nvGrpSpPr>
-        <p:cNvPr id="114" name="Shape 114"/>
+        <p:cNvPr id="1" name="Shape 114"/>
         <p:cNvGrpSpPr/>
         <p:nvPr/>
       </p:nvGrpSpPr>
@@ -740,20 +1856,26 @@
       <p:sp>
         <p:nvSpPr>
           <p:cNvPr id="115" name="Google Shape;115;g12b069bb205_0_653:notes"/>
-          <p:cNvSpPr/>
+          <p:cNvSpPr>
+            <a:spLocks noGrp="1" noRot="1" noChangeAspect="1"/>
+          </p:cNvSpPr>
           <p:nvPr>
-            <p:ph idx="2" type="sldImg"/>
+            <p:ph type="sldImg" idx="2"/>
           </p:nvPr>
         </p:nvSpPr>
         <p:spPr>
           <a:xfrm>
-            <a:off x="381300" y="685800"/>
+            <a:off x="381000" y="685800"/>
             <a:ext cx="6096000" cy="3429000"/>
           </a:xfrm>
           <a:custGeom>
-            <a:rect b="b" l="l" r="r" t="t"/>
+            <a:avLst/>
+            <a:gdLst/>
+            <a:ahLst/>
+            <a:cxnLst/>
+            <a:rect l="l" t="t" r="r" b="b"/>
             <a:pathLst>
-              <a:path extrusionOk="0" h="120000" w="120000">
+              <a:path w="120000" h="120000" extrusionOk="0">
                 <a:moveTo>
                   <a:pt x="0" y="0"/>
                 </a:moveTo>
@@ -775,9 +1897,11 @@
       <p:sp>
         <p:nvSpPr>
           <p:cNvPr id="116" name="Google Shape;116;g12b069bb205_0_653:notes"/>
-          <p:cNvSpPr txBox="1"/>
+          <p:cNvSpPr txBox="1">
+            <a:spLocks noGrp="1"/>
+          </p:cNvSpPr>
           <p:nvPr>
-            <p:ph idx="1" type="body"/>
+            <p:ph type="body" idx="1"/>
           </p:nvPr>
         </p:nvSpPr>
         <p:spPr>
@@ -790,12 +1914,12 @@
           </a:prstGeom>
         </p:spPr>
         <p:txBody>
-          <a:bodyPr anchorCtr="0" anchor="t" bIns="91425" lIns="91425" spcFirstLastPara="1" rIns="91425" wrap="square" tIns="91425">
+          <a:bodyPr spcFirstLastPara="1" wrap="square" lIns="91425" tIns="91425" rIns="91425" bIns="91425" anchor="t" anchorCtr="0">
             <a:noAutofit/>
           </a:bodyPr>
           <a:lstStyle/>
           <a:p>
-            <a:pPr indent="0" lvl="0" marL="0" rtl="0" algn="l">
+            <a:pPr marL="0" lvl="0" indent="0" algn="l" rtl="0">
               <a:spcBef>
                 <a:spcPts val="0"/>
               </a:spcBef>
@@ -804,9 +1928,6 @@
               </a:spcAft>
               <a:buNone/>
             </a:pPr>
-            <a:r>
-              <a:t/>
-            </a:r>
             <a:endParaRPr/>
           </a:p>
         </p:txBody>
@@ -820,11 +1941,11 @@
 </file>
 
 <file path=ppt/notesSlides/notesSlide10.xml><?xml version="1.0" encoding="utf-8"?>
-<p:notes xmlns:a="http://schemas.openxmlformats.org/drawingml/2006/main" xmlns:r="http://schemas.openxmlformats.org/officeDocument/2006/relationships" xmlns:mc="http://schemas.openxmlformats.org/markup-compatibility/2006" xmlns:mv="urn:schemas-microsoft-com:mac:vml" xmlns:p="http://schemas.openxmlformats.org/presentationml/2006/main" xmlns:c="http://schemas.openxmlformats.org/drawingml/2006/chart" xmlns:dgm="http://schemas.openxmlformats.org/drawingml/2006/diagram" xmlns:o="urn:schemas-microsoft-com:office:office" xmlns:v="urn:schemas-microsoft-com:vml" xmlns:pvml="urn:schemas-microsoft-com:office:powerpoint" xmlns:com="http://schemas.openxmlformats.org/drawingml/2006/compatibility" xmlns:p14="http://schemas.microsoft.com/office/powerpoint/2010/main" xmlns:p15="http://schemas.microsoft.com/office/powerpoint/2012/main" xmlns:ahyp="http://schemas.microsoft.com/office/drawing/2018/hyperlinkcolor" showMasterPhAnim="0" showMasterSp="0">
+<p:notes xmlns:a="http://schemas.openxmlformats.org/drawingml/2006/main" xmlns:r="http://schemas.openxmlformats.org/officeDocument/2006/relationships" xmlns:p="http://schemas.openxmlformats.org/presentationml/2006/main" showMasterSp="0" showMasterPhAnim="0">
   <p:cSld>
     <p:spTree>
       <p:nvGrpSpPr>
-        <p:cNvPr id="181" name="Shape 181"/>
+        <p:cNvPr id="1" name="Shape 181"/>
         <p:cNvGrpSpPr/>
         <p:nvPr/>
       </p:nvGrpSpPr>
@@ -839,9 +1960,11 @@
       <p:sp>
         <p:nvSpPr>
           <p:cNvPr id="182" name="Google Shape;182;g13177e0c113_0_38:notes"/>
-          <p:cNvSpPr/>
+          <p:cNvSpPr>
+            <a:spLocks noGrp="1" noRot="1" noChangeAspect="1"/>
+          </p:cNvSpPr>
           <p:nvPr>
-            <p:ph idx="2" type="sldImg"/>
+            <p:ph type="sldImg" idx="2"/>
           </p:nvPr>
         </p:nvSpPr>
         <p:spPr>
@@ -850,9 +1973,13 @@
             <a:ext cx="6096000" cy="3429000"/>
           </a:xfrm>
           <a:custGeom>
-            <a:rect b="b" l="l" r="r" t="t"/>
+            <a:avLst/>
+            <a:gdLst/>
+            <a:ahLst/>
+            <a:cxnLst/>
+            <a:rect l="l" t="t" r="r" b="b"/>
             <a:pathLst>
-              <a:path extrusionOk="0" h="120000" w="120000">
+              <a:path w="120000" h="120000" extrusionOk="0">
                 <a:moveTo>
                   <a:pt x="0" y="0"/>
                 </a:moveTo>
@@ -874,9 +2001,11 @@
       <p:sp>
         <p:nvSpPr>
           <p:cNvPr id="183" name="Google Shape;183;g13177e0c113_0_38:notes"/>
-          <p:cNvSpPr txBox="1"/>
+          <p:cNvSpPr txBox="1">
+            <a:spLocks noGrp="1"/>
+          </p:cNvSpPr>
           <p:nvPr>
-            <p:ph idx="1" type="body"/>
+            <p:ph type="body" idx="1"/>
           </p:nvPr>
         </p:nvSpPr>
         <p:spPr>
@@ -889,12 +2018,12 @@
           </a:prstGeom>
         </p:spPr>
         <p:txBody>
-          <a:bodyPr anchorCtr="0" anchor="t" bIns="91425" lIns="91425" spcFirstLastPara="1" rIns="91425" wrap="square" tIns="91425">
+          <a:bodyPr spcFirstLastPara="1" wrap="square" lIns="91425" tIns="91425" rIns="91425" bIns="91425" anchor="t" anchorCtr="0">
             <a:noAutofit/>
           </a:bodyPr>
           <a:lstStyle/>
           <a:p>
-            <a:pPr indent="0" lvl="0" marL="0" rtl="0" algn="l">
+            <a:pPr marL="0" lvl="0" indent="0" algn="l" rtl="0">
               <a:spcBef>
                 <a:spcPts val="0"/>
               </a:spcBef>
@@ -903,9 +2032,6 @@
               </a:spcAft>
               <a:buNone/>
             </a:pPr>
-            <a:r>
-              <a:t/>
-            </a:r>
             <a:endParaRPr/>
           </a:p>
         </p:txBody>
@@ -919,11 +2045,11 @@
 </file>
 
 <file path=ppt/notesSlides/notesSlide11.xml><?xml version="1.0" encoding="utf-8"?>
-<p:notes xmlns:a="http://schemas.openxmlformats.org/drawingml/2006/main" xmlns:r="http://schemas.openxmlformats.org/officeDocument/2006/relationships" xmlns:mc="http://schemas.openxmlformats.org/markup-compatibility/2006" xmlns:mv="urn:schemas-microsoft-com:mac:vml" xmlns:p="http://schemas.openxmlformats.org/presentationml/2006/main" xmlns:c="http://schemas.openxmlformats.org/drawingml/2006/chart" xmlns:dgm="http://schemas.openxmlformats.org/drawingml/2006/diagram" xmlns:o="urn:schemas-microsoft-com:office:office" xmlns:v="urn:schemas-microsoft-com:vml" xmlns:pvml="urn:schemas-microsoft-com:office:powerpoint" xmlns:com="http://schemas.openxmlformats.org/drawingml/2006/compatibility" xmlns:p14="http://schemas.microsoft.com/office/powerpoint/2010/main" xmlns:p15="http://schemas.microsoft.com/office/powerpoint/2012/main" xmlns:ahyp="http://schemas.microsoft.com/office/drawing/2018/hyperlinkcolor" showMasterPhAnim="0" showMasterSp="0">
+<p:notes xmlns:a="http://schemas.openxmlformats.org/drawingml/2006/main" xmlns:r="http://schemas.openxmlformats.org/officeDocument/2006/relationships" xmlns:p="http://schemas.openxmlformats.org/presentationml/2006/main" showMasterSp="0" showMasterPhAnim="0">
   <p:cSld>
     <p:spTree>
       <p:nvGrpSpPr>
-        <p:cNvPr id="187" name="Shape 187"/>
+        <p:cNvPr id="1" name="Shape 187"/>
         <p:cNvGrpSpPr/>
         <p:nvPr/>
       </p:nvGrpSpPr>
@@ -938,20 +2064,26 @@
       <p:sp>
         <p:nvSpPr>
           <p:cNvPr id="188" name="Google Shape;188;g13177e0c113_0_43:notes"/>
-          <p:cNvSpPr/>
+          <p:cNvSpPr>
+            <a:spLocks noGrp="1" noRot="1" noChangeAspect="1"/>
+          </p:cNvSpPr>
           <p:nvPr>
-            <p:ph idx="2" type="sldImg"/>
+            <p:ph type="sldImg" idx="2"/>
           </p:nvPr>
         </p:nvSpPr>
         <p:spPr>
           <a:xfrm>
-            <a:off x="381300" y="685800"/>
+            <a:off x="381000" y="685800"/>
             <a:ext cx="6096000" cy="3429000"/>
           </a:xfrm>
           <a:custGeom>
-            <a:rect b="b" l="l" r="r" t="t"/>
+            <a:avLst/>
+            <a:gdLst/>
+            <a:ahLst/>
+            <a:cxnLst/>
+            <a:rect l="l" t="t" r="r" b="b"/>
             <a:pathLst>
-              <a:path extrusionOk="0" h="120000" w="120000">
+              <a:path w="120000" h="120000" extrusionOk="0">
                 <a:moveTo>
                   <a:pt x="0" y="0"/>
                 </a:moveTo>
@@ -973,9 +2105,11 @@
       <p:sp>
         <p:nvSpPr>
           <p:cNvPr id="189" name="Google Shape;189;g13177e0c113_0_43:notes"/>
-          <p:cNvSpPr txBox="1"/>
+          <p:cNvSpPr txBox="1">
+            <a:spLocks noGrp="1"/>
+          </p:cNvSpPr>
           <p:nvPr>
-            <p:ph idx="1" type="body"/>
+            <p:ph type="body" idx="1"/>
           </p:nvPr>
         </p:nvSpPr>
         <p:spPr>
@@ -988,12 +2122,12 @@
           </a:prstGeom>
         </p:spPr>
         <p:txBody>
-          <a:bodyPr anchorCtr="0" anchor="t" bIns="91425" lIns="91425" spcFirstLastPara="1" rIns="91425" wrap="square" tIns="91425">
+          <a:bodyPr spcFirstLastPara="1" wrap="square" lIns="91425" tIns="91425" rIns="91425" bIns="91425" anchor="t" anchorCtr="0">
             <a:noAutofit/>
           </a:bodyPr>
           <a:lstStyle/>
           <a:p>
-            <a:pPr indent="0" lvl="0" marL="0" rtl="0" algn="l">
+            <a:pPr marL="0" lvl="0" indent="0" algn="l" rtl="0">
               <a:spcBef>
                 <a:spcPts val="0"/>
               </a:spcBef>
@@ -1002,9 +2136,6 @@
               </a:spcAft>
               <a:buNone/>
             </a:pPr>
-            <a:r>
-              <a:t/>
-            </a:r>
             <a:endParaRPr/>
           </a:p>
         </p:txBody>
@@ -1018,11 +2149,11 @@
 </file>
 
 <file path=ppt/notesSlides/notesSlide12.xml><?xml version="1.0" encoding="utf-8"?>
-<p:notes xmlns:a="http://schemas.openxmlformats.org/drawingml/2006/main" xmlns:r="http://schemas.openxmlformats.org/officeDocument/2006/relationships" xmlns:mc="http://schemas.openxmlformats.org/markup-compatibility/2006" xmlns:mv="urn:schemas-microsoft-com:mac:vml" xmlns:p="http://schemas.openxmlformats.org/presentationml/2006/main" xmlns:c="http://schemas.openxmlformats.org/drawingml/2006/chart" xmlns:dgm="http://schemas.openxmlformats.org/drawingml/2006/diagram" xmlns:o="urn:schemas-microsoft-com:office:office" xmlns:v="urn:schemas-microsoft-com:vml" xmlns:pvml="urn:schemas-microsoft-com:office:powerpoint" xmlns:com="http://schemas.openxmlformats.org/drawingml/2006/compatibility" xmlns:p14="http://schemas.microsoft.com/office/powerpoint/2010/main" xmlns:p15="http://schemas.microsoft.com/office/powerpoint/2012/main" xmlns:ahyp="http://schemas.microsoft.com/office/drawing/2018/hyperlinkcolor" showMasterPhAnim="0" showMasterSp="0">
+<p:notes xmlns:a="http://schemas.openxmlformats.org/drawingml/2006/main" xmlns:r="http://schemas.openxmlformats.org/officeDocument/2006/relationships" xmlns:p="http://schemas.openxmlformats.org/presentationml/2006/main" showMasterSp="0" showMasterPhAnim="0">
   <p:cSld>
     <p:spTree>
       <p:nvGrpSpPr>
-        <p:cNvPr id="193" name="Shape 193"/>
+        <p:cNvPr id="1" name="Shape 193"/>
         <p:cNvGrpSpPr/>
         <p:nvPr/>
       </p:nvGrpSpPr>
@@ -1037,9 +2168,11 @@
       <p:sp>
         <p:nvSpPr>
           <p:cNvPr id="194" name="Google Shape;194;g13177e0c113_0_48:notes"/>
-          <p:cNvSpPr/>
+          <p:cNvSpPr>
+            <a:spLocks noGrp="1" noRot="1" noChangeAspect="1"/>
+          </p:cNvSpPr>
           <p:nvPr>
-            <p:ph idx="2" type="sldImg"/>
+            <p:ph type="sldImg" idx="2"/>
           </p:nvPr>
         </p:nvSpPr>
         <p:spPr>
@@ -1048,9 +2181,13 @@
             <a:ext cx="6096000" cy="3429000"/>
           </a:xfrm>
           <a:custGeom>
-            <a:rect b="b" l="l" r="r" t="t"/>
+            <a:avLst/>
+            <a:gdLst/>
+            <a:ahLst/>
+            <a:cxnLst/>
+            <a:rect l="l" t="t" r="r" b="b"/>
             <a:pathLst>
-              <a:path extrusionOk="0" h="120000" w="120000">
+              <a:path w="120000" h="120000" extrusionOk="0">
                 <a:moveTo>
                   <a:pt x="0" y="0"/>
                 </a:moveTo>
@@ -1072,9 +2209,11 @@
       <p:sp>
         <p:nvSpPr>
           <p:cNvPr id="195" name="Google Shape;195;g13177e0c113_0_48:notes"/>
-          <p:cNvSpPr txBox="1"/>
+          <p:cNvSpPr txBox="1">
+            <a:spLocks noGrp="1"/>
+          </p:cNvSpPr>
           <p:nvPr>
-            <p:ph idx="1" type="body"/>
+            <p:ph type="body" idx="1"/>
           </p:nvPr>
         </p:nvSpPr>
         <p:spPr>
@@ -1087,12 +2226,12 @@
           </a:prstGeom>
         </p:spPr>
         <p:txBody>
-          <a:bodyPr anchorCtr="0" anchor="t" bIns="91425" lIns="91425" spcFirstLastPara="1" rIns="91425" wrap="square" tIns="91425">
+          <a:bodyPr spcFirstLastPara="1" wrap="square" lIns="91425" tIns="91425" rIns="91425" bIns="91425" anchor="t" anchorCtr="0">
             <a:noAutofit/>
           </a:bodyPr>
           <a:lstStyle/>
           <a:p>
-            <a:pPr indent="0" lvl="0" marL="0" rtl="0" algn="l">
+            <a:pPr marL="0" lvl="0" indent="0" algn="l" rtl="0">
               <a:spcBef>
                 <a:spcPts val="0"/>
               </a:spcBef>
@@ -1101,9 +2240,6 @@
               </a:spcAft>
               <a:buNone/>
             </a:pPr>
-            <a:r>
-              <a:t/>
-            </a:r>
             <a:endParaRPr/>
           </a:p>
         </p:txBody>
@@ -1117,11 +2253,11 @@
 </file>
 
 <file path=ppt/notesSlides/notesSlide2.xml><?xml version="1.0" encoding="utf-8"?>
-<p:notes xmlns:a="http://schemas.openxmlformats.org/drawingml/2006/main" xmlns:r="http://schemas.openxmlformats.org/officeDocument/2006/relationships" xmlns:mc="http://schemas.openxmlformats.org/markup-compatibility/2006" xmlns:mv="urn:schemas-microsoft-com:mac:vml" xmlns:p="http://schemas.openxmlformats.org/presentationml/2006/main" xmlns:c="http://schemas.openxmlformats.org/drawingml/2006/chart" xmlns:dgm="http://schemas.openxmlformats.org/drawingml/2006/diagram" xmlns:o="urn:schemas-microsoft-com:office:office" xmlns:v="urn:schemas-microsoft-com:vml" xmlns:pvml="urn:schemas-microsoft-com:office:powerpoint" xmlns:com="http://schemas.openxmlformats.org/drawingml/2006/compatibility" xmlns:p14="http://schemas.microsoft.com/office/powerpoint/2010/main" xmlns:p15="http://schemas.microsoft.com/office/powerpoint/2012/main" xmlns:ahyp="http://schemas.microsoft.com/office/drawing/2018/hyperlinkcolor" showMasterPhAnim="0" showMasterSp="0">
+<p:notes xmlns:a="http://schemas.openxmlformats.org/drawingml/2006/main" xmlns:r="http://schemas.openxmlformats.org/officeDocument/2006/relationships" xmlns:p="http://schemas.openxmlformats.org/presentationml/2006/main" showMasterSp="0" showMasterPhAnim="0">
   <p:cSld>
     <p:spTree>
       <p:nvGrpSpPr>
-        <p:cNvPr id="125" name="Shape 125"/>
+        <p:cNvPr id="1" name="Shape 125"/>
         <p:cNvGrpSpPr/>
         <p:nvPr/>
       </p:nvGrpSpPr>
@@ -1136,9 +2272,11 @@
       <p:sp>
         <p:nvSpPr>
           <p:cNvPr id="126" name="Google Shape;126;g1f87997393_0_848:notes"/>
-          <p:cNvSpPr/>
+          <p:cNvSpPr>
+            <a:spLocks noGrp="1" noRot="1" noChangeAspect="1"/>
+          </p:cNvSpPr>
           <p:nvPr>
-            <p:ph idx="2" type="sldImg"/>
+            <p:ph type="sldImg" idx="2"/>
           </p:nvPr>
         </p:nvSpPr>
         <p:spPr>
@@ -1147,9 +2285,13 @@
             <a:ext cx="6096000" cy="3429000"/>
           </a:xfrm>
           <a:custGeom>
-            <a:rect b="b" l="l" r="r" t="t"/>
+            <a:avLst/>
+            <a:gdLst/>
+            <a:ahLst/>
+            <a:cxnLst/>
+            <a:rect l="l" t="t" r="r" b="b"/>
             <a:pathLst>
-              <a:path extrusionOk="0" h="120000" w="120000">
+              <a:path w="120000" h="120000" extrusionOk="0">
                 <a:moveTo>
                   <a:pt x="0" y="0"/>
                 </a:moveTo>
@@ -1171,9 +2313,11 @@
       <p:sp>
         <p:nvSpPr>
           <p:cNvPr id="127" name="Google Shape;127;g1f87997393_0_848:notes"/>
-          <p:cNvSpPr txBox="1"/>
+          <p:cNvSpPr txBox="1">
+            <a:spLocks noGrp="1"/>
+          </p:cNvSpPr>
           <p:nvPr>
-            <p:ph idx="1" type="body"/>
+            <p:ph type="body" idx="1"/>
           </p:nvPr>
         </p:nvSpPr>
         <p:spPr>
@@ -1186,12 +2330,12 @@
           </a:prstGeom>
         </p:spPr>
         <p:txBody>
-          <a:bodyPr anchorCtr="0" anchor="t" bIns="91425" lIns="91425" spcFirstLastPara="1" rIns="91425" wrap="square" tIns="91425">
+          <a:bodyPr spcFirstLastPara="1" wrap="square" lIns="91425" tIns="91425" rIns="91425" bIns="91425" anchor="t" anchorCtr="0">
             <a:noAutofit/>
           </a:bodyPr>
           <a:lstStyle/>
           <a:p>
-            <a:pPr indent="0" lvl="0" marL="0" rtl="0" algn="l">
+            <a:pPr marL="0" lvl="0" indent="0" algn="l" rtl="0">
               <a:spcBef>
                 <a:spcPts val="0"/>
               </a:spcBef>
@@ -1200,9 +2344,6 @@
               </a:spcAft>
               <a:buNone/>
             </a:pPr>
-            <a:r>
-              <a:t/>
-            </a:r>
             <a:endParaRPr/>
           </a:p>
         </p:txBody>
@@ -1216,11 +2357,11 @@
 </file>
 
 <file path=ppt/notesSlides/notesSlide3.xml><?xml version="1.0" encoding="utf-8"?>
-<p:notes xmlns:a="http://schemas.openxmlformats.org/drawingml/2006/main" xmlns:r="http://schemas.openxmlformats.org/officeDocument/2006/relationships" xmlns:mc="http://schemas.openxmlformats.org/markup-compatibility/2006" xmlns:mv="urn:schemas-microsoft-com:mac:vml" xmlns:p="http://schemas.openxmlformats.org/presentationml/2006/main" xmlns:c="http://schemas.openxmlformats.org/drawingml/2006/chart" xmlns:dgm="http://schemas.openxmlformats.org/drawingml/2006/diagram" xmlns:o="urn:schemas-microsoft-com:office:office" xmlns:v="urn:schemas-microsoft-com:vml" xmlns:pvml="urn:schemas-microsoft-com:office:powerpoint" xmlns:com="http://schemas.openxmlformats.org/drawingml/2006/compatibility" xmlns:p14="http://schemas.microsoft.com/office/powerpoint/2010/main" xmlns:p15="http://schemas.microsoft.com/office/powerpoint/2012/main" xmlns:ahyp="http://schemas.microsoft.com/office/drawing/2018/hyperlinkcolor" showMasterPhAnim="0" showMasterSp="0">
+<p:notes xmlns:a="http://schemas.openxmlformats.org/drawingml/2006/main" xmlns:r="http://schemas.openxmlformats.org/officeDocument/2006/relationships" xmlns:p="http://schemas.openxmlformats.org/presentationml/2006/main" showMasterSp="0" showMasterPhAnim="0">
   <p:cSld>
     <p:spTree>
       <p:nvGrpSpPr>
-        <p:cNvPr id="133" name="Shape 133"/>
+        <p:cNvPr id="1" name="Shape 133"/>
         <p:cNvGrpSpPr/>
         <p:nvPr/>
       </p:nvGrpSpPr>
@@ -1235,9 +2376,11 @@
       <p:sp>
         <p:nvSpPr>
           <p:cNvPr id="134" name="Google Shape;134;g130f5d6aeb3_1_8:notes"/>
-          <p:cNvSpPr/>
+          <p:cNvSpPr>
+            <a:spLocks noGrp="1" noRot="1" noChangeAspect="1"/>
+          </p:cNvSpPr>
           <p:nvPr>
-            <p:ph idx="2" type="sldImg"/>
+            <p:ph type="sldImg" idx="2"/>
           </p:nvPr>
         </p:nvSpPr>
         <p:spPr>
@@ -1246,9 +2389,13 @@
             <a:ext cx="6096000" cy="3429000"/>
           </a:xfrm>
           <a:custGeom>
-            <a:rect b="b" l="l" r="r" t="t"/>
+            <a:avLst/>
+            <a:gdLst/>
+            <a:ahLst/>
+            <a:cxnLst/>
+            <a:rect l="l" t="t" r="r" b="b"/>
             <a:pathLst>
-              <a:path extrusionOk="0" h="120000" w="120000">
+              <a:path w="120000" h="120000" extrusionOk="0">
                 <a:moveTo>
                   <a:pt x="0" y="0"/>
                 </a:moveTo>
@@ -1270,9 +2417,11 @@
       <p:sp>
         <p:nvSpPr>
           <p:cNvPr id="135" name="Google Shape;135;g130f5d6aeb3_1_8:notes"/>
-          <p:cNvSpPr txBox="1"/>
+          <p:cNvSpPr txBox="1">
+            <a:spLocks noGrp="1"/>
+          </p:cNvSpPr>
           <p:nvPr>
-            <p:ph idx="1" type="body"/>
+            <p:ph type="body" idx="1"/>
           </p:nvPr>
         </p:nvSpPr>
         <p:spPr>
@@ -1285,12 +2434,12 @@
           </a:prstGeom>
         </p:spPr>
         <p:txBody>
-          <a:bodyPr anchorCtr="0" anchor="t" bIns="91425" lIns="91425" spcFirstLastPara="1" rIns="91425" wrap="square" tIns="91425">
+          <a:bodyPr spcFirstLastPara="1" wrap="square" lIns="91425" tIns="91425" rIns="91425" bIns="91425" anchor="t" anchorCtr="0">
             <a:noAutofit/>
           </a:bodyPr>
           <a:lstStyle/>
           <a:p>
-            <a:pPr indent="0" lvl="0" marL="0" rtl="0" algn="l">
+            <a:pPr marL="0" lvl="0" indent="0" algn="l" rtl="0">
               <a:spcBef>
                 <a:spcPts val="0"/>
               </a:spcBef>
@@ -1299,9 +2448,6 @@
               </a:spcAft>
               <a:buNone/>
             </a:pPr>
-            <a:r>
-              <a:t/>
-            </a:r>
             <a:endParaRPr/>
           </a:p>
         </p:txBody>
@@ -1315,11 +2461,11 @@
 </file>
 
 <file path=ppt/notesSlides/notesSlide4.xml><?xml version="1.0" encoding="utf-8"?>
-<p:notes xmlns:a="http://schemas.openxmlformats.org/drawingml/2006/main" xmlns:r="http://schemas.openxmlformats.org/officeDocument/2006/relationships" xmlns:mc="http://schemas.openxmlformats.org/markup-compatibility/2006" xmlns:mv="urn:schemas-microsoft-com:mac:vml" xmlns:p="http://schemas.openxmlformats.org/presentationml/2006/main" xmlns:c="http://schemas.openxmlformats.org/drawingml/2006/chart" xmlns:dgm="http://schemas.openxmlformats.org/drawingml/2006/diagram" xmlns:o="urn:schemas-microsoft-com:office:office" xmlns:v="urn:schemas-microsoft-com:vml" xmlns:pvml="urn:schemas-microsoft-com:office:powerpoint" xmlns:com="http://schemas.openxmlformats.org/drawingml/2006/compatibility" xmlns:p14="http://schemas.microsoft.com/office/powerpoint/2010/main" xmlns:p15="http://schemas.microsoft.com/office/powerpoint/2012/main" xmlns:ahyp="http://schemas.microsoft.com/office/drawing/2018/hyperlinkcolor" showMasterPhAnim="0" showMasterSp="0">
+<p:notes xmlns:a="http://schemas.openxmlformats.org/drawingml/2006/main" xmlns:r="http://schemas.openxmlformats.org/officeDocument/2006/relationships" xmlns:p="http://schemas.openxmlformats.org/presentationml/2006/main" showMasterSp="0" showMasterPhAnim="0">
   <p:cSld>
     <p:spTree>
       <p:nvGrpSpPr>
-        <p:cNvPr id="141" name="Shape 141"/>
+        <p:cNvPr id="1" name="Shape 141"/>
         <p:cNvGrpSpPr/>
         <p:nvPr/>
       </p:nvGrpSpPr>
@@ -1334,9 +2480,11 @@
       <p:sp>
         <p:nvSpPr>
           <p:cNvPr id="142" name="Google Shape;142;g13177e0c113_0_7:notes"/>
-          <p:cNvSpPr/>
+          <p:cNvSpPr>
+            <a:spLocks noGrp="1" noRot="1" noChangeAspect="1"/>
+          </p:cNvSpPr>
           <p:nvPr>
-            <p:ph idx="2" type="sldImg"/>
+            <p:ph type="sldImg" idx="2"/>
           </p:nvPr>
         </p:nvSpPr>
         <p:spPr>
@@ -1345,9 +2493,13 @@
             <a:ext cx="6096000" cy="3429000"/>
           </a:xfrm>
           <a:custGeom>
-            <a:rect b="b" l="l" r="r" t="t"/>
+            <a:avLst/>
+            <a:gdLst/>
+            <a:ahLst/>
+            <a:cxnLst/>
+            <a:rect l="l" t="t" r="r" b="b"/>
             <a:pathLst>
-              <a:path extrusionOk="0" h="120000" w="120000">
+              <a:path w="120000" h="120000" extrusionOk="0">
                 <a:moveTo>
                   <a:pt x="0" y="0"/>
                 </a:moveTo>
@@ -1369,9 +2521,11 @@
       <p:sp>
         <p:nvSpPr>
           <p:cNvPr id="143" name="Google Shape;143;g13177e0c113_0_7:notes"/>
-          <p:cNvSpPr txBox="1"/>
+          <p:cNvSpPr txBox="1">
+            <a:spLocks noGrp="1"/>
+          </p:cNvSpPr>
           <p:nvPr>
-            <p:ph idx="1" type="body"/>
+            <p:ph type="body" idx="1"/>
           </p:nvPr>
         </p:nvSpPr>
         <p:spPr>
@@ -1384,12 +2538,12 @@
           </a:prstGeom>
         </p:spPr>
         <p:txBody>
-          <a:bodyPr anchorCtr="0" anchor="t" bIns="91425" lIns="91425" spcFirstLastPara="1" rIns="91425" wrap="square" tIns="91425">
+          <a:bodyPr spcFirstLastPara="1" wrap="square" lIns="91425" tIns="91425" rIns="91425" bIns="91425" anchor="t" anchorCtr="0">
             <a:noAutofit/>
           </a:bodyPr>
           <a:lstStyle/>
           <a:p>
-            <a:pPr indent="0" lvl="0" marL="0" rtl="0" algn="l">
+            <a:pPr marL="0" lvl="0" indent="0" algn="l" rtl="0">
               <a:spcBef>
                 <a:spcPts val="0"/>
               </a:spcBef>
@@ -1398,9 +2552,6 @@
               </a:spcAft>
               <a:buNone/>
             </a:pPr>
-            <a:r>
-              <a:t/>
-            </a:r>
             <a:endParaRPr/>
           </a:p>
         </p:txBody>
@@ -1414,11 +2565,11 @@
 </file>
 
 <file path=ppt/notesSlides/notesSlide5.xml><?xml version="1.0" encoding="utf-8"?>
-<p:notes xmlns:a="http://schemas.openxmlformats.org/drawingml/2006/main" xmlns:r="http://schemas.openxmlformats.org/officeDocument/2006/relationships" xmlns:mc="http://schemas.openxmlformats.org/markup-compatibility/2006" xmlns:mv="urn:schemas-microsoft-com:mac:vml" xmlns:p="http://schemas.openxmlformats.org/presentationml/2006/main" xmlns:c="http://schemas.openxmlformats.org/drawingml/2006/chart" xmlns:dgm="http://schemas.openxmlformats.org/drawingml/2006/diagram" xmlns:o="urn:schemas-microsoft-com:office:office" xmlns:v="urn:schemas-microsoft-com:vml" xmlns:pvml="urn:schemas-microsoft-com:office:powerpoint" xmlns:com="http://schemas.openxmlformats.org/drawingml/2006/compatibility" xmlns:p14="http://schemas.microsoft.com/office/powerpoint/2010/main" xmlns:p15="http://schemas.microsoft.com/office/powerpoint/2012/main" xmlns:ahyp="http://schemas.microsoft.com/office/drawing/2018/hyperlinkcolor" showMasterPhAnim="0" showMasterSp="0">
+<p:notes xmlns:a="http://schemas.openxmlformats.org/drawingml/2006/main" xmlns:r="http://schemas.openxmlformats.org/officeDocument/2006/relationships" xmlns:p="http://schemas.openxmlformats.org/presentationml/2006/main" showMasterSp="0" showMasterPhAnim="0">
   <p:cSld>
     <p:spTree>
       <p:nvGrpSpPr>
-        <p:cNvPr id="147" name="Shape 147"/>
+        <p:cNvPr id="1" name="Shape 147"/>
         <p:cNvGrpSpPr/>
         <p:nvPr/>
       </p:nvGrpSpPr>
@@ -1433,9 +2584,11 @@
       <p:sp>
         <p:nvSpPr>
           <p:cNvPr id="148" name="Google Shape;148;g130f5d6aeb3_1_0:notes"/>
-          <p:cNvSpPr/>
+          <p:cNvSpPr>
+            <a:spLocks noGrp="1" noRot="1" noChangeAspect="1"/>
+          </p:cNvSpPr>
           <p:nvPr>
-            <p:ph idx="2" type="sldImg"/>
+            <p:ph type="sldImg" idx="2"/>
           </p:nvPr>
         </p:nvSpPr>
         <p:spPr>
@@ -1444,9 +2597,13 @@
             <a:ext cx="6096000" cy="3429000"/>
           </a:xfrm>
           <a:custGeom>
-            <a:rect b="b" l="l" r="r" t="t"/>
+            <a:avLst/>
+            <a:gdLst/>
+            <a:ahLst/>
+            <a:cxnLst/>
+            <a:rect l="l" t="t" r="r" b="b"/>
             <a:pathLst>
-              <a:path extrusionOk="0" h="120000" w="120000">
+              <a:path w="120000" h="120000" extrusionOk="0">
                 <a:moveTo>
                   <a:pt x="0" y="0"/>
                 </a:moveTo>
@@ -1468,9 +2625,11 @@
       <p:sp>
         <p:nvSpPr>
           <p:cNvPr id="149" name="Google Shape;149;g130f5d6aeb3_1_0:notes"/>
-          <p:cNvSpPr txBox="1"/>
+          <p:cNvSpPr txBox="1">
+            <a:spLocks noGrp="1"/>
+          </p:cNvSpPr>
           <p:nvPr>
-            <p:ph idx="1" type="body"/>
+            <p:ph type="body" idx="1"/>
           </p:nvPr>
         </p:nvSpPr>
         <p:spPr>
@@ -1483,12 +2642,12 @@
           </a:prstGeom>
         </p:spPr>
         <p:txBody>
-          <a:bodyPr anchorCtr="0" anchor="t" bIns="91425" lIns="91425" spcFirstLastPara="1" rIns="91425" wrap="square" tIns="91425">
+          <a:bodyPr spcFirstLastPara="1" wrap="square" lIns="91425" tIns="91425" rIns="91425" bIns="91425" anchor="t" anchorCtr="0">
             <a:noAutofit/>
           </a:bodyPr>
           <a:lstStyle/>
           <a:p>
-            <a:pPr indent="0" lvl="0" marL="0" rtl="0" algn="l">
+            <a:pPr marL="0" lvl="0" indent="0" algn="l" rtl="0">
               <a:spcBef>
                 <a:spcPts val="0"/>
               </a:spcBef>
@@ -1497,9 +2656,6 @@
               </a:spcAft>
               <a:buNone/>
             </a:pPr>
-            <a:r>
-              <a:t/>
-            </a:r>
             <a:endParaRPr/>
           </a:p>
         </p:txBody>
@@ -1513,11 +2669,11 @@
 </file>
 
 <file path=ppt/notesSlides/notesSlide6.xml><?xml version="1.0" encoding="utf-8"?>
-<p:notes xmlns:a="http://schemas.openxmlformats.org/drawingml/2006/main" xmlns:r="http://schemas.openxmlformats.org/officeDocument/2006/relationships" xmlns:mc="http://schemas.openxmlformats.org/markup-compatibility/2006" xmlns:mv="urn:schemas-microsoft-com:mac:vml" xmlns:p="http://schemas.openxmlformats.org/presentationml/2006/main" xmlns:c="http://schemas.openxmlformats.org/drawingml/2006/chart" xmlns:dgm="http://schemas.openxmlformats.org/drawingml/2006/diagram" xmlns:o="urn:schemas-microsoft-com:office:office" xmlns:v="urn:schemas-microsoft-com:vml" xmlns:pvml="urn:schemas-microsoft-com:office:powerpoint" xmlns:com="http://schemas.openxmlformats.org/drawingml/2006/compatibility" xmlns:p14="http://schemas.microsoft.com/office/powerpoint/2010/main" xmlns:p15="http://schemas.microsoft.com/office/powerpoint/2012/main" xmlns:ahyp="http://schemas.microsoft.com/office/drawing/2018/hyperlinkcolor" showMasterPhAnim="0" showMasterSp="0">
+<p:notes xmlns:a="http://schemas.openxmlformats.org/drawingml/2006/main" xmlns:r="http://schemas.openxmlformats.org/officeDocument/2006/relationships" xmlns:p="http://schemas.openxmlformats.org/presentationml/2006/main" showMasterSp="0" showMasterPhAnim="0">
   <p:cSld>
     <p:spTree>
       <p:nvGrpSpPr>
-        <p:cNvPr id="155" name="Shape 155"/>
+        <p:cNvPr id="1" name="Shape 155"/>
         <p:cNvGrpSpPr/>
         <p:nvPr/>
       </p:nvGrpSpPr>
@@ -1532,9 +2688,11 @@
       <p:sp>
         <p:nvSpPr>
           <p:cNvPr id="156" name="Google Shape;156;g13177e0c113_0_13:notes"/>
-          <p:cNvSpPr/>
+          <p:cNvSpPr>
+            <a:spLocks noGrp="1" noRot="1" noChangeAspect="1"/>
+          </p:cNvSpPr>
           <p:nvPr>
-            <p:ph idx="2" type="sldImg"/>
+            <p:ph type="sldImg" idx="2"/>
           </p:nvPr>
         </p:nvSpPr>
         <p:spPr>
@@ -1543,9 +2701,13 @@
             <a:ext cx="6096000" cy="3429000"/>
           </a:xfrm>
           <a:custGeom>
-            <a:rect b="b" l="l" r="r" t="t"/>
+            <a:avLst/>
+            <a:gdLst/>
+            <a:ahLst/>
+            <a:cxnLst/>
+            <a:rect l="l" t="t" r="r" b="b"/>
             <a:pathLst>
-              <a:path extrusionOk="0" h="120000" w="120000">
+              <a:path w="120000" h="120000" extrusionOk="0">
                 <a:moveTo>
                   <a:pt x="0" y="0"/>
                 </a:moveTo>
@@ -1567,9 +2729,11 @@
       <p:sp>
         <p:nvSpPr>
           <p:cNvPr id="157" name="Google Shape;157;g13177e0c113_0_13:notes"/>
-          <p:cNvSpPr txBox="1"/>
+          <p:cNvSpPr txBox="1">
+            <a:spLocks noGrp="1"/>
+          </p:cNvSpPr>
           <p:nvPr>
-            <p:ph idx="1" type="body"/>
+            <p:ph type="body" idx="1"/>
           </p:nvPr>
         </p:nvSpPr>
         <p:spPr>
@@ -1582,12 +2746,12 @@
           </a:prstGeom>
         </p:spPr>
         <p:txBody>
-          <a:bodyPr anchorCtr="0" anchor="t" bIns="91425" lIns="91425" spcFirstLastPara="1" rIns="91425" wrap="square" tIns="91425">
+          <a:bodyPr spcFirstLastPara="1" wrap="square" lIns="91425" tIns="91425" rIns="91425" bIns="91425" anchor="t" anchorCtr="0">
             <a:noAutofit/>
           </a:bodyPr>
           <a:lstStyle/>
           <a:p>
-            <a:pPr indent="0" lvl="0" marL="0" rtl="0" algn="l">
+            <a:pPr marL="0" lvl="0" indent="0" algn="l" rtl="0">
               <a:spcBef>
                 <a:spcPts val="0"/>
               </a:spcBef>
@@ -1596,9 +2760,6 @@
               </a:spcAft>
               <a:buNone/>
             </a:pPr>
-            <a:r>
-              <a:t/>
-            </a:r>
             <a:endParaRPr/>
           </a:p>
         </p:txBody>
@@ -1612,11 +2773,11 @@
 </file>
 
 <file path=ppt/notesSlides/notesSlide7.xml><?xml version="1.0" encoding="utf-8"?>
-<p:notes xmlns:a="http://schemas.openxmlformats.org/drawingml/2006/main" xmlns:r="http://schemas.openxmlformats.org/officeDocument/2006/relationships" xmlns:mc="http://schemas.openxmlformats.org/markup-compatibility/2006" xmlns:mv="urn:schemas-microsoft-com:mac:vml" xmlns:p="http://schemas.openxmlformats.org/presentationml/2006/main" xmlns:c="http://schemas.openxmlformats.org/drawingml/2006/chart" xmlns:dgm="http://schemas.openxmlformats.org/drawingml/2006/diagram" xmlns:o="urn:schemas-microsoft-com:office:office" xmlns:v="urn:schemas-microsoft-com:vml" xmlns:pvml="urn:schemas-microsoft-com:office:powerpoint" xmlns:com="http://schemas.openxmlformats.org/drawingml/2006/compatibility" xmlns:p14="http://schemas.microsoft.com/office/powerpoint/2010/main" xmlns:p15="http://schemas.microsoft.com/office/powerpoint/2012/main" xmlns:ahyp="http://schemas.microsoft.com/office/drawing/2018/hyperlinkcolor" showMasterPhAnim="0" showMasterSp="0">
+<p:notes xmlns:a="http://schemas.openxmlformats.org/drawingml/2006/main" xmlns:r="http://schemas.openxmlformats.org/officeDocument/2006/relationships" xmlns:p="http://schemas.openxmlformats.org/presentationml/2006/main" showMasterSp="0" showMasterPhAnim="0">
   <p:cSld>
     <p:spTree>
       <p:nvGrpSpPr>
-        <p:cNvPr id="161" name="Shape 161"/>
+        <p:cNvPr id="1" name="Shape 161"/>
         <p:cNvGrpSpPr/>
         <p:nvPr/>
       </p:nvGrpSpPr>
@@ -1631,9 +2792,11 @@
       <p:sp>
         <p:nvSpPr>
           <p:cNvPr id="162" name="Google Shape;162;g13177e0c113_0_19:notes"/>
-          <p:cNvSpPr/>
+          <p:cNvSpPr>
+            <a:spLocks noGrp="1" noRot="1" noChangeAspect="1"/>
+          </p:cNvSpPr>
           <p:nvPr>
-            <p:ph idx="2" type="sldImg"/>
+            <p:ph type="sldImg" idx="2"/>
           </p:nvPr>
         </p:nvSpPr>
         <p:spPr>
@@ -1642,9 +2805,13 @@
             <a:ext cx="6096000" cy="3429000"/>
           </a:xfrm>
           <a:custGeom>
-            <a:rect b="b" l="l" r="r" t="t"/>
+            <a:avLst/>
+            <a:gdLst/>
+            <a:ahLst/>
+            <a:cxnLst/>
+            <a:rect l="l" t="t" r="r" b="b"/>
             <a:pathLst>
-              <a:path extrusionOk="0" h="120000" w="120000">
+              <a:path w="120000" h="120000" extrusionOk="0">
                 <a:moveTo>
                   <a:pt x="0" y="0"/>
                 </a:moveTo>
@@ -1666,9 +2833,11 @@
       <p:sp>
         <p:nvSpPr>
           <p:cNvPr id="163" name="Google Shape;163;g13177e0c113_0_19:notes"/>
-          <p:cNvSpPr txBox="1"/>
+          <p:cNvSpPr txBox="1">
+            <a:spLocks noGrp="1"/>
+          </p:cNvSpPr>
           <p:nvPr>
-            <p:ph idx="1" type="body"/>
+            <p:ph type="body" idx="1"/>
           </p:nvPr>
         </p:nvSpPr>
         <p:spPr>
@@ -1681,12 +2850,12 @@
           </a:prstGeom>
         </p:spPr>
         <p:txBody>
-          <a:bodyPr anchorCtr="0" anchor="t" bIns="91425" lIns="91425" spcFirstLastPara="1" rIns="91425" wrap="square" tIns="91425">
+          <a:bodyPr spcFirstLastPara="1" wrap="square" lIns="91425" tIns="91425" rIns="91425" bIns="91425" anchor="t" anchorCtr="0">
             <a:noAutofit/>
           </a:bodyPr>
           <a:lstStyle/>
           <a:p>
-            <a:pPr indent="0" lvl="0" marL="0" rtl="0" algn="l">
+            <a:pPr marL="0" lvl="0" indent="0" algn="l" rtl="0">
               <a:spcBef>
                 <a:spcPts val="0"/>
               </a:spcBef>
@@ -1695,9 +2864,6 @@
               </a:spcAft>
               <a:buNone/>
             </a:pPr>
-            <a:r>
-              <a:t/>
-            </a:r>
             <a:endParaRPr/>
           </a:p>
         </p:txBody>
@@ -1711,11 +2877,11 @@
 </file>
 
 <file path=ppt/notesSlides/notesSlide8.xml><?xml version="1.0" encoding="utf-8"?>
-<p:notes xmlns:a="http://schemas.openxmlformats.org/drawingml/2006/main" xmlns:r="http://schemas.openxmlformats.org/officeDocument/2006/relationships" xmlns:mc="http://schemas.openxmlformats.org/markup-compatibility/2006" xmlns:mv="urn:schemas-microsoft-com:mac:vml" xmlns:p="http://schemas.openxmlformats.org/presentationml/2006/main" xmlns:c="http://schemas.openxmlformats.org/drawingml/2006/chart" xmlns:dgm="http://schemas.openxmlformats.org/drawingml/2006/diagram" xmlns:o="urn:schemas-microsoft-com:office:office" xmlns:v="urn:schemas-microsoft-com:vml" xmlns:pvml="urn:schemas-microsoft-com:office:powerpoint" xmlns:com="http://schemas.openxmlformats.org/drawingml/2006/compatibility" xmlns:p14="http://schemas.microsoft.com/office/powerpoint/2010/main" xmlns:p15="http://schemas.microsoft.com/office/powerpoint/2012/main" xmlns:ahyp="http://schemas.microsoft.com/office/drawing/2018/hyperlinkcolor" showMasterPhAnim="0" showMasterSp="0">
+<p:notes xmlns:a="http://schemas.openxmlformats.org/drawingml/2006/main" xmlns:r="http://schemas.openxmlformats.org/officeDocument/2006/relationships" xmlns:p="http://schemas.openxmlformats.org/presentationml/2006/main" showMasterSp="0" showMasterPhAnim="0">
   <p:cSld>
     <p:spTree>
       <p:nvGrpSpPr>
-        <p:cNvPr id="169" name="Shape 169"/>
+        <p:cNvPr id="1" name="Shape 169"/>
         <p:cNvGrpSpPr/>
         <p:nvPr/>
       </p:nvGrpSpPr>
@@ -1730,9 +2896,11 @@
       <p:sp>
         <p:nvSpPr>
           <p:cNvPr id="170" name="Google Shape;170;g13177e0c113_0_26:notes"/>
-          <p:cNvSpPr/>
+          <p:cNvSpPr>
+            <a:spLocks noGrp="1" noRot="1" noChangeAspect="1"/>
+          </p:cNvSpPr>
           <p:nvPr>
-            <p:ph idx="2" type="sldImg"/>
+            <p:ph type="sldImg" idx="2"/>
           </p:nvPr>
         </p:nvSpPr>
         <p:spPr>
@@ -1741,9 +2909,13 @@
             <a:ext cx="6096000" cy="3429000"/>
           </a:xfrm>
           <a:custGeom>
-            <a:rect b="b" l="l" r="r" t="t"/>
+            <a:avLst/>
+            <a:gdLst/>
+            <a:ahLst/>
+            <a:cxnLst/>
+            <a:rect l="l" t="t" r="r" b="b"/>
             <a:pathLst>
-              <a:path extrusionOk="0" h="120000" w="120000">
+              <a:path w="120000" h="120000" extrusionOk="0">
                 <a:moveTo>
                   <a:pt x="0" y="0"/>
                 </a:moveTo>
@@ -1765,9 +2937,11 @@
       <p:sp>
         <p:nvSpPr>
           <p:cNvPr id="171" name="Google Shape;171;g13177e0c113_0_26:notes"/>
-          <p:cNvSpPr txBox="1"/>
+          <p:cNvSpPr txBox="1">
+            <a:spLocks noGrp="1"/>
+          </p:cNvSpPr>
           <p:nvPr>
-            <p:ph idx="1" type="body"/>
+            <p:ph type="body" idx="1"/>
           </p:nvPr>
         </p:nvSpPr>
         <p:spPr>
@@ -1780,12 +2954,12 @@
           </a:prstGeom>
         </p:spPr>
         <p:txBody>
-          <a:bodyPr anchorCtr="0" anchor="t" bIns="91425" lIns="91425" spcFirstLastPara="1" rIns="91425" wrap="square" tIns="91425">
+          <a:bodyPr spcFirstLastPara="1" wrap="square" lIns="91425" tIns="91425" rIns="91425" bIns="91425" anchor="t" anchorCtr="0">
             <a:noAutofit/>
           </a:bodyPr>
           <a:lstStyle/>
           <a:p>
-            <a:pPr indent="0" lvl="0" marL="0" rtl="0" algn="l">
+            <a:pPr marL="0" lvl="0" indent="0" algn="l" rtl="0">
               <a:spcBef>
                 <a:spcPts val="0"/>
               </a:spcBef>
@@ -1794,9 +2968,6 @@
               </a:spcAft>
               <a:buNone/>
             </a:pPr>
-            <a:r>
-              <a:t/>
-            </a:r>
             <a:endParaRPr/>
           </a:p>
         </p:txBody>
@@ -1810,11 +2981,11 @@
 </file>
 
 <file path=ppt/notesSlides/notesSlide9.xml><?xml version="1.0" encoding="utf-8"?>
-<p:notes xmlns:a="http://schemas.openxmlformats.org/drawingml/2006/main" xmlns:r="http://schemas.openxmlformats.org/officeDocument/2006/relationships" xmlns:mc="http://schemas.openxmlformats.org/markup-compatibility/2006" xmlns:mv="urn:schemas-microsoft-com:mac:vml" xmlns:p="http://schemas.openxmlformats.org/presentationml/2006/main" xmlns:c="http://schemas.openxmlformats.org/drawingml/2006/chart" xmlns:dgm="http://schemas.openxmlformats.org/drawingml/2006/diagram" xmlns:o="urn:schemas-microsoft-com:office:office" xmlns:v="urn:schemas-microsoft-com:vml" xmlns:pvml="urn:schemas-microsoft-com:office:powerpoint" xmlns:com="http://schemas.openxmlformats.org/drawingml/2006/compatibility" xmlns:p14="http://schemas.microsoft.com/office/powerpoint/2010/main" xmlns:p15="http://schemas.microsoft.com/office/powerpoint/2012/main" xmlns:ahyp="http://schemas.microsoft.com/office/drawing/2018/hyperlinkcolor" showMasterPhAnim="0" showMasterSp="0">
+<p:notes xmlns:a="http://schemas.openxmlformats.org/drawingml/2006/main" xmlns:r="http://schemas.openxmlformats.org/officeDocument/2006/relationships" xmlns:p="http://schemas.openxmlformats.org/presentationml/2006/main" showMasterSp="0" showMasterPhAnim="0">
   <p:cSld>
     <p:spTree>
       <p:nvGrpSpPr>
-        <p:cNvPr id="175" name="Shape 175"/>
+        <p:cNvPr id="1" name="Shape 175"/>
         <p:cNvGrpSpPr/>
         <p:nvPr/>
       </p:nvGrpSpPr>
@@ -1829,20 +3000,26 @@
       <p:sp>
         <p:nvSpPr>
           <p:cNvPr id="176" name="Google Shape;176;g13177e0c113_0_33:notes"/>
-          <p:cNvSpPr/>
+          <p:cNvSpPr>
+            <a:spLocks noGrp="1" noRot="1" noChangeAspect="1"/>
+          </p:cNvSpPr>
           <p:nvPr>
-            <p:ph idx="2" type="sldImg"/>
+            <p:ph type="sldImg" idx="2"/>
           </p:nvPr>
         </p:nvSpPr>
         <p:spPr>
           <a:xfrm>
-            <a:off x="381300" y="685800"/>
+            <a:off x="381000" y="685800"/>
             <a:ext cx="6096000" cy="3429000"/>
           </a:xfrm>
           <a:custGeom>
-            <a:rect b="b" l="l" r="r" t="t"/>
+            <a:avLst/>
+            <a:gdLst/>
+            <a:ahLst/>
+            <a:cxnLst/>
+            <a:rect l="l" t="t" r="r" b="b"/>
             <a:pathLst>
-              <a:path extrusionOk="0" h="120000" w="120000">
+              <a:path w="120000" h="120000" extrusionOk="0">
                 <a:moveTo>
                   <a:pt x="0" y="0"/>
                 </a:moveTo>
@@ -1864,9 +3041,11 @@
       <p:sp>
         <p:nvSpPr>
           <p:cNvPr id="177" name="Google Shape;177;g13177e0c113_0_33:notes"/>
-          <p:cNvSpPr txBox="1"/>
+          <p:cNvSpPr txBox="1">
+            <a:spLocks noGrp="1"/>
+          </p:cNvSpPr>
           <p:nvPr>
-            <p:ph idx="1" type="body"/>
+            <p:ph type="body" idx="1"/>
           </p:nvPr>
         </p:nvSpPr>
         <p:spPr>
@@ -1879,12 +3058,12 @@
           </a:prstGeom>
         </p:spPr>
         <p:txBody>
-          <a:bodyPr anchorCtr="0" anchor="t" bIns="91425" lIns="91425" spcFirstLastPara="1" rIns="91425" wrap="square" tIns="91425">
+          <a:bodyPr spcFirstLastPara="1" wrap="square" lIns="91425" tIns="91425" rIns="91425" bIns="91425" anchor="t" anchorCtr="0">
             <a:noAutofit/>
           </a:bodyPr>
           <a:lstStyle/>
           <a:p>
-            <a:pPr indent="0" lvl="0" marL="0" rtl="0" algn="l">
+            <a:pPr marL="0" lvl="0" indent="0" algn="l" rtl="0">
               <a:spcBef>
                 <a:spcPts val="0"/>
               </a:spcBef>
@@ -1893,9 +3072,6 @@
               </a:spcAft>
               <a:buNone/>
             </a:pPr>
-            <a:r>
-              <a:t/>
-            </a:r>
             <a:endParaRPr/>
           </a:p>
         </p:txBody>
@@ -1909,11 +3085,11 @@
 </file>
 
 <file path=ppt/slideLayouts/slideLayout1.xml><?xml version="1.0" encoding="utf-8"?>
-<p:sldLayout xmlns:a="http://schemas.openxmlformats.org/drawingml/2006/main" xmlns:r="http://schemas.openxmlformats.org/officeDocument/2006/relationships" xmlns:mc="http://schemas.openxmlformats.org/markup-compatibility/2006" xmlns:mv="urn:schemas-microsoft-com:mac:vml" xmlns:p="http://schemas.openxmlformats.org/presentationml/2006/main" xmlns:c="http://schemas.openxmlformats.org/drawingml/2006/chart" xmlns:dgm="http://schemas.openxmlformats.org/drawingml/2006/diagram" xmlns:o="urn:schemas-microsoft-com:office:office" xmlns:v="urn:schemas-microsoft-com:vml" xmlns:pvml="urn:schemas-microsoft-com:office:powerpoint" xmlns:com="http://schemas.openxmlformats.org/drawingml/2006/compatibility" xmlns:p14="http://schemas.microsoft.com/office/powerpoint/2010/main" xmlns:p15="http://schemas.microsoft.com/office/powerpoint/2012/main" xmlns:ahyp="http://schemas.microsoft.com/office/drawing/2018/hyperlinkcolor" matchingName="Title slide" type="title">
+<p:sldLayout xmlns:a="http://schemas.openxmlformats.org/drawingml/2006/main" xmlns:r="http://schemas.openxmlformats.org/officeDocument/2006/relationships" xmlns:p="http://schemas.openxmlformats.org/presentationml/2006/main" matchingName="Title slide" type="title">
   <p:cSld name="TITLE">
     <p:spTree>
       <p:nvGrpSpPr>
-        <p:cNvPr id="9" name="Shape 9"/>
+        <p:cNvPr id="1" name="Shape 9"/>
         <p:cNvGrpSpPr/>
         <p:nvPr/>
       </p:nvGrpSpPr>
@@ -1947,12 +3123,12 @@
           </a:ln>
         </p:spPr>
         <p:txBody>
-          <a:bodyPr anchorCtr="0" anchor="ctr" bIns="91425" lIns="91425" spcFirstLastPara="1" rIns="91425" wrap="square" tIns="91425">
+          <a:bodyPr spcFirstLastPara="1" wrap="square" lIns="91425" tIns="91425" rIns="91425" bIns="91425" anchor="ctr" anchorCtr="0">
             <a:noAutofit/>
           </a:bodyPr>
           <a:lstStyle/>
           <a:p>
-            <a:pPr indent="0" lvl="0" marL="0" rtl="0" algn="l">
+            <a:pPr marL="0" lvl="0" indent="0" algn="l" rtl="0">
               <a:spcBef>
                 <a:spcPts val="0"/>
               </a:spcBef>
@@ -1961,9 +3137,6 @@
               </a:spcAft>
               <a:buNone/>
             </a:pPr>
-            <a:r>
-              <a:t/>
-            </a:r>
             <a:endParaRPr/>
           </a:p>
         </p:txBody>
@@ -1971,7 +3144,9 @@
       <p:sp>
         <p:nvSpPr>
           <p:cNvPr id="11" name="Google Shape;11;p2"/>
-          <p:cNvSpPr txBox="1"/>
+          <p:cNvSpPr txBox="1">
+            <a:spLocks noGrp="1"/>
+          </p:cNvSpPr>
           <p:nvPr>
             <p:ph type="ctrTitle"/>
           </p:nvPr>
@@ -1986,7 +3161,7 @@
           </a:prstGeom>
         </p:spPr>
         <p:txBody>
-          <a:bodyPr anchorCtr="0" anchor="b" bIns="91425" lIns="91425" spcFirstLastPara="1" rIns="91425" wrap="square" tIns="91425">
+          <a:bodyPr spcFirstLastPara="1" wrap="square" lIns="91425" tIns="91425" rIns="91425" bIns="91425" anchor="b" anchorCtr="0">
             <a:normAutofit/>
           </a:bodyPr>
           <a:lstStyle>
@@ -2090,15 +3265,19 @@
               <a:defRPr sz="4200"/>
             </a:lvl9pPr>
           </a:lstStyle>
-          <a:p/>
+          <a:p>
+            <a:endParaRPr/>
+          </a:p>
         </p:txBody>
       </p:sp>
       <p:sp>
         <p:nvSpPr>
           <p:cNvPr id="12" name="Google Shape;12;p2"/>
-          <p:cNvSpPr txBox="1"/>
+          <p:cNvSpPr txBox="1">
+            <a:spLocks noGrp="1"/>
+          </p:cNvSpPr>
           <p:nvPr>
-            <p:ph idx="1" type="subTitle"/>
+            <p:ph type="subTitle" idx="1"/>
           </p:nvPr>
         </p:nvSpPr>
         <p:spPr>
@@ -2111,7 +3290,7 @@
           </a:prstGeom>
         </p:spPr>
         <p:txBody>
-          <a:bodyPr anchorCtr="0" anchor="t" bIns="91425" lIns="91425" spcFirstLastPara="1" rIns="91425" wrap="square" tIns="91425">
+          <a:bodyPr spcFirstLastPara="1" wrap="square" lIns="91425" tIns="91425" rIns="91425" bIns="91425" anchor="t" anchorCtr="0">
             <a:normAutofit/>
           </a:bodyPr>
           <a:lstStyle>
@@ -2242,15 +3421,19 @@
               <a:defRPr sz="2400"/>
             </a:lvl9pPr>
           </a:lstStyle>
-          <a:p/>
+          <a:p>
+            <a:endParaRPr/>
+          </a:p>
         </p:txBody>
       </p:sp>
       <p:sp>
         <p:nvSpPr>
           <p:cNvPr id="13" name="Google Shape;13;p2"/>
-          <p:cNvSpPr txBox="1"/>
+          <p:cNvSpPr txBox="1">
+            <a:spLocks noGrp="1"/>
+          </p:cNvSpPr>
           <p:nvPr>
-            <p:ph idx="12" type="sldNum"/>
+            <p:ph type="sldNum" idx="12"/>
           </p:nvPr>
         </p:nvSpPr>
         <p:spPr>
@@ -2263,7 +3446,7 @@
           </a:prstGeom>
         </p:spPr>
         <p:txBody>
-          <a:bodyPr anchorCtr="0" anchor="ctr" bIns="91425" lIns="91425" spcFirstLastPara="1" rIns="91425" wrap="square" tIns="91425">
+          <a:bodyPr spcFirstLastPara="1" wrap="square" lIns="91425" tIns="91425" rIns="91425" bIns="91425" anchor="ctr" anchorCtr="0">
             <a:normAutofit/>
           </a:bodyPr>
           <a:lstStyle>
@@ -2341,7 +3524,7 @@
             </a:lvl9pPr>
           </a:lstStyle>
           <a:p>
-            <a:pPr indent="0" lvl="0" marL="0" rtl="0" algn="r">
+            <a:pPr marL="0" lvl="0" indent="0" algn="r" rtl="0">
               <a:spcBef>
                 <a:spcPts val="0"/>
               </a:spcBef>
@@ -2352,7 +3535,7 @@
             </a:pPr>
             <a:fld id="{00000000-1234-1234-1234-123412341234}" type="slidenum">
               <a:rPr lang="fr"/>
-              <a:t>‹#›</a:t>
+              <a:t>‹N°›</a:t>
             </a:fld>
             <a:endParaRPr/>
           </a:p>
@@ -2367,11 +3550,11 @@
 </file>
 
 <file path=ppt/slideLayouts/slideLayout10.xml><?xml version="1.0" encoding="utf-8"?>
-<p:sldLayout xmlns:a="http://schemas.openxmlformats.org/drawingml/2006/main" xmlns:r="http://schemas.openxmlformats.org/officeDocument/2006/relationships" xmlns:mc="http://schemas.openxmlformats.org/markup-compatibility/2006" xmlns:mv="urn:schemas-microsoft-com:mac:vml" xmlns:p="http://schemas.openxmlformats.org/presentationml/2006/main" xmlns:c="http://schemas.openxmlformats.org/drawingml/2006/chart" xmlns:dgm="http://schemas.openxmlformats.org/drawingml/2006/diagram" xmlns:o="urn:schemas-microsoft-com:office:office" xmlns:v="urn:schemas-microsoft-com:vml" xmlns:pvml="urn:schemas-microsoft-com:office:powerpoint" xmlns:com="http://schemas.openxmlformats.org/drawingml/2006/compatibility" xmlns:p14="http://schemas.microsoft.com/office/powerpoint/2010/main" xmlns:p15="http://schemas.microsoft.com/office/powerpoint/2012/main" xmlns:ahyp="http://schemas.microsoft.com/office/drawing/2018/hyperlinkcolor" matchingName="Big number">
+<p:sldLayout xmlns:a="http://schemas.openxmlformats.org/drawingml/2006/main" xmlns:r="http://schemas.openxmlformats.org/officeDocument/2006/relationships" xmlns:p="http://schemas.openxmlformats.org/presentationml/2006/main" matchingName="Big number">
   <p:cSld name="BIG_NUMBER">
     <p:spTree>
       <p:nvGrpSpPr>
-        <p:cNvPr id="47" name="Shape 47"/>
+        <p:cNvPr id="1" name="Shape 47"/>
         <p:cNvGrpSpPr/>
         <p:nvPr/>
       </p:nvGrpSpPr>
@@ -2405,12 +3588,12 @@
           </a:ln>
         </p:spPr>
         <p:txBody>
-          <a:bodyPr anchorCtr="0" anchor="ctr" bIns="91425" lIns="91425" spcFirstLastPara="1" rIns="91425" wrap="square" tIns="91425">
+          <a:bodyPr spcFirstLastPara="1" wrap="square" lIns="91425" tIns="91425" rIns="91425" bIns="91425" anchor="ctr" anchorCtr="0">
             <a:noAutofit/>
           </a:bodyPr>
           <a:lstStyle/>
           <a:p>
-            <a:pPr indent="0" lvl="0" marL="0" rtl="0" algn="l">
+            <a:pPr marL="0" lvl="0" indent="0" algn="l" rtl="0">
               <a:spcBef>
                 <a:spcPts val="0"/>
               </a:spcBef>
@@ -2419,9 +3602,6 @@
               </a:spcAft>
               <a:buNone/>
             </a:pPr>
-            <a:r>
-              <a:t/>
-            </a:r>
             <a:endParaRPr/>
           </a:p>
         </p:txBody>
@@ -2429,9 +3609,11 @@
       <p:sp>
         <p:nvSpPr>
           <p:cNvPr id="49" name="Google Shape;49;p11"/>
-          <p:cNvSpPr txBox="1"/>
+          <p:cNvSpPr txBox="1">
+            <a:spLocks noGrp="1"/>
+          </p:cNvSpPr>
           <p:nvPr>
-            <p:ph hasCustomPrompt="1" type="title"/>
+            <p:ph type="title" hasCustomPrompt="1"/>
           </p:nvPr>
         </p:nvSpPr>
         <p:spPr>
@@ -2444,7 +3626,7 @@
           </a:prstGeom>
         </p:spPr>
         <p:txBody>
-          <a:bodyPr anchorCtr="0" anchor="b" bIns="91425" lIns="91425" spcFirstLastPara="1" rIns="91425" wrap="square" tIns="91425">
+          <a:bodyPr spcFirstLastPara="1" wrap="square" lIns="91425" tIns="91425" rIns="91425" bIns="91425" anchor="b" anchorCtr="0">
             <a:normAutofit/>
           </a:bodyPr>
           <a:lstStyle>
@@ -2612,9 +3794,11 @@
       <p:sp>
         <p:nvSpPr>
           <p:cNvPr id="50" name="Google Shape;50;p11"/>
-          <p:cNvSpPr txBox="1"/>
+          <p:cNvSpPr txBox="1">
+            <a:spLocks noGrp="1"/>
+          </p:cNvSpPr>
           <p:nvPr>
-            <p:ph idx="1" type="body"/>
+            <p:ph type="body" idx="1"/>
           </p:nvPr>
         </p:nvSpPr>
         <p:spPr>
@@ -2627,11 +3811,11 @@
           </a:prstGeom>
         </p:spPr>
         <p:txBody>
-          <a:bodyPr anchorCtr="0" anchor="t" bIns="91425" lIns="91425" spcFirstLastPara="1" rIns="91425" wrap="square" tIns="91425">
+          <a:bodyPr spcFirstLastPara="1" wrap="square" lIns="91425" tIns="91425" rIns="91425" bIns="91425" anchor="t" anchorCtr="0">
             <a:normAutofit/>
           </a:bodyPr>
           <a:lstStyle>
-            <a:lvl1pPr indent="-342900" lvl="0" marL="457200" algn="ctr">
+            <a:lvl1pPr marL="457200" lvl="0" indent="-342900" algn="ctr">
               <a:spcBef>
                 <a:spcPts val="0"/>
               </a:spcBef>
@@ -2649,7 +3833,7 @@
                 </a:solidFill>
               </a:defRPr>
             </a:lvl1pPr>
-            <a:lvl2pPr indent="-317500" lvl="1" marL="914400" algn="ctr">
+            <a:lvl2pPr marL="914400" lvl="1" indent="-317500" algn="ctr">
               <a:spcBef>
                 <a:spcPts val="0"/>
               </a:spcBef>
@@ -2667,7 +3851,7 @@
                 </a:solidFill>
               </a:defRPr>
             </a:lvl2pPr>
-            <a:lvl3pPr indent="-317500" lvl="2" marL="1371600" algn="ctr">
+            <a:lvl3pPr marL="1371600" lvl="2" indent="-317500" algn="ctr">
               <a:spcBef>
                 <a:spcPts val="0"/>
               </a:spcBef>
@@ -2685,7 +3869,7 @@
                 </a:solidFill>
               </a:defRPr>
             </a:lvl3pPr>
-            <a:lvl4pPr indent="-317500" lvl="3" marL="1828800" algn="ctr">
+            <a:lvl4pPr marL="1828800" lvl="3" indent="-317500" algn="ctr">
               <a:spcBef>
                 <a:spcPts val="0"/>
               </a:spcBef>
@@ -2703,7 +3887,7 @@
                 </a:solidFill>
               </a:defRPr>
             </a:lvl4pPr>
-            <a:lvl5pPr indent="-317500" lvl="4" marL="2286000" algn="ctr">
+            <a:lvl5pPr marL="2286000" lvl="4" indent="-317500" algn="ctr">
               <a:spcBef>
                 <a:spcPts val="0"/>
               </a:spcBef>
@@ -2721,7 +3905,7 @@
                 </a:solidFill>
               </a:defRPr>
             </a:lvl5pPr>
-            <a:lvl6pPr indent="-317500" lvl="5" marL="2743200" algn="ctr">
+            <a:lvl6pPr marL="2743200" lvl="5" indent="-317500" algn="ctr">
               <a:spcBef>
                 <a:spcPts val="0"/>
               </a:spcBef>
@@ -2739,7 +3923,7 @@
                 </a:solidFill>
               </a:defRPr>
             </a:lvl6pPr>
-            <a:lvl7pPr indent="-317500" lvl="6" marL="3200400" algn="ctr">
+            <a:lvl7pPr marL="3200400" lvl="6" indent="-317500" algn="ctr">
               <a:spcBef>
                 <a:spcPts val="0"/>
               </a:spcBef>
@@ -2757,7 +3941,7 @@
                 </a:solidFill>
               </a:defRPr>
             </a:lvl7pPr>
-            <a:lvl8pPr indent="-317500" lvl="7" marL="3657600" algn="ctr">
+            <a:lvl8pPr marL="3657600" lvl="7" indent="-317500" algn="ctr">
               <a:spcBef>
                 <a:spcPts val="0"/>
               </a:spcBef>
@@ -2775,7 +3959,7 @@
                 </a:solidFill>
               </a:defRPr>
             </a:lvl8pPr>
-            <a:lvl9pPr indent="-317500" lvl="8" marL="4114800" algn="ctr">
+            <a:lvl9pPr marL="4114800" lvl="8" indent="-317500" algn="ctr">
               <a:spcBef>
                 <a:spcPts val="0"/>
               </a:spcBef>
@@ -2794,15 +3978,19 @@
               </a:defRPr>
             </a:lvl9pPr>
           </a:lstStyle>
-          <a:p/>
+          <a:p>
+            <a:endParaRPr/>
+          </a:p>
         </p:txBody>
       </p:sp>
       <p:sp>
         <p:nvSpPr>
           <p:cNvPr id="51" name="Google Shape;51;p11"/>
-          <p:cNvSpPr txBox="1"/>
+          <p:cNvSpPr txBox="1">
+            <a:spLocks noGrp="1"/>
+          </p:cNvSpPr>
           <p:nvPr>
-            <p:ph idx="12" type="sldNum"/>
+            <p:ph type="sldNum" idx="12"/>
           </p:nvPr>
         </p:nvSpPr>
         <p:spPr>
@@ -2815,7 +4003,7 @@
           </a:prstGeom>
         </p:spPr>
         <p:txBody>
-          <a:bodyPr anchorCtr="0" anchor="ctr" bIns="91425" lIns="91425" spcFirstLastPara="1" rIns="91425" wrap="square" tIns="91425">
+          <a:bodyPr spcFirstLastPara="1" wrap="square" lIns="91425" tIns="91425" rIns="91425" bIns="91425" anchor="ctr" anchorCtr="0">
             <a:normAutofit/>
           </a:bodyPr>
           <a:lstStyle>
@@ -2893,7 +4081,7 @@
             </a:lvl9pPr>
           </a:lstStyle>
           <a:p>
-            <a:pPr indent="0" lvl="0" marL="0" rtl="0" algn="r">
+            <a:pPr marL="0" lvl="0" indent="0" algn="r" rtl="0">
               <a:spcBef>
                 <a:spcPts val="0"/>
               </a:spcBef>
@@ -2904,7 +4092,7 @@
             </a:pPr>
             <a:fld id="{00000000-1234-1234-1234-123412341234}" type="slidenum">
               <a:rPr lang="fr"/>
-              <a:t>‹#›</a:t>
+              <a:t>‹N°›</a:t>
             </a:fld>
             <a:endParaRPr/>
           </a:p>
@@ -2919,11 +4107,11 @@
 </file>
 
 <file path=ppt/slideLayouts/slideLayout11.xml><?xml version="1.0" encoding="utf-8"?>
-<p:sldLayout xmlns:a="http://schemas.openxmlformats.org/drawingml/2006/main" xmlns:r="http://schemas.openxmlformats.org/officeDocument/2006/relationships" xmlns:mc="http://schemas.openxmlformats.org/markup-compatibility/2006" xmlns:mv="urn:schemas-microsoft-com:mac:vml" xmlns:p="http://schemas.openxmlformats.org/presentationml/2006/main" xmlns:c="http://schemas.openxmlformats.org/drawingml/2006/chart" xmlns:dgm="http://schemas.openxmlformats.org/drawingml/2006/diagram" xmlns:o="urn:schemas-microsoft-com:office:office" xmlns:v="urn:schemas-microsoft-com:vml" xmlns:pvml="urn:schemas-microsoft-com:office:powerpoint" xmlns:com="http://schemas.openxmlformats.org/drawingml/2006/compatibility" xmlns:p14="http://schemas.microsoft.com/office/powerpoint/2010/main" xmlns:p15="http://schemas.microsoft.com/office/powerpoint/2012/main" xmlns:ahyp="http://schemas.microsoft.com/office/drawing/2018/hyperlinkcolor" matchingName="Blank" type="blank">
+<p:sldLayout xmlns:a="http://schemas.openxmlformats.org/drawingml/2006/main" xmlns:r="http://schemas.openxmlformats.org/officeDocument/2006/relationships" xmlns:p="http://schemas.openxmlformats.org/presentationml/2006/main" matchingName="Blank" type="blank">
   <p:cSld name="BLANK">
     <p:spTree>
       <p:nvGrpSpPr>
-        <p:cNvPr id="52" name="Shape 52"/>
+        <p:cNvPr id="1" name="Shape 52"/>
         <p:cNvGrpSpPr/>
         <p:nvPr/>
       </p:nvGrpSpPr>
@@ -2938,9 +4126,11 @@
       <p:sp>
         <p:nvSpPr>
           <p:cNvPr id="53" name="Google Shape;53;p12"/>
-          <p:cNvSpPr txBox="1"/>
+          <p:cNvSpPr txBox="1">
+            <a:spLocks noGrp="1"/>
+          </p:cNvSpPr>
           <p:nvPr>
-            <p:ph idx="12" type="sldNum"/>
+            <p:ph type="sldNum" idx="12"/>
           </p:nvPr>
         </p:nvSpPr>
         <p:spPr>
@@ -2953,7 +4143,7 @@
           </a:prstGeom>
         </p:spPr>
         <p:txBody>
-          <a:bodyPr anchorCtr="0" anchor="ctr" bIns="91425" lIns="91425" spcFirstLastPara="1" rIns="91425" wrap="square" tIns="91425">
+          <a:bodyPr spcFirstLastPara="1" wrap="square" lIns="91425" tIns="91425" rIns="91425" bIns="91425" anchor="ctr" anchorCtr="0">
             <a:normAutofit/>
           </a:bodyPr>
           <a:lstStyle>
@@ -2995,7 +4185,7 @@
             </a:lvl9pPr>
           </a:lstStyle>
           <a:p>
-            <a:pPr indent="0" lvl="0" marL="0" rtl="0" algn="r">
+            <a:pPr marL="0" lvl="0" indent="0" algn="r" rtl="0">
               <a:spcBef>
                 <a:spcPts val="0"/>
               </a:spcBef>
@@ -3006,7 +4196,7 @@
             </a:pPr>
             <a:fld id="{00000000-1234-1234-1234-123412341234}" type="slidenum">
               <a:rPr lang="fr"/>
-              <a:t>‹#›</a:t>
+              <a:t>‹N°›</a:t>
             </a:fld>
             <a:endParaRPr/>
           </a:p>
@@ -3021,11 +4211,11 @@
 </file>
 
 <file path=ppt/slideLayouts/slideLayout12.xml><?xml version="1.0" encoding="utf-8"?>
-<p:sldLayout xmlns:a="http://schemas.openxmlformats.org/drawingml/2006/main" xmlns:r="http://schemas.openxmlformats.org/officeDocument/2006/relationships" xmlns:mc="http://schemas.openxmlformats.org/markup-compatibility/2006" xmlns:mv="urn:schemas-microsoft-com:mac:vml" xmlns:p="http://schemas.openxmlformats.org/presentationml/2006/main" xmlns:c="http://schemas.openxmlformats.org/drawingml/2006/chart" xmlns:dgm="http://schemas.openxmlformats.org/drawingml/2006/diagram" xmlns:o="urn:schemas-microsoft-com:office:office" xmlns:v="urn:schemas-microsoft-com:vml" xmlns:pvml="urn:schemas-microsoft-com:office:powerpoint" xmlns:com="http://schemas.openxmlformats.org/drawingml/2006/compatibility" xmlns:p14="http://schemas.microsoft.com/office/powerpoint/2010/main" xmlns:p15="http://schemas.microsoft.com/office/powerpoint/2012/main" xmlns:ahyp="http://schemas.microsoft.com/office/drawing/2018/hyperlinkcolor" matchingName="TOC">
+<p:sldLayout xmlns:a="http://schemas.openxmlformats.org/drawingml/2006/main" xmlns:r="http://schemas.openxmlformats.org/officeDocument/2006/relationships" xmlns:p="http://schemas.openxmlformats.org/presentationml/2006/main" matchingName="TOC">
   <p:cSld name="SECTION_HEADER_1">
     <p:spTree>
       <p:nvGrpSpPr>
-        <p:cNvPr id="54" name="Shape 54"/>
+        <p:cNvPr id="1" name="Shape 54"/>
         <p:cNvGrpSpPr/>
         <p:nvPr/>
       </p:nvGrpSpPr>
@@ -3064,7 +4254,7 @@
             </a:xfrm>
             <a:prstGeom prst="diagStripe">
               <a:avLst>
-                <a:gd fmla="val 49469" name="adj"/>
+                <a:gd name="adj" fmla="val 49469"/>
               </a:avLst>
             </a:prstGeom>
             <a:solidFill>
@@ -3077,12 +4267,12 @@
             </a:ln>
           </p:spPr>
           <p:txBody>
-            <a:bodyPr anchorCtr="0" anchor="ctr" bIns="91425" lIns="91425" spcFirstLastPara="1" rIns="91425" wrap="square" tIns="91425">
+            <a:bodyPr spcFirstLastPara="1" wrap="square" lIns="91425" tIns="91425" rIns="91425" bIns="91425" anchor="ctr" anchorCtr="0">
               <a:noAutofit/>
             </a:bodyPr>
             <a:lstStyle/>
             <a:p>
-              <a:pPr indent="0" lvl="0" marL="0" rtl="0" algn="l">
+              <a:pPr marL="0" lvl="0" indent="0" algn="l" rtl="0">
                 <a:spcBef>
                   <a:spcPts val="0"/>
                 </a:spcBef>
@@ -3091,9 +4281,6 @@
                 </a:spcAft>
                 <a:buNone/>
               </a:pPr>
-              <a:r>
-                <a:t/>
-              </a:r>
               <a:endParaRPr/>
             </a:p>
           </p:txBody>
@@ -3111,7 +4298,7 @@
             </a:xfrm>
             <a:prstGeom prst="diagStripe">
               <a:avLst>
-                <a:gd fmla="val 0" name="adj"/>
+                <a:gd name="adj" fmla="val 0"/>
               </a:avLst>
             </a:prstGeom>
             <a:solidFill>
@@ -3124,12 +4311,12 @@
             </a:ln>
           </p:spPr>
           <p:txBody>
-            <a:bodyPr anchorCtr="0" anchor="ctr" bIns="91425" lIns="91425" spcFirstLastPara="1" rIns="91425" wrap="square" tIns="91425">
+            <a:bodyPr spcFirstLastPara="1" wrap="square" lIns="91425" tIns="91425" rIns="91425" bIns="91425" anchor="ctr" anchorCtr="0">
               <a:noAutofit/>
             </a:bodyPr>
             <a:lstStyle/>
             <a:p>
-              <a:pPr indent="0" lvl="0" marL="0" rtl="0" algn="l">
+              <a:pPr marL="0" lvl="0" indent="0" algn="l" rtl="0">
                 <a:spcBef>
                   <a:spcPts val="0"/>
                 </a:spcBef>
@@ -3138,9 +4325,6 @@
                 </a:spcAft>
                 <a:buNone/>
               </a:pPr>
-              <a:r>
-                <a:t/>
-              </a:r>
               <a:endParaRPr/>
             </a:p>
           </p:txBody>
@@ -3158,7 +4342,7 @@
             </a:xfrm>
             <a:prstGeom prst="diagStripe">
               <a:avLst>
-                <a:gd fmla="val 50000" name="adj"/>
+                <a:gd name="adj" fmla="val 50000"/>
               </a:avLst>
             </a:prstGeom>
             <a:solidFill>
@@ -3171,12 +4355,12 @@
             </a:ln>
           </p:spPr>
           <p:txBody>
-            <a:bodyPr anchorCtr="0" anchor="ctr" bIns="91425" lIns="91425" spcFirstLastPara="1" rIns="91425" wrap="square" tIns="91425">
+            <a:bodyPr spcFirstLastPara="1" wrap="square" lIns="91425" tIns="91425" rIns="91425" bIns="91425" anchor="ctr" anchorCtr="0">
               <a:noAutofit/>
             </a:bodyPr>
             <a:lstStyle/>
             <a:p>
-              <a:pPr indent="0" lvl="0" marL="0" rtl="0" algn="l">
+              <a:pPr marL="0" lvl="0" indent="0" algn="l" rtl="0">
                 <a:spcBef>
                   <a:spcPts val="0"/>
                 </a:spcBef>
@@ -3185,9 +4369,6 @@
                 </a:spcAft>
                 <a:buNone/>
               </a:pPr>
-              <a:r>
-                <a:t/>
-              </a:r>
               <a:endParaRPr/>
             </a:p>
           </p:txBody>
@@ -3205,7 +4386,7 @@
             </a:xfrm>
             <a:prstGeom prst="diagStripe">
               <a:avLst>
-                <a:gd fmla="val 50000" name="adj"/>
+                <a:gd name="adj" fmla="val 50000"/>
               </a:avLst>
             </a:prstGeom>
             <a:solidFill>
@@ -3218,12 +4399,12 @@
             </a:ln>
           </p:spPr>
           <p:txBody>
-            <a:bodyPr anchorCtr="0" anchor="ctr" bIns="91425" lIns="91425" spcFirstLastPara="1" rIns="91425" wrap="square" tIns="91425">
+            <a:bodyPr spcFirstLastPara="1" wrap="square" lIns="91425" tIns="91425" rIns="91425" bIns="91425" anchor="ctr" anchorCtr="0">
               <a:noAutofit/>
             </a:bodyPr>
             <a:lstStyle/>
             <a:p>
-              <a:pPr indent="0" lvl="0" marL="0" rtl="0" algn="l">
+              <a:pPr marL="0" lvl="0" indent="0" algn="l" rtl="0">
                 <a:spcBef>
                   <a:spcPts val="0"/>
                 </a:spcBef>
@@ -3232,9 +4413,6 @@
                 </a:spcAft>
                 <a:buNone/>
               </a:pPr>
-              <a:r>
-                <a:t/>
-              </a:r>
               <a:endParaRPr/>
             </a:p>
           </p:txBody>
@@ -3252,7 +4430,7 @@
             </a:xfrm>
             <a:prstGeom prst="diagStripe">
               <a:avLst>
-                <a:gd fmla="val 50000" name="adj"/>
+                <a:gd name="adj" fmla="val 50000"/>
               </a:avLst>
             </a:prstGeom>
             <a:solidFill>
@@ -3265,12 +4443,12 @@
             </a:ln>
           </p:spPr>
           <p:txBody>
-            <a:bodyPr anchorCtr="0" anchor="ctr" bIns="91425" lIns="91425" spcFirstLastPara="1" rIns="91425" wrap="square" tIns="91425">
+            <a:bodyPr spcFirstLastPara="1" wrap="square" lIns="91425" tIns="91425" rIns="91425" bIns="91425" anchor="ctr" anchorCtr="0">
               <a:noAutofit/>
             </a:bodyPr>
             <a:lstStyle/>
             <a:p>
-              <a:pPr indent="0" lvl="0" marL="0" rtl="0" algn="l">
+              <a:pPr marL="0" lvl="0" indent="0" algn="l" rtl="0">
                 <a:spcBef>
                   <a:spcPts val="0"/>
                 </a:spcBef>
@@ -3279,9 +4457,6 @@
                 </a:spcAft>
                 <a:buNone/>
               </a:pPr>
-              <a:r>
-                <a:t/>
-              </a:r>
               <a:endParaRPr/>
             </a:p>
           </p:txBody>
@@ -3299,7 +4474,7 @@
             </a:xfrm>
             <a:prstGeom prst="diagStripe">
               <a:avLst>
-                <a:gd fmla="val 50000" name="adj"/>
+                <a:gd name="adj" fmla="val 50000"/>
               </a:avLst>
             </a:prstGeom>
             <a:solidFill>
@@ -3312,12 +4487,12 @@
             </a:ln>
           </p:spPr>
           <p:txBody>
-            <a:bodyPr anchorCtr="0" anchor="ctr" bIns="91425" lIns="91425" spcFirstLastPara="1" rIns="91425" wrap="square" tIns="91425">
+            <a:bodyPr spcFirstLastPara="1" wrap="square" lIns="91425" tIns="91425" rIns="91425" bIns="91425" anchor="ctr" anchorCtr="0">
               <a:noAutofit/>
             </a:bodyPr>
             <a:lstStyle/>
             <a:p>
-              <a:pPr indent="0" lvl="0" marL="0" rtl="0" algn="l">
+              <a:pPr marL="0" lvl="0" indent="0" algn="l" rtl="0">
                 <a:spcBef>
                   <a:spcPts val="0"/>
                 </a:spcBef>
@@ -3326,9 +4501,6 @@
                 </a:spcAft>
                 <a:buNone/>
               </a:pPr>
-              <a:r>
-                <a:t/>
-              </a:r>
               <a:endParaRPr/>
             </a:p>
           </p:txBody>
@@ -3346,7 +4518,7 @@
             </a:xfrm>
             <a:prstGeom prst="diagStripe">
               <a:avLst>
-                <a:gd fmla="val 50000" name="adj"/>
+                <a:gd name="adj" fmla="val 50000"/>
               </a:avLst>
             </a:prstGeom>
             <a:solidFill>
@@ -3359,12 +4531,12 @@
             </a:ln>
           </p:spPr>
           <p:txBody>
-            <a:bodyPr anchorCtr="0" anchor="ctr" bIns="91425" lIns="91425" spcFirstLastPara="1" rIns="91425" wrap="square" tIns="91425">
+            <a:bodyPr spcFirstLastPara="1" wrap="square" lIns="91425" tIns="91425" rIns="91425" bIns="91425" anchor="ctr" anchorCtr="0">
               <a:noAutofit/>
             </a:bodyPr>
             <a:lstStyle/>
             <a:p>
-              <a:pPr indent="0" lvl="0" marL="0" rtl="0" algn="l">
+              <a:pPr marL="0" lvl="0" indent="0" algn="l" rtl="0">
                 <a:spcBef>
                   <a:spcPts val="0"/>
                 </a:spcBef>
@@ -3373,9 +4545,6 @@
                 </a:spcAft>
                 <a:buNone/>
               </a:pPr>
-              <a:r>
-                <a:t/>
-              </a:r>
               <a:endParaRPr/>
             </a:p>
           </p:txBody>
@@ -3393,7 +4562,7 @@
             </a:xfrm>
             <a:prstGeom prst="diagStripe">
               <a:avLst>
-                <a:gd fmla="val 50000" name="adj"/>
+                <a:gd name="adj" fmla="val 50000"/>
               </a:avLst>
             </a:prstGeom>
             <a:solidFill>
@@ -3404,12 +4573,12 @@
             </a:ln>
           </p:spPr>
           <p:txBody>
-            <a:bodyPr anchorCtr="0" anchor="ctr" bIns="91425" lIns="91425" spcFirstLastPara="1" rIns="91425" wrap="square" tIns="91425">
+            <a:bodyPr spcFirstLastPara="1" wrap="square" lIns="91425" tIns="91425" rIns="91425" bIns="91425" anchor="ctr" anchorCtr="0">
               <a:noAutofit/>
             </a:bodyPr>
             <a:lstStyle/>
             <a:p>
-              <a:pPr indent="0" lvl="0" marL="0" rtl="0" algn="l">
+              <a:pPr marL="0" lvl="0" indent="0" algn="l" rtl="0">
                 <a:spcBef>
                   <a:spcPts val="0"/>
                 </a:spcBef>
@@ -3418,9 +4587,6 @@
                 </a:spcAft>
                 <a:buNone/>
               </a:pPr>
-              <a:r>
-                <a:t/>
-              </a:r>
               <a:endParaRPr/>
             </a:p>
           </p:txBody>
@@ -3438,7 +4604,7 @@
             </a:xfrm>
             <a:prstGeom prst="diagStripe">
               <a:avLst>
-                <a:gd fmla="val 50000" name="adj"/>
+                <a:gd name="adj" fmla="val 50000"/>
               </a:avLst>
             </a:prstGeom>
             <a:solidFill>
@@ -3451,12 +4617,12 @@
             </a:ln>
           </p:spPr>
           <p:txBody>
-            <a:bodyPr anchorCtr="0" anchor="ctr" bIns="91425" lIns="91425" spcFirstLastPara="1" rIns="91425" wrap="square" tIns="91425">
+            <a:bodyPr spcFirstLastPara="1" wrap="square" lIns="91425" tIns="91425" rIns="91425" bIns="91425" anchor="ctr" anchorCtr="0">
               <a:noAutofit/>
             </a:bodyPr>
             <a:lstStyle/>
             <a:p>
-              <a:pPr indent="0" lvl="0" marL="0" rtl="0" algn="l">
+              <a:pPr marL="0" lvl="0" indent="0" algn="l" rtl="0">
                 <a:spcBef>
                   <a:spcPts val="0"/>
                 </a:spcBef>
@@ -3465,9 +4631,6 @@
                 </a:spcAft>
                 <a:buNone/>
               </a:pPr>
-              <a:r>
-                <a:t/>
-              </a:r>
               <a:endParaRPr/>
             </a:p>
           </p:txBody>
@@ -3485,7 +4648,7 @@
             </a:xfrm>
             <a:prstGeom prst="diagStripe">
               <a:avLst>
-                <a:gd fmla="val 50000" name="adj"/>
+                <a:gd name="adj" fmla="val 50000"/>
               </a:avLst>
             </a:prstGeom>
             <a:solidFill>
@@ -3498,12 +4661,12 @@
             </a:ln>
           </p:spPr>
           <p:txBody>
-            <a:bodyPr anchorCtr="0" anchor="ctr" bIns="91425" lIns="91425" spcFirstLastPara="1" rIns="91425" wrap="square" tIns="91425">
+            <a:bodyPr spcFirstLastPara="1" wrap="square" lIns="91425" tIns="91425" rIns="91425" bIns="91425" anchor="ctr" anchorCtr="0">
               <a:noAutofit/>
             </a:bodyPr>
             <a:lstStyle/>
             <a:p>
-              <a:pPr indent="0" lvl="0" marL="0" rtl="0" algn="l">
+              <a:pPr marL="0" lvl="0" indent="0" algn="l" rtl="0">
                 <a:spcBef>
                   <a:spcPts val="0"/>
                 </a:spcBef>
@@ -3512,9 +4675,6 @@
                 </a:spcAft>
                 <a:buNone/>
               </a:pPr>
-              <a:r>
-                <a:t/>
-              </a:r>
               <a:endParaRPr/>
             </a:p>
           </p:txBody>
@@ -3532,7 +4692,7 @@
             </a:xfrm>
             <a:prstGeom prst="diagStripe">
               <a:avLst>
-                <a:gd fmla="val 50000" name="adj"/>
+                <a:gd name="adj" fmla="val 50000"/>
               </a:avLst>
             </a:prstGeom>
             <a:solidFill>
@@ -3545,12 +4705,12 @@
             </a:ln>
           </p:spPr>
           <p:txBody>
-            <a:bodyPr anchorCtr="0" anchor="ctr" bIns="91425" lIns="91425" spcFirstLastPara="1" rIns="91425" wrap="square" tIns="91425">
+            <a:bodyPr spcFirstLastPara="1" wrap="square" lIns="91425" tIns="91425" rIns="91425" bIns="91425" anchor="ctr" anchorCtr="0">
               <a:noAutofit/>
             </a:bodyPr>
             <a:lstStyle/>
             <a:p>
-              <a:pPr indent="0" lvl="0" marL="0" rtl="0" algn="l">
+              <a:pPr marL="0" lvl="0" indent="0" algn="l" rtl="0">
                 <a:spcBef>
                   <a:spcPts val="0"/>
                 </a:spcBef>
@@ -3559,9 +4719,6 @@
                 </a:spcAft>
                 <a:buNone/>
               </a:pPr>
-              <a:r>
-                <a:t/>
-              </a:r>
               <a:endParaRPr/>
             </a:p>
           </p:txBody>
@@ -3579,7 +4736,7 @@
             </a:xfrm>
             <a:prstGeom prst="diagStripe">
               <a:avLst>
-                <a:gd fmla="val 50000" name="adj"/>
+                <a:gd name="adj" fmla="val 50000"/>
               </a:avLst>
             </a:prstGeom>
             <a:solidFill>
@@ -3592,12 +4749,12 @@
             </a:ln>
           </p:spPr>
           <p:txBody>
-            <a:bodyPr anchorCtr="0" anchor="ctr" bIns="91425" lIns="91425" spcFirstLastPara="1" rIns="91425" wrap="square" tIns="91425">
+            <a:bodyPr spcFirstLastPara="1" wrap="square" lIns="91425" tIns="91425" rIns="91425" bIns="91425" anchor="ctr" anchorCtr="0">
               <a:noAutofit/>
             </a:bodyPr>
             <a:lstStyle/>
             <a:p>
-              <a:pPr indent="0" lvl="0" marL="0" rtl="0" algn="l">
+              <a:pPr marL="0" lvl="0" indent="0" algn="l" rtl="0">
                 <a:spcBef>
                   <a:spcPts val="0"/>
                 </a:spcBef>
@@ -3606,9 +4763,6 @@
                 </a:spcAft>
                 <a:buNone/>
               </a:pPr>
-              <a:r>
-                <a:t/>
-              </a:r>
               <a:endParaRPr/>
             </a:p>
           </p:txBody>
@@ -3626,7 +4780,7 @@
             </a:xfrm>
             <a:prstGeom prst="diagStripe">
               <a:avLst>
-                <a:gd fmla="val 50000" name="adj"/>
+                <a:gd name="adj" fmla="val 50000"/>
               </a:avLst>
             </a:prstGeom>
             <a:solidFill>
@@ -3639,12 +4793,12 @@
             </a:ln>
           </p:spPr>
           <p:txBody>
-            <a:bodyPr anchorCtr="0" anchor="ctr" bIns="91425" lIns="91425" spcFirstLastPara="1" rIns="91425" wrap="square" tIns="91425">
+            <a:bodyPr spcFirstLastPara="1" wrap="square" lIns="91425" tIns="91425" rIns="91425" bIns="91425" anchor="ctr" anchorCtr="0">
               <a:noAutofit/>
             </a:bodyPr>
             <a:lstStyle/>
             <a:p>
-              <a:pPr indent="0" lvl="0" marL="0" rtl="0" algn="l">
+              <a:pPr marL="0" lvl="0" indent="0" algn="l" rtl="0">
                 <a:spcBef>
                   <a:spcPts val="0"/>
                 </a:spcBef>
@@ -3653,9 +4807,6 @@
                 </a:spcAft>
                 <a:buNone/>
               </a:pPr>
-              <a:r>
-                <a:t/>
-              </a:r>
               <a:endParaRPr/>
             </a:p>
           </p:txBody>
@@ -3673,7 +4824,7 @@
             </a:xfrm>
             <a:prstGeom prst="diagStripe">
               <a:avLst>
-                <a:gd fmla="val 50000" name="adj"/>
+                <a:gd name="adj" fmla="val 50000"/>
               </a:avLst>
             </a:prstGeom>
             <a:solidFill>
@@ -3684,12 +4835,12 @@
             </a:ln>
           </p:spPr>
           <p:txBody>
-            <a:bodyPr anchorCtr="0" anchor="ctr" bIns="91425" lIns="91425" spcFirstLastPara="1" rIns="91425" wrap="square" tIns="91425">
+            <a:bodyPr spcFirstLastPara="1" wrap="square" lIns="91425" tIns="91425" rIns="91425" bIns="91425" anchor="ctr" anchorCtr="0">
               <a:noAutofit/>
             </a:bodyPr>
             <a:lstStyle/>
             <a:p>
-              <a:pPr indent="0" lvl="0" marL="0" rtl="0" algn="l">
+              <a:pPr marL="0" lvl="0" indent="0" algn="l" rtl="0">
                 <a:spcBef>
                   <a:spcPts val="0"/>
                 </a:spcBef>
@@ -3698,9 +4849,6 @@
                 </a:spcAft>
                 <a:buNone/>
               </a:pPr>
-              <a:r>
-                <a:t/>
-              </a:r>
               <a:endParaRPr/>
             </a:p>
           </p:txBody>
@@ -3718,7 +4866,7 @@
             </a:xfrm>
             <a:prstGeom prst="diagStripe">
               <a:avLst>
-                <a:gd fmla="val 50000" name="adj"/>
+                <a:gd name="adj" fmla="val 50000"/>
               </a:avLst>
             </a:prstGeom>
             <a:solidFill>
@@ -3731,12 +4879,12 @@
             </a:ln>
           </p:spPr>
           <p:txBody>
-            <a:bodyPr anchorCtr="0" anchor="ctr" bIns="91425" lIns="91425" spcFirstLastPara="1" rIns="91425" wrap="square" tIns="91425">
+            <a:bodyPr spcFirstLastPara="1" wrap="square" lIns="91425" tIns="91425" rIns="91425" bIns="91425" anchor="ctr" anchorCtr="0">
               <a:noAutofit/>
             </a:bodyPr>
             <a:lstStyle/>
             <a:p>
-              <a:pPr indent="0" lvl="0" marL="0" rtl="0" algn="l">
+              <a:pPr marL="0" lvl="0" indent="0" algn="l" rtl="0">
                 <a:spcBef>
                   <a:spcPts val="0"/>
                 </a:spcBef>
@@ -3745,9 +4893,6 @@
                 </a:spcAft>
                 <a:buNone/>
               </a:pPr>
-              <a:r>
-                <a:t/>
-              </a:r>
               <a:endParaRPr/>
             </a:p>
           </p:txBody>
@@ -3765,7 +4910,7 @@
             </a:xfrm>
             <a:prstGeom prst="diagStripe">
               <a:avLst>
-                <a:gd fmla="val 50000" name="adj"/>
+                <a:gd name="adj" fmla="val 50000"/>
               </a:avLst>
             </a:prstGeom>
             <a:solidFill>
@@ -3778,12 +4923,12 @@
             </a:ln>
           </p:spPr>
           <p:txBody>
-            <a:bodyPr anchorCtr="0" anchor="ctr" bIns="91425" lIns="91425" spcFirstLastPara="1" rIns="91425" wrap="square" tIns="91425">
+            <a:bodyPr spcFirstLastPara="1" wrap="square" lIns="91425" tIns="91425" rIns="91425" bIns="91425" anchor="ctr" anchorCtr="0">
               <a:noAutofit/>
             </a:bodyPr>
             <a:lstStyle/>
             <a:p>
-              <a:pPr indent="0" lvl="0" marL="0" rtl="0" algn="l">
+              <a:pPr marL="0" lvl="0" indent="0" algn="l" rtl="0">
                 <a:spcBef>
                   <a:spcPts val="0"/>
                 </a:spcBef>
@@ -3792,9 +4937,6 @@
                 </a:spcAft>
                 <a:buNone/>
               </a:pPr>
-              <a:r>
-                <a:t/>
-              </a:r>
               <a:endParaRPr/>
             </a:p>
           </p:txBody>
@@ -3812,7 +4954,7 @@
             </a:xfrm>
             <a:prstGeom prst="diagStripe">
               <a:avLst>
-                <a:gd fmla="val 50000" name="adj"/>
+                <a:gd name="adj" fmla="val 50000"/>
               </a:avLst>
             </a:prstGeom>
             <a:solidFill>
@@ -3825,12 +4967,12 @@
             </a:ln>
           </p:spPr>
           <p:txBody>
-            <a:bodyPr anchorCtr="0" anchor="ctr" bIns="91425" lIns="91425" spcFirstLastPara="1" rIns="91425" wrap="square" tIns="91425">
+            <a:bodyPr spcFirstLastPara="1" wrap="square" lIns="91425" tIns="91425" rIns="91425" bIns="91425" anchor="ctr" anchorCtr="0">
               <a:noAutofit/>
             </a:bodyPr>
             <a:lstStyle/>
             <a:p>
-              <a:pPr indent="0" lvl="0" marL="0" rtl="0" algn="l">
+              <a:pPr marL="0" lvl="0" indent="0" algn="l" rtl="0">
                 <a:spcBef>
                   <a:spcPts val="0"/>
                 </a:spcBef>
@@ -3839,9 +4981,6 @@
                 </a:spcAft>
                 <a:buNone/>
               </a:pPr>
-              <a:r>
-                <a:t/>
-              </a:r>
               <a:endParaRPr/>
             </a:p>
           </p:txBody>
@@ -3859,7 +4998,7 @@
             </a:xfrm>
             <a:prstGeom prst="diagStripe">
               <a:avLst>
-                <a:gd fmla="val 50000" name="adj"/>
+                <a:gd name="adj" fmla="val 50000"/>
               </a:avLst>
             </a:prstGeom>
             <a:solidFill>
@@ -3872,12 +5011,12 @@
             </a:ln>
           </p:spPr>
           <p:txBody>
-            <a:bodyPr anchorCtr="0" anchor="ctr" bIns="91425" lIns="91425" spcFirstLastPara="1" rIns="91425" wrap="square" tIns="91425">
+            <a:bodyPr spcFirstLastPara="1" wrap="square" lIns="91425" tIns="91425" rIns="91425" bIns="91425" anchor="ctr" anchorCtr="0">
               <a:noAutofit/>
             </a:bodyPr>
             <a:lstStyle/>
             <a:p>
-              <a:pPr indent="0" lvl="0" marL="0" rtl="0" algn="l">
+              <a:pPr marL="0" lvl="0" indent="0" algn="l" rtl="0">
                 <a:spcBef>
                   <a:spcPts val="0"/>
                 </a:spcBef>
@@ -3886,9 +5025,6 @@
                 </a:spcAft>
                 <a:buNone/>
               </a:pPr>
-              <a:r>
-                <a:t/>
-              </a:r>
               <a:endParaRPr/>
             </a:p>
           </p:txBody>
@@ -3897,9 +5033,11 @@
       <p:sp>
         <p:nvSpPr>
           <p:cNvPr id="74" name="Google Shape;74;p13"/>
-          <p:cNvSpPr txBox="1"/>
+          <p:cNvSpPr txBox="1">
+            <a:spLocks noGrp="1"/>
+          </p:cNvSpPr>
           <p:nvPr>
-            <p:ph idx="12" type="sldNum"/>
+            <p:ph type="sldNum" idx="12"/>
           </p:nvPr>
         </p:nvSpPr>
         <p:spPr>
@@ -3912,7 +5050,7 @@
           </a:prstGeom>
         </p:spPr>
         <p:txBody>
-          <a:bodyPr anchorCtr="0" anchor="ctr" bIns="91425" lIns="91425" spcFirstLastPara="1" rIns="91425" wrap="square" tIns="91425">
+          <a:bodyPr spcFirstLastPara="1" wrap="square" lIns="91425" tIns="91425" rIns="91425" bIns="91425" anchor="ctr" anchorCtr="0">
             <a:normAutofit/>
           </a:bodyPr>
           <a:lstStyle>
@@ -3954,7 +5092,7 @@
             </a:lvl9pPr>
           </a:lstStyle>
           <a:p>
-            <a:pPr indent="0" lvl="0" marL="0" rtl="0" algn="r">
+            <a:pPr marL="0" lvl="0" indent="0" algn="r" rtl="0">
               <a:spcBef>
                 <a:spcPts val="0"/>
               </a:spcBef>
@@ -3965,7 +5103,7 @@
             </a:pPr>
             <a:fld id="{00000000-1234-1234-1234-123412341234}" type="slidenum">
               <a:rPr lang="fr"/>
-              <a:t>‹#›</a:t>
+              <a:t>‹N°›</a:t>
             </a:fld>
             <a:endParaRPr/>
           </a:p>
@@ -3974,7 +5112,9 @@
       <p:sp>
         <p:nvSpPr>
           <p:cNvPr id="75" name="Google Shape;75;p13"/>
-          <p:cNvSpPr txBox="1"/>
+          <p:cNvSpPr txBox="1">
+            <a:spLocks noGrp="1"/>
+          </p:cNvSpPr>
           <p:nvPr>
             <p:ph type="title"/>
           </p:nvPr>
@@ -3989,7 +5129,7 @@
           </a:prstGeom>
         </p:spPr>
         <p:txBody>
-          <a:bodyPr anchorCtr="0" anchor="t" bIns="91425" lIns="91425" spcFirstLastPara="1" rIns="91425" wrap="square" tIns="91425">
+          <a:bodyPr spcFirstLastPara="1" wrap="square" lIns="91425" tIns="91425" rIns="91425" bIns="91425" anchor="t" anchorCtr="0">
             <a:normAutofit/>
           </a:bodyPr>
           <a:lstStyle>
@@ -4093,7 +5233,9 @@
               <a:defRPr sz="2400"/>
             </a:lvl9pPr>
           </a:lstStyle>
-          <a:p/>
+          <a:p>
+            <a:endParaRPr/>
+          </a:p>
         </p:txBody>
       </p:sp>
     </p:spTree>
@@ -4105,11 +5247,11 @@
 </file>
 
 <file path=ppt/slideLayouts/slideLayout13.xml><?xml version="1.0" encoding="utf-8"?>
-<p:sldLayout xmlns:a="http://schemas.openxmlformats.org/drawingml/2006/main" xmlns:r="http://schemas.openxmlformats.org/officeDocument/2006/relationships" xmlns:mc="http://schemas.openxmlformats.org/markup-compatibility/2006" xmlns:mv="urn:schemas-microsoft-com:mac:vml" xmlns:p="http://schemas.openxmlformats.org/presentationml/2006/main" xmlns:c="http://schemas.openxmlformats.org/drawingml/2006/chart" xmlns:dgm="http://schemas.openxmlformats.org/drawingml/2006/diagram" xmlns:o="urn:schemas-microsoft-com:office:office" xmlns:v="urn:schemas-microsoft-com:vml" xmlns:pvml="urn:schemas-microsoft-com:office:powerpoint" xmlns:com="http://schemas.openxmlformats.org/drawingml/2006/compatibility" xmlns:p14="http://schemas.microsoft.com/office/powerpoint/2010/main" xmlns:p15="http://schemas.microsoft.com/office/powerpoint/2012/main" xmlns:ahyp="http://schemas.microsoft.com/office/drawing/2018/hyperlinkcolor" matchingName="Title and body_alt3">
+<p:sldLayout xmlns:a="http://schemas.openxmlformats.org/drawingml/2006/main" xmlns:r="http://schemas.openxmlformats.org/officeDocument/2006/relationships" xmlns:p="http://schemas.openxmlformats.org/presentationml/2006/main" matchingName="Title and body_alt3">
   <p:cSld name="TITLE_AND_BODY_1">
     <p:spTree>
       <p:nvGrpSpPr>
-        <p:cNvPr id="76" name="Shape 76"/>
+        <p:cNvPr id="1" name="Shape 76"/>
         <p:cNvGrpSpPr/>
         <p:nvPr/>
       </p:nvGrpSpPr>
@@ -4123,7 +5265,7 @@
       </p:grpSpPr>
       <p:pic>
         <p:nvPicPr>
-          <p:cNvPr descr="offset_comp_343059.jpg" id="77" name="Google Shape;77;p14"/>
+          <p:cNvPr id="77" name="Google Shape;77;p14" descr="offset_comp_343059.jpg"/>
           <p:cNvPicPr preferRelativeResize="0"/>
           <p:nvPr/>
         </p:nvPicPr>
@@ -4131,7 +5273,7 @@
           <a:blip r:embed="rId2">
             <a:alphaModFix amt="80000"/>
           </a:blip>
-          <a:srcRect b="25870" l="30474" r="30474" t="11955"/>
+          <a:srcRect l="30474" t="11955" r="30474" b="25870"/>
           <a:stretch/>
         </p:blipFill>
         <p:spPr>
@@ -4141,7 +5283,7 @@
           </a:xfrm>
           <a:prstGeom prst="diagStripe">
             <a:avLst>
-              <a:gd fmla="val 50343" name="adj"/>
+              <a:gd name="adj" fmla="val 50343"/>
             </a:avLst>
           </a:prstGeom>
           <a:noFill/>
@@ -4153,7 +5295,9 @@
       <p:sp>
         <p:nvSpPr>
           <p:cNvPr id="78" name="Google Shape;78;p14"/>
-          <p:cNvSpPr txBox="1"/>
+          <p:cNvSpPr txBox="1">
+            <a:spLocks noGrp="1"/>
+          </p:cNvSpPr>
           <p:nvPr>
             <p:ph type="title"/>
           </p:nvPr>
@@ -4168,7 +5312,7 @@
           </a:prstGeom>
         </p:spPr>
         <p:txBody>
-          <a:bodyPr anchorCtr="0" anchor="t" bIns="91425" lIns="91425" spcFirstLastPara="1" rIns="91425" wrap="square" tIns="91425">
+          <a:bodyPr spcFirstLastPara="1" wrap="square" lIns="91425" tIns="91425" rIns="91425" bIns="91425" anchor="t" anchorCtr="0">
             <a:normAutofit/>
           </a:bodyPr>
           <a:lstStyle>
@@ -4272,15 +5416,19 @@
               <a:defRPr sz="2400"/>
             </a:lvl9pPr>
           </a:lstStyle>
-          <a:p/>
+          <a:p>
+            <a:endParaRPr/>
+          </a:p>
         </p:txBody>
       </p:sp>
       <p:sp>
         <p:nvSpPr>
           <p:cNvPr id="79" name="Google Shape;79;p14"/>
-          <p:cNvSpPr txBox="1"/>
+          <p:cNvSpPr txBox="1">
+            <a:spLocks noGrp="1"/>
+          </p:cNvSpPr>
           <p:nvPr>
-            <p:ph idx="1" type="body"/>
+            <p:ph type="body" idx="1"/>
           </p:nvPr>
         </p:nvSpPr>
         <p:spPr>
@@ -4293,11 +5441,11 @@
           </a:prstGeom>
         </p:spPr>
         <p:txBody>
-          <a:bodyPr anchorCtr="0" anchor="t" bIns="91425" lIns="91425" spcFirstLastPara="1" rIns="91425" wrap="square" tIns="91425">
+          <a:bodyPr spcFirstLastPara="1" wrap="square" lIns="91425" tIns="91425" rIns="91425" bIns="91425" anchor="t" anchorCtr="0">
             <a:normAutofit/>
           </a:bodyPr>
           <a:lstStyle>
-            <a:lvl1pPr indent="-342900" lvl="0" marL="457200" rtl="0">
+            <a:lvl1pPr marL="457200" lvl="0" indent="-342900" rtl="0">
               <a:spcBef>
                 <a:spcPts val="0"/>
               </a:spcBef>
@@ -4315,7 +5463,7 @@
                 </a:solidFill>
               </a:defRPr>
             </a:lvl1pPr>
-            <a:lvl2pPr indent="-317500" lvl="1" marL="914400" rtl="0">
+            <a:lvl2pPr marL="914400" lvl="1" indent="-317500" rtl="0">
               <a:spcBef>
                 <a:spcPts val="0"/>
               </a:spcBef>
@@ -4333,7 +5481,7 @@
                 </a:solidFill>
               </a:defRPr>
             </a:lvl2pPr>
-            <a:lvl3pPr indent="-317500" lvl="2" marL="1371600" rtl="0">
+            <a:lvl3pPr marL="1371600" lvl="2" indent="-317500" rtl="0">
               <a:spcBef>
                 <a:spcPts val="0"/>
               </a:spcBef>
@@ -4351,7 +5499,7 @@
                 </a:solidFill>
               </a:defRPr>
             </a:lvl3pPr>
-            <a:lvl4pPr indent="-317500" lvl="3" marL="1828800" rtl="0">
+            <a:lvl4pPr marL="1828800" lvl="3" indent="-317500" rtl="0">
               <a:spcBef>
                 <a:spcPts val="0"/>
               </a:spcBef>
@@ -4369,7 +5517,7 @@
                 </a:solidFill>
               </a:defRPr>
             </a:lvl4pPr>
-            <a:lvl5pPr indent="-317500" lvl="4" marL="2286000" rtl="0">
+            <a:lvl5pPr marL="2286000" lvl="4" indent="-317500" rtl="0">
               <a:spcBef>
                 <a:spcPts val="0"/>
               </a:spcBef>
@@ -4387,7 +5535,7 @@
                 </a:solidFill>
               </a:defRPr>
             </a:lvl5pPr>
-            <a:lvl6pPr indent="-317500" lvl="5" marL="2743200" rtl="0">
+            <a:lvl6pPr marL="2743200" lvl="5" indent="-317500" rtl="0">
               <a:spcBef>
                 <a:spcPts val="0"/>
               </a:spcBef>
@@ -4405,7 +5553,7 @@
                 </a:solidFill>
               </a:defRPr>
             </a:lvl6pPr>
-            <a:lvl7pPr indent="-317500" lvl="6" marL="3200400" rtl="0">
+            <a:lvl7pPr marL="3200400" lvl="6" indent="-317500" rtl="0">
               <a:spcBef>
                 <a:spcPts val="0"/>
               </a:spcBef>
@@ -4423,7 +5571,7 @@
                 </a:solidFill>
               </a:defRPr>
             </a:lvl7pPr>
-            <a:lvl8pPr indent="-317500" lvl="7" marL="3657600" rtl="0">
+            <a:lvl8pPr marL="3657600" lvl="7" indent="-317500" rtl="0">
               <a:spcBef>
                 <a:spcPts val="0"/>
               </a:spcBef>
@@ -4441,7 +5589,7 @@
                 </a:solidFill>
               </a:defRPr>
             </a:lvl8pPr>
-            <a:lvl9pPr indent="-317500" lvl="8" marL="4114800" rtl="0">
+            <a:lvl9pPr marL="4114800" lvl="8" indent="-317500" rtl="0">
               <a:spcBef>
                 <a:spcPts val="0"/>
               </a:spcBef>
@@ -4460,15 +5608,19 @@
               </a:defRPr>
             </a:lvl9pPr>
           </a:lstStyle>
-          <a:p/>
+          <a:p>
+            <a:endParaRPr/>
+          </a:p>
         </p:txBody>
       </p:sp>
       <p:sp>
         <p:nvSpPr>
           <p:cNvPr id="80" name="Google Shape;80;p14"/>
-          <p:cNvSpPr txBox="1"/>
+          <p:cNvSpPr txBox="1">
+            <a:spLocks noGrp="1"/>
+          </p:cNvSpPr>
           <p:nvPr>
-            <p:ph idx="12" type="sldNum"/>
+            <p:ph type="sldNum" idx="12"/>
           </p:nvPr>
         </p:nvSpPr>
         <p:spPr>
@@ -4481,7 +5633,7 @@
           </a:prstGeom>
         </p:spPr>
         <p:txBody>
-          <a:bodyPr anchorCtr="0" anchor="ctr" bIns="91425" lIns="91425" spcFirstLastPara="1" rIns="91425" wrap="square" tIns="91425">
+          <a:bodyPr spcFirstLastPara="1" wrap="square" lIns="91425" tIns="91425" rIns="91425" bIns="91425" anchor="ctr" anchorCtr="0">
             <a:normAutofit/>
           </a:bodyPr>
           <a:lstStyle>
@@ -4523,7 +5675,7 @@
             </a:lvl9pPr>
           </a:lstStyle>
           <a:p>
-            <a:pPr indent="0" lvl="0" marL="0" rtl="0" algn="r">
+            <a:pPr marL="0" lvl="0" indent="0" algn="r" rtl="0">
               <a:spcBef>
                 <a:spcPts val="0"/>
               </a:spcBef>
@@ -4534,7 +5686,7 @@
             </a:pPr>
             <a:fld id="{00000000-1234-1234-1234-123412341234}" type="slidenum">
               <a:rPr lang="fr"/>
-              <a:t>‹#›</a:t>
+              <a:t>‹N°›</a:t>
             </a:fld>
             <a:endParaRPr/>
           </a:p>
@@ -4543,7 +5695,7 @@
       <p:sp>
         <p:nvSpPr>
           <p:cNvPr id="81" name="Google Shape;81;p14">
-            <a:hlinkClick/>
+            <a:hlinkClick r:id="" action="ppaction://noaction"/>
           </p:cNvPr>
           <p:cNvSpPr/>
           <p:nvPr/>
@@ -4564,12 +5716,12 @@
           </a:ln>
         </p:spPr>
         <p:txBody>
-          <a:bodyPr anchorCtr="0" anchor="ctr" bIns="91425" lIns="91425" spcFirstLastPara="1" rIns="91425" wrap="square" tIns="91425">
+          <a:bodyPr spcFirstLastPara="1" wrap="square" lIns="91425" tIns="91425" rIns="91425" bIns="91425" anchor="ctr" anchorCtr="0">
             <a:noAutofit/>
           </a:bodyPr>
           <a:lstStyle/>
           <a:p>
-            <a:pPr indent="0" lvl="0" marL="0" rtl="0" algn="l">
+            <a:pPr marL="0" lvl="0" indent="0" algn="l" rtl="0">
               <a:spcBef>
                 <a:spcPts val="0"/>
               </a:spcBef>
@@ -4578,9 +5730,6 @@
               </a:spcAft>
               <a:buNone/>
             </a:pPr>
-            <a:r>
-              <a:t/>
-            </a:r>
             <a:endParaRPr/>
           </a:p>
         </p:txBody>
@@ -4588,7 +5737,7 @@
       <p:sp>
         <p:nvSpPr>
           <p:cNvPr id="82" name="Google Shape;82;p14">
-            <a:hlinkClick/>
+            <a:hlinkClick r:id="" action="ppaction://noaction"/>
           </p:cNvPr>
           <p:cNvSpPr/>
           <p:nvPr/>
@@ -4611,12 +5760,12 @@
           </a:ln>
         </p:spPr>
         <p:txBody>
-          <a:bodyPr anchorCtr="0" anchor="ctr" bIns="91425" lIns="91425" spcFirstLastPara="1" rIns="91425" wrap="square" tIns="91425">
+          <a:bodyPr spcFirstLastPara="1" wrap="square" lIns="91425" tIns="91425" rIns="91425" bIns="91425" anchor="ctr" anchorCtr="0">
             <a:noAutofit/>
           </a:bodyPr>
           <a:lstStyle/>
           <a:p>
-            <a:pPr indent="0" lvl="0" marL="0" rtl="0" algn="l">
+            <a:pPr marL="0" lvl="0" indent="0" algn="l" rtl="0">
               <a:spcBef>
                 <a:spcPts val="0"/>
               </a:spcBef>
@@ -4625,9 +5774,6 @@
               </a:spcAft>
               <a:buNone/>
             </a:pPr>
-            <a:r>
-              <a:t/>
-            </a:r>
             <a:endParaRPr/>
           </a:p>
         </p:txBody>
@@ -4635,7 +5781,7 @@
       <p:sp>
         <p:nvSpPr>
           <p:cNvPr id="83" name="Google Shape;83;p14">
-            <a:hlinkClick/>
+            <a:hlinkClick r:id="" action="ppaction://noaction"/>
           </p:cNvPr>
           <p:cNvSpPr/>
           <p:nvPr/>
@@ -4658,12 +5804,12 @@
           </a:ln>
         </p:spPr>
         <p:txBody>
-          <a:bodyPr anchorCtr="0" anchor="ctr" bIns="91425" lIns="91425" spcFirstLastPara="1" rIns="91425" wrap="square" tIns="91425">
+          <a:bodyPr spcFirstLastPara="1" wrap="square" lIns="91425" tIns="91425" rIns="91425" bIns="91425" anchor="ctr" anchorCtr="0">
             <a:noAutofit/>
           </a:bodyPr>
           <a:lstStyle/>
           <a:p>
-            <a:pPr indent="0" lvl="0" marL="0" rtl="0" algn="l">
+            <a:pPr marL="0" lvl="0" indent="0" algn="l" rtl="0">
               <a:spcBef>
                 <a:spcPts val="0"/>
               </a:spcBef>
@@ -4672,9 +5818,6 @@
               </a:spcAft>
               <a:buNone/>
             </a:pPr>
-            <a:r>
-              <a:t/>
-            </a:r>
             <a:endParaRPr/>
           </a:p>
         </p:txBody>
@@ -4682,7 +5825,7 @@
       <p:sp>
         <p:nvSpPr>
           <p:cNvPr id="84" name="Google Shape;84;p14">
-            <a:hlinkClick/>
+            <a:hlinkClick r:id="" action="ppaction://noaction"/>
           </p:cNvPr>
           <p:cNvSpPr/>
           <p:nvPr/>
@@ -4705,12 +5848,12 @@
           </a:ln>
         </p:spPr>
         <p:txBody>
-          <a:bodyPr anchorCtr="0" anchor="ctr" bIns="91425" lIns="91425" spcFirstLastPara="1" rIns="91425" wrap="square" tIns="91425">
+          <a:bodyPr spcFirstLastPara="1" wrap="square" lIns="91425" tIns="91425" rIns="91425" bIns="91425" anchor="ctr" anchorCtr="0">
             <a:noAutofit/>
           </a:bodyPr>
           <a:lstStyle/>
           <a:p>
-            <a:pPr indent="0" lvl="0" marL="0" rtl="0" algn="l">
+            <a:pPr marL="0" lvl="0" indent="0" algn="l" rtl="0">
               <a:spcBef>
                 <a:spcPts val="0"/>
               </a:spcBef>
@@ -4719,9 +5862,6 @@
               </a:spcAft>
               <a:buNone/>
             </a:pPr>
-            <a:r>
-              <a:t/>
-            </a:r>
             <a:endParaRPr/>
           </a:p>
         </p:txBody>
@@ -4753,7 +5893,7 @@
             </a:xfrm>
             <a:prstGeom prst="diagStripe">
               <a:avLst>
-                <a:gd fmla="val 50000" name="adj"/>
+                <a:gd name="adj" fmla="val 50000"/>
               </a:avLst>
             </a:prstGeom>
             <a:solidFill>
@@ -4764,12 +5904,12 @@
             </a:ln>
           </p:spPr>
           <p:txBody>
-            <a:bodyPr anchorCtr="0" anchor="ctr" bIns="91425" lIns="91425" spcFirstLastPara="1" rIns="91425" wrap="square" tIns="91425">
+            <a:bodyPr spcFirstLastPara="1" wrap="square" lIns="91425" tIns="91425" rIns="91425" bIns="91425" anchor="ctr" anchorCtr="0">
               <a:noAutofit/>
             </a:bodyPr>
             <a:lstStyle/>
             <a:p>
-              <a:pPr indent="0" lvl="0" marL="0" rtl="0" algn="l">
+              <a:pPr marL="0" lvl="0" indent="0" algn="l" rtl="0">
                 <a:spcBef>
                   <a:spcPts val="0"/>
                 </a:spcBef>
@@ -4778,9 +5918,6 @@
                 </a:spcAft>
                 <a:buNone/>
               </a:pPr>
-              <a:r>
-                <a:t/>
-              </a:r>
               <a:endParaRPr/>
             </a:p>
           </p:txBody>
@@ -4798,7 +5935,7 @@
             </a:xfrm>
             <a:prstGeom prst="diagStripe">
               <a:avLst>
-                <a:gd fmla="val 50000" name="adj"/>
+                <a:gd name="adj" fmla="val 50000"/>
               </a:avLst>
             </a:prstGeom>
             <a:solidFill>
@@ -4809,12 +5946,12 @@
             </a:ln>
           </p:spPr>
           <p:txBody>
-            <a:bodyPr anchorCtr="0" anchor="ctr" bIns="91425" lIns="91425" spcFirstLastPara="1" rIns="91425" wrap="square" tIns="91425">
+            <a:bodyPr spcFirstLastPara="1" wrap="square" lIns="91425" tIns="91425" rIns="91425" bIns="91425" anchor="ctr" anchorCtr="0">
               <a:noAutofit/>
             </a:bodyPr>
             <a:lstStyle/>
             <a:p>
-              <a:pPr indent="0" lvl="0" marL="0" rtl="0" algn="l">
+              <a:pPr marL="0" lvl="0" indent="0" algn="l" rtl="0">
                 <a:spcBef>
                   <a:spcPts val="0"/>
                 </a:spcBef>
@@ -4823,9 +5960,6 @@
                 </a:spcAft>
                 <a:buNone/>
               </a:pPr>
-              <a:r>
-                <a:t/>
-              </a:r>
               <a:endParaRPr/>
             </a:p>
           </p:txBody>
@@ -4840,11 +5974,11 @@
 </file>
 
 <file path=ppt/slideLayouts/slideLayout14.xml><?xml version="1.0" encoding="utf-8"?>
-<p:sldLayout xmlns:a="http://schemas.openxmlformats.org/drawingml/2006/main" xmlns:r="http://schemas.openxmlformats.org/officeDocument/2006/relationships" xmlns:mc="http://schemas.openxmlformats.org/markup-compatibility/2006" xmlns:mv="urn:schemas-microsoft-com:mac:vml" xmlns:p="http://schemas.openxmlformats.org/presentationml/2006/main" xmlns:c="http://schemas.openxmlformats.org/drawingml/2006/chart" xmlns:dgm="http://schemas.openxmlformats.org/drawingml/2006/diagram" xmlns:o="urn:schemas-microsoft-com:office:office" xmlns:v="urn:schemas-microsoft-com:vml" xmlns:pvml="urn:schemas-microsoft-com:office:powerpoint" xmlns:com="http://schemas.openxmlformats.org/drawingml/2006/compatibility" xmlns:p14="http://schemas.microsoft.com/office/powerpoint/2010/main" xmlns:p15="http://schemas.microsoft.com/office/powerpoint/2012/main" xmlns:ahyp="http://schemas.microsoft.com/office/drawing/2018/hyperlinkcolor" matchingName="Title and body_alt1">
+<p:sldLayout xmlns:a="http://schemas.openxmlformats.org/drawingml/2006/main" xmlns:r="http://schemas.openxmlformats.org/officeDocument/2006/relationships" xmlns:p="http://schemas.openxmlformats.org/presentationml/2006/main" matchingName="Title and body_alt1">
   <p:cSld name="TITLE_AND_BODY_2">
     <p:spTree>
       <p:nvGrpSpPr>
-        <p:cNvPr id="88" name="Shape 88"/>
+        <p:cNvPr id="1" name="Shape 88"/>
         <p:cNvGrpSpPr/>
         <p:nvPr/>
       </p:nvGrpSpPr>
@@ -4859,7 +5993,9 @@
       <p:sp>
         <p:nvSpPr>
           <p:cNvPr id="89" name="Google Shape;89;p15"/>
-          <p:cNvSpPr txBox="1"/>
+          <p:cNvSpPr txBox="1">
+            <a:spLocks noGrp="1"/>
+          </p:cNvSpPr>
           <p:nvPr>
             <p:ph type="title"/>
           </p:nvPr>
@@ -4874,7 +6010,7 @@
           </a:prstGeom>
         </p:spPr>
         <p:txBody>
-          <a:bodyPr anchorCtr="0" anchor="t" bIns="91425" lIns="91425" spcFirstLastPara="1" rIns="91425" wrap="square" tIns="91425">
+          <a:bodyPr spcFirstLastPara="1" wrap="square" lIns="91425" tIns="91425" rIns="91425" bIns="91425" anchor="t" anchorCtr="0">
             <a:normAutofit/>
           </a:bodyPr>
           <a:lstStyle>
@@ -4978,7 +6114,9 @@
               <a:defRPr sz="1800"/>
             </a:lvl9pPr>
           </a:lstStyle>
-          <a:p/>
+          <a:p>
+            <a:endParaRPr/>
+          </a:p>
         </p:txBody>
       </p:sp>
       <p:sp>
@@ -5003,12 +6141,12 @@
           </a:ln>
         </p:spPr>
         <p:txBody>
-          <a:bodyPr anchorCtr="0" anchor="ctr" bIns="91425" lIns="91425" spcFirstLastPara="1" rIns="91425" wrap="square" tIns="91425">
+          <a:bodyPr spcFirstLastPara="1" wrap="square" lIns="91425" tIns="91425" rIns="91425" bIns="91425" anchor="ctr" anchorCtr="0">
             <a:noAutofit/>
           </a:bodyPr>
           <a:lstStyle/>
           <a:p>
-            <a:pPr indent="0" lvl="0" marL="0" rtl="0" algn="l">
+            <a:pPr marL="0" lvl="0" indent="0" algn="l" rtl="0">
               <a:spcBef>
                 <a:spcPts val="0"/>
               </a:spcBef>
@@ -5017,9 +6155,6 @@
               </a:spcAft>
               <a:buNone/>
             </a:pPr>
-            <a:r>
-              <a:t/>
-            </a:r>
             <a:endParaRPr/>
           </a:p>
         </p:txBody>
@@ -5027,9 +6162,11 @@
       <p:sp>
         <p:nvSpPr>
           <p:cNvPr id="91" name="Google Shape;91;p15"/>
-          <p:cNvSpPr txBox="1"/>
+          <p:cNvSpPr txBox="1">
+            <a:spLocks noGrp="1"/>
+          </p:cNvSpPr>
           <p:nvPr>
-            <p:ph idx="1" type="body"/>
+            <p:ph type="body" idx="1"/>
           </p:nvPr>
         </p:nvSpPr>
         <p:spPr>
@@ -5042,11 +6179,11 @@
           </a:prstGeom>
         </p:spPr>
         <p:txBody>
-          <a:bodyPr anchorCtr="0" anchor="t" bIns="91425" lIns="91425" spcFirstLastPara="1" rIns="91425" wrap="square" tIns="91425">
+          <a:bodyPr spcFirstLastPara="1" wrap="square" lIns="91425" tIns="91425" rIns="91425" bIns="91425" anchor="t" anchorCtr="0">
             <a:normAutofit/>
           </a:bodyPr>
           <a:lstStyle>
-            <a:lvl1pPr indent="-298450" lvl="0" marL="457200" rtl="0">
+            <a:lvl1pPr marL="457200" lvl="0" indent="-298450" rtl="0">
               <a:spcBef>
                 <a:spcPts val="0"/>
               </a:spcBef>
@@ -5064,7 +6201,7 @@
                 </a:solidFill>
               </a:defRPr>
             </a:lvl1pPr>
-            <a:lvl2pPr indent="-317500" lvl="1" marL="914400" rtl="0">
+            <a:lvl2pPr marL="914400" lvl="1" indent="-317500" rtl="0">
               <a:spcBef>
                 <a:spcPts val="0"/>
               </a:spcBef>
@@ -5082,7 +6219,7 @@
                 </a:solidFill>
               </a:defRPr>
             </a:lvl2pPr>
-            <a:lvl3pPr indent="-317500" lvl="2" marL="1371600" rtl="0">
+            <a:lvl3pPr marL="1371600" lvl="2" indent="-317500" rtl="0">
               <a:spcBef>
                 <a:spcPts val="0"/>
               </a:spcBef>
@@ -5100,7 +6237,7 @@
                 </a:solidFill>
               </a:defRPr>
             </a:lvl3pPr>
-            <a:lvl4pPr indent="-317500" lvl="3" marL="1828800" rtl="0">
+            <a:lvl4pPr marL="1828800" lvl="3" indent="-317500" rtl="0">
               <a:spcBef>
                 <a:spcPts val="0"/>
               </a:spcBef>
@@ -5118,7 +6255,7 @@
                 </a:solidFill>
               </a:defRPr>
             </a:lvl4pPr>
-            <a:lvl5pPr indent="-317500" lvl="4" marL="2286000" rtl="0">
+            <a:lvl5pPr marL="2286000" lvl="4" indent="-317500" rtl="0">
               <a:spcBef>
                 <a:spcPts val="0"/>
               </a:spcBef>
@@ -5136,7 +6273,7 @@
                 </a:solidFill>
               </a:defRPr>
             </a:lvl5pPr>
-            <a:lvl6pPr indent="-317500" lvl="5" marL="2743200" rtl="0">
+            <a:lvl6pPr marL="2743200" lvl="5" indent="-317500" rtl="0">
               <a:spcBef>
                 <a:spcPts val="0"/>
               </a:spcBef>
@@ -5154,7 +6291,7 @@
                 </a:solidFill>
               </a:defRPr>
             </a:lvl6pPr>
-            <a:lvl7pPr indent="-317500" lvl="6" marL="3200400" rtl="0">
+            <a:lvl7pPr marL="3200400" lvl="6" indent="-317500" rtl="0">
               <a:spcBef>
                 <a:spcPts val="0"/>
               </a:spcBef>
@@ -5172,7 +6309,7 @@
                 </a:solidFill>
               </a:defRPr>
             </a:lvl7pPr>
-            <a:lvl8pPr indent="-317500" lvl="7" marL="3657600" rtl="0">
+            <a:lvl8pPr marL="3657600" lvl="7" indent="-317500" rtl="0">
               <a:spcBef>
                 <a:spcPts val="0"/>
               </a:spcBef>
@@ -5190,7 +6327,7 @@
                 </a:solidFill>
               </a:defRPr>
             </a:lvl8pPr>
-            <a:lvl9pPr indent="-317500" lvl="8" marL="4114800" rtl="0">
+            <a:lvl9pPr marL="4114800" lvl="8" indent="-317500" rtl="0">
               <a:spcBef>
                 <a:spcPts val="0"/>
               </a:spcBef>
@@ -5209,13 +6346,15 @@
               </a:defRPr>
             </a:lvl9pPr>
           </a:lstStyle>
-          <a:p/>
+          <a:p>
+            <a:endParaRPr/>
+          </a:p>
         </p:txBody>
       </p:sp>
       <p:sp>
         <p:nvSpPr>
           <p:cNvPr id="92" name="Google Shape;92;p15">
-            <a:hlinkClick/>
+            <a:hlinkClick r:id="" action="ppaction://noaction"/>
           </p:cNvPr>
           <p:cNvSpPr/>
           <p:nvPr/>
@@ -5236,12 +6375,12 @@
           </a:ln>
         </p:spPr>
         <p:txBody>
-          <a:bodyPr anchorCtr="0" anchor="ctr" bIns="91425" lIns="91425" spcFirstLastPara="1" rIns="91425" wrap="square" tIns="91425">
+          <a:bodyPr spcFirstLastPara="1" wrap="square" lIns="91425" tIns="91425" rIns="91425" bIns="91425" anchor="ctr" anchorCtr="0">
             <a:noAutofit/>
           </a:bodyPr>
           <a:lstStyle/>
           <a:p>
-            <a:pPr indent="0" lvl="0" marL="0" rtl="0" algn="l">
+            <a:pPr marL="0" lvl="0" indent="0" algn="l" rtl="0">
               <a:spcBef>
                 <a:spcPts val="0"/>
               </a:spcBef>
@@ -5250,9 +6389,6 @@
               </a:spcAft>
               <a:buNone/>
             </a:pPr>
-            <a:r>
-              <a:t/>
-            </a:r>
             <a:endParaRPr/>
           </a:p>
         </p:txBody>
@@ -5260,7 +6396,7 @@
       <p:sp>
         <p:nvSpPr>
           <p:cNvPr id="93" name="Google Shape;93;p15">
-            <a:hlinkClick/>
+            <a:hlinkClick r:id="" action="ppaction://noaction"/>
           </p:cNvPr>
           <p:cNvSpPr/>
           <p:nvPr/>
@@ -5283,12 +6419,12 @@
           </a:ln>
         </p:spPr>
         <p:txBody>
-          <a:bodyPr anchorCtr="0" anchor="ctr" bIns="91425" lIns="91425" spcFirstLastPara="1" rIns="91425" wrap="square" tIns="91425">
+          <a:bodyPr spcFirstLastPara="1" wrap="square" lIns="91425" tIns="91425" rIns="91425" bIns="91425" anchor="ctr" anchorCtr="0">
             <a:noAutofit/>
           </a:bodyPr>
           <a:lstStyle/>
           <a:p>
-            <a:pPr indent="0" lvl="0" marL="0" rtl="0" algn="l">
+            <a:pPr marL="0" lvl="0" indent="0" algn="l" rtl="0">
               <a:spcBef>
                 <a:spcPts val="0"/>
               </a:spcBef>
@@ -5297,9 +6433,6 @@
               </a:spcAft>
               <a:buNone/>
             </a:pPr>
-            <a:r>
-              <a:t/>
-            </a:r>
             <a:endParaRPr/>
           </a:p>
         </p:txBody>
@@ -5307,7 +6440,7 @@
       <p:sp>
         <p:nvSpPr>
           <p:cNvPr id="94" name="Google Shape;94;p15">
-            <a:hlinkClick/>
+            <a:hlinkClick r:id="" action="ppaction://noaction"/>
           </p:cNvPr>
           <p:cNvSpPr/>
           <p:nvPr/>
@@ -5330,12 +6463,12 @@
           </a:ln>
         </p:spPr>
         <p:txBody>
-          <a:bodyPr anchorCtr="0" anchor="ctr" bIns="91425" lIns="91425" spcFirstLastPara="1" rIns="91425" wrap="square" tIns="91425">
+          <a:bodyPr spcFirstLastPara="1" wrap="square" lIns="91425" tIns="91425" rIns="91425" bIns="91425" anchor="ctr" anchorCtr="0">
             <a:noAutofit/>
           </a:bodyPr>
           <a:lstStyle/>
           <a:p>
-            <a:pPr indent="0" lvl="0" marL="0" rtl="0" algn="l">
+            <a:pPr marL="0" lvl="0" indent="0" algn="l" rtl="0">
               <a:spcBef>
                 <a:spcPts val="0"/>
               </a:spcBef>
@@ -5344,9 +6477,6 @@
               </a:spcAft>
               <a:buNone/>
             </a:pPr>
-            <a:r>
-              <a:t/>
-            </a:r>
             <a:endParaRPr/>
           </a:p>
         </p:txBody>
@@ -5354,7 +6484,7 @@
       <p:sp>
         <p:nvSpPr>
           <p:cNvPr id="95" name="Google Shape;95;p15">
-            <a:hlinkClick/>
+            <a:hlinkClick r:id="" action="ppaction://noaction"/>
           </p:cNvPr>
           <p:cNvSpPr/>
           <p:nvPr/>
@@ -5377,12 +6507,12 @@
           </a:ln>
         </p:spPr>
         <p:txBody>
-          <a:bodyPr anchorCtr="0" anchor="ctr" bIns="91425" lIns="91425" spcFirstLastPara="1" rIns="91425" wrap="square" tIns="91425">
+          <a:bodyPr spcFirstLastPara="1" wrap="square" lIns="91425" tIns="91425" rIns="91425" bIns="91425" anchor="ctr" anchorCtr="0">
             <a:noAutofit/>
           </a:bodyPr>
           <a:lstStyle/>
           <a:p>
-            <a:pPr indent="0" lvl="0" marL="0" rtl="0" algn="l">
+            <a:pPr marL="0" lvl="0" indent="0" algn="l" rtl="0">
               <a:spcBef>
                 <a:spcPts val="0"/>
               </a:spcBef>
@@ -5391,9 +6521,6 @@
               </a:spcAft>
               <a:buNone/>
             </a:pPr>
-            <a:r>
-              <a:t/>
-            </a:r>
             <a:endParaRPr/>
           </a:p>
         </p:txBody>
@@ -5425,7 +6552,7 @@
             </a:xfrm>
             <a:prstGeom prst="diagStripe">
               <a:avLst>
-                <a:gd fmla="val 50000" name="adj"/>
+                <a:gd name="adj" fmla="val 50000"/>
               </a:avLst>
             </a:prstGeom>
             <a:solidFill>
@@ -5436,12 +6563,12 @@
             </a:ln>
           </p:spPr>
           <p:txBody>
-            <a:bodyPr anchorCtr="0" anchor="ctr" bIns="91425" lIns="91425" spcFirstLastPara="1" rIns="91425" wrap="square" tIns="91425">
+            <a:bodyPr spcFirstLastPara="1" wrap="square" lIns="91425" tIns="91425" rIns="91425" bIns="91425" anchor="ctr" anchorCtr="0">
               <a:noAutofit/>
             </a:bodyPr>
             <a:lstStyle/>
             <a:p>
-              <a:pPr indent="0" lvl="0" marL="0" rtl="0" algn="l">
+              <a:pPr marL="0" lvl="0" indent="0" algn="l" rtl="0">
                 <a:spcBef>
                   <a:spcPts val="0"/>
                 </a:spcBef>
@@ -5450,9 +6577,6 @@
                 </a:spcAft>
                 <a:buNone/>
               </a:pPr>
-              <a:r>
-                <a:t/>
-              </a:r>
               <a:endParaRPr/>
             </a:p>
           </p:txBody>
@@ -5470,7 +6594,7 @@
             </a:xfrm>
             <a:prstGeom prst="diagStripe">
               <a:avLst>
-                <a:gd fmla="val 50000" name="adj"/>
+                <a:gd name="adj" fmla="val 50000"/>
               </a:avLst>
             </a:prstGeom>
             <a:solidFill>
@@ -5481,12 +6605,12 @@
             </a:ln>
           </p:spPr>
           <p:txBody>
-            <a:bodyPr anchorCtr="0" anchor="ctr" bIns="91425" lIns="91425" spcFirstLastPara="1" rIns="91425" wrap="square" tIns="91425">
+            <a:bodyPr spcFirstLastPara="1" wrap="square" lIns="91425" tIns="91425" rIns="91425" bIns="91425" anchor="ctr" anchorCtr="0">
               <a:noAutofit/>
             </a:bodyPr>
             <a:lstStyle/>
             <a:p>
-              <a:pPr indent="0" lvl="0" marL="0" rtl="0" algn="l">
+              <a:pPr marL="0" lvl="0" indent="0" algn="l" rtl="0">
                 <a:spcBef>
                   <a:spcPts val="0"/>
                 </a:spcBef>
@@ -5495,9 +6619,6 @@
                 </a:spcAft>
                 <a:buNone/>
               </a:pPr>
-              <a:r>
-                <a:t/>
-              </a:r>
               <a:endParaRPr/>
             </a:p>
           </p:txBody>
@@ -5506,9 +6627,11 @@
       <p:sp>
         <p:nvSpPr>
           <p:cNvPr id="99" name="Google Shape;99;p15"/>
-          <p:cNvSpPr txBox="1"/>
+          <p:cNvSpPr txBox="1">
+            <a:spLocks noGrp="1"/>
+          </p:cNvSpPr>
           <p:nvPr>
-            <p:ph idx="2" type="title"/>
+            <p:ph type="title" idx="2"/>
           </p:nvPr>
         </p:nvSpPr>
         <p:spPr>
@@ -5521,7 +6644,7 @@
           </a:prstGeom>
         </p:spPr>
         <p:txBody>
-          <a:bodyPr anchorCtr="0" anchor="t" bIns="91425" lIns="91425" spcFirstLastPara="1" rIns="91425" wrap="square" tIns="91425">
+          <a:bodyPr spcFirstLastPara="1" wrap="square" lIns="91425" tIns="91425" rIns="91425" bIns="91425" anchor="t" anchorCtr="0">
             <a:normAutofit/>
           </a:bodyPr>
           <a:lstStyle>
@@ -5625,15 +6748,19 @@
               <a:defRPr sz="1000"/>
             </a:lvl9pPr>
           </a:lstStyle>
-          <a:p/>
+          <a:p>
+            <a:endParaRPr/>
+          </a:p>
         </p:txBody>
       </p:sp>
       <p:sp>
         <p:nvSpPr>
           <p:cNvPr id="100" name="Google Shape;100;p15"/>
-          <p:cNvSpPr txBox="1"/>
+          <p:cNvSpPr txBox="1">
+            <a:spLocks noGrp="1"/>
+          </p:cNvSpPr>
           <p:nvPr>
-            <p:ph idx="12" type="sldNum"/>
+            <p:ph type="sldNum" idx="12"/>
           </p:nvPr>
         </p:nvSpPr>
         <p:spPr>
@@ -5646,7 +6773,7 @@
           </a:prstGeom>
         </p:spPr>
         <p:txBody>
-          <a:bodyPr anchorCtr="0" anchor="ctr" bIns="91425" lIns="91425" spcFirstLastPara="1" rIns="91425" wrap="square" tIns="91425">
+          <a:bodyPr spcFirstLastPara="1" wrap="square" lIns="91425" tIns="91425" rIns="91425" bIns="91425" anchor="ctr" anchorCtr="0">
             <a:normAutofit/>
           </a:bodyPr>
           <a:lstStyle>
@@ -5688,7 +6815,7 @@
             </a:lvl9pPr>
           </a:lstStyle>
           <a:p>
-            <a:pPr indent="0" lvl="0" marL="0" rtl="0" algn="r">
+            <a:pPr marL="0" lvl="0" indent="0" algn="r" rtl="0">
               <a:spcBef>
                 <a:spcPts val="0"/>
               </a:spcBef>
@@ -5699,7 +6826,7 @@
             </a:pPr>
             <a:fld id="{00000000-1234-1234-1234-123412341234}" type="slidenum">
               <a:rPr lang="fr"/>
-              <a:t>‹#›</a:t>
+              <a:t>‹N°›</a:t>
             </a:fld>
             <a:endParaRPr/>
           </a:p>
@@ -5714,11 +6841,11 @@
 </file>
 
 <file path=ppt/slideLayouts/slideLayout15.xml><?xml version="1.0" encoding="utf-8"?>
-<p:sldLayout xmlns:a="http://schemas.openxmlformats.org/drawingml/2006/main" xmlns:r="http://schemas.openxmlformats.org/officeDocument/2006/relationships" xmlns:mc="http://schemas.openxmlformats.org/markup-compatibility/2006" xmlns:mv="urn:schemas-microsoft-com:mac:vml" xmlns:p="http://schemas.openxmlformats.org/presentationml/2006/main" xmlns:c="http://schemas.openxmlformats.org/drawingml/2006/chart" xmlns:dgm="http://schemas.openxmlformats.org/drawingml/2006/diagram" xmlns:o="urn:schemas-microsoft-com:office:office" xmlns:v="urn:schemas-microsoft-com:vml" xmlns:pvml="urn:schemas-microsoft-com:office:powerpoint" xmlns:com="http://schemas.openxmlformats.org/drawingml/2006/compatibility" xmlns:p14="http://schemas.microsoft.com/office/powerpoint/2010/main" xmlns:p15="http://schemas.microsoft.com/office/powerpoint/2012/main" xmlns:ahyp="http://schemas.microsoft.com/office/drawing/2018/hyperlinkcolor" matchingName="Title and body_alt2">
+<p:sldLayout xmlns:a="http://schemas.openxmlformats.org/drawingml/2006/main" xmlns:r="http://schemas.openxmlformats.org/officeDocument/2006/relationships" xmlns:p="http://schemas.openxmlformats.org/presentationml/2006/main" matchingName="Title and body_alt2">
   <p:cSld name="TITLE_AND_BODY_2_1">
     <p:spTree>
       <p:nvGrpSpPr>
-        <p:cNvPr id="101" name="Shape 101"/>
+        <p:cNvPr id="1" name="Shape 101"/>
         <p:cNvGrpSpPr/>
         <p:nvPr/>
       </p:nvGrpSpPr>
@@ -5733,7 +6860,9 @@
       <p:sp>
         <p:nvSpPr>
           <p:cNvPr id="102" name="Google Shape;102;p16"/>
-          <p:cNvSpPr txBox="1"/>
+          <p:cNvSpPr txBox="1">
+            <a:spLocks noGrp="1"/>
+          </p:cNvSpPr>
           <p:nvPr>
             <p:ph type="title"/>
           </p:nvPr>
@@ -5748,7 +6877,7 @@
           </a:prstGeom>
         </p:spPr>
         <p:txBody>
-          <a:bodyPr anchorCtr="0" anchor="t" bIns="91425" lIns="91425" spcFirstLastPara="1" rIns="91425" wrap="square" tIns="91425">
+          <a:bodyPr spcFirstLastPara="1" wrap="square" lIns="91425" tIns="91425" rIns="91425" bIns="91425" anchor="t" anchorCtr="0">
             <a:normAutofit/>
           </a:bodyPr>
           <a:lstStyle>
@@ -5852,7 +6981,9 @@
               <a:defRPr sz="1800"/>
             </a:lvl9pPr>
           </a:lstStyle>
-          <a:p/>
+          <a:p>
+            <a:endParaRPr/>
+          </a:p>
         </p:txBody>
       </p:sp>
       <p:sp>
@@ -5877,12 +7008,12 @@
           </a:ln>
         </p:spPr>
         <p:txBody>
-          <a:bodyPr anchorCtr="0" anchor="ctr" bIns="91425" lIns="91425" spcFirstLastPara="1" rIns="91425" wrap="square" tIns="91425">
+          <a:bodyPr spcFirstLastPara="1" wrap="square" lIns="91425" tIns="91425" rIns="91425" bIns="91425" anchor="ctr" anchorCtr="0">
             <a:noAutofit/>
           </a:bodyPr>
           <a:lstStyle/>
           <a:p>
-            <a:pPr indent="0" lvl="0" marL="0" rtl="0" algn="l">
+            <a:pPr marL="0" lvl="0" indent="0" algn="l" rtl="0">
               <a:spcBef>
                 <a:spcPts val="0"/>
               </a:spcBef>
@@ -5891,9 +7022,6 @@
               </a:spcAft>
               <a:buNone/>
             </a:pPr>
-            <a:r>
-              <a:t/>
-            </a:r>
             <a:endParaRPr/>
           </a:p>
         </p:txBody>
@@ -5901,7 +7029,7 @@
       <p:sp>
         <p:nvSpPr>
           <p:cNvPr id="104" name="Google Shape;104;p16">
-            <a:hlinkClick/>
+            <a:hlinkClick r:id="" action="ppaction://noaction"/>
           </p:cNvPr>
           <p:cNvSpPr/>
           <p:nvPr/>
@@ -5922,12 +7050,12 @@
           </a:ln>
         </p:spPr>
         <p:txBody>
-          <a:bodyPr anchorCtr="0" anchor="ctr" bIns="91425" lIns="91425" spcFirstLastPara="1" rIns="91425" wrap="square" tIns="91425">
+          <a:bodyPr spcFirstLastPara="1" wrap="square" lIns="91425" tIns="91425" rIns="91425" bIns="91425" anchor="ctr" anchorCtr="0">
             <a:noAutofit/>
           </a:bodyPr>
           <a:lstStyle/>
           <a:p>
-            <a:pPr indent="0" lvl="0" marL="0" rtl="0" algn="l">
+            <a:pPr marL="0" lvl="0" indent="0" algn="l" rtl="0">
               <a:spcBef>
                 <a:spcPts val="0"/>
               </a:spcBef>
@@ -5936,9 +7064,6 @@
               </a:spcAft>
               <a:buNone/>
             </a:pPr>
-            <a:r>
-              <a:t/>
-            </a:r>
             <a:endParaRPr/>
           </a:p>
         </p:txBody>
@@ -5946,7 +7071,7 @@
       <p:sp>
         <p:nvSpPr>
           <p:cNvPr id="105" name="Google Shape;105;p16">
-            <a:hlinkClick/>
+            <a:hlinkClick r:id="" action="ppaction://noaction"/>
           </p:cNvPr>
           <p:cNvSpPr/>
           <p:nvPr/>
@@ -5969,12 +7094,12 @@
           </a:ln>
         </p:spPr>
         <p:txBody>
-          <a:bodyPr anchorCtr="0" anchor="ctr" bIns="91425" lIns="91425" spcFirstLastPara="1" rIns="91425" wrap="square" tIns="91425">
+          <a:bodyPr spcFirstLastPara="1" wrap="square" lIns="91425" tIns="91425" rIns="91425" bIns="91425" anchor="ctr" anchorCtr="0">
             <a:noAutofit/>
           </a:bodyPr>
           <a:lstStyle/>
           <a:p>
-            <a:pPr indent="0" lvl="0" marL="0" rtl="0" algn="l">
+            <a:pPr marL="0" lvl="0" indent="0" algn="l" rtl="0">
               <a:spcBef>
                 <a:spcPts val="0"/>
               </a:spcBef>
@@ -5983,9 +7108,6 @@
               </a:spcAft>
               <a:buNone/>
             </a:pPr>
-            <a:r>
-              <a:t/>
-            </a:r>
             <a:endParaRPr/>
           </a:p>
         </p:txBody>
@@ -5993,7 +7115,7 @@
       <p:sp>
         <p:nvSpPr>
           <p:cNvPr id="106" name="Google Shape;106;p16">
-            <a:hlinkClick/>
+            <a:hlinkClick r:id="" action="ppaction://noaction"/>
           </p:cNvPr>
           <p:cNvSpPr/>
           <p:nvPr/>
@@ -6016,12 +7138,12 @@
           </a:ln>
         </p:spPr>
         <p:txBody>
-          <a:bodyPr anchorCtr="0" anchor="ctr" bIns="91425" lIns="91425" spcFirstLastPara="1" rIns="91425" wrap="square" tIns="91425">
+          <a:bodyPr spcFirstLastPara="1" wrap="square" lIns="91425" tIns="91425" rIns="91425" bIns="91425" anchor="ctr" anchorCtr="0">
             <a:noAutofit/>
           </a:bodyPr>
           <a:lstStyle/>
           <a:p>
-            <a:pPr indent="0" lvl="0" marL="0" rtl="0" algn="l">
+            <a:pPr marL="0" lvl="0" indent="0" algn="l" rtl="0">
               <a:spcBef>
                 <a:spcPts val="0"/>
               </a:spcBef>
@@ -6030,9 +7152,6 @@
               </a:spcAft>
               <a:buNone/>
             </a:pPr>
-            <a:r>
-              <a:t/>
-            </a:r>
             <a:endParaRPr/>
           </a:p>
         </p:txBody>
@@ -6040,7 +7159,7 @@
       <p:sp>
         <p:nvSpPr>
           <p:cNvPr id="107" name="Google Shape;107;p16">
-            <a:hlinkClick/>
+            <a:hlinkClick r:id="" action="ppaction://noaction"/>
           </p:cNvPr>
           <p:cNvSpPr/>
           <p:nvPr/>
@@ -6063,12 +7182,12 @@
           </a:ln>
         </p:spPr>
         <p:txBody>
-          <a:bodyPr anchorCtr="0" anchor="ctr" bIns="91425" lIns="91425" spcFirstLastPara="1" rIns="91425" wrap="square" tIns="91425">
+          <a:bodyPr spcFirstLastPara="1" wrap="square" lIns="91425" tIns="91425" rIns="91425" bIns="91425" anchor="ctr" anchorCtr="0">
             <a:noAutofit/>
           </a:bodyPr>
           <a:lstStyle/>
           <a:p>
-            <a:pPr indent="0" lvl="0" marL="0" rtl="0" algn="l">
+            <a:pPr marL="0" lvl="0" indent="0" algn="l" rtl="0">
               <a:spcBef>
                 <a:spcPts val="0"/>
               </a:spcBef>
@@ -6077,9 +7196,6 @@
               </a:spcAft>
               <a:buNone/>
             </a:pPr>
-            <a:r>
-              <a:t/>
-            </a:r>
             <a:endParaRPr/>
           </a:p>
         </p:txBody>
@@ -6111,7 +7227,7 @@
             </a:xfrm>
             <a:prstGeom prst="diagStripe">
               <a:avLst>
-                <a:gd fmla="val 50000" name="adj"/>
+                <a:gd name="adj" fmla="val 50000"/>
               </a:avLst>
             </a:prstGeom>
             <a:solidFill>
@@ -6122,12 +7238,12 @@
             </a:ln>
           </p:spPr>
           <p:txBody>
-            <a:bodyPr anchorCtr="0" anchor="ctr" bIns="91425" lIns="91425" spcFirstLastPara="1" rIns="91425" wrap="square" tIns="91425">
+            <a:bodyPr spcFirstLastPara="1" wrap="square" lIns="91425" tIns="91425" rIns="91425" bIns="91425" anchor="ctr" anchorCtr="0">
               <a:noAutofit/>
             </a:bodyPr>
             <a:lstStyle/>
             <a:p>
-              <a:pPr indent="0" lvl="0" marL="0" rtl="0" algn="l">
+              <a:pPr marL="0" lvl="0" indent="0" algn="l" rtl="0">
                 <a:spcBef>
                   <a:spcPts val="0"/>
                 </a:spcBef>
@@ -6136,9 +7252,6 @@
                 </a:spcAft>
                 <a:buNone/>
               </a:pPr>
-              <a:r>
-                <a:t/>
-              </a:r>
               <a:endParaRPr/>
             </a:p>
           </p:txBody>
@@ -6156,7 +7269,7 @@
             </a:xfrm>
             <a:prstGeom prst="diagStripe">
               <a:avLst>
-                <a:gd fmla="val 50000" name="adj"/>
+                <a:gd name="adj" fmla="val 50000"/>
               </a:avLst>
             </a:prstGeom>
             <a:solidFill>
@@ -6167,12 +7280,12 @@
             </a:ln>
           </p:spPr>
           <p:txBody>
-            <a:bodyPr anchorCtr="0" anchor="ctr" bIns="91425" lIns="91425" spcFirstLastPara="1" rIns="91425" wrap="square" tIns="91425">
+            <a:bodyPr spcFirstLastPara="1" wrap="square" lIns="91425" tIns="91425" rIns="91425" bIns="91425" anchor="ctr" anchorCtr="0">
               <a:noAutofit/>
             </a:bodyPr>
             <a:lstStyle/>
             <a:p>
-              <a:pPr indent="0" lvl="0" marL="0" rtl="0" algn="l">
+              <a:pPr marL="0" lvl="0" indent="0" algn="l" rtl="0">
                 <a:spcBef>
                   <a:spcPts val="0"/>
                 </a:spcBef>
@@ -6181,9 +7294,6 @@
                 </a:spcAft>
                 <a:buNone/>
               </a:pPr>
-              <a:r>
-                <a:t/>
-              </a:r>
               <a:endParaRPr/>
             </a:p>
           </p:txBody>
@@ -6192,9 +7302,11 @@
       <p:sp>
         <p:nvSpPr>
           <p:cNvPr id="111" name="Google Shape;111;p16"/>
-          <p:cNvSpPr txBox="1"/>
+          <p:cNvSpPr txBox="1">
+            <a:spLocks noGrp="1"/>
+          </p:cNvSpPr>
           <p:nvPr>
-            <p:ph idx="2" type="title"/>
+            <p:ph type="title" idx="2"/>
           </p:nvPr>
         </p:nvSpPr>
         <p:spPr>
@@ -6207,7 +7319,7 @@
           </a:prstGeom>
         </p:spPr>
         <p:txBody>
-          <a:bodyPr anchorCtr="0" anchor="t" bIns="91425" lIns="91425" spcFirstLastPara="1" rIns="91425" wrap="square" tIns="91425">
+          <a:bodyPr spcFirstLastPara="1" wrap="square" lIns="91425" tIns="91425" rIns="91425" bIns="91425" anchor="t" anchorCtr="0">
             <a:normAutofit/>
           </a:bodyPr>
           <a:lstStyle>
@@ -6311,15 +7423,19 @@
               <a:defRPr sz="1000"/>
             </a:lvl9pPr>
           </a:lstStyle>
-          <a:p/>
+          <a:p>
+            <a:endParaRPr/>
+          </a:p>
         </p:txBody>
       </p:sp>
       <p:sp>
         <p:nvSpPr>
           <p:cNvPr id="112" name="Google Shape;112;p16"/>
-          <p:cNvSpPr txBox="1"/>
+          <p:cNvSpPr txBox="1">
+            <a:spLocks noGrp="1"/>
+          </p:cNvSpPr>
           <p:nvPr>
-            <p:ph idx="12" type="sldNum"/>
+            <p:ph type="sldNum" idx="12"/>
           </p:nvPr>
         </p:nvSpPr>
         <p:spPr>
@@ -6332,7 +7448,7 @@
           </a:prstGeom>
         </p:spPr>
         <p:txBody>
-          <a:bodyPr anchorCtr="0" anchor="ctr" bIns="91425" lIns="91425" spcFirstLastPara="1" rIns="91425" wrap="square" tIns="91425">
+          <a:bodyPr spcFirstLastPara="1" wrap="square" lIns="91425" tIns="91425" rIns="91425" bIns="91425" anchor="ctr" anchorCtr="0">
             <a:normAutofit/>
           </a:bodyPr>
           <a:lstStyle>
@@ -6374,7 +7490,7 @@
             </a:lvl9pPr>
           </a:lstStyle>
           <a:p>
-            <a:pPr indent="0" lvl="0" marL="0" rtl="0" algn="r">
+            <a:pPr marL="0" lvl="0" indent="0" algn="r" rtl="0">
               <a:spcBef>
                 <a:spcPts val="0"/>
               </a:spcBef>
@@ -6385,7 +7501,7 @@
             </a:pPr>
             <a:fld id="{00000000-1234-1234-1234-123412341234}" type="slidenum">
               <a:rPr lang="fr"/>
-              <a:t>‹#›</a:t>
+              <a:t>‹N°›</a:t>
             </a:fld>
             <a:endParaRPr/>
           </a:p>
@@ -6394,9 +7510,11 @@
       <p:sp>
         <p:nvSpPr>
           <p:cNvPr id="113" name="Google Shape;113;p16"/>
-          <p:cNvSpPr txBox="1"/>
+          <p:cNvSpPr txBox="1">
+            <a:spLocks noGrp="1"/>
+          </p:cNvSpPr>
           <p:nvPr>
-            <p:ph idx="1" type="body"/>
+            <p:ph type="body" idx="1"/>
           </p:nvPr>
         </p:nvSpPr>
         <p:spPr>
@@ -6409,11 +7527,11 @@
           </a:prstGeom>
         </p:spPr>
         <p:txBody>
-          <a:bodyPr anchorCtr="0" anchor="t" bIns="91425" lIns="91425" spcFirstLastPara="1" rIns="91425" wrap="square" tIns="91425">
+          <a:bodyPr spcFirstLastPara="1" wrap="square" lIns="91425" tIns="91425" rIns="91425" bIns="91425" anchor="t" anchorCtr="0">
             <a:normAutofit/>
           </a:bodyPr>
           <a:lstStyle>
-            <a:lvl1pPr indent="-298450" lvl="0" marL="457200" rtl="0">
+            <a:lvl1pPr marL="457200" lvl="0" indent="-298450" rtl="0">
               <a:spcBef>
                 <a:spcPts val="0"/>
               </a:spcBef>
@@ -6431,7 +7549,7 @@
                 </a:solidFill>
               </a:defRPr>
             </a:lvl1pPr>
-            <a:lvl2pPr indent="-317500" lvl="1" marL="914400" rtl="0">
+            <a:lvl2pPr marL="914400" lvl="1" indent="-317500" rtl="0">
               <a:spcBef>
                 <a:spcPts val="0"/>
               </a:spcBef>
@@ -6449,7 +7567,7 @@
                 </a:solidFill>
               </a:defRPr>
             </a:lvl2pPr>
-            <a:lvl3pPr indent="-317500" lvl="2" marL="1371600" rtl="0">
+            <a:lvl3pPr marL="1371600" lvl="2" indent="-317500" rtl="0">
               <a:spcBef>
                 <a:spcPts val="0"/>
               </a:spcBef>
@@ -6467,7 +7585,7 @@
                 </a:solidFill>
               </a:defRPr>
             </a:lvl3pPr>
-            <a:lvl4pPr indent="-317500" lvl="3" marL="1828800" rtl="0">
+            <a:lvl4pPr marL="1828800" lvl="3" indent="-317500" rtl="0">
               <a:spcBef>
                 <a:spcPts val="0"/>
               </a:spcBef>
@@ -6485,7 +7603,7 @@
                 </a:solidFill>
               </a:defRPr>
             </a:lvl4pPr>
-            <a:lvl5pPr indent="-317500" lvl="4" marL="2286000" rtl="0">
+            <a:lvl5pPr marL="2286000" lvl="4" indent="-317500" rtl="0">
               <a:spcBef>
                 <a:spcPts val="0"/>
               </a:spcBef>
@@ -6503,7 +7621,7 @@
                 </a:solidFill>
               </a:defRPr>
             </a:lvl5pPr>
-            <a:lvl6pPr indent="-317500" lvl="5" marL="2743200" rtl="0">
+            <a:lvl6pPr marL="2743200" lvl="5" indent="-317500" rtl="0">
               <a:spcBef>
                 <a:spcPts val="0"/>
               </a:spcBef>
@@ -6521,7 +7639,7 @@
                 </a:solidFill>
               </a:defRPr>
             </a:lvl6pPr>
-            <a:lvl7pPr indent="-317500" lvl="6" marL="3200400" rtl="0">
+            <a:lvl7pPr marL="3200400" lvl="6" indent="-317500" rtl="0">
               <a:spcBef>
                 <a:spcPts val="0"/>
               </a:spcBef>
@@ -6539,7 +7657,7 @@
                 </a:solidFill>
               </a:defRPr>
             </a:lvl7pPr>
-            <a:lvl8pPr indent="-317500" lvl="7" marL="3657600" rtl="0">
+            <a:lvl8pPr marL="3657600" lvl="7" indent="-317500" rtl="0">
               <a:spcBef>
                 <a:spcPts val="0"/>
               </a:spcBef>
@@ -6557,7 +7675,7 @@
                 </a:solidFill>
               </a:defRPr>
             </a:lvl8pPr>
-            <a:lvl9pPr indent="-317500" lvl="8" marL="4114800" rtl="0">
+            <a:lvl9pPr marL="4114800" lvl="8" indent="-317500" rtl="0">
               <a:spcBef>
                 <a:spcPts val="0"/>
               </a:spcBef>
@@ -6576,7 +7694,9 @@
               </a:defRPr>
             </a:lvl9pPr>
           </a:lstStyle>
-          <a:p/>
+          <a:p>
+            <a:endParaRPr/>
+          </a:p>
         </p:txBody>
       </p:sp>
     </p:spTree>
@@ -6588,11 +7708,11 @@
 </file>
 
 <file path=ppt/slideLayouts/slideLayout2.xml><?xml version="1.0" encoding="utf-8"?>
-<p:sldLayout xmlns:a="http://schemas.openxmlformats.org/drawingml/2006/main" xmlns:r="http://schemas.openxmlformats.org/officeDocument/2006/relationships" xmlns:mc="http://schemas.openxmlformats.org/markup-compatibility/2006" xmlns:mv="urn:schemas-microsoft-com:mac:vml" xmlns:p="http://schemas.openxmlformats.org/presentationml/2006/main" xmlns:c="http://schemas.openxmlformats.org/drawingml/2006/chart" xmlns:dgm="http://schemas.openxmlformats.org/drawingml/2006/diagram" xmlns:o="urn:schemas-microsoft-com:office:office" xmlns:v="urn:schemas-microsoft-com:vml" xmlns:pvml="urn:schemas-microsoft-com:office:powerpoint" xmlns:com="http://schemas.openxmlformats.org/drawingml/2006/compatibility" xmlns:p14="http://schemas.microsoft.com/office/powerpoint/2010/main" xmlns:p15="http://schemas.microsoft.com/office/powerpoint/2012/main" xmlns:ahyp="http://schemas.microsoft.com/office/drawing/2018/hyperlinkcolor" matchingName="Section header" type="secHead">
+<p:sldLayout xmlns:a="http://schemas.openxmlformats.org/drawingml/2006/main" xmlns:r="http://schemas.openxmlformats.org/officeDocument/2006/relationships" xmlns:p="http://schemas.openxmlformats.org/presentationml/2006/main" matchingName="Section header" type="secHead">
   <p:cSld name="SECTION_HEADER">
     <p:spTree>
       <p:nvGrpSpPr>
-        <p:cNvPr id="14" name="Shape 14"/>
+        <p:cNvPr id="1" name="Shape 14"/>
         <p:cNvGrpSpPr/>
         <p:nvPr/>
       </p:nvGrpSpPr>
@@ -6626,12 +7746,12 @@
           </a:ln>
         </p:spPr>
         <p:txBody>
-          <a:bodyPr anchorCtr="0" anchor="ctr" bIns="91425" lIns="91425" spcFirstLastPara="1" rIns="91425" wrap="square" tIns="91425">
+          <a:bodyPr spcFirstLastPara="1" wrap="square" lIns="91425" tIns="91425" rIns="91425" bIns="91425" anchor="ctr" anchorCtr="0">
             <a:noAutofit/>
           </a:bodyPr>
           <a:lstStyle/>
           <a:p>
-            <a:pPr indent="0" lvl="0" marL="0" rtl="0" algn="l">
+            <a:pPr marL="0" lvl="0" indent="0" algn="l" rtl="0">
               <a:spcBef>
                 <a:spcPts val="0"/>
               </a:spcBef>
@@ -6640,9 +7760,6 @@
               </a:spcAft>
               <a:buNone/>
             </a:pPr>
-            <a:r>
-              <a:t/>
-            </a:r>
             <a:endParaRPr/>
           </a:p>
         </p:txBody>
@@ -6650,7 +7767,9 @@
       <p:sp>
         <p:nvSpPr>
           <p:cNvPr id="16" name="Google Shape;16;p3"/>
-          <p:cNvSpPr txBox="1"/>
+          <p:cNvSpPr txBox="1">
+            <a:spLocks noGrp="1"/>
+          </p:cNvSpPr>
           <p:nvPr>
             <p:ph type="title"/>
           </p:nvPr>
@@ -6665,7 +7784,7 @@
           </a:prstGeom>
         </p:spPr>
         <p:txBody>
-          <a:bodyPr anchorCtr="0" anchor="b" bIns="91425" lIns="91425" spcFirstLastPara="1" rIns="91425" wrap="square" tIns="91425">
+          <a:bodyPr spcFirstLastPara="1" wrap="square" lIns="91425" tIns="91425" rIns="91425" bIns="91425" anchor="b" anchorCtr="0">
             <a:normAutofit/>
           </a:bodyPr>
           <a:lstStyle>
@@ -6769,15 +7888,19 @@
               <a:defRPr sz="3600"/>
             </a:lvl9pPr>
           </a:lstStyle>
-          <a:p/>
+          <a:p>
+            <a:endParaRPr/>
+          </a:p>
         </p:txBody>
       </p:sp>
       <p:sp>
         <p:nvSpPr>
           <p:cNvPr id="17" name="Google Shape;17;p3"/>
-          <p:cNvSpPr txBox="1"/>
+          <p:cNvSpPr txBox="1">
+            <a:spLocks noGrp="1"/>
+          </p:cNvSpPr>
           <p:nvPr>
-            <p:ph idx="12" type="sldNum"/>
+            <p:ph type="sldNum" idx="12"/>
           </p:nvPr>
         </p:nvSpPr>
         <p:spPr>
@@ -6790,7 +7913,7 @@
           </a:prstGeom>
         </p:spPr>
         <p:txBody>
-          <a:bodyPr anchorCtr="0" anchor="ctr" bIns="91425" lIns="91425" spcFirstLastPara="1" rIns="91425" wrap="square" tIns="91425">
+          <a:bodyPr spcFirstLastPara="1" wrap="square" lIns="91425" tIns="91425" rIns="91425" bIns="91425" anchor="ctr" anchorCtr="0">
             <a:normAutofit/>
           </a:bodyPr>
           <a:lstStyle>
@@ -6868,7 +7991,7 @@
             </a:lvl9pPr>
           </a:lstStyle>
           <a:p>
-            <a:pPr indent="0" lvl="0" marL="0" rtl="0" algn="r">
+            <a:pPr marL="0" lvl="0" indent="0" algn="r" rtl="0">
               <a:spcBef>
                 <a:spcPts val="0"/>
               </a:spcBef>
@@ -6879,7 +8002,7 @@
             </a:pPr>
             <a:fld id="{00000000-1234-1234-1234-123412341234}" type="slidenum">
               <a:rPr lang="fr"/>
-              <a:t>‹#›</a:t>
+              <a:t>‹N°›</a:t>
             </a:fld>
             <a:endParaRPr/>
           </a:p>
@@ -6894,11 +8017,11 @@
 </file>
 
 <file path=ppt/slideLayouts/slideLayout3.xml><?xml version="1.0" encoding="utf-8"?>
-<p:sldLayout xmlns:a="http://schemas.openxmlformats.org/drawingml/2006/main" xmlns:r="http://schemas.openxmlformats.org/officeDocument/2006/relationships" xmlns:mc="http://schemas.openxmlformats.org/markup-compatibility/2006" xmlns:mv="urn:schemas-microsoft-com:mac:vml" xmlns:p="http://schemas.openxmlformats.org/presentationml/2006/main" xmlns:c="http://schemas.openxmlformats.org/drawingml/2006/chart" xmlns:dgm="http://schemas.openxmlformats.org/drawingml/2006/diagram" xmlns:o="urn:schemas-microsoft-com:office:office" xmlns:v="urn:schemas-microsoft-com:vml" xmlns:pvml="urn:schemas-microsoft-com:office:powerpoint" xmlns:com="http://schemas.openxmlformats.org/drawingml/2006/compatibility" xmlns:p14="http://schemas.microsoft.com/office/powerpoint/2010/main" xmlns:p15="http://schemas.microsoft.com/office/powerpoint/2012/main" xmlns:ahyp="http://schemas.microsoft.com/office/drawing/2018/hyperlinkcolor" matchingName="Title and body" type="tx">
+<p:sldLayout xmlns:a="http://schemas.openxmlformats.org/drawingml/2006/main" xmlns:r="http://schemas.openxmlformats.org/officeDocument/2006/relationships" xmlns:p="http://schemas.openxmlformats.org/presentationml/2006/main" matchingName="Title and body" type="tx">
   <p:cSld name="TITLE_AND_BODY">
     <p:spTree>
       <p:nvGrpSpPr>
-        <p:cNvPr id="18" name="Shape 18"/>
+        <p:cNvPr id="1" name="Shape 18"/>
         <p:cNvGrpSpPr/>
         <p:nvPr/>
       </p:nvGrpSpPr>
@@ -6913,7 +8036,9 @@
       <p:sp>
         <p:nvSpPr>
           <p:cNvPr id="19" name="Google Shape;19;p4"/>
-          <p:cNvSpPr txBox="1"/>
+          <p:cNvSpPr txBox="1">
+            <a:spLocks noGrp="1"/>
+          </p:cNvSpPr>
           <p:nvPr>
             <p:ph type="title"/>
           </p:nvPr>
@@ -6928,7 +8053,7 @@
           </a:prstGeom>
         </p:spPr>
         <p:txBody>
-          <a:bodyPr anchorCtr="0" anchor="t" bIns="91425" lIns="91425" spcFirstLastPara="1" rIns="91425" wrap="square" tIns="91425">
+          <a:bodyPr spcFirstLastPara="1" wrap="square" lIns="91425" tIns="91425" rIns="91425" bIns="91425" anchor="t" anchorCtr="0">
             <a:normAutofit/>
           </a:bodyPr>
           <a:lstStyle>
@@ -7032,15 +8157,19 @@
               <a:defRPr/>
             </a:lvl9pPr>
           </a:lstStyle>
-          <a:p/>
+          <a:p>
+            <a:endParaRPr/>
+          </a:p>
         </p:txBody>
       </p:sp>
       <p:sp>
         <p:nvSpPr>
           <p:cNvPr id="20" name="Google Shape;20;p4"/>
-          <p:cNvSpPr txBox="1"/>
+          <p:cNvSpPr txBox="1">
+            <a:spLocks noGrp="1"/>
+          </p:cNvSpPr>
           <p:nvPr>
-            <p:ph idx="1" type="body"/>
+            <p:ph type="body" idx="1"/>
           </p:nvPr>
         </p:nvSpPr>
         <p:spPr>
@@ -7053,11 +8182,11 @@
           </a:prstGeom>
         </p:spPr>
         <p:txBody>
-          <a:bodyPr anchorCtr="0" anchor="t" bIns="91425" lIns="91425" spcFirstLastPara="1" rIns="91425" wrap="square" tIns="91425">
+          <a:bodyPr spcFirstLastPara="1" wrap="square" lIns="91425" tIns="91425" rIns="91425" bIns="91425" anchor="t" anchorCtr="0">
             <a:normAutofit/>
           </a:bodyPr>
           <a:lstStyle>
-            <a:lvl1pPr indent="-342900" lvl="0" marL="457200">
+            <a:lvl1pPr marL="457200" lvl="0" indent="-342900">
               <a:spcBef>
                 <a:spcPts val="0"/>
               </a:spcBef>
@@ -7068,7 +8197,7 @@
               <a:buChar char="●"/>
               <a:defRPr/>
             </a:lvl1pPr>
-            <a:lvl2pPr indent="-317500" lvl="1" marL="914400">
+            <a:lvl2pPr marL="914400" lvl="1" indent="-317500">
               <a:spcBef>
                 <a:spcPts val="0"/>
               </a:spcBef>
@@ -7079,7 +8208,7 @@
               <a:buChar char="○"/>
               <a:defRPr/>
             </a:lvl2pPr>
-            <a:lvl3pPr indent="-317500" lvl="2" marL="1371600">
+            <a:lvl3pPr marL="1371600" lvl="2" indent="-317500">
               <a:spcBef>
                 <a:spcPts val="0"/>
               </a:spcBef>
@@ -7090,7 +8219,7 @@
               <a:buChar char="■"/>
               <a:defRPr/>
             </a:lvl3pPr>
-            <a:lvl4pPr indent="-317500" lvl="3" marL="1828800">
+            <a:lvl4pPr marL="1828800" lvl="3" indent="-317500">
               <a:spcBef>
                 <a:spcPts val="0"/>
               </a:spcBef>
@@ -7101,7 +8230,7 @@
               <a:buChar char="●"/>
               <a:defRPr/>
             </a:lvl4pPr>
-            <a:lvl5pPr indent="-317500" lvl="4" marL="2286000">
+            <a:lvl5pPr marL="2286000" lvl="4" indent="-317500">
               <a:spcBef>
                 <a:spcPts val="0"/>
               </a:spcBef>
@@ -7112,7 +8241,7 @@
               <a:buChar char="○"/>
               <a:defRPr/>
             </a:lvl5pPr>
-            <a:lvl6pPr indent="-317500" lvl="5" marL="2743200">
+            <a:lvl6pPr marL="2743200" lvl="5" indent="-317500">
               <a:spcBef>
                 <a:spcPts val="0"/>
               </a:spcBef>
@@ -7123,7 +8252,7 @@
               <a:buChar char="■"/>
               <a:defRPr/>
             </a:lvl6pPr>
-            <a:lvl7pPr indent="-317500" lvl="6" marL="3200400">
+            <a:lvl7pPr marL="3200400" lvl="6" indent="-317500">
               <a:spcBef>
                 <a:spcPts val="0"/>
               </a:spcBef>
@@ -7134,7 +8263,7 @@
               <a:buChar char="●"/>
               <a:defRPr/>
             </a:lvl7pPr>
-            <a:lvl8pPr indent="-317500" lvl="7" marL="3657600">
+            <a:lvl8pPr marL="3657600" lvl="7" indent="-317500">
               <a:spcBef>
                 <a:spcPts val="0"/>
               </a:spcBef>
@@ -7145,7 +8274,7 @@
               <a:buChar char="○"/>
               <a:defRPr/>
             </a:lvl8pPr>
-            <a:lvl9pPr indent="-317500" lvl="8" marL="4114800">
+            <a:lvl9pPr marL="4114800" lvl="8" indent="-317500">
               <a:spcBef>
                 <a:spcPts val="0"/>
               </a:spcBef>
@@ -7157,15 +8286,19 @@
               <a:defRPr/>
             </a:lvl9pPr>
           </a:lstStyle>
-          <a:p/>
+          <a:p>
+            <a:endParaRPr/>
+          </a:p>
         </p:txBody>
       </p:sp>
       <p:sp>
         <p:nvSpPr>
           <p:cNvPr id="21" name="Google Shape;21;p4"/>
-          <p:cNvSpPr txBox="1"/>
+          <p:cNvSpPr txBox="1">
+            <a:spLocks noGrp="1"/>
+          </p:cNvSpPr>
           <p:nvPr>
-            <p:ph idx="12" type="sldNum"/>
+            <p:ph type="sldNum" idx="12"/>
           </p:nvPr>
         </p:nvSpPr>
         <p:spPr>
@@ -7178,7 +8311,7 @@
           </a:prstGeom>
         </p:spPr>
         <p:txBody>
-          <a:bodyPr anchorCtr="0" anchor="ctr" bIns="91425" lIns="91425" spcFirstLastPara="1" rIns="91425" wrap="square" tIns="91425">
+          <a:bodyPr spcFirstLastPara="1" wrap="square" lIns="91425" tIns="91425" rIns="91425" bIns="91425" anchor="ctr" anchorCtr="0">
             <a:normAutofit/>
           </a:bodyPr>
           <a:lstStyle>
@@ -7220,7 +8353,7 @@
             </a:lvl9pPr>
           </a:lstStyle>
           <a:p>
-            <a:pPr indent="0" lvl="0" marL="0" rtl="0" algn="r">
+            <a:pPr marL="0" lvl="0" indent="0" algn="r" rtl="0">
               <a:spcBef>
                 <a:spcPts val="0"/>
               </a:spcBef>
@@ -7231,7 +8364,7 @@
             </a:pPr>
             <a:fld id="{00000000-1234-1234-1234-123412341234}" type="slidenum">
               <a:rPr lang="fr"/>
-              <a:t>‹#›</a:t>
+              <a:t>‹N°›</a:t>
             </a:fld>
             <a:endParaRPr/>
           </a:p>
@@ -7246,11 +8379,11 @@
 </file>
 
 <file path=ppt/slideLayouts/slideLayout4.xml><?xml version="1.0" encoding="utf-8"?>
-<p:sldLayout xmlns:a="http://schemas.openxmlformats.org/drawingml/2006/main" xmlns:r="http://schemas.openxmlformats.org/officeDocument/2006/relationships" xmlns:mc="http://schemas.openxmlformats.org/markup-compatibility/2006" xmlns:mv="urn:schemas-microsoft-com:mac:vml" xmlns:p="http://schemas.openxmlformats.org/presentationml/2006/main" xmlns:c="http://schemas.openxmlformats.org/drawingml/2006/chart" xmlns:dgm="http://schemas.openxmlformats.org/drawingml/2006/diagram" xmlns:o="urn:schemas-microsoft-com:office:office" xmlns:v="urn:schemas-microsoft-com:vml" xmlns:pvml="urn:schemas-microsoft-com:office:powerpoint" xmlns:com="http://schemas.openxmlformats.org/drawingml/2006/compatibility" xmlns:p14="http://schemas.microsoft.com/office/powerpoint/2010/main" xmlns:p15="http://schemas.microsoft.com/office/powerpoint/2012/main" xmlns:ahyp="http://schemas.microsoft.com/office/drawing/2018/hyperlinkcolor" matchingName="Title and two columns" type="twoColTx">
+<p:sldLayout xmlns:a="http://schemas.openxmlformats.org/drawingml/2006/main" xmlns:r="http://schemas.openxmlformats.org/officeDocument/2006/relationships" xmlns:p="http://schemas.openxmlformats.org/presentationml/2006/main" matchingName="Title and two columns" type="twoColTx">
   <p:cSld name="TITLE_AND_TWO_COLUMNS">
     <p:spTree>
       <p:nvGrpSpPr>
-        <p:cNvPr id="22" name="Shape 22"/>
+        <p:cNvPr id="1" name="Shape 22"/>
         <p:cNvGrpSpPr/>
         <p:nvPr/>
       </p:nvGrpSpPr>
@@ -7265,7 +8398,9 @@
       <p:sp>
         <p:nvSpPr>
           <p:cNvPr id="23" name="Google Shape;23;p5"/>
-          <p:cNvSpPr txBox="1"/>
+          <p:cNvSpPr txBox="1">
+            <a:spLocks noGrp="1"/>
+          </p:cNvSpPr>
           <p:nvPr>
             <p:ph type="title"/>
           </p:nvPr>
@@ -7280,7 +8415,7 @@
           </a:prstGeom>
         </p:spPr>
         <p:txBody>
-          <a:bodyPr anchorCtr="0" anchor="t" bIns="91425" lIns="91425" spcFirstLastPara="1" rIns="91425" wrap="square" tIns="91425">
+          <a:bodyPr spcFirstLastPara="1" wrap="square" lIns="91425" tIns="91425" rIns="91425" bIns="91425" anchor="t" anchorCtr="0">
             <a:normAutofit/>
           </a:bodyPr>
           <a:lstStyle>
@@ -7384,15 +8519,19 @@
               <a:defRPr/>
             </a:lvl9pPr>
           </a:lstStyle>
-          <a:p/>
+          <a:p>
+            <a:endParaRPr/>
+          </a:p>
         </p:txBody>
       </p:sp>
       <p:sp>
         <p:nvSpPr>
           <p:cNvPr id="24" name="Google Shape;24;p5"/>
-          <p:cNvSpPr txBox="1"/>
+          <p:cNvSpPr txBox="1">
+            <a:spLocks noGrp="1"/>
+          </p:cNvSpPr>
           <p:nvPr>
-            <p:ph idx="1" type="body"/>
+            <p:ph type="body" idx="1"/>
           </p:nvPr>
         </p:nvSpPr>
         <p:spPr>
@@ -7405,11 +8544,11 @@
           </a:prstGeom>
         </p:spPr>
         <p:txBody>
-          <a:bodyPr anchorCtr="0" anchor="t" bIns="91425" lIns="91425" spcFirstLastPara="1" rIns="91425" wrap="square" tIns="91425">
+          <a:bodyPr spcFirstLastPara="1" wrap="square" lIns="91425" tIns="91425" rIns="91425" bIns="91425" anchor="t" anchorCtr="0">
             <a:normAutofit/>
           </a:bodyPr>
           <a:lstStyle>
-            <a:lvl1pPr indent="-317500" lvl="0" marL="457200">
+            <a:lvl1pPr marL="457200" lvl="0" indent="-317500">
               <a:spcBef>
                 <a:spcPts val="0"/>
               </a:spcBef>
@@ -7420,7 +8559,7 @@
               <a:buChar char="●"/>
               <a:defRPr sz="1400"/>
             </a:lvl1pPr>
-            <a:lvl2pPr indent="-304800" lvl="1" marL="914400">
+            <a:lvl2pPr marL="914400" lvl="1" indent="-304800">
               <a:spcBef>
                 <a:spcPts val="0"/>
               </a:spcBef>
@@ -7431,7 +8570,7 @@
               <a:buChar char="○"/>
               <a:defRPr sz="1200"/>
             </a:lvl2pPr>
-            <a:lvl3pPr indent="-304800" lvl="2" marL="1371600">
+            <a:lvl3pPr marL="1371600" lvl="2" indent="-304800">
               <a:spcBef>
                 <a:spcPts val="0"/>
               </a:spcBef>
@@ -7442,7 +8581,7 @@
               <a:buChar char="■"/>
               <a:defRPr sz="1200"/>
             </a:lvl3pPr>
-            <a:lvl4pPr indent="-304800" lvl="3" marL="1828800">
+            <a:lvl4pPr marL="1828800" lvl="3" indent="-304800">
               <a:spcBef>
                 <a:spcPts val="0"/>
               </a:spcBef>
@@ -7453,7 +8592,7 @@
               <a:buChar char="●"/>
               <a:defRPr sz="1200"/>
             </a:lvl4pPr>
-            <a:lvl5pPr indent="-304800" lvl="4" marL="2286000">
+            <a:lvl5pPr marL="2286000" lvl="4" indent="-304800">
               <a:spcBef>
                 <a:spcPts val="0"/>
               </a:spcBef>
@@ -7464,7 +8603,7 @@
               <a:buChar char="○"/>
               <a:defRPr sz="1200"/>
             </a:lvl5pPr>
-            <a:lvl6pPr indent="-304800" lvl="5" marL="2743200">
+            <a:lvl6pPr marL="2743200" lvl="5" indent="-304800">
               <a:spcBef>
                 <a:spcPts val="0"/>
               </a:spcBef>
@@ -7475,7 +8614,7 @@
               <a:buChar char="■"/>
               <a:defRPr sz="1200"/>
             </a:lvl6pPr>
-            <a:lvl7pPr indent="-304800" lvl="6" marL="3200400">
+            <a:lvl7pPr marL="3200400" lvl="6" indent="-304800">
               <a:spcBef>
                 <a:spcPts val="0"/>
               </a:spcBef>
@@ -7486,7 +8625,7 @@
               <a:buChar char="●"/>
               <a:defRPr sz="1200"/>
             </a:lvl7pPr>
-            <a:lvl8pPr indent="-304800" lvl="7" marL="3657600">
+            <a:lvl8pPr marL="3657600" lvl="7" indent="-304800">
               <a:spcBef>
                 <a:spcPts val="0"/>
               </a:spcBef>
@@ -7497,7 +8636,7 @@
               <a:buChar char="○"/>
               <a:defRPr sz="1200"/>
             </a:lvl8pPr>
-            <a:lvl9pPr indent="-304800" lvl="8" marL="4114800">
+            <a:lvl9pPr marL="4114800" lvl="8" indent="-304800">
               <a:spcBef>
                 <a:spcPts val="0"/>
               </a:spcBef>
@@ -7509,15 +8648,19 @@
               <a:defRPr sz="1200"/>
             </a:lvl9pPr>
           </a:lstStyle>
-          <a:p/>
+          <a:p>
+            <a:endParaRPr/>
+          </a:p>
         </p:txBody>
       </p:sp>
       <p:sp>
         <p:nvSpPr>
           <p:cNvPr id="25" name="Google Shape;25;p5"/>
-          <p:cNvSpPr txBox="1"/>
+          <p:cNvSpPr txBox="1">
+            <a:spLocks noGrp="1"/>
+          </p:cNvSpPr>
           <p:nvPr>
-            <p:ph idx="2" type="body"/>
+            <p:ph type="body" idx="2"/>
           </p:nvPr>
         </p:nvSpPr>
         <p:spPr>
@@ -7530,11 +8673,11 @@
           </a:prstGeom>
         </p:spPr>
         <p:txBody>
-          <a:bodyPr anchorCtr="0" anchor="t" bIns="91425" lIns="91425" spcFirstLastPara="1" rIns="91425" wrap="square" tIns="91425">
+          <a:bodyPr spcFirstLastPara="1" wrap="square" lIns="91425" tIns="91425" rIns="91425" bIns="91425" anchor="t" anchorCtr="0">
             <a:normAutofit/>
           </a:bodyPr>
           <a:lstStyle>
-            <a:lvl1pPr indent="-317500" lvl="0" marL="457200">
+            <a:lvl1pPr marL="457200" lvl="0" indent="-317500">
               <a:spcBef>
                 <a:spcPts val="0"/>
               </a:spcBef>
@@ -7545,7 +8688,7 @@
               <a:buChar char="●"/>
               <a:defRPr sz="1400"/>
             </a:lvl1pPr>
-            <a:lvl2pPr indent="-304800" lvl="1" marL="914400">
+            <a:lvl2pPr marL="914400" lvl="1" indent="-304800">
               <a:spcBef>
                 <a:spcPts val="0"/>
               </a:spcBef>
@@ -7556,7 +8699,7 @@
               <a:buChar char="○"/>
               <a:defRPr sz="1200"/>
             </a:lvl2pPr>
-            <a:lvl3pPr indent="-304800" lvl="2" marL="1371600">
+            <a:lvl3pPr marL="1371600" lvl="2" indent="-304800">
               <a:spcBef>
                 <a:spcPts val="0"/>
               </a:spcBef>
@@ -7567,7 +8710,7 @@
               <a:buChar char="■"/>
               <a:defRPr sz="1200"/>
             </a:lvl3pPr>
-            <a:lvl4pPr indent="-304800" lvl="3" marL="1828800">
+            <a:lvl4pPr marL="1828800" lvl="3" indent="-304800">
               <a:spcBef>
                 <a:spcPts val="0"/>
               </a:spcBef>
@@ -7578,7 +8721,7 @@
               <a:buChar char="●"/>
               <a:defRPr sz="1200"/>
             </a:lvl4pPr>
-            <a:lvl5pPr indent="-304800" lvl="4" marL="2286000">
+            <a:lvl5pPr marL="2286000" lvl="4" indent="-304800">
               <a:spcBef>
                 <a:spcPts val="0"/>
               </a:spcBef>
@@ -7589,7 +8732,7 @@
               <a:buChar char="○"/>
               <a:defRPr sz="1200"/>
             </a:lvl5pPr>
-            <a:lvl6pPr indent="-304800" lvl="5" marL="2743200">
+            <a:lvl6pPr marL="2743200" lvl="5" indent="-304800">
               <a:spcBef>
                 <a:spcPts val="0"/>
               </a:spcBef>
@@ -7600,7 +8743,7 @@
               <a:buChar char="■"/>
               <a:defRPr sz="1200"/>
             </a:lvl6pPr>
-            <a:lvl7pPr indent="-304800" lvl="6" marL="3200400">
+            <a:lvl7pPr marL="3200400" lvl="6" indent="-304800">
               <a:spcBef>
                 <a:spcPts val="0"/>
               </a:spcBef>
@@ -7611,7 +8754,7 @@
               <a:buChar char="●"/>
               <a:defRPr sz="1200"/>
             </a:lvl7pPr>
-            <a:lvl8pPr indent="-304800" lvl="7" marL="3657600">
+            <a:lvl8pPr marL="3657600" lvl="7" indent="-304800">
               <a:spcBef>
                 <a:spcPts val="0"/>
               </a:spcBef>
@@ -7622,7 +8765,7 @@
               <a:buChar char="○"/>
               <a:defRPr sz="1200"/>
             </a:lvl8pPr>
-            <a:lvl9pPr indent="-304800" lvl="8" marL="4114800">
+            <a:lvl9pPr marL="4114800" lvl="8" indent="-304800">
               <a:spcBef>
                 <a:spcPts val="0"/>
               </a:spcBef>
@@ -7634,15 +8777,19 @@
               <a:defRPr sz="1200"/>
             </a:lvl9pPr>
           </a:lstStyle>
-          <a:p/>
+          <a:p>
+            <a:endParaRPr/>
+          </a:p>
         </p:txBody>
       </p:sp>
       <p:sp>
         <p:nvSpPr>
           <p:cNvPr id="26" name="Google Shape;26;p5"/>
-          <p:cNvSpPr txBox="1"/>
+          <p:cNvSpPr txBox="1">
+            <a:spLocks noGrp="1"/>
+          </p:cNvSpPr>
           <p:nvPr>
-            <p:ph idx="12" type="sldNum"/>
+            <p:ph type="sldNum" idx="12"/>
           </p:nvPr>
         </p:nvSpPr>
         <p:spPr>
@@ -7655,7 +8802,7 @@
           </a:prstGeom>
         </p:spPr>
         <p:txBody>
-          <a:bodyPr anchorCtr="0" anchor="ctr" bIns="91425" lIns="91425" spcFirstLastPara="1" rIns="91425" wrap="square" tIns="91425">
+          <a:bodyPr spcFirstLastPara="1" wrap="square" lIns="91425" tIns="91425" rIns="91425" bIns="91425" anchor="ctr" anchorCtr="0">
             <a:normAutofit/>
           </a:bodyPr>
           <a:lstStyle>
@@ -7697,7 +8844,7 @@
             </a:lvl9pPr>
           </a:lstStyle>
           <a:p>
-            <a:pPr indent="0" lvl="0" marL="0" rtl="0" algn="r">
+            <a:pPr marL="0" lvl="0" indent="0" algn="r" rtl="0">
               <a:spcBef>
                 <a:spcPts val="0"/>
               </a:spcBef>
@@ -7708,7 +8855,7 @@
             </a:pPr>
             <a:fld id="{00000000-1234-1234-1234-123412341234}" type="slidenum">
               <a:rPr lang="fr"/>
-              <a:t>‹#›</a:t>
+              <a:t>‹N°›</a:t>
             </a:fld>
             <a:endParaRPr/>
           </a:p>
@@ -7723,11 +8870,11 @@
 </file>
 
 <file path=ppt/slideLayouts/slideLayout5.xml><?xml version="1.0" encoding="utf-8"?>
-<p:sldLayout xmlns:a="http://schemas.openxmlformats.org/drawingml/2006/main" xmlns:r="http://schemas.openxmlformats.org/officeDocument/2006/relationships" xmlns:mc="http://schemas.openxmlformats.org/markup-compatibility/2006" xmlns:mv="urn:schemas-microsoft-com:mac:vml" xmlns:p="http://schemas.openxmlformats.org/presentationml/2006/main" xmlns:c="http://schemas.openxmlformats.org/drawingml/2006/chart" xmlns:dgm="http://schemas.openxmlformats.org/drawingml/2006/diagram" xmlns:o="urn:schemas-microsoft-com:office:office" xmlns:v="urn:schemas-microsoft-com:vml" xmlns:pvml="urn:schemas-microsoft-com:office:powerpoint" xmlns:com="http://schemas.openxmlformats.org/drawingml/2006/compatibility" xmlns:p14="http://schemas.microsoft.com/office/powerpoint/2010/main" xmlns:p15="http://schemas.microsoft.com/office/powerpoint/2012/main" xmlns:ahyp="http://schemas.microsoft.com/office/drawing/2018/hyperlinkcolor" matchingName="Title only" type="titleOnly">
+<p:sldLayout xmlns:a="http://schemas.openxmlformats.org/drawingml/2006/main" xmlns:r="http://schemas.openxmlformats.org/officeDocument/2006/relationships" xmlns:p="http://schemas.openxmlformats.org/presentationml/2006/main" matchingName="Title only" type="titleOnly">
   <p:cSld name="TITLE_ONLY">
     <p:spTree>
       <p:nvGrpSpPr>
-        <p:cNvPr id="27" name="Shape 27"/>
+        <p:cNvPr id="1" name="Shape 27"/>
         <p:cNvGrpSpPr/>
         <p:nvPr/>
       </p:nvGrpSpPr>
@@ -7742,7 +8889,9 @@
       <p:sp>
         <p:nvSpPr>
           <p:cNvPr id="28" name="Google Shape;28;p6"/>
-          <p:cNvSpPr txBox="1"/>
+          <p:cNvSpPr txBox="1">
+            <a:spLocks noGrp="1"/>
+          </p:cNvSpPr>
           <p:nvPr>
             <p:ph type="title"/>
           </p:nvPr>
@@ -7757,7 +8906,7 @@
           </a:prstGeom>
         </p:spPr>
         <p:txBody>
-          <a:bodyPr anchorCtr="0" anchor="t" bIns="91425" lIns="91425" spcFirstLastPara="1" rIns="91425" wrap="square" tIns="91425">
+          <a:bodyPr spcFirstLastPara="1" wrap="square" lIns="91425" tIns="91425" rIns="91425" bIns="91425" anchor="t" anchorCtr="0">
             <a:normAutofit/>
           </a:bodyPr>
           <a:lstStyle>
@@ -7861,15 +9010,19 @@
               <a:defRPr/>
             </a:lvl9pPr>
           </a:lstStyle>
-          <a:p/>
+          <a:p>
+            <a:endParaRPr/>
+          </a:p>
         </p:txBody>
       </p:sp>
       <p:sp>
         <p:nvSpPr>
           <p:cNvPr id="29" name="Google Shape;29;p6"/>
-          <p:cNvSpPr txBox="1"/>
+          <p:cNvSpPr txBox="1">
+            <a:spLocks noGrp="1"/>
+          </p:cNvSpPr>
           <p:nvPr>
-            <p:ph idx="12" type="sldNum"/>
+            <p:ph type="sldNum" idx="12"/>
           </p:nvPr>
         </p:nvSpPr>
         <p:spPr>
@@ -7882,7 +9035,7 @@
           </a:prstGeom>
         </p:spPr>
         <p:txBody>
-          <a:bodyPr anchorCtr="0" anchor="ctr" bIns="91425" lIns="91425" spcFirstLastPara="1" rIns="91425" wrap="square" tIns="91425">
+          <a:bodyPr spcFirstLastPara="1" wrap="square" lIns="91425" tIns="91425" rIns="91425" bIns="91425" anchor="ctr" anchorCtr="0">
             <a:normAutofit/>
           </a:bodyPr>
           <a:lstStyle>
@@ -7924,7 +9077,7 @@
             </a:lvl9pPr>
           </a:lstStyle>
           <a:p>
-            <a:pPr indent="0" lvl="0" marL="0" rtl="0" algn="r">
+            <a:pPr marL="0" lvl="0" indent="0" algn="r" rtl="0">
               <a:spcBef>
                 <a:spcPts val="0"/>
               </a:spcBef>
@@ -7935,7 +9088,7 @@
             </a:pPr>
             <a:fld id="{00000000-1234-1234-1234-123412341234}" type="slidenum">
               <a:rPr lang="fr"/>
-              <a:t>‹#›</a:t>
+              <a:t>‹N°›</a:t>
             </a:fld>
             <a:endParaRPr/>
           </a:p>
@@ -7950,11 +9103,11 @@
 </file>
 
 <file path=ppt/slideLayouts/slideLayout6.xml><?xml version="1.0" encoding="utf-8"?>
-<p:sldLayout xmlns:a="http://schemas.openxmlformats.org/drawingml/2006/main" xmlns:r="http://schemas.openxmlformats.org/officeDocument/2006/relationships" xmlns:mc="http://schemas.openxmlformats.org/markup-compatibility/2006" xmlns:mv="urn:schemas-microsoft-com:mac:vml" xmlns:p="http://schemas.openxmlformats.org/presentationml/2006/main" xmlns:c="http://schemas.openxmlformats.org/drawingml/2006/chart" xmlns:dgm="http://schemas.openxmlformats.org/drawingml/2006/diagram" xmlns:o="urn:schemas-microsoft-com:office:office" xmlns:v="urn:schemas-microsoft-com:vml" xmlns:pvml="urn:schemas-microsoft-com:office:powerpoint" xmlns:com="http://schemas.openxmlformats.org/drawingml/2006/compatibility" xmlns:p14="http://schemas.microsoft.com/office/powerpoint/2010/main" xmlns:p15="http://schemas.microsoft.com/office/powerpoint/2012/main" xmlns:ahyp="http://schemas.microsoft.com/office/drawing/2018/hyperlinkcolor" matchingName="One column text">
+<p:sldLayout xmlns:a="http://schemas.openxmlformats.org/drawingml/2006/main" xmlns:r="http://schemas.openxmlformats.org/officeDocument/2006/relationships" xmlns:p="http://schemas.openxmlformats.org/presentationml/2006/main" matchingName="One column text">
   <p:cSld name="ONE_COLUMN_TEXT">
     <p:spTree>
       <p:nvGrpSpPr>
-        <p:cNvPr id="30" name="Shape 30"/>
+        <p:cNvPr id="1" name="Shape 30"/>
         <p:cNvGrpSpPr/>
         <p:nvPr/>
       </p:nvGrpSpPr>
@@ -7969,7 +9122,9 @@
       <p:sp>
         <p:nvSpPr>
           <p:cNvPr id="31" name="Google Shape;31;p7"/>
-          <p:cNvSpPr txBox="1"/>
+          <p:cNvSpPr txBox="1">
+            <a:spLocks noGrp="1"/>
+          </p:cNvSpPr>
           <p:nvPr>
             <p:ph type="title"/>
           </p:nvPr>
@@ -7984,7 +9139,7 @@
           </a:prstGeom>
         </p:spPr>
         <p:txBody>
-          <a:bodyPr anchorCtr="0" anchor="b" bIns="91425" lIns="91425" spcFirstLastPara="1" rIns="91425" wrap="square" tIns="91425">
+          <a:bodyPr spcFirstLastPara="1" wrap="square" lIns="91425" tIns="91425" rIns="91425" bIns="91425" anchor="b" anchorCtr="0">
             <a:normAutofit/>
           </a:bodyPr>
           <a:lstStyle>
@@ -8088,15 +9243,19 @@
               <a:defRPr sz="2400"/>
             </a:lvl9pPr>
           </a:lstStyle>
-          <a:p/>
+          <a:p>
+            <a:endParaRPr/>
+          </a:p>
         </p:txBody>
       </p:sp>
       <p:sp>
         <p:nvSpPr>
           <p:cNvPr id="32" name="Google Shape;32;p7"/>
-          <p:cNvSpPr txBox="1"/>
+          <p:cNvSpPr txBox="1">
+            <a:spLocks noGrp="1"/>
+          </p:cNvSpPr>
           <p:nvPr>
-            <p:ph idx="1" type="body"/>
+            <p:ph type="body" idx="1"/>
           </p:nvPr>
         </p:nvSpPr>
         <p:spPr>
@@ -8109,11 +9268,11 @@
           </a:prstGeom>
         </p:spPr>
         <p:txBody>
-          <a:bodyPr anchorCtr="0" anchor="t" bIns="91425" lIns="91425" spcFirstLastPara="1" rIns="91425" wrap="square" tIns="91425">
+          <a:bodyPr spcFirstLastPara="1" wrap="square" lIns="91425" tIns="91425" rIns="91425" bIns="91425" anchor="t" anchorCtr="0">
             <a:normAutofit/>
           </a:bodyPr>
           <a:lstStyle>
-            <a:lvl1pPr indent="-304800" lvl="0" marL="457200">
+            <a:lvl1pPr marL="457200" lvl="0" indent="-304800">
               <a:spcBef>
                 <a:spcPts val="0"/>
               </a:spcBef>
@@ -8124,7 +9283,7 @@
               <a:buChar char="●"/>
               <a:defRPr sz="1200"/>
             </a:lvl1pPr>
-            <a:lvl2pPr indent="-304800" lvl="1" marL="914400">
+            <a:lvl2pPr marL="914400" lvl="1" indent="-304800">
               <a:spcBef>
                 <a:spcPts val="0"/>
               </a:spcBef>
@@ -8135,7 +9294,7 @@
               <a:buChar char="○"/>
               <a:defRPr sz="1200"/>
             </a:lvl2pPr>
-            <a:lvl3pPr indent="-304800" lvl="2" marL="1371600">
+            <a:lvl3pPr marL="1371600" lvl="2" indent="-304800">
               <a:spcBef>
                 <a:spcPts val="0"/>
               </a:spcBef>
@@ -8146,7 +9305,7 @@
               <a:buChar char="■"/>
               <a:defRPr sz="1200"/>
             </a:lvl3pPr>
-            <a:lvl4pPr indent="-304800" lvl="3" marL="1828800">
+            <a:lvl4pPr marL="1828800" lvl="3" indent="-304800">
               <a:spcBef>
                 <a:spcPts val="0"/>
               </a:spcBef>
@@ -8157,7 +9316,7 @@
               <a:buChar char="●"/>
               <a:defRPr sz="1200"/>
             </a:lvl4pPr>
-            <a:lvl5pPr indent="-304800" lvl="4" marL="2286000">
+            <a:lvl5pPr marL="2286000" lvl="4" indent="-304800">
               <a:spcBef>
                 <a:spcPts val="0"/>
               </a:spcBef>
@@ -8168,7 +9327,7 @@
               <a:buChar char="○"/>
               <a:defRPr sz="1200"/>
             </a:lvl5pPr>
-            <a:lvl6pPr indent="-304800" lvl="5" marL="2743200">
+            <a:lvl6pPr marL="2743200" lvl="5" indent="-304800">
               <a:spcBef>
                 <a:spcPts val="0"/>
               </a:spcBef>
@@ -8179,7 +9338,7 @@
               <a:buChar char="■"/>
               <a:defRPr sz="1200"/>
             </a:lvl6pPr>
-            <a:lvl7pPr indent="-304800" lvl="6" marL="3200400">
+            <a:lvl7pPr marL="3200400" lvl="6" indent="-304800">
               <a:spcBef>
                 <a:spcPts val="0"/>
               </a:spcBef>
@@ -8190,7 +9349,7 @@
               <a:buChar char="●"/>
               <a:defRPr sz="1200"/>
             </a:lvl7pPr>
-            <a:lvl8pPr indent="-304800" lvl="7" marL="3657600">
+            <a:lvl8pPr marL="3657600" lvl="7" indent="-304800">
               <a:spcBef>
                 <a:spcPts val="0"/>
               </a:spcBef>
@@ -8201,7 +9360,7 @@
               <a:buChar char="○"/>
               <a:defRPr sz="1200"/>
             </a:lvl8pPr>
-            <a:lvl9pPr indent="-304800" lvl="8" marL="4114800">
+            <a:lvl9pPr marL="4114800" lvl="8" indent="-304800">
               <a:spcBef>
                 <a:spcPts val="0"/>
               </a:spcBef>
@@ -8213,15 +9372,19 @@
               <a:defRPr sz="1200"/>
             </a:lvl9pPr>
           </a:lstStyle>
-          <a:p/>
+          <a:p>
+            <a:endParaRPr/>
+          </a:p>
         </p:txBody>
       </p:sp>
       <p:sp>
         <p:nvSpPr>
           <p:cNvPr id="33" name="Google Shape;33;p7"/>
-          <p:cNvSpPr txBox="1"/>
+          <p:cNvSpPr txBox="1">
+            <a:spLocks noGrp="1"/>
+          </p:cNvSpPr>
           <p:nvPr>
-            <p:ph idx="12" type="sldNum"/>
+            <p:ph type="sldNum" idx="12"/>
           </p:nvPr>
         </p:nvSpPr>
         <p:spPr>
@@ -8234,7 +9397,7 @@
           </a:prstGeom>
         </p:spPr>
         <p:txBody>
-          <a:bodyPr anchorCtr="0" anchor="ctr" bIns="91425" lIns="91425" spcFirstLastPara="1" rIns="91425" wrap="square" tIns="91425">
+          <a:bodyPr spcFirstLastPara="1" wrap="square" lIns="91425" tIns="91425" rIns="91425" bIns="91425" anchor="ctr" anchorCtr="0">
             <a:normAutofit/>
           </a:bodyPr>
           <a:lstStyle>
@@ -8276,7 +9439,7 @@
             </a:lvl9pPr>
           </a:lstStyle>
           <a:p>
-            <a:pPr indent="0" lvl="0" marL="0" rtl="0" algn="r">
+            <a:pPr marL="0" lvl="0" indent="0" algn="r" rtl="0">
               <a:spcBef>
                 <a:spcPts val="0"/>
               </a:spcBef>
@@ -8287,7 +9450,7 @@
             </a:pPr>
             <a:fld id="{00000000-1234-1234-1234-123412341234}" type="slidenum">
               <a:rPr lang="fr"/>
-              <a:t>‹#›</a:t>
+              <a:t>‹N°›</a:t>
             </a:fld>
             <a:endParaRPr/>
           </a:p>
@@ -8302,18 +9465,19 @@
 </file>
 
 <file path=ppt/slideLayouts/slideLayout7.xml><?xml version="1.0" encoding="utf-8"?>
-<p:sldLayout xmlns:a="http://schemas.openxmlformats.org/drawingml/2006/main" xmlns:r="http://schemas.openxmlformats.org/officeDocument/2006/relationships" xmlns:mc="http://schemas.openxmlformats.org/markup-compatibility/2006" xmlns:mv="urn:schemas-microsoft-com:mac:vml" xmlns:p="http://schemas.openxmlformats.org/presentationml/2006/main" xmlns:c="http://schemas.openxmlformats.org/drawingml/2006/chart" xmlns:dgm="http://schemas.openxmlformats.org/drawingml/2006/diagram" xmlns:o="urn:schemas-microsoft-com:office:office" xmlns:v="urn:schemas-microsoft-com:vml" xmlns:pvml="urn:schemas-microsoft-com:office:powerpoint" xmlns:com="http://schemas.openxmlformats.org/drawingml/2006/compatibility" xmlns:p14="http://schemas.microsoft.com/office/powerpoint/2010/main" xmlns:p15="http://schemas.microsoft.com/office/powerpoint/2012/main" xmlns:ahyp="http://schemas.microsoft.com/office/drawing/2018/hyperlinkcolor" matchingName="Main point">
+<p:sldLayout xmlns:a="http://schemas.openxmlformats.org/drawingml/2006/main" xmlns:r="http://schemas.openxmlformats.org/officeDocument/2006/relationships" xmlns:p="http://schemas.openxmlformats.org/presentationml/2006/main" matchingName="Main point">
   <p:cSld name="MAIN_POINT">
     <p:bg>
       <p:bgPr>
         <a:solidFill>
           <a:schemeClr val="accent2"/>
         </a:solidFill>
+        <a:effectLst/>
       </p:bgPr>
     </p:bg>
     <p:spTree>
       <p:nvGrpSpPr>
-        <p:cNvPr id="34" name="Shape 34"/>
+        <p:cNvPr id="1" name="Shape 34"/>
         <p:cNvGrpSpPr/>
         <p:nvPr/>
       </p:nvGrpSpPr>
@@ -8328,7 +9492,9 @@
       <p:sp>
         <p:nvSpPr>
           <p:cNvPr id="35" name="Google Shape;35;p8"/>
-          <p:cNvSpPr txBox="1"/>
+          <p:cNvSpPr txBox="1">
+            <a:spLocks noGrp="1"/>
+          </p:cNvSpPr>
           <p:nvPr>
             <p:ph type="title"/>
           </p:nvPr>
@@ -8343,7 +9509,7 @@
           </a:prstGeom>
         </p:spPr>
         <p:txBody>
-          <a:bodyPr anchorCtr="0" anchor="ctr" bIns="91425" lIns="91425" spcFirstLastPara="1" rIns="91425" wrap="square" tIns="91425">
+          <a:bodyPr spcFirstLastPara="1" wrap="square" lIns="91425" tIns="91425" rIns="91425" bIns="91425" anchor="ctr" anchorCtr="0">
             <a:normAutofit/>
           </a:bodyPr>
           <a:lstStyle>
@@ -8510,15 +9676,19 @@
               </a:defRPr>
             </a:lvl9pPr>
           </a:lstStyle>
-          <a:p/>
+          <a:p>
+            <a:endParaRPr/>
+          </a:p>
         </p:txBody>
       </p:sp>
       <p:sp>
         <p:nvSpPr>
           <p:cNvPr id="36" name="Google Shape;36;p8"/>
-          <p:cNvSpPr txBox="1"/>
+          <p:cNvSpPr txBox="1">
+            <a:spLocks noGrp="1"/>
+          </p:cNvSpPr>
           <p:nvPr>
-            <p:ph idx="12" type="sldNum"/>
+            <p:ph type="sldNum" idx="12"/>
           </p:nvPr>
         </p:nvSpPr>
         <p:spPr>
@@ -8531,7 +9701,7 @@
           </a:prstGeom>
         </p:spPr>
         <p:txBody>
-          <a:bodyPr anchorCtr="0" anchor="ctr" bIns="91425" lIns="91425" spcFirstLastPara="1" rIns="91425" wrap="square" tIns="91425">
+          <a:bodyPr spcFirstLastPara="1" wrap="square" lIns="91425" tIns="91425" rIns="91425" bIns="91425" anchor="ctr" anchorCtr="0">
             <a:normAutofit/>
           </a:bodyPr>
           <a:lstStyle>
@@ -8609,7 +9779,7 @@
             </a:lvl9pPr>
           </a:lstStyle>
           <a:p>
-            <a:pPr indent="0" lvl="0" marL="0" rtl="0" algn="r">
+            <a:pPr marL="0" lvl="0" indent="0" algn="r" rtl="0">
               <a:spcBef>
                 <a:spcPts val="0"/>
               </a:spcBef>
@@ -8620,7 +9790,7 @@
             </a:pPr>
             <a:fld id="{00000000-1234-1234-1234-123412341234}" type="slidenum">
               <a:rPr lang="fr"/>
-              <a:t>‹#›</a:t>
+              <a:t>‹N°›</a:t>
             </a:fld>
             <a:endParaRPr/>
           </a:p>
@@ -8635,11 +9805,11 @@
 </file>
 
 <file path=ppt/slideLayouts/slideLayout8.xml><?xml version="1.0" encoding="utf-8"?>
-<p:sldLayout xmlns:a="http://schemas.openxmlformats.org/drawingml/2006/main" xmlns:r="http://schemas.openxmlformats.org/officeDocument/2006/relationships" xmlns:mc="http://schemas.openxmlformats.org/markup-compatibility/2006" xmlns:mv="urn:schemas-microsoft-com:mac:vml" xmlns:p="http://schemas.openxmlformats.org/presentationml/2006/main" xmlns:c="http://schemas.openxmlformats.org/drawingml/2006/chart" xmlns:dgm="http://schemas.openxmlformats.org/drawingml/2006/diagram" xmlns:o="urn:schemas-microsoft-com:office:office" xmlns:v="urn:schemas-microsoft-com:vml" xmlns:pvml="urn:schemas-microsoft-com:office:powerpoint" xmlns:com="http://schemas.openxmlformats.org/drawingml/2006/compatibility" xmlns:p14="http://schemas.microsoft.com/office/powerpoint/2010/main" xmlns:p15="http://schemas.microsoft.com/office/powerpoint/2012/main" xmlns:ahyp="http://schemas.microsoft.com/office/drawing/2018/hyperlinkcolor" matchingName="Section title and description">
+<p:sldLayout xmlns:a="http://schemas.openxmlformats.org/drawingml/2006/main" xmlns:r="http://schemas.openxmlformats.org/officeDocument/2006/relationships" xmlns:p="http://schemas.openxmlformats.org/presentationml/2006/main" matchingName="Section title and description">
   <p:cSld name="SECTION_TITLE_AND_DESCRIPTION">
     <p:spTree>
       <p:nvGrpSpPr>
-        <p:cNvPr id="37" name="Shape 37"/>
+        <p:cNvPr id="1" name="Shape 37"/>
         <p:cNvGrpSpPr/>
         <p:nvPr/>
       </p:nvGrpSpPr>
@@ -8673,12 +9843,12 @@
           </a:ln>
         </p:spPr>
         <p:txBody>
-          <a:bodyPr anchorCtr="0" anchor="ctr" bIns="91425" lIns="91425" spcFirstLastPara="1" rIns="91425" wrap="square" tIns="91425">
+          <a:bodyPr spcFirstLastPara="1" wrap="square" lIns="91425" tIns="91425" rIns="91425" bIns="91425" anchor="ctr" anchorCtr="0">
             <a:noAutofit/>
           </a:bodyPr>
           <a:lstStyle/>
           <a:p>
-            <a:pPr indent="0" lvl="0" marL="0" rtl="0" algn="l">
+            <a:pPr marL="0" lvl="0" indent="0" algn="l" rtl="0">
               <a:spcBef>
                 <a:spcPts val="0"/>
               </a:spcBef>
@@ -8687,9 +9857,6 @@
               </a:spcAft>
               <a:buNone/>
             </a:pPr>
-            <a:r>
-              <a:t/>
-            </a:r>
             <a:endParaRPr/>
           </a:p>
         </p:txBody>
@@ -8709,21 +9876,23 @@
             <a:avLst/>
           </a:prstGeom>
           <a:noFill/>
-          <a:ln cap="flat" cmpd="sng" w="19050">
+          <a:ln w="19050" cap="flat" cmpd="sng">
             <a:solidFill>
               <a:schemeClr val="lt1"/>
             </a:solidFill>
             <a:prstDash val="solid"/>
             <a:round/>
-            <a:headEnd len="sm" w="sm" type="none"/>
-            <a:tailEnd len="sm" w="sm" type="none"/>
+            <a:headEnd type="none" w="sm" len="sm"/>
+            <a:tailEnd type="none" w="sm" len="sm"/>
           </a:ln>
         </p:spPr>
       </p:cxnSp>
       <p:sp>
         <p:nvSpPr>
           <p:cNvPr id="40" name="Google Shape;40;p9"/>
-          <p:cNvSpPr txBox="1"/>
+          <p:cNvSpPr txBox="1">
+            <a:spLocks noGrp="1"/>
+          </p:cNvSpPr>
           <p:nvPr>
             <p:ph type="title"/>
           </p:nvPr>
@@ -8738,7 +9907,7 @@
           </a:prstGeom>
         </p:spPr>
         <p:txBody>
-          <a:bodyPr anchorCtr="0" anchor="b" bIns="91425" lIns="91425" spcFirstLastPara="1" rIns="91425" wrap="square" tIns="91425">
+          <a:bodyPr spcFirstLastPara="1" wrap="square" lIns="91425" tIns="91425" rIns="91425" bIns="91425" anchor="b" anchorCtr="0">
             <a:normAutofit/>
           </a:bodyPr>
           <a:lstStyle>
@@ -8842,15 +10011,19 @@
               <a:defRPr sz="3800"/>
             </a:lvl9pPr>
           </a:lstStyle>
-          <a:p/>
+          <a:p>
+            <a:endParaRPr/>
+          </a:p>
         </p:txBody>
       </p:sp>
       <p:sp>
         <p:nvSpPr>
           <p:cNvPr id="41" name="Google Shape;41;p9"/>
-          <p:cNvSpPr txBox="1"/>
+          <p:cNvSpPr txBox="1">
+            <a:spLocks noGrp="1"/>
+          </p:cNvSpPr>
           <p:nvPr>
-            <p:ph idx="1" type="subTitle"/>
+            <p:ph type="subTitle" idx="1"/>
           </p:nvPr>
         </p:nvSpPr>
         <p:spPr>
@@ -8863,7 +10036,7 @@
           </a:prstGeom>
         </p:spPr>
         <p:txBody>
-          <a:bodyPr anchorCtr="0" anchor="t" bIns="91425" lIns="91425" spcFirstLastPara="1" rIns="91425" wrap="square" tIns="91425">
+          <a:bodyPr spcFirstLastPara="1" wrap="square" lIns="91425" tIns="91425" rIns="91425" bIns="91425" anchor="t" anchorCtr="0">
             <a:normAutofit/>
           </a:bodyPr>
           <a:lstStyle>
@@ -8994,15 +10167,19 @@
               <a:defRPr sz="2100"/>
             </a:lvl9pPr>
           </a:lstStyle>
-          <a:p/>
+          <a:p>
+            <a:endParaRPr/>
+          </a:p>
         </p:txBody>
       </p:sp>
       <p:sp>
         <p:nvSpPr>
           <p:cNvPr id="42" name="Google Shape;42;p9"/>
-          <p:cNvSpPr txBox="1"/>
+          <p:cNvSpPr txBox="1">
+            <a:spLocks noGrp="1"/>
+          </p:cNvSpPr>
           <p:nvPr>
-            <p:ph idx="2" type="body"/>
+            <p:ph type="body" idx="2"/>
           </p:nvPr>
         </p:nvSpPr>
         <p:spPr>
@@ -9015,11 +10192,11 @@
           </a:prstGeom>
         </p:spPr>
         <p:txBody>
-          <a:bodyPr anchorCtr="0" anchor="ctr" bIns="91425" lIns="91425" spcFirstLastPara="1" rIns="91425" wrap="square" tIns="91425">
+          <a:bodyPr spcFirstLastPara="1" wrap="square" lIns="91425" tIns="91425" rIns="91425" bIns="91425" anchor="ctr" anchorCtr="0">
             <a:normAutofit/>
           </a:bodyPr>
           <a:lstStyle>
-            <a:lvl1pPr indent="-342900" lvl="0" marL="457200">
+            <a:lvl1pPr marL="457200" lvl="0" indent="-342900">
               <a:spcBef>
                 <a:spcPts val="0"/>
               </a:spcBef>
@@ -9037,7 +10214,7 @@
                 </a:solidFill>
               </a:defRPr>
             </a:lvl1pPr>
-            <a:lvl2pPr indent="-317500" lvl="1" marL="914400">
+            <a:lvl2pPr marL="914400" lvl="1" indent="-317500">
               <a:spcBef>
                 <a:spcPts val="0"/>
               </a:spcBef>
@@ -9055,7 +10232,7 @@
                 </a:solidFill>
               </a:defRPr>
             </a:lvl2pPr>
-            <a:lvl3pPr indent="-317500" lvl="2" marL="1371600">
+            <a:lvl3pPr marL="1371600" lvl="2" indent="-317500">
               <a:spcBef>
                 <a:spcPts val="0"/>
               </a:spcBef>
@@ -9073,7 +10250,7 @@
                 </a:solidFill>
               </a:defRPr>
             </a:lvl3pPr>
-            <a:lvl4pPr indent="-317500" lvl="3" marL="1828800">
+            <a:lvl4pPr marL="1828800" lvl="3" indent="-317500">
               <a:spcBef>
                 <a:spcPts val="0"/>
               </a:spcBef>
@@ -9091,7 +10268,7 @@
                 </a:solidFill>
               </a:defRPr>
             </a:lvl4pPr>
-            <a:lvl5pPr indent="-317500" lvl="4" marL="2286000">
+            <a:lvl5pPr marL="2286000" lvl="4" indent="-317500">
               <a:spcBef>
                 <a:spcPts val="0"/>
               </a:spcBef>
@@ -9109,7 +10286,7 @@
                 </a:solidFill>
               </a:defRPr>
             </a:lvl5pPr>
-            <a:lvl6pPr indent="-317500" lvl="5" marL="2743200">
+            <a:lvl6pPr marL="2743200" lvl="5" indent="-317500">
               <a:spcBef>
                 <a:spcPts val="0"/>
               </a:spcBef>
@@ -9127,7 +10304,7 @@
                 </a:solidFill>
               </a:defRPr>
             </a:lvl6pPr>
-            <a:lvl7pPr indent="-317500" lvl="6" marL="3200400">
+            <a:lvl7pPr marL="3200400" lvl="6" indent="-317500">
               <a:spcBef>
                 <a:spcPts val="0"/>
               </a:spcBef>
@@ -9145,7 +10322,7 @@
                 </a:solidFill>
               </a:defRPr>
             </a:lvl7pPr>
-            <a:lvl8pPr indent="-317500" lvl="7" marL="3657600">
+            <a:lvl8pPr marL="3657600" lvl="7" indent="-317500">
               <a:spcBef>
                 <a:spcPts val="0"/>
               </a:spcBef>
@@ -9163,7 +10340,7 @@
                 </a:solidFill>
               </a:defRPr>
             </a:lvl8pPr>
-            <a:lvl9pPr indent="-317500" lvl="8" marL="4114800">
+            <a:lvl9pPr marL="4114800" lvl="8" indent="-317500">
               <a:spcBef>
                 <a:spcPts val="0"/>
               </a:spcBef>
@@ -9182,15 +10359,19 @@
               </a:defRPr>
             </a:lvl9pPr>
           </a:lstStyle>
-          <a:p/>
+          <a:p>
+            <a:endParaRPr/>
+          </a:p>
         </p:txBody>
       </p:sp>
       <p:sp>
         <p:nvSpPr>
           <p:cNvPr id="43" name="Google Shape;43;p9"/>
-          <p:cNvSpPr txBox="1"/>
+          <p:cNvSpPr txBox="1">
+            <a:spLocks noGrp="1"/>
+          </p:cNvSpPr>
           <p:nvPr>
-            <p:ph idx="12" type="sldNum"/>
+            <p:ph type="sldNum" idx="12"/>
           </p:nvPr>
         </p:nvSpPr>
         <p:spPr>
@@ -9203,7 +10384,7 @@
           </a:prstGeom>
         </p:spPr>
         <p:txBody>
-          <a:bodyPr anchorCtr="0" anchor="ctr" bIns="91425" lIns="91425" spcFirstLastPara="1" rIns="91425" wrap="square" tIns="91425">
+          <a:bodyPr spcFirstLastPara="1" wrap="square" lIns="91425" tIns="91425" rIns="91425" bIns="91425" anchor="ctr" anchorCtr="0">
             <a:normAutofit/>
           </a:bodyPr>
           <a:lstStyle>
@@ -9281,7 +10462,7 @@
             </a:lvl9pPr>
           </a:lstStyle>
           <a:p>
-            <a:pPr indent="0" lvl="0" marL="0" rtl="0" algn="r">
+            <a:pPr marL="0" lvl="0" indent="0" algn="r" rtl="0">
               <a:spcBef>
                 <a:spcPts val="0"/>
               </a:spcBef>
@@ -9292,7 +10473,7 @@
             </a:pPr>
             <a:fld id="{00000000-1234-1234-1234-123412341234}" type="slidenum">
               <a:rPr lang="fr"/>
-              <a:t>‹#›</a:t>
+              <a:t>‹N°›</a:t>
             </a:fld>
             <a:endParaRPr/>
           </a:p>
@@ -9307,11 +10488,11 @@
 </file>
 
 <file path=ppt/slideLayouts/slideLayout9.xml><?xml version="1.0" encoding="utf-8"?>
-<p:sldLayout xmlns:a="http://schemas.openxmlformats.org/drawingml/2006/main" xmlns:r="http://schemas.openxmlformats.org/officeDocument/2006/relationships" xmlns:mc="http://schemas.openxmlformats.org/markup-compatibility/2006" xmlns:mv="urn:schemas-microsoft-com:mac:vml" xmlns:p="http://schemas.openxmlformats.org/presentationml/2006/main" xmlns:c="http://schemas.openxmlformats.org/drawingml/2006/chart" xmlns:dgm="http://schemas.openxmlformats.org/drawingml/2006/diagram" xmlns:o="urn:schemas-microsoft-com:office:office" xmlns:v="urn:schemas-microsoft-com:vml" xmlns:pvml="urn:schemas-microsoft-com:office:powerpoint" xmlns:com="http://schemas.openxmlformats.org/drawingml/2006/compatibility" xmlns:p14="http://schemas.microsoft.com/office/powerpoint/2010/main" xmlns:p15="http://schemas.microsoft.com/office/powerpoint/2012/main" xmlns:ahyp="http://schemas.microsoft.com/office/drawing/2018/hyperlinkcolor" matchingName="Caption">
+<p:sldLayout xmlns:a="http://schemas.openxmlformats.org/drawingml/2006/main" xmlns:r="http://schemas.openxmlformats.org/officeDocument/2006/relationships" xmlns:p="http://schemas.openxmlformats.org/presentationml/2006/main" matchingName="Caption">
   <p:cSld name="CAPTION_ONLY">
     <p:spTree>
       <p:nvGrpSpPr>
-        <p:cNvPr id="44" name="Shape 44"/>
+        <p:cNvPr id="1" name="Shape 44"/>
         <p:cNvGrpSpPr/>
         <p:nvPr/>
       </p:nvGrpSpPr>
@@ -9326,9 +10507,11 @@
       <p:sp>
         <p:nvSpPr>
           <p:cNvPr id="45" name="Google Shape;45;p10"/>
-          <p:cNvSpPr txBox="1"/>
+          <p:cNvSpPr txBox="1">
+            <a:spLocks noGrp="1"/>
+          </p:cNvSpPr>
           <p:nvPr>
-            <p:ph idx="1" type="body"/>
+            <p:ph type="body" idx="1"/>
           </p:nvPr>
         </p:nvSpPr>
         <p:spPr>
@@ -9341,11 +10524,11 @@
           </a:prstGeom>
         </p:spPr>
         <p:txBody>
-          <a:bodyPr anchorCtr="0" anchor="ctr" bIns="91425" lIns="91425" spcFirstLastPara="1" rIns="91425" wrap="square" tIns="91425">
+          <a:bodyPr spcFirstLastPara="1" wrap="square" lIns="91425" tIns="91425" rIns="91425" bIns="91425" anchor="ctr" anchorCtr="0">
             <a:normAutofit/>
           </a:bodyPr>
           <a:lstStyle>
-            <a:lvl1pPr indent="-228600" lvl="0" marL="457200">
+            <a:lvl1pPr marL="457200" lvl="0" indent="-228600">
               <a:lnSpc>
                 <a:spcPct val="100000"/>
               </a:lnSpc>
@@ -9360,15 +10543,19 @@
               <a:defRPr sz="2100"/>
             </a:lvl1pPr>
           </a:lstStyle>
-          <a:p/>
+          <a:p>
+            <a:endParaRPr/>
+          </a:p>
         </p:txBody>
       </p:sp>
       <p:sp>
         <p:nvSpPr>
           <p:cNvPr id="46" name="Google Shape;46;p10"/>
-          <p:cNvSpPr txBox="1"/>
+          <p:cNvSpPr txBox="1">
+            <a:spLocks noGrp="1"/>
+          </p:cNvSpPr>
           <p:nvPr>
-            <p:ph idx="12" type="sldNum"/>
+            <p:ph type="sldNum" idx="12"/>
           </p:nvPr>
         </p:nvSpPr>
         <p:spPr>
@@ -9381,7 +10568,7 @@
           </a:prstGeom>
         </p:spPr>
         <p:txBody>
-          <a:bodyPr anchorCtr="0" anchor="ctr" bIns="91425" lIns="91425" spcFirstLastPara="1" rIns="91425" wrap="square" tIns="91425">
+          <a:bodyPr spcFirstLastPara="1" wrap="square" lIns="91425" tIns="91425" rIns="91425" bIns="91425" anchor="ctr" anchorCtr="0">
             <a:normAutofit/>
           </a:bodyPr>
           <a:lstStyle>
@@ -9423,7 +10610,7 @@
             </a:lvl9pPr>
           </a:lstStyle>
           <a:p>
-            <a:pPr indent="0" lvl="0" marL="0" rtl="0" algn="r">
+            <a:pPr marL="0" lvl="0" indent="0" algn="r" rtl="0">
               <a:spcBef>
                 <a:spcPts val="0"/>
               </a:spcBef>
@@ -9434,7 +10621,7 @@
             </a:pPr>
             <a:fld id="{00000000-1234-1234-1234-123412341234}" type="slidenum">
               <a:rPr lang="fr"/>
-              <a:t>‹#›</a:t>
+              <a:t>‹N°›</a:t>
             </a:fld>
             <a:endParaRPr/>
           </a:p>
@@ -9449,18 +10636,19 @@
 </file>
 
 <file path=ppt/slideMasters/slideMaster1.xml><?xml version="1.0" encoding="utf-8"?>
-<p:sldMaster xmlns:a="http://schemas.openxmlformats.org/drawingml/2006/main" xmlns:r="http://schemas.openxmlformats.org/officeDocument/2006/relationships" xmlns:mc="http://schemas.openxmlformats.org/markup-compatibility/2006" xmlns:mv="urn:schemas-microsoft-com:mac:vml" xmlns:p="http://schemas.openxmlformats.org/presentationml/2006/main" xmlns:c="http://schemas.openxmlformats.org/drawingml/2006/chart" xmlns:dgm="http://schemas.openxmlformats.org/drawingml/2006/diagram" xmlns:o="urn:schemas-microsoft-com:office:office" xmlns:v="urn:schemas-microsoft-com:vml" xmlns:pvml="urn:schemas-microsoft-com:office:powerpoint" xmlns:com="http://schemas.openxmlformats.org/drawingml/2006/compatibility" xmlns:p14="http://schemas.microsoft.com/office/powerpoint/2010/main" xmlns:p15="http://schemas.microsoft.com/office/powerpoint/2012/main" xmlns:ahyp="http://schemas.microsoft.com/office/drawing/2018/hyperlinkcolor">
+<p:sldMaster xmlns:a="http://schemas.openxmlformats.org/drawingml/2006/main" xmlns:r="http://schemas.openxmlformats.org/officeDocument/2006/relationships" xmlns:p="http://schemas.openxmlformats.org/presentationml/2006/main">
   <p:cSld name="plum">
     <p:bg>
       <p:bgPr>
         <a:solidFill>
           <a:schemeClr val="lt1"/>
         </a:solidFill>
+        <a:effectLst/>
       </p:bgPr>
     </p:bg>
     <p:spTree>
       <p:nvGrpSpPr>
-        <p:cNvPr id="5" name="Shape 5"/>
+        <p:cNvPr id="1" name="Shape 5"/>
         <p:cNvGrpSpPr/>
         <p:nvPr/>
       </p:nvGrpSpPr>
@@ -9475,7 +10663,9 @@
       <p:sp>
         <p:nvSpPr>
           <p:cNvPr id="6" name="Google Shape;6;p1"/>
-          <p:cNvSpPr txBox="1"/>
+          <p:cNvSpPr txBox="1">
+            <a:spLocks noGrp="1"/>
+          </p:cNvSpPr>
           <p:nvPr>
             <p:ph type="title"/>
           </p:nvPr>
@@ -9494,7 +10684,7 @@
           </a:ln>
         </p:spPr>
         <p:txBody>
-          <a:bodyPr anchorCtr="0" anchor="t" bIns="91425" lIns="91425" spcFirstLastPara="1" rIns="91425" wrap="square" tIns="91425">
+          <a:bodyPr spcFirstLastPara="1" wrap="square" lIns="91425" tIns="91425" rIns="91425" bIns="91425" anchor="t" anchorCtr="0">
             <a:normAutofit/>
           </a:bodyPr>
           <a:lstStyle>
@@ -9511,7 +10701,7 @@
               <a:buSzPts val="3000"/>
               <a:buFont typeface="Raleway"/>
               <a:buNone/>
-              <a:defRPr b="1" sz="3000">
+              <a:defRPr sz="3000" b="1">
                 <a:solidFill>
                   <a:schemeClr val="dk2"/>
                 </a:solidFill>
@@ -9534,7 +10724,7 @@
               <a:buSzPts val="3000"/>
               <a:buFont typeface="Raleway"/>
               <a:buNone/>
-              <a:defRPr b="1" sz="3000">
+              <a:defRPr sz="3000" b="1">
                 <a:solidFill>
                   <a:schemeClr val="dk2"/>
                 </a:solidFill>
@@ -9557,7 +10747,7 @@
               <a:buSzPts val="3000"/>
               <a:buFont typeface="Raleway"/>
               <a:buNone/>
-              <a:defRPr b="1" sz="3000">
+              <a:defRPr sz="3000" b="1">
                 <a:solidFill>
                   <a:schemeClr val="dk2"/>
                 </a:solidFill>
@@ -9580,7 +10770,7 @@
               <a:buSzPts val="3000"/>
               <a:buFont typeface="Raleway"/>
               <a:buNone/>
-              <a:defRPr b="1" sz="3000">
+              <a:defRPr sz="3000" b="1">
                 <a:solidFill>
                   <a:schemeClr val="dk2"/>
                 </a:solidFill>
@@ -9603,7 +10793,7 @@
               <a:buSzPts val="3000"/>
               <a:buFont typeface="Raleway"/>
               <a:buNone/>
-              <a:defRPr b="1" sz="3000">
+              <a:defRPr sz="3000" b="1">
                 <a:solidFill>
                   <a:schemeClr val="dk2"/>
                 </a:solidFill>
@@ -9626,7 +10816,7 @@
               <a:buSzPts val="3000"/>
               <a:buFont typeface="Raleway"/>
               <a:buNone/>
-              <a:defRPr b="1" sz="3000">
+              <a:defRPr sz="3000" b="1">
                 <a:solidFill>
                   <a:schemeClr val="dk2"/>
                 </a:solidFill>
@@ -9649,7 +10839,7 @@
               <a:buSzPts val="3000"/>
               <a:buFont typeface="Raleway"/>
               <a:buNone/>
-              <a:defRPr b="1" sz="3000">
+              <a:defRPr sz="3000" b="1">
                 <a:solidFill>
                   <a:schemeClr val="dk2"/>
                 </a:solidFill>
@@ -9672,7 +10862,7 @@
               <a:buSzPts val="3000"/>
               <a:buFont typeface="Raleway"/>
               <a:buNone/>
-              <a:defRPr b="1" sz="3000">
+              <a:defRPr sz="3000" b="1">
                 <a:solidFill>
                   <a:schemeClr val="dk2"/>
                 </a:solidFill>
@@ -9695,7 +10885,7 @@
               <a:buSzPts val="3000"/>
               <a:buFont typeface="Raleway"/>
               <a:buNone/>
-              <a:defRPr b="1" sz="3000">
+              <a:defRPr sz="3000" b="1">
                 <a:solidFill>
                   <a:schemeClr val="dk2"/>
                 </a:solidFill>
@@ -9706,15 +10896,19 @@
               </a:defRPr>
             </a:lvl9pPr>
           </a:lstStyle>
-          <a:p/>
+          <a:p>
+            <a:endParaRPr/>
+          </a:p>
         </p:txBody>
       </p:sp>
       <p:sp>
         <p:nvSpPr>
           <p:cNvPr id="7" name="Google Shape;7;p1"/>
-          <p:cNvSpPr txBox="1"/>
+          <p:cNvSpPr txBox="1">
+            <a:spLocks noGrp="1"/>
+          </p:cNvSpPr>
           <p:nvPr>
-            <p:ph idx="1" type="body"/>
+            <p:ph type="body" idx="1"/>
           </p:nvPr>
         </p:nvSpPr>
         <p:spPr>
@@ -9731,11 +10925,11 @@
           </a:ln>
         </p:spPr>
         <p:txBody>
-          <a:bodyPr anchorCtr="0" anchor="t" bIns="91425" lIns="91425" spcFirstLastPara="1" rIns="91425" wrap="square" tIns="91425">
+          <a:bodyPr spcFirstLastPara="1" wrap="square" lIns="91425" tIns="91425" rIns="91425" bIns="91425" anchor="t" anchorCtr="0">
             <a:normAutofit/>
           </a:bodyPr>
           <a:lstStyle>
-            <a:lvl1pPr indent="-342900" lvl="0" marL="457200">
+            <a:lvl1pPr marL="457200" lvl="0" indent="-342900">
               <a:lnSpc>
                 <a:spcPct val="115000"/>
               </a:lnSpc>
@@ -9761,7 +10955,7 @@
                 <a:sym typeface="Source Sans Pro"/>
               </a:defRPr>
             </a:lvl1pPr>
-            <a:lvl2pPr indent="-317500" lvl="1" marL="914400">
+            <a:lvl2pPr marL="914400" lvl="1" indent="-317500">
               <a:lnSpc>
                 <a:spcPct val="115000"/>
               </a:lnSpc>
@@ -9787,7 +10981,7 @@
                 <a:sym typeface="Source Sans Pro"/>
               </a:defRPr>
             </a:lvl2pPr>
-            <a:lvl3pPr indent="-317500" lvl="2" marL="1371600">
+            <a:lvl3pPr marL="1371600" lvl="2" indent="-317500">
               <a:lnSpc>
                 <a:spcPct val="115000"/>
               </a:lnSpc>
@@ -9813,7 +11007,7 @@
                 <a:sym typeface="Source Sans Pro"/>
               </a:defRPr>
             </a:lvl3pPr>
-            <a:lvl4pPr indent="-317500" lvl="3" marL="1828800">
+            <a:lvl4pPr marL="1828800" lvl="3" indent="-317500">
               <a:lnSpc>
                 <a:spcPct val="115000"/>
               </a:lnSpc>
@@ -9839,7 +11033,7 @@
                 <a:sym typeface="Source Sans Pro"/>
               </a:defRPr>
             </a:lvl4pPr>
-            <a:lvl5pPr indent="-317500" lvl="4" marL="2286000">
+            <a:lvl5pPr marL="2286000" lvl="4" indent="-317500">
               <a:lnSpc>
                 <a:spcPct val="115000"/>
               </a:lnSpc>
@@ -9865,7 +11059,7 @@
                 <a:sym typeface="Source Sans Pro"/>
               </a:defRPr>
             </a:lvl5pPr>
-            <a:lvl6pPr indent="-317500" lvl="5" marL="2743200">
+            <a:lvl6pPr marL="2743200" lvl="5" indent="-317500">
               <a:lnSpc>
                 <a:spcPct val="115000"/>
               </a:lnSpc>
@@ -9891,7 +11085,7 @@
                 <a:sym typeface="Source Sans Pro"/>
               </a:defRPr>
             </a:lvl6pPr>
-            <a:lvl7pPr indent="-317500" lvl="6" marL="3200400">
+            <a:lvl7pPr marL="3200400" lvl="6" indent="-317500">
               <a:lnSpc>
                 <a:spcPct val="115000"/>
               </a:lnSpc>
@@ -9917,7 +11111,7 @@
                 <a:sym typeface="Source Sans Pro"/>
               </a:defRPr>
             </a:lvl7pPr>
-            <a:lvl8pPr indent="-317500" lvl="7" marL="3657600">
+            <a:lvl8pPr marL="3657600" lvl="7" indent="-317500">
               <a:lnSpc>
                 <a:spcPct val="115000"/>
               </a:lnSpc>
@@ -9943,7 +11137,7 @@
                 <a:sym typeface="Source Sans Pro"/>
               </a:defRPr>
             </a:lvl8pPr>
-            <a:lvl9pPr indent="-317500" lvl="8" marL="4114800">
+            <a:lvl9pPr marL="4114800" lvl="8" indent="-317500">
               <a:lnSpc>
                 <a:spcPct val="115000"/>
               </a:lnSpc>
@@ -9970,15 +11164,19 @@
               </a:defRPr>
             </a:lvl9pPr>
           </a:lstStyle>
-          <a:p/>
+          <a:p>
+            <a:endParaRPr/>
+          </a:p>
         </p:txBody>
       </p:sp>
       <p:sp>
         <p:nvSpPr>
           <p:cNvPr id="8" name="Google Shape;8;p1"/>
-          <p:cNvSpPr txBox="1"/>
+          <p:cNvSpPr txBox="1">
+            <a:spLocks noGrp="1"/>
+          </p:cNvSpPr>
           <p:nvPr>
-            <p:ph idx="12" type="sldNum"/>
+            <p:ph type="sldNum" idx="12"/>
           </p:nvPr>
         </p:nvSpPr>
         <p:spPr>
@@ -9995,7 +11193,7 @@
           </a:ln>
         </p:spPr>
         <p:txBody>
-          <a:bodyPr anchorCtr="0" anchor="ctr" bIns="91425" lIns="91425" spcFirstLastPara="1" rIns="91425" wrap="square" tIns="91425">
+          <a:bodyPr spcFirstLastPara="1" wrap="square" lIns="91425" tIns="91425" rIns="91425" bIns="91425" anchor="ctr" anchorCtr="0">
             <a:normAutofit/>
           </a:bodyPr>
           <a:lstStyle>
@@ -10109,7 +11307,7 @@
             </a:lvl9pPr>
           </a:lstStyle>
           <a:p>
-            <a:pPr indent="0" lvl="0" marL="0" rtl="0" algn="r">
+            <a:pPr marL="0" lvl="0" indent="0" algn="r" rtl="0">
               <a:spcBef>
                 <a:spcPts val="0"/>
               </a:spcBef>
@@ -10120,7 +11318,7 @@
             </a:pPr>
             <a:fld id="{00000000-1234-1234-1234-123412341234}" type="slidenum">
               <a:rPr lang="fr"/>
-              <a:t>‹#›</a:t>
+              <a:t>‹N°›</a:t>
             </a:fld>
             <a:endParaRPr/>
           </a:p>
@@ -10128,7 +11326,7 @@
       </p:sp>
     </p:spTree>
   </p:cSld>
-  <p:clrMap accent1="accent1" accent2="accent2" accent3="accent3" accent4="accent4" accent5="accent5" accent6="accent6" bg1="lt1" bg2="dk2" tx1="dk1" tx2="lt2" folHlink="folHlink" hlink="hlink"/>
+  <p:clrMap bg1="lt1" tx1="dk1" bg2="dk2" tx2="lt2" accent1="accent1" accent2="accent2" accent3="accent3" accent4="accent4" accent5="accent5" accent6="accent6" hlink="hlink" folHlink="folHlink"/>
   <p:sldLayoutIdLst>
     <p:sldLayoutId id="2147483648" r:id="rId1"/>
     <p:sldLayoutId id="2147483649" r:id="rId2"/>
@@ -10146,10 +11344,10 @@
     <p:sldLayoutId id="2147483661" r:id="rId14"/>
     <p:sldLayoutId id="2147483662" r:id="rId15"/>
   </p:sldLayoutIdLst>
-  <p:hf dt="0" ftr="0" hdr="0"/>
+  <p:hf hdr="0" ftr="0" dt="0"/>
   <p:txStyles>
     <p:titleStyle>
-      <a:defPPr lvl="0" marR="0" rtl="0" algn="l">
+      <a:defPPr marR="0" lvl="0" algn="l" rtl="0">
         <a:lnSpc>
           <a:spcPct val="100000"/>
         </a:lnSpc>
@@ -10160,7 +11358,7 @@
           <a:spcPts val="0"/>
         </a:spcAft>
       </a:defPPr>
-      <a:lvl1pPr lvl="0" marR="0" rtl="0" algn="l">
+      <a:lvl1pPr marR="0" lvl="0" algn="l" rtl="0">
         <a:lnSpc>
           <a:spcPct val="100000"/>
         </a:lnSpc>
@@ -10174,7 +11372,7 @@
           <a:srgbClr val="000000"/>
         </a:buClr>
         <a:buFont typeface="Arial"/>
-        <a:defRPr b="0" i="0" sz="1400" u="none" cap="none" strike="noStrike">
+        <a:defRPr sz="1400" b="0" i="0" u="none" strike="noStrike" cap="none">
           <a:solidFill>
             <a:srgbClr val="000000"/>
           </a:solidFill>
@@ -10184,7 +11382,7 @@
           <a:sym typeface="Arial"/>
         </a:defRPr>
       </a:lvl1pPr>
-      <a:lvl2pPr lvl="1" marR="0" rtl="0" algn="l">
+      <a:lvl2pPr marR="0" lvl="1" algn="l" rtl="0">
         <a:lnSpc>
           <a:spcPct val="100000"/>
         </a:lnSpc>
@@ -10198,7 +11396,7 @@
           <a:srgbClr val="000000"/>
         </a:buClr>
         <a:buFont typeface="Arial"/>
-        <a:defRPr b="0" i="0" sz="1400" u="none" cap="none" strike="noStrike">
+        <a:defRPr sz="1400" b="0" i="0" u="none" strike="noStrike" cap="none">
           <a:solidFill>
             <a:srgbClr val="000000"/>
           </a:solidFill>
@@ -10208,7 +11406,7 @@
           <a:sym typeface="Arial"/>
         </a:defRPr>
       </a:lvl2pPr>
-      <a:lvl3pPr lvl="2" marR="0" rtl="0" algn="l">
+      <a:lvl3pPr marR="0" lvl="2" algn="l" rtl="0">
         <a:lnSpc>
           <a:spcPct val="100000"/>
         </a:lnSpc>
@@ -10222,7 +11420,7 @@
           <a:srgbClr val="000000"/>
         </a:buClr>
         <a:buFont typeface="Arial"/>
-        <a:defRPr b="0" i="0" sz="1400" u="none" cap="none" strike="noStrike">
+        <a:defRPr sz="1400" b="0" i="0" u="none" strike="noStrike" cap="none">
           <a:solidFill>
             <a:srgbClr val="000000"/>
           </a:solidFill>
@@ -10232,7 +11430,7 @@
           <a:sym typeface="Arial"/>
         </a:defRPr>
       </a:lvl3pPr>
-      <a:lvl4pPr lvl="3" marR="0" rtl="0" algn="l">
+      <a:lvl4pPr marR="0" lvl="3" algn="l" rtl="0">
         <a:lnSpc>
           <a:spcPct val="100000"/>
         </a:lnSpc>
@@ -10246,7 +11444,7 @@
           <a:srgbClr val="000000"/>
         </a:buClr>
         <a:buFont typeface="Arial"/>
-        <a:defRPr b="0" i="0" sz="1400" u="none" cap="none" strike="noStrike">
+        <a:defRPr sz="1400" b="0" i="0" u="none" strike="noStrike" cap="none">
           <a:solidFill>
             <a:srgbClr val="000000"/>
           </a:solidFill>
@@ -10256,7 +11454,7 @@
           <a:sym typeface="Arial"/>
         </a:defRPr>
       </a:lvl4pPr>
-      <a:lvl5pPr lvl="4" marR="0" rtl="0" algn="l">
+      <a:lvl5pPr marR="0" lvl="4" algn="l" rtl="0">
         <a:lnSpc>
           <a:spcPct val="100000"/>
         </a:lnSpc>
@@ -10270,7 +11468,7 @@
           <a:srgbClr val="000000"/>
         </a:buClr>
         <a:buFont typeface="Arial"/>
-        <a:defRPr b="0" i="0" sz="1400" u="none" cap="none" strike="noStrike">
+        <a:defRPr sz="1400" b="0" i="0" u="none" strike="noStrike" cap="none">
           <a:solidFill>
             <a:srgbClr val="000000"/>
           </a:solidFill>
@@ -10280,7 +11478,7 @@
           <a:sym typeface="Arial"/>
         </a:defRPr>
       </a:lvl5pPr>
-      <a:lvl6pPr lvl="5" marR="0" rtl="0" algn="l">
+      <a:lvl6pPr marR="0" lvl="5" algn="l" rtl="0">
         <a:lnSpc>
           <a:spcPct val="100000"/>
         </a:lnSpc>
@@ -10294,7 +11492,7 @@
           <a:srgbClr val="000000"/>
         </a:buClr>
         <a:buFont typeface="Arial"/>
-        <a:defRPr b="0" i="0" sz="1400" u="none" cap="none" strike="noStrike">
+        <a:defRPr sz="1400" b="0" i="0" u="none" strike="noStrike" cap="none">
           <a:solidFill>
             <a:srgbClr val="000000"/>
           </a:solidFill>
@@ -10304,7 +11502,7 @@
           <a:sym typeface="Arial"/>
         </a:defRPr>
       </a:lvl6pPr>
-      <a:lvl7pPr lvl="6" marR="0" rtl="0" algn="l">
+      <a:lvl7pPr marR="0" lvl="6" algn="l" rtl="0">
         <a:lnSpc>
           <a:spcPct val="100000"/>
         </a:lnSpc>
@@ -10318,7 +11516,7 @@
           <a:srgbClr val="000000"/>
         </a:buClr>
         <a:buFont typeface="Arial"/>
-        <a:defRPr b="0" i="0" sz="1400" u="none" cap="none" strike="noStrike">
+        <a:defRPr sz="1400" b="0" i="0" u="none" strike="noStrike" cap="none">
           <a:solidFill>
             <a:srgbClr val="000000"/>
           </a:solidFill>
@@ -10328,7 +11526,7 @@
           <a:sym typeface="Arial"/>
         </a:defRPr>
       </a:lvl7pPr>
-      <a:lvl8pPr lvl="7" marR="0" rtl="0" algn="l">
+      <a:lvl8pPr marR="0" lvl="7" algn="l" rtl="0">
         <a:lnSpc>
           <a:spcPct val="100000"/>
         </a:lnSpc>
@@ -10342,7 +11540,7 @@
           <a:srgbClr val="000000"/>
         </a:buClr>
         <a:buFont typeface="Arial"/>
-        <a:defRPr b="0" i="0" sz="1400" u="none" cap="none" strike="noStrike">
+        <a:defRPr sz="1400" b="0" i="0" u="none" strike="noStrike" cap="none">
           <a:solidFill>
             <a:srgbClr val="000000"/>
           </a:solidFill>
@@ -10352,7 +11550,7 @@
           <a:sym typeface="Arial"/>
         </a:defRPr>
       </a:lvl8pPr>
-      <a:lvl9pPr lvl="8" marR="0" rtl="0" algn="l">
+      <a:lvl9pPr marR="0" lvl="8" algn="l" rtl="0">
         <a:lnSpc>
           <a:spcPct val="100000"/>
         </a:lnSpc>
@@ -10366,7 +11564,7 @@
           <a:srgbClr val="000000"/>
         </a:buClr>
         <a:buFont typeface="Arial"/>
-        <a:defRPr b="0" i="0" sz="1400" u="none" cap="none" strike="noStrike">
+        <a:defRPr sz="1400" b="0" i="0" u="none" strike="noStrike" cap="none">
           <a:solidFill>
             <a:srgbClr val="000000"/>
           </a:solidFill>
@@ -10378,7 +11576,7 @@
       </a:lvl9pPr>
     </p:titleStyle>
     <p:bodyStyle>
-      <a:defPPr lvl="0" marR="0" rtl="0" algn="l">
+      <a:defPPr marR="0" lvl="0" algn="l" rtl="0">
         <a:lnSpc>
           <a:spcPct val="100000"/>
         </a:lnSpc>
@@ -10389,7 +11587,7 @@
           <a:spcPts val="0"/>
         </a:spcAft>
       </a:defPPr>
-      <a:lvl1pPr lvl="0" marR="0" rtl="0" algn="l">
+      <a:lvl1pPr marR="0" lvl="0" algn="l" rtl="0">
         <a:lnSpc>
           <a:spcPct val="100000"/>
         </a:lnSpc>
@@ -10403,7 +11601,7 @@
           <a:srgbClr val="000000"/>
         </a:buClr>
         <a:buFont typeface="Arial"/>
-        <a:defRPr b="0" i="0" sz="1400" u="none" cap="none" strike="noStrike">
+        <a:defRPr sz="1400" b="0" i="0" u="none" strike="noStrike" cap="none">
           <a:solidFill>
             <a:srgbClr val="000000"/>
           </a:solidFill>
@@ -10413,7 +11611,7 @@
           <a:sym typeface="Arial"/>
         </a:defRPr>
       </a:lvl1pPr>
-      <a:lvl2pPr lvl="1" marR="0" rtl="0" algn="l">
+      <a:lvl2pPr marR="0" lvl="1" algn="l" rtl="0">
         <a:lnSpc>
           <a:spcPct val="100000"/>
         </a:lnSpc>
@@ -10427,7 +11625,7 @@
           <a:srgbClr val="000000"/>
         </a:buClr>
         <a:buFont typeface="Arial"/>
-        <a:defRPr b="0" i="0" sz="1400" u="none" cap="none" strike="noStrike">
+        <a:defRPr sz="1400" b="0" i="0" u="none" strike="noStrike" cap="none">
           <a:solidFill>
             <a:srgbClr val="000000"/>
           </a:solidFill>
@@ -10437,7 +11635,7 @@
           <a:sym typeface="Arial"/>
         </a:defRPr>
       </a:lvl2pPr>
-      <a:lvl3pPr lvl="2" marR="0" rtl="0" algn="l">
+      <a:lvl3pPr marR="0" lvl="2" algn="l" rtl="0">
         <a:lnSpc>
           <a:spcPct val="100000"/>
         </a:lnSpc>
@@ -10451,7 +11649,7 @@
           <a:srgbClr val="000000"/>
         </a:buClr>
         <a:buFont typeface="Arial"/>
-        <a:defRPr b="0" i="0" sz="1400" u="none" cap="none" strike="noStrike">
+        <a:defRPr sz="1400" b="0" i="0" u="none" strike="noStrike" cap="none">
           <a:solidFill>
             <a:srgbClr val="000000"/>
           </a:solidFill>
@@ -10461,7 +11659,7 @@
           <a:sym typeface="Arial"/>
         </a:defRPr>
       </a:lvl3pPr>
-      <a:lvl4pPr lvl="3" marR="0" rtl="0" algn="l">
+      <a:lvl4pPr marR="0" lvl="3" algn="l" rtl="0">
         <a:lnSpc>
           <a:spcPct val="100000"/>
         </a:lnSpc>
@@ -10475,7 +11673,7 @@
           <a:srgbClr val="000000"/>
         </a:buClr>
         <a:buFont typeface="Arial"/>
-        <a:defRPr b="0" i="0" sz="1400" u="none" cap="none" strike="noStrike">
+        <a:defRPr sz="1400" b="0" i="0" u="none" strike="noStrike" cap="none">
           <a:solidFill>
             <a:srgbClr val="000000"/>
           </a:solidFill>
@@ -10485,7 +11683,7 @@
           <a:sym typeface="Arial"/>
         </a:defRPr>
       </a:lvl4pPr>
-      <a:lvl5pPr lvl="4" marR="0" rtl="0" algn="l">
+      <a:lvl5pPr marR="0" lvl="4" algn="l" rtl="0">
         <a:lnSpc>
           <a:spcPct val="100000"/>
         </a:lnSpc>
@@ -10499,7 +11697,7 @@
           <a:srgbClr val="000000"/>
         </a:buClr>
         <a:buFont typeface="Arial"/>
-        <a:defRPr b="0" i="0" sz="1400" u="none" cap="none" strike="noStrike">
+        <a:defRPr sz="1400" b="0" i="0" u="none" strike="noStrike" cap="none">
           <a:solidFill>
             <a:srgbClr val="000000"/>
           </a:solidFill>
@@ -10509,7 +11707,7 @@
           <a:sym typeface="Arial"/>
         </a:defRPr>
       </a:lvl5pPr>
-      <a:lvl6pPr lvl="5" marR="0" rtl="0" algn="l">
+      <a:lvl6pPr marR="0" lvl="5" algn="l" rtl="0">
         <a:lnSpc>
           <a:spcPct val="100000"/>
         </a:lnSpc>
@@ -10523,7 +11721,7 @@
           <a:srgbClr val="000000"/>
         </a:buClr>
         <a:buFont typeface="Arial"/>
-        <a:defRPr b="0" i="0" sz="1400" u="none" cap="none" strike="noStrike">
+        <a:defRPr sz="1400" b="0" i="0" u="none" strike="noStrike" cap="none">
           <a:solidFill>
             <a:srgbClr val="000000"/>
           </a:solidFill>
@@ -10533,7 +11731,7 @@
           <a:sym typeface="Arial"/>
         </a:defRPr>
       </a:lvl6pPr>
-      <a:lvl7pPr lvl="6" marR="0" rtl="0" algn="l">
+      <a:lvl7pPr marR="0" lvl="6" algn="l" rtl="0">
         <a:lnSpc>
           <a:spcPct val="100000"/>
         </a:lnSpc>
@@ -10547,7 +11745,7 @@
           <a:srgbClr val="000000"/>
         </a:buClr>
         <a:buFont typeface="Arial"/>
-        <a:defRPr b="0" i="0" sz="1400" u="none" cap="none" strike="noStrike">
+        <a:defRPr sz="1400" b="0" i="0" u="none" strike="noStrike" cap="none">
           <a:solidFill>
             <a:srgbClr val="000000"/>
           </a:solidFill>
@@ -10557,7 +11755,7 @@
           <a:sym typeface="Arial"/>
         </a:defRPr>
       </a:lvl7pPr>
-      <a:lvl8pPr lvl="7" marR="0" rtl="0" algn="l">
+      <a:lvl8pPr marR="0" lvl="7" algn="l" rtl="0">
         <a:lnSpc>
           <a:spcPct val="100000"/>
         </a:lnSpc>
@@ -10571,7 +11769,7 @@
           <a:srgbClr val="000000"/>
         </a:buClr>
         <a:buFont typeface="Arial"/>
-        <a:defRPr b="0" i="0" sz="1400" u="none" cap="none" strike="noStrike">
+        <a:defRPr sz="1400" b="0" i="0" u="none" strike="noStrike" cap="none">
           <a:solidFill>
             <a:srgbClr val="000000"/>
           </a:solidFill>
@@ -10581,7 +11779,7 @@
           <a:sym typeface="Arial"/>
         </a:defRPr>
       </a:lvl8pPr>
-      <a:lvl9pPr lvl="8" marR="0" rtl="0" algn="l">
+      <a:lvl9pPr marR="0" lvl="8" algn="l" rtl="0">
         <a:lnSpc>
           <a:spcPct val="100000"/>
         </a:lnSpc>
@@ -10595,7 +11793,7 @@
           <a:srgbClr val="000000"/>
         </a:buClr>
         <a:buFont typeface="Arial"/>
-        <a:defRPr b="0" i="0" sz="1400" u="none" cap="none" strike="noStrike">
+        <a:defRPr sz="1400" b="0" i="0" u="none" strike="noStrike" cap="none">
           <a:solidFill>
             <a:srgbClr val="000000"/>
           </a:solidFill>
@@ -10607,7 +11805,7 @@
       </a:lvl9pPr>
     </p:bodyStyle>
     <p:otherStyle>
-      <a:defPPr lvl="0" marR="0" rtl="0" algn="l">
+      <a:defPPr marR="0" lvl="0" algn="l" rtl="0">
         <a:lnSpc>
           <a:spcPct val="100000"/>
         </a:lnSpc>
@@ -10618,7 +11816,7 @@
           <a:spcPts val="0"/>
         </a:spcAft>
       </a:defPPr>
-      <a:lvl1pPr lvl="0" marR="0" rtl="0" algn="l">
+      <a:lvl1pPr marR="0" lvl="0" algn="l" rtl="0">
         <a:lnSpc>
           <a:spcPct val="100000"/>
         </a:lnSpc>
@@ -10632,7 +11830,7 @@
           <a:srgbClr val="000000"/>
         </a:buClr>
         <a:buFont typeface="Arial"/>
-        <a:defRPr b="0" i="0" sz="1400" u="none" cap="none" strike="noStrike">
+        <a:defRPr sz="1400" b="0" i="0" u="none" strike="noStrike" cap="none">
           <a:solidFill>
             <a:srgbClr val="000000"/>
           </a:solidFill>
@@ -10642,7 +11840,7 @@
           <a:sym typeface="Arial"/>
         </a:defRPr>
       </a:lvl1pPr>
-      <a:lvl2pPr lvl="1" marR="0" rtl="0" algn="l">
+      <a:lvl2pPr marR="0" lvl="1" algn="l" rtl="0">
         <a:lnSpc>
           <a:spcPct val="100000"/>
         </a:lnSpc>
@@ -10656,7 +11854,7 @@
           <a:srgbClr val="000000"/>
         </a:buClr>
         <a:buFont typeface="Arial"/>
-        <a:defRPr b="0" i="0" sz="1400" u="none" cap="none" strike="noStrike">
+        <a:defRPr sz="1400" b="0" i="0" u="none" strike="noStrike" cap="none">
           <a:solidFill>
             <a:srgbClr val="000000"/>
           </a:solidFill>
@@ -10666,7 +11864,7 @@
           <a:sym typeface="Arial"/>
         </a:defRPr>
       </a:lvl2pPr>
-      <a:lvl3pPr lvl="2" marR="0" rtl="0" algn="l">
+      <a:lvl3pPr marR="0" lvl="2" algn="l" rtl="0">
         <a:lnSpc>
           <a:spcPct val="100000"/>
         </a:lnSpc>
@@ -10680,7 +11878,7 @@
           <a:srgbClr val="000000"/>
         </a:buClr>
         <a:buFont typeface="Arial"/>
-        <a:defRPr b="0" i="0" sz="1400" u="none" cap="none" strike="noStrike">
+        <a:defRPr sz="1400" b="0" i="0" u="none" strike="noStrike" cap="none">
           <a:solidFill>
             <a:srgbClr val="000000"/>
           </a:solidFill>
@@ -10690,7 +11888,7 @@
           <a:sym typeface="Arial"/>
         </a:defRPr>
       </a:lvl3pPr>
-      <a:lvl4pPr lvl="3" marR="0" rtl="0" algn="l">
+      <a:lvl4pPr marR="0" lvl="3" algn="l" rtl="0">
         <a:lnSpc>
           <a:spcPct val="100000"/>
         </a:lnSpc>
@@ -10704,7 +11902,7 @@
           <a:srgbClr val="000000"/>
         </a:buClr>
         <a:buFont typeface="Arial"/>
-        <a:defRPr b="0" i="0" sz="1400" u="none" cap="none" strike="noStrike">
+        <a:defRPr sz="1400" b="0" i="0" u="none" strike="noStrike" cap="none">
           <a:solidFill>
             <a:srgbClr val="000000"/>
           </a:solidFill>
@@ -10714,7 +11912,7 @@
           <a:sym typeface="Arial"/>
         </a:defRPr>
       </a:lvl4pPr>
-      <a:lvl5pPr lvl="4" marR="0" rtl="0" algn="l">
+      <a:lvl5pPr marR="0" lvl="4" algn="l" rtl="0">
         <a:lnSpc>
           <a:spcPct val="100000"/>
         </a:lnSpc>
@@ -10728,7 +11926,7 @@
           <a:srgbClr val="000000"/>
         </a:buClr>
         <a:buFont typeface="Arial"/>
-        <a:defRPr b="0" i="0" sz="1400" u="none" cap="none" strike="noStrike">
+        <a:defRPr sz="1400" b="0" i="0" u="none" strike="noStrike" cap="none">
           <a:solidFill>
             <a:srgbClr val="000000"/>
           </a:solidFill>
@@ -10738,7 +11936,7 @@
           <a:sym typeface="Arial"/>
         </a:defRPr>
       </a:lvl5pPr>
-      <a:lvl6pPr lvl="5" marR="0" rtl="0" algn="l">
+      <a:lvl6pPr marR="0" lvl="5" algn="l" rtl="0">
         <a:lnSpc>
           <a:spcPct val="100000"/>
         </a:lnSpc>
@@ -10752,7 +11950,7 @@
           <a:srgbClr val="000000"/>
         </a:buClr>
         <a:buFont typeface="Arial"/>
-        <a:defRPr b="0" i="0" sz="1400" u="none" cap="none" strike="noStrike">
+        <a:defRPr sz="1400" b="0" i="0" u="none" strike="noStrike" cap="none">
           <a:solidFill>
             <a:srgbClr val="000000"/>
           </a:solidFill>
@@ -10762,7 +11960,7 @@
           <a:sym typeface="Arial"/>
         </a:defRPr>
       </a:lvl6pPr>
-      <a:lvl7pPr lvl="6" marR="0" rtl="0" algn="l">
+      <a:lvl7pPr marR="0" lvl="6" algn="l" rtl="0">
         <a:lnSpc>
           <a:spcPct val="100000"/>
         </a:lnSpc>
@@ -10776,7 +11974,7 @@
           <a:srgbClr val="000000"/>
         </a:buClr>
         <a:buFont typeface="Arial"/>
-        <a:defRPr b="0" i="0" sz="1400" u="none" cap="none" strike="noStrike">
+        <a:defRPr sz="1400" b="0" i="0" u="none" strike="noStrike" cap="none">
           <a:solidFill>
             <a:srgbClr val="000000"/>
           </a:solidFill>
@@ -10786,7 +11984,7 @@
           <a:sym typeface="Arial"/>
         </a:defRPr>
       </a:lvl7pPr>
-      <a:lvl8pPr lvl="7" marR="0" rtl="0" algn="l">
+      <a:lvl8pPr marR="0" lvl="7" algn="l" rtl="0">
         <a:lnSpc>
           <a:spcPct val="100000"/>
         </a:lnSpc>
@@ -10800,7 +11998,7 @@
           <a:srgbClr val="000000"/>
         </a:buClr>
         <a:buFont typeface="Arial"/>
-        <a:defRPr b="0" i="0" sz="1400" u="none" cap="none" strike="noStrike">
+        <a:defRPr sz="1400" b="0" i="0" u="none" strike="noStrike" cap="none">
           <a:solidFill>
             <a:srgbClr val="000000"/>
           </a:solidFill>
@@ -10810,7 +12008,7 @@
           <a:sym typeface="Arial"/>
         </a:defRPr>
       </a:lvl8pPr>
-      <a:lvl9pPr lvl="8" marR="0" rtl="0" algn="l">
+      <a:lvl9pPr marR="0" lvl="8" algn="l" rtl="0">
         <a:lnSpc>
           <a:spcPct val="100000"/>
         </a:lnSpc>
@@ -10824,7 +12022,7 @@
           <a:srgbClr val="000000"/>
         </a:buClr>
         <a:buFont typeface="Arial"/>
-        <a:defRPr b="0" i="0" sz="1400" u="none" cap="none" strike="noStrike">
+        <a:defRPr sz="1400" b="0" i="0" u="none" strike="noStrike" cap="none">
           <a:solidFill>
             <a:srgbClr val="000000"/>
           </a:solidFill>
@@ -10840,11 +12038,11 @@
 </file>
 
 <file path=ppt/slides/slide1.xml><?xml version="1.0" encoding="utf-8"?>
-<p:sld xmlns:a="http://schemas.openxmlformats.org/drawingml/2006/main" xmlns:r="http://schemas.openxmlformats.org/officeDocument/2006/relationships" xmlns:mc="http://schemas.openxmlformats.org/markup-compatibility/2006" xmlns:mv="urn:schemas-microsoft-com:mac:vml" xmlns:p="http://schemas.openxmlformats.org/presentationml/2006/main" xmlns:c="http://schemas.openxmlformats.org/drawingml/2006/chart" xmlns:dgm="http://schemas.openxmlformats.org/drawingml/2006/diagram" xmlns:o="urn:schemas-microsoft-com:office:office" xmlns:v="urn:schemas-microsoft-com:vml" xmlns:pvml="urn:schemas-microsoft-com:office:powerpoint" xmlns:com="http://schemas.openxmlformats.org/drawingml/2006/compatibility" xmlns:p14="http://schemas.microsoft.com/office/powerpoint/2010/main" xmlns:p15="http://schemas.microsoft.com/office/powerpoint/2012/main" xmlns:ahyp="http://schemas.microsoft.com/office/drawing/2018/hyperlinkcolor">
+<p:sld xmlns:a="http://schemas.openxmlformats.org/drawingml/2006/main" xmlns:r="http://schemas.openxmlformats.org/officeDocument/2006/relationships" xmlns:p="http://schemas.openxmlformats.org/presentationml/2006/main">
   <p:cSld>
     <p:spTree>
       <p:nvGrpSpPr>
-        <p:cNvPr id="117" name="Shape 117"/>
+        <p:cNvPr id="1" name="Shape 117"/>
         <p:cNvGrpSpPr/>
         <p:nvPr/>
       </p:nvGrpSpPr>
@@ -10859,7 +12057,9 @@
       <p:sp>
         <p:nvSpPr>
           <p:cNvPr id="118" name="Google Shape;118;p17"/>
-          <p:cNvSpPr txBox="1"/>
+          <p:cNvSpPr txBox="1">
+            <a:spLocks noGrp="1"/>
+          </p:cNvSpPr>
           <p:nvPr>
             <p:ph type="ctrTitle"/>
           </p:nvPr>
@@ -10874,12 +12074,12 @@
           </a:prstGeom>
         </p:spPr>
         <p:txBody>
-          <a:bodyPr anchorCtr="0" anchor="b" bIns="91425" lIns="91425" spcFirstLastPara="1" rIns="91425" wrap="square" tIns="91425">
+          <a:bodyPr spcFirstLastPara="1" wrap="square" lIns="91425" tIns="91425" rIns="91425" bIns="91425" anchor="b" anchorCtr="0">
             <a:normAutofit/>
           </a:bodyPr>
           <a:lstStyle/>
           <a:p>
-            <a:pPr indent="0" lvl="0" marL="0" rtl="0" algn="l">
+            <a:pPr marL="0" lvl="0" indent="0" algn="l" rtl="0">
               <a:spcBef>
                 <a:spcPts val="0"/>
               </a:spcBef>
@@ -10899,9 +12099,11 @@
       <p:sp>
         <p:nvSpPr>
           <p:cNvPr id="119" name="Google Shape;119;p17"/>
-          <p:cNvSpPr txBox="1"/>
+          <p:cNvSpPr txBox="1">
+            <a:spLocks noGrp="1"/>
+          </p:cNvSpPr>
           <p:nvPr>
-            <p:ph idx="1" type="subTitle"/>
+            <p:ph type="subTitle" idx="1"/>
           </p:nvPr>
         </p:nvSpPr>
         <p:spPr>
@@ -10914,12 +12116,12 @@
           </a:prstGeom>
         </p:spPr>
         <p:txBody>
-          <a:bodyPr anchorCtr="0" anchor="t" bIns="91425" lIns="91425" spcFirstLastPara="1" rIns="91425" wrap="square" tIns="91425">
-            <a:normAutofit fontScale="92500" lnSpcReduction="20000"/>
+          <a:bodyPr spcFirstLastPara="1" wrap="square" lIns="91425" tIns="91425" rIns="91425" bIns="91425" anchor="t" anchorCtr="0">
+            <a:normAutofit/>
           </a:bodyPr>
           <a:lstStyle/>
           <a:p>
-            <a:pPr indent="0" lvl="0" marL="0" rtl="0" algn="l">
+            <a:pPr marL="0" lvl="0" indent="0" algn="l" rtl="0">
               <a:spcBef>
                 <a:spcPts val="0"/>
               </a:spcBef>
@@ -10956,7 +12158,7 @@
             </a:endParaRPr>
           </a:p>
           <a:p>
-            <a:pPr indent="0" lvl="0" marL="0" rtl="0" algn="l">
+            <a:pPr marL="0" lvl="0" indent="0" algn="l" rtl="0">
               <a:lnSpc>
                 <a:spcPct val="115000"/>
               </a:lnSpc>
@@ -10968,9 +12170,6 @@
               </a:spcAft>
               <a:buNone/>
             </a:pPr>
-            <a:r>
-              <a:t/>
-            </a:r>
             <a:endParaRPr/>
           </a:p>
         </p:txBody>
@@ -11062,9 +12261,11 @@
       <p:sp>
         <p:nvSpPr>
           <p:cNvPr id="123" name="Google Shape;123;p17"/>
-          <p:cNvSpPr txBox="1"/>
+          <p:cNvSpPr txBox="1">
+            <a:spLocks noGrp="1"/>
+          </p:cNvSpPr>
           <p:nvPr>
-            <p:ph idx="1" type="subTitle"/>
+            <p:ph type="subTitle" idx="1"/>
           </p:nvPr>
         </p:nvSpPr>
         <p:spPr>
@@ -11077,12 +12278,12 @@
           </a:prstGeom>
         </p:spPr>
         <p:txBody>
-          <a:bodyPr anchorCtr="0" anchor="t" bIns="91425" lIns="91425" spcFirstLastPara="1" rIns="91425" wrap="square" tIns="91425">
+          <a:bodyPr spcFirstLastPara="1" wrap="square" lIns="91425" tIns="91425" rIns="91425" bIns="91425" anchor="t" anchorCtr="0">
             <a:noAutofit/>
           </a:bodyPr>
           <a:lstStyle/>
           <a:p>
-            <a:pPr indent="0" lvl="0" marL="0" rtl="0" algn="l">
+            <a:pPr marL="0" lvl="0" indent="0" algn="l" rtl="0">
               <a:lnSpc>
                 <a:spcPct val="80000"/>
               </a:lnSpc>
@@ -11118,7 +12319,7 @@
             </a:endParaRPr>
           </a:p>
           <a:p>
-            <a:pPr indent="0" lvl="0" marL="0" rtl="0" algn="l">
+            <a:pPr marL="0" lvl="0" indent="0" algn="l" rtl="0">
               <a:lnSpc>
                 <a:spcPct val="80000"/>
               </a:lnSpc>
@@ -11188,11 +12389,11 @@
 </file>
 
 <file path=ppt/slides/slide10.xml><?xml version="1.0" encoding="utf-8"?>
-<p:sld xmlns:a="http://schemas.openxmlformats.org/drawingml/2006/main" xmlns:r="http://schemas.openxmlformats.org/officeDocument/2006/relationships" xmlns:mc="http://schemas.openxmlformats.org/markup-compatibility/2006" xmlns:mv="urn:schemas-microsoft-com:mac:vml" xmlns:p="http://schemas.openxmlformats.org/presentationml/2006/main" xmlns:c="http://schemas.openxmlformats.org/drawingml/2006/chart" xmlns:dgm="http://schemas.openxmlformats.org/drawingml/2006/diagram" xmlns:o="urn:schemas-microsoft-com:office:office" xmlns:v="urn:schemas-microsoft-com:vml" xmlns:pvml="urn:schemas-microsoft-com:office:powerpoint" xmlns:com="http://schemas.openxmlformats.org/drawingml/2006/compatibility" xmlns:p14="http://schemas.microsoft.com/office/powerpoint/2010/main" xmlns:p15="http://schemas.microsoft.com/office/powerpoint/2012/main" xmlns:ahyp="http://schemas.microsoft.com/office/drawing/2018/hyperlinkcolor">
+<p:sld xmlns:a="http://schemas.openxmlformats.org/drawingml/2006/main" xmlns:r="http://schemas.openxmlformats.org/officeDocument/2006/relationships" xmlns:p="http://schemas.openxmlformats.org/presentationml/2006/main">
   <p:cSld>
     <p:spTree>
       <p:nvGrpSpPr>
-        <p:cNvPr id="184" name="Shape 184"/>
+        <p:cNvPr id="1" name="Shape 184"/>
         <p:cNvGrpSpPr/>
         <p:nvPr/>
       </p:nvGrpSpPr>
@@ -11207,7 +12408,9 @@
       <p:sp>
         <p:nvSpPr>
           <p:cNvPr id="185" name="Google Shape;185;p26"/>
-          <p:cNvSpPr txBox="1"/>
+          <p:cNvSpPr txBox="1">
+            <a:spLocks noGrp="1"/>
+          </p:cNvSpPr>
           <p:nvPr>
             <p:ph type="title"/>
           </p:nvPr>
@@ -11222,12 +12425,12 @@
           </a:prstGeom>
         </p:spPr>
         <p:txBody>
-          <a:bodyPr anchorCtr="0" anchor="t" bIns="91425" lIns="91425" spcFirstLastPara="1" rIns="91425" wrap="square" tIns="91425">
+          <a:bodyPr spcFirstLastPara="1" wrap="square" lIns="91425" tIns="91425" rIns="91425" bIns="91425" anchor="t" anchorCtr="0">
             <a:normAutofit fontScale="90000"/>
           </a:bodyPr>
           <a:lstStyle/>
           <a:p>
-            <a:pPr indent="0" lvl="0" marL="0" rtl="0" algn="l">
+            <a:pPr marL="0" lvl="0" indent="0" algn="l" rtl="0">
               <a:spcBef>
                 <a:spcPts val="0"/>
               </a:spcBef>
@@ -11247,9 +12450,11 @@
       <p:sp>
         <p:nvSpPr>
           <p:cNvPr id="186" name="Google Shape;186;p26"/>
-          <p:cNvSpPr txBox="1"/>
+          <p:cNvSpPr txBox="1">
+            <a:spLocks noGrp="1"/>
+          </p:cNvSpPr>
           <p:nvPr>
-            <p:ph idx="12" type="sldNum"/>
+            <p:ph type="sldNum" idx="12"/>
           </p:nvPr>
         </p:nvSpPr>
         <p:spPr>
@@ -11262,12 +12467,12 @@
           </a:prstGeom>
         </p:spPr>
         <p:txBody>
-          <a:bodyPr anchorCtr="0" anchor="ctr" bIns="91425" lIns="91425" spcFirstLastPara="1" rIns="91425" wrap="square" tIns="91425">
+          <a:bodyPr spcFirstLastPara="1" wrap="square" lIns="91425" tIns="91425" rIns="91425" bIns="91425" anchor="ctr" anchorCtr="0">
             <a:normAutofit/>
           </a:bodyPr>
           <a:lstStyle/>
           <a:p>
-            <a:pPr indent="0" lvl="0" marL="0" rtl="0" algn="r">
+            <a:pPr marL="0" lvl="0" indent="0" algn="r" rtl="0">
               <a:spcBef>
                 <a:spcPts val="0"/>
               </a:spcBef>
@@ -11282,7 +12487,7 @@
                   <a:schemeClr val="lt2"/>
                 </a:solidFill>
               </a:rPr>
-              <a:t>‹#›</a:t>
+              <a:t>10</a:t>
             </a:fld>
             <a:endParaRPr>
               <a:solidFill>
@@ -11301,11 +12506,11 @@
 </file>
 
 <file path=ppt/slides/slide11.xml><?xml version="1.0" encoding="utf-8"?>
-<p:sld xmlns:a="http://schemas.openxmlformats.org/drawingml/2006/main" xmlns:r="http://schemas.openxmlformats.org/officeDocument/2006/relationships" xmlns:mc="http://schemas.openxmlformats.org/markup-compatibility/2006" xmlns:mv="urn:schemas-microsoft-com:mac:vml" xmlns:p="http://schemas.openxmlformats.org/presentationml/2006/main" xmlns:c="http://schemas.openxmlformats.org/drawingml/2006/chart" xmlns:dgm="http://schemas.openxmlformats.org/drawingml/2006/diagram" xmlns:o="urn:schemas-microsoft-com:office:office" xmlns:v="urn:schemas-microsoft-com:vml" xmlns:pvml="urn:schemas-microsoft-com:office:powerpoint" xmlns:com="http://schemas.openxmlformats.org/drawingml/2006/compatibility" xmlns:p14="http://schemas.microsoft.com/office/powerpoint/2010/main" xmlns:p15="http://schemas.microsoft.com/office/powerpoint/2012/main" xmlns:ahyp="http://schemas.microsoft.com/office/drawing/2018/hyperlinkcolor">
+<p:sld xmlns:a="http://schemas.openxmlformats.org/drawingml/2006/main" xmlns:r="http://schemas.openxmlformats.org/officeDocument/2006/relationships" xmlns:p="http://schemas.openxmlformats.org/presentationml/2006/main">
   <p:cSld>
     <p:spTree>
       <p:nvGrpSpPr>
-        <p:cNvPr id="190" name="Shape 190"/>
+        <p:cNvPr id="1" name="Shape 190"/>
         <p:cNvGrpSpPr/>
         <p:nvPr/>
       </p:nvGrpSpPr>
@@ -11319,68 +12524,51 @@
       </p:grpSpPr>
       <p:sp>
         <p:nvSpPr>
-          <p:cNvPr id="191" name="Google Shape;191;p27"/>
-          <p:cNvSpPr txBox="1"/>
+          <p:cNvPr id="3" name="Titre 2">
+            <a:extLst>
+              <a:ext uri="{FF2B5EF4-FFF2-40B4-BE49-F238E27FC236}">
+                <a16:creationId xmlns:a16="http://schemas.microsoft.com/office/drawing/2014/main" id="{935F02DB-CB1D-3E07-D18E-3FF2BE66051B}"/>
+              </a:ext>
+            </a:extLst>
+          </p:cNvPr>
+          <p:cNvSpPr>
+            <a:spLocks noGrp="1"/>
+          </p:cNvSpPr>
           <p:nvPr>
             <p:ph type="title"/>
           </p:nvPr>
         </p:nvSpPr>
-        <p:spPr>
-          <a:xfrm>
-            <a:off x="311700" y="445025"/>
-            <a:ext cx="8520600" cy="623400"/>
-          </a:xfrm>
-          <a:prstGeom prst="rect">
-            <a:avLst/>
-          </a:prstGeom>
-        </p:spPr>
+        <p:spPr/>
         <p:txBody>
-          <a:bodyPr anchorCtr="0" anchor="t" bIns="91425" lIns="91425" spcFirstLastPara="1" rIns="91425" wrap="square" tIns="91425">
-            <a:normAutofit fontScale="90000"/>
-          </a:bodyPr>
+          <a:bodyPr/>
           <a:lstStyle/>
           <a:p>
-            <a:pPr indent="0" lvl="0" marL="0" rtl="0" algn="l">
-              <a:spcBef>
-                <a:spcPts val="0"/>
-              </a:spcBef>
-              <a:spcAft>
-                <a:spcPts val="0"/>
-              </a:spcAft>
-              <a:buNone/>
-            </a:pPr>
-            <a:r>
-              <a:rPr lang="fr"/>
-              <a:t>box plot</a:t>
-            </a:r>
-            <a:endParaRPr/>
+            <a:endParaRPr lang="fr-FR" dirty="0"/>
           </a:p>
         </p:txBody>
       </p:sp>
       <p:sp>
         <p:nvSpPr>
           <p:cNvPr id="192" name="Google Shape;192;p27"/>
-          <p:cNvSpPr txBox="1"/>
+          <p:cNvSpPr txBox="1">
+            <a:spLocks noGrp="1"/>
+          </p:cNvSpPr>
           <p:nvPr>
-            <p:ph idx="12" type="sldNum"/>
+            <p:ph type="sldNum" idx="12"/>
           </p:nvPr>
         </p:nvSpPr>
         <p:spPr>
-          <a:xfrm>
-            <a:off x="8497999" y="4688759"/>
-            <a:ext cx="548700" cy="393600"/>
-          </a:xfrm>
           <a:prstGeom prst="rect">
             <a:avLst/>
           </a:prstGeom>
         </p:spPr>
         <p:txBody>
-          <a:bodyPr anchorCtr="0" anchor="ctr" bIns="91425" lIns="91425" spcFirstLastPara="1" rIns="91425" wrap="square" tIns="91425">
+          <a:bodyPr spcFirstLastPara="1" wrap="square" lIns="91425" tIns="91425" rIns="91425" bIns="91425" anchor="ctr" anchorCtr="0">
             <a:normAutofit/>
           </a:bodyPr>
           <a:lstStyle/>
           <a:p>
-            <a:pPr indent="0" lvl="0" marL="0" rtl="0" algn="r">
+            <a:pPr marL="0" lvl="0" indent="0" algn="r" rtl="0">
               <a:spcBef>
                 <a:spcPts val="0"/>
               </a:spcBef>
@@ -11395,7 +12583,7 @@
                   <a:schemeClr val="lt2"/>
                 </a:solidFill>
               </a:rPr>
-              <a:t>‹#›</a:t>
+              <a:t>11</a:t>
             </a:fld>
             <a:endParaRPr>
               <a:solidFill>
@@ -11405,6 +12593,40 @@
           </a:p>
         </p:txBody>
       </p:sp>
+      <p:pic>
+        <p:nvPicPr>
+          <p:cNvPr id="8" name="Image 1">
+            <a:extLst>
+              <a:ext uri="{FF2B5EF4-FFF2-40B4-BE49-F238E27FC236}">
+                <a16:creationId xmlns:a16="http://schemas.microsoft.com/office/drawing/2014/main" id="{38A09904-1B23-84E9-8028-9E64674DF485}"/>
+              </a:ext>
+            </a:extLst>
+          </p:cNvPr>
+          <p:cNvPicPr>
+            <a:picLocks noChangeAspect="1"/>
+          </p:cNvPicPr>
+          <p:nvPr/>
+        </p:nvPicPr>
+        <p:blipFill>
+          <a:blip r:embed="rId3"/>
+          <a:stretch>
+            <a:fillRect/>
+          </a:stretch>
+        </p:blipFill>
+        <p:spPr>
+          <a:xfrm>
+            <a:off x="707051" y="239271"/>
+            <a:ext cx="7729897" cy="4646288"/>
+          </a:xfrm>
+          <a:prstGeom prst="rect">
+            <a:avLst/>
+          </a:prstGeom>
+          <a:noFill/>
+          <a:ln cap="rnd">
+            <a:noFill/>
+          </a:ln>
+        </p:spPr>
+      </p:pic>
     </p:spTree>
   </p:cSld>
   <p:clrMapOvr>
@@ -11414,11 +12636,11 @@
 </file>
 
 <file path=ppt/slides/slide12.xml><?xml version="1.0" encoding="utf-8"?>
-<p:sld xmlns:a="http://schemas.openxmlformats.org/drawingml/2006/main" xmlns:r="http://schemas.openxmlformats.org/officeDocument/2006/relationships" xmlns:mc="http://schemas.openxmlformats.org/markup-compatibility/2006" xmlns:mv="urn:schemas-microsoft-com:mac:vml" xmlns:p="http://schemas.openxmlformats.org/presentationml/2006/main" xmlns:c="http://schemas.openxmlformats.org/drawingml/2006/chart" xmlns:dgm="http://schemas.openxmlformats.org/drawingml/2006/diagram" xmlns:o="urn:schemas-microsoft-com:office:office" xmlns:v="urn:schemas-microsoft-com:vml" xmlns:pvml="urn:schemas-microsoft-com:office:powerpoint" xmlns:com="http://schemas.openxmlformats.org/drawingml/2006/compatibility" xmlns:p14="http://schemas.microsoft.com/office/powerpoint/2010/main" xmlns:p15="http://schemas.microsoft.com/office/powerpoint/2012/main" xmlns:ahyp="http://schemas.microsoft.com/office/drawing/2018/hyperlinkcolor">
+<p:sld xmlns:a="http://schemas.openxmlformats.org/drawingml/2006/main" xmlns:r="http://schemas.openxmlformats.org/officeDocument/2006/relationships" xmlns:p="http://schemas.openxmlformats.org/presentationml/2006/main">
   <p:cSld>
     <p:spTree>
       <p:nvGrpSpPr>
-        <p:cNvPr id="196" name="Shape 196"/>
+        <p:cNvPr id="1" name="Shape 196"/>
         <p:cNvGrpSpPr/>
         <p:nvPr/>
       </p:nvGrpSpPr>
@@ -11433,7 +12655,9 @@
       <p:sp>
         <p:nvSpPr>
           <p:cNvPr id="197" name="Google Shape;197;p28"/>
-          <p:cNvSpPr txBox="1"/>
+          <p:cNvSpPr txBox="1">
+            <a:spLocks noGrp="1"/>
+          </p:cNvSpPr>
           <p:nvPr>
             <p:ph type="title"/>
           </p:nvPr>
@@ -11448,12 +12672,12 @@
           </a:prstGeom>
         </p:spPr>
         <p:txBody>
-          <a:bodyPr anchorCtr="0" anchor="ctr" bIns="91425" lIns="91425" spcFirstLastPara="1" rIns="91425" wrap="square" tIns="91425">
+          <a:bodyPr spcFirstLastPara="1" wrap="square" lIns="91425" tIns="91425" rIns="91425" bIns="91425" anchor="ctr" anchorCtr="0">
             <a:normAutofit/>
           </a:bodyPr>
           <a:lstStyle/>
           <a:p>
-            <a:pPr indent="0" lvl="0" marL="0" rtl="0" algn="l">
+            <a:pPr marL="0" lvl="0" indent="0" algn="l" rtl="0">
               <a:spcBef>
                 <a:spcPts val="0"/>
               </a:spcBef>
@@ -11473,9 +12697,11 @@
       <p:sp>
         <p:nvSpPr>
           <p:cNvPr id="198" name="Google Shape;198;p28"/>
-          <p:cNvSpPr txBox="1"/>
+          <p:cNvSpPr txBox="1">
+            <a:spLocks noGrp="1"/>
+          </p:cNvSpPr>
           <p:nvPr>
-            <p:ph idx="12" type="sldNum"/>
+            <p:ph type="sldNum" idx="12"/>
           </p:nvPr>
         </p:nvSpPr>
         <p:spPr>
@@ -11488,12 +12714,12 @@
           </a:prstGeom>
         </p:spPr>
         <p:txBody>
-          <a:bodyPr anchorCtr="0" anchor="ctr" bIns="91425" lIns="91425" spcFirstLastPara="1" rIns="91425" wrap="square" tIns="91425">
+          <a:bodyPr spcFirstLastPara="1" wrap="square" lIns="91425" tIns="91425" rIns="91425" bIns="91425" anchor="ctr" anchorCtr="0">
             <a:normAutofit/>
           </a:bodyPr>
           <a:lstStyle/>
           <a:p>
-            <a:pPr indent="0" lvl="0" marL="0" rtl="0" algn="r">
+            <a:pPr marL="0" lvl="0" indent="0" algn="r" rtl="0">
               <a:spcBef>
                 <a:spcPts val="0"/>
               </a:spcBef>
@@ -11508,7 +12734,7 @@
                   <a:schemeClr val="lt1"/>
                 </a:solidFill>
               </a:rPr>
-              <a:t>‹#›</a:t>
+              <a:t>12</a:t>
             </a:fld>
             <a:endParaRPr>
               <a:solidFill>
@@ -11527,11 +12753,11 @@
 </file>
 
 <file path=ppt/slides/slide2.xml><?xml version="1.0" encoding="utf-8"?>
-<p:sld xmlns:a="http://schemas.openxmlformats.org/drawingml/2006/main" xmlns:r="http://schemas.openxmlformats.org/officeDocument/2006/relationships" xmlns:mc="http://schemas.openxmlformats.org/markup-compatibility/2006" xmlns:mv="urn:schemas-microsoft-com:mac:vml" xmlns:p="http://schemas.openxmlformats.org/presentationml/2006/main" xmlns:c="http://schemas.openxmlformats.org/drawingml/2006/chart" xmlns:dgm="http://schemas.openxmlformats.org/drawingml/2006/diagram" xmlns:o="urn:schemas-microsoft-com:office:office" xmlns:v="urn:schemas-microsoft-com:vml" xmlns:pvml="urn:schemas-microsoft-com:office:powerpoint" xmlns:com="http://schemas.openxmlformats.org/drawingml/2006/compatibility" xmlns:p14="http://schemas.microsoft.com/office/powerpoint/2010/main" xmlns:p15="http://schemas.microsoft.com/office/powerpoint/2012/main" xmlns:ahyp="http://schemas.microsoft.com/office/drawing/2018/hyperlinkcolor">
+<p:sld xmlns:a="http://schemas.openxmlformats.org/drawingml/2006/main" xmlns:r="http://schemas.openxmlformats.org/officeDocument/2006/relationships" xmlns:p="http://schemas.openxmlformats.org/presentationml/2006/main">
   <p:cSld>
     <p:spTree>
       <p:nvGrpSpPr>
-        <p:cNvPr id="128" name="Shape 128"/>
+        <p:cNvPr id="1" name="Shape 128"/>
         <p:cNvGrpSpPr/>
         <p:nvPr/>
       </p:nvGrpSpPr>
@@ -11546,7 +12772,9 @@
       <p:sp>
         <p:nvSpPr>
           <p:cNvPr id="129" name="Google Shape;129;p18"/>
-          <p:cNvSpPr txBox="1"/>
+          <p:cNvSpPr txBox="1">
+            <a:spLocks noGrp="1"/>
+          </p:cNvSpPr>
           <p:nvPr>
             <p:ph type="title"/>
           </p:nvPr>
@@ -11561,12 +12789,12 @@
           </a:prstGeom>
         </p:spPr>
         <p:txBody>
-          <a:bodyPr anchorCtr="0" anchor="t" bIns="91425" lIns="91425" spcFirstLastPara="1" rIns="91425" wrap="square" tIns="91425">
+          <a:bodyPr spcFirstLastPara="1" wrap="square" lIns="91425" tIns="91425" rIns="91425" bIns="91425" anchor="t" anchorCtr="0">
             <a:normAutofit/>
           </a:bodyPr>
           <a:lstStyle/>
           <a:p>
-            <a:pPr indent="0" lvl="0" marL="0" rtl="0" algn="l">
+            <a:pPr marL="0" lvl="0" indent="0" algn="l" rtl="0">
               <a:spcBef>
                 <a:spcPts val="0"/>
               </a:spcBef>
@@ -11586,9 +12814,11 @@
       <p:sp>
         <p:nvSpPr>
           <p:cNvPr id="130" name="Google Shape;130;p18"/>
-          <p:cNvSpPr txBox="1"/>
+          <p:cNvSpPr txBox="1">
+            <a:spLocks noGrp="1"/>
+          </p:cNvSpPr>
           <p:nvPr>
-            <p:ph idx="1" type="body"/>
+            <p:ph type="body" idx="1"/>
           </p:nvPr>
         </p:nvSpPr>
         <p:spPr>
@@ -11604,12 +12834,12 @@
           </a:ln>
         </p:spPr>
         <p:txBody>
-          <a:bodyPr anchorCtr="0" anchor="t" bIns="91425" lIns="91425" spcFirstLastPara="1" rIns="91425" wrap="square" tIns="91425">
+          <a:bodyPr spcFirstLastPara="1" wrap="square" lIns="91425" tIns="91425" rIns="91425" bIns="91425" anchor="t" anchorCtr="0">
             <a:normAutofit/>
           </a:bodyPr>
           <a:lstStyle/>
           <a:p>
-            <a:pPr indent="-342900" lvl="0" marL="457200" rtl="0" algn="l">
+            <a:pPr marL="457200" lvl="0" indent="-342900" algn="l" rtl="0">
               <a:spcBef>
                 <a:spcPts val="0"/>
               </a:spcBef>
@@ -11621,24 +12851,12 @@
             </a:pPr>
             <a:r>
               <a:rPr lang="fr"/>
-              <a:t>Créer</a:t>
-            </a:r>
-            <a:r>
-              <a:rPr lang="fr"/>
-              <a:t> une base de donnée a </a:t>
-            </a:r>
-            <a:r>
-              <a:rPr lang="fr"/>
-              <a:t>partir</a:t>
-            </a:r>
-            <a:r>
-              <a:rPr lang="fr"/>
-              <a:t> de données brutes donné</a:t>
+              <a:t>Créer une base de donnée a partir de données brutes donné</a:t>
             </a:r>
             <a:endParaRPr/>
           </a:p>
           <a:p>
-            <a:pPr indent="-342900" lvl="0" marL="457200" rtl="0" algn="l">
+            <a:pPr marL="457200" lvl="0" indent="-342900" algn="l" rtl="0">
               <a:spcBef>
                 <a:spcPts val="0"/>
               </a:spcBef>
@@ -11663,7 +12881,7 @@
             </a:endParaRPr>
           </a:p>
           <a:p>
-            <a:pPr indent="0" lvl="0" marL="0" rtl="0" algn="l">
+            <a:pPr marL="0" lvl="0" indent="0" algn="l" rtl="0">
               <a:spcBef>
                 <a:spcPts val="1200"/>
               </a:spcBef>
@@ -11672,9 +12890,6 @@
               </a:spcAft>
               <a:buNone/>
             </a:pPr>
-            <a:r>
-              <a:t/>
-            </a:r>
             <a:endParaRPr/>
           </a:p>
         </p:txBody>
@@ -11710,9 +12925,11 @@
       <p:sp>
         <p:nvSpPr>
           <p:cNvPr id="132" name="Google Shape;132;p18"/>
-          <p:cNvSpPr txBox="1"/>
+          <p:cNvSpPr txBox="1">
+            <a:spLocks noGrp="1"/>
+          </p:cNvSpPr>
           <p:nvPr>
-            <p:ph idx="12" type="sldNum"/>
+            <p:ph type="sldNum" idx="12"/>
           </p:nvPr>
         </p:nvSpPr>
         <p:spPr>
@@ -11725,12 +12942,12 @@
           </a:prstGeom>
         </p:spPr>
         <p:txBody>
-          <a:bodyPr anchorCtr="0" anchor="ctr" bIns="91425" lIns="91425" spcFirstLastPara="1" rIns="91425" wrap="square" tIns="91425">
+          <a:bodyPr spcFirstLastPara="1" wrap="square" lIns="91425" tIns="91425" rIns="91425" bIns="91425" anchor="ctr" anchorCtr="0">
             <a:normAutofit/>
           </a:bodyPr>
           <a:lstStyle/>
           <a:p>
-            <a:pPr indent="0" lvl="0" marL="0" rtl="0" algn="r">
+            <a:pPr marL="0" lvl="0" indent="0" algn="r" rtl="0">
               <a:spcBef>
                 <a:spcPts val="0"/>
               </a:spcBef>
@@ -11741,7 +12958,7 @@
             </a:pPr>
             <a:fld id="{00000000-1234-1234-1234-123412341234}" type="slidenum">
               <a:rPr lang="fr"/>
-              <a:t>‹#›</a:t>
+              <a:t>2</a:t>
             </a:fld>
             <a:endParaRPr/>
           </a:p>
@@ -11756,11 +12973,11 @@
 </file>
 
 <file path=ppt/slides/slide3.xml><?xml version="1.0" encoding="utf-8"?>
-<p:sld xmlns:a="http://schemas.openxmlformats.org/drawingml/2006/main" xmlns:r="http://schemas.openxmlformats.org/officeDocument/2006/relationships" xmlns:mc="http://schemas.openxmlformats.org/markup-compatibility/2006" xmlns:mv="urn:schemas-microsoft-com:mac:vml" xmlns:p="http://schemas.openxmlformats.org/presentationml/2006/main" xmlns:c="http://schemas.openxmlformats.org/drawingml/2006/chart" xmlns:dgm="http://schemas.openxmlformats.org/drawingml/2006/diagram" xmlns:o="urn:schemas-microsoft-com:office:office" xmlns:v="urn:schemas-microsoft-com:vml" xmlns:pvml="urn:schemas-microsoft-com:office:powerpoint" xmlns:com="http://schemas.openxmlformats.org/drawingml/2006/compatibility" xmlns:p14="http://schemas.microsoft.com/office/powerpoint/2010/main" xmlns:p15="http://schemas.microsoft.com/office/powerpoint/2012/main" xmlns:ahyp="http://schemas.microsoft.com/office/drawing/2018/hyperlinkcolor">
+<p:sld xmlns:a="http://schemas.openxmlformats.org/drawingml/2006/main" xmlns:r="http://schemas.openxmlformats.org/officeDocument/2006/relationships" xmlns:p="http://schemas.openxmlformats.org/presentationml/2006/main">
   <p:cSld>
     <p:spTree>
       <p:nvGrpSpPr>
-        <p:cNvPr id="136" name="Shape 136"/>
+        <p:cNvPr id="1" name="Shape 136"/>
         <p:cNvGrpSpPr/>
         <p:nvPr/>
       </p:nvGrpSpPr>
@@ -11775,7 +12992,9 @@
       <p:sp>
         <p:nvSpPr>
           <p:cNvPr id="137" name="Google Shape;137;p19"/>
-          <p:cNvSpPr txBox="1"/>
+          <p:cNvSpPr txBox="1">
+            <a:spLocks noGrp="1"/>
+          </p:cNvSpPr>
           <p:nvPr>
             <p:ph type="title"/>
           </p:nvPr>
@@ -11790,12 +13009,12 @@
           </a:prstGeom>
         </p:spPr>
         <p:txBody>
-          <a:bodyPr anchorCtr="0" anchor="t" bIns="91425" lIns="91425" spcFirstLastPara="1" rIns="91425" wrap="square" tIns="91425">
+          <a:bodyPr spcFirstLastPara="1" wrap="square" lIns="91425" tIns="91425" rIns="91425" bIns="91425" anchor="t" anchorCtr="0">
             <a:noAutofit/>
           </a:bodyPr>
           <a:lstStyle/>
           <a:p>
-            <a:pPr indent="0" lvl="0" marL="0" rtl="0" algn="l">
+            <a:pPr marL="0" lvl="0" indent="0" algn="l" rtl="0">
               <a:spcBef>
                 <a:spcPts val="0"/>
               </a:spcBef>
@@ -11816,9 +13035,11 @@
       <p:sp>
         <p:nvSpPr>
           <p:cNvPr id="138" name="Google Shape;138;p19"/>
-          <p:cNvSpPr txBox="1"/>
+          <p:cNvSpPr txBox="1">
+            <a:spLocks noGrp="1"/>
+          </p:cNvSpPr>
           <p:nvPr>
-            <p:ph idx="1" type="body"/>
+            <p:ph type="body" idx="1"/>
           </p:nvPr>
         </p:nvSpPr>
         <p:spPr>
@@ -11831,12 +13052,12 @@
           </a:prstGeom>
         </p:spPr>
         <p:txBody>
-          <a:bodyPr anchorCtr="0" anchor="t" bIns="91425" lIns="91425" spcFirstLastPara="1" rIns="91425" wrap="square" tIns="91425">
+          <a:bodyPr spcFirstLastPara="1" wrap="square" lIns="91425" tIns="91425" rIns="91425" bIns="91425" anchor="t" anchorCtr="0">
             <a:normAutofit/>
           </a:bodyPr>
           <a:lstStyle/>
           <a:p>
-            <a:pPr indent="0" lvl="0" marL="0" rtl="0" algn="l">
+            <a:pPr marL="0" lvl="0" indent="0" algn="l" rtl="0">
               <a:spcBef>
                 <a:spcPts val="0"/>
               </a:spcBef>
@@ -11846,21 +13067,21 @@
               <a:buNone/>
             </a:pPr>
             <a:r>
-              <a:rPr b="1" lang="fr" sz="2300">
+              <a:rPr lang="fr" sz="2300" b="1">
                 <a:solidFill>
                   <a:schemeClr val="dk2"/>
                 </a:solidFill>
               </a:rPr>
               <a:t>Partie Base De Données</a:t>
             </a:r>
-            <a:endParaRPr b="1" sz="2300">
+            <a:endParaRPr sz="2300" b="1">
               <a:solidFill>
                 <a:schemeClr val="dk2"/>
               </a:solidFill>
             </a:endParaRPr>
           </a:p>
           <a:p>
-            <a:pPr indent="-342900" lvl="0" marL="457200" rtl="0" algn="l">
+            <a:pPr marL="457200" lvl="0" indent="-342900" algn="l" rtl="0">
               <a:spcBef>
                 <a:spcPts val="1200"/>
               </a:spcBef>
@@ -11888,7 +13109,7 @@
             </a:endParaRPr>
           </a:p>
           <a:p>
-            <a:pPr indent="0" lvl="0" marL="0" rtl="0" algn="l">
+            <a:pPr marL="0" lvl="0" indent="0" algn="l" rtl="0">
               <a:spcBef>
                 <a:spcPts val="1200"/>
               </a:spcBef>
@@ -11898,21 +13119,21 @@
               <a:buNone/>
             </a:pPr>
             <a:r>
-              <a:rPr b="1" lang="fr" sz="2300">
+              <a:rPr lang="fr" sz="2300" b="1">
                 <a:solidFill>
                   <a:schemeClr val="dk2"/>
                 </a:solidFill>
               </a:rPr>
               <a:t>Partie Statistiques</a:t>
             </a:r>
-            <a:endParaRPr b="1" sz="2300">
+            <a:endParaRPr sz="2300" b="1">
               <a:solidFill>
                 <a:schemeClr val="dk2"/>
               </a:solidFill>
             </a:endParaRPr>
           </a:p>
           <a:p>
-            <a:pPr indent="-342900" lvl="0" marL="457200" rtl="0" algn="l">
+            <a:pPr marL="457200" lvl="0" indent="-342900" algn="l" rtl="0">
               <a:spcBef>
                 <a:spcPts val="1200"/>
               </a:spcBef>
@@ -11940,7 +13161,7 @@
             </a:endParaRPr>
           </a:p>
           <a:p>
-            <a:pPr indent="-342900" lvl="0" marL="457200" rtl="0" algn="l">
+            <a:pPr marL="457200" lvl="0" indent="-342900" algn="l" rtl="0">
               <a:spcBef>
                 <a:spcPts val="0"/>
               </a:spcBef>
@@ -11961,14 +13182,14 @@
               </a:rPr>
               <a:t>Visualisation</a:t>
             </a:r>
-            <a:endParaRPr b="1" sz="2300">
+            <a:endParaRPr sz="2300" b="1">
               <a:solidFill>
                 <a:schemeClr val="dk2"/>
               </a:solidFill>
             </a:endParaRPr>
           </a:p>
           <a:p>
-            <a:pPr indent="0" lvl="0" marL="0" rtl="0" algn="l">
+            <a:pPr marL="0" lvl="0" indent="0" algn="l" rtl="0">
               <a:spcBef>
                 <a:spcPts val="1200"/>
               </a:spcBef>
@@ -11982,9 +13203,6 @@
               <a:buFont typeface="Arial"/>
               <a:buNone/>
             </a:pPr>
-            <a:r>
-              <a:t/>
-            </a:r>
             <a:endParaRPr b="1">
               <a:solidFill>
                 <a:schemeClr val="dk2"/>
@@ -11992,7 +13210,7 @@
             </a:endParaRPr>
           </a:p>
           <a:p>
-            <a:pPr indent="0" lvl="0" marL="0" rtl="0" algn="l">
+            <a:pPr marL="0" lvl="0" indent="0" algn="l" rtl="0">
               <a:spcBef>
                 <a:spcPts val="1200"/>
               </a:spcBef>
@@ -12001,9 +13219,6 @@
               </a:spcAft>
               <a:buNone/>
             </a:pPr>
-            <a:r>
-              <a:t/>
-            </a:r>
             <a:endParaRPr>
               <a:solidFill>
                 <a:schemeClr val="dk2"/>
@@ -12043,9 +13258,11 @@
       <p:sp>
         <p:nvSpPr>
           <p:cNvPr id="140" name="Google Shape;140;p19"/>
-          <p:cNvSpPr txBox="1"/>
+          <p:cNvSpPr txBox="1">
+            <a:spLocks noGrp="1"/>
+          </p:cNvSpPr>
           <p:nvPr>
-            <p:ph idx="12" type="sldNum"/>
+            <p:ph type="sldNum" idx="12"/>
           </p:nvPr>
         </p:nvSpPr>
         <p:spPr>
@@ -12058,12 +13275,12 @@
           </a:prstGeom>
         </p:spPr>
         <p:txBody>
-          <a:bodyPr anchorCtr="0" anchor="ctr" bIns="91425" lIns="91425" spcFirstLastPara="1" rIns="91425" wrap="square" tIns="91425">
+          <a:bodyPr spcFirstLastPara="1" wrap="square" lIns="91425" tIns="91425" rIns="91425" bIns="91425" anchor="ctr" anchorCtr="0">
             <a:normAutofit/>
           </a:bodyPr>
           <a:lstStyle/>
           <a:p>
-            <a:pPr indent="0" lvl="0" marL="0" rtl="0" algn="r">
+            <a:pPr marL="0" lvl="0" indent="0" algn="r" rtl="0">
               <a:spcBef>
                 <a:spcPts val="0"/>
               </a:spcBef>
@@ -12074,7 +13291,7 @@
             </a:pPr>
             <a:fld id="{00000000-1234-1234-1234-123412341234}" type="slidenum">
               <a:rPr lang="fr"/>
-              <a:t>‹#›</a:t>
+              <a:t>3</a:t>
             </a:fld>
             <a:endParaRPr/>
           </a:p>
@@ -12089,11 +13306,11 @@
 </file>
 
 <file path=ppt/slides/slide4.xml><?xml version="1.0" encoding="utf-8"?>
-<p:sld xmlns:a="http://schemas.openxmlformats.org/drawingml/2006/main" xmlns:r="http://schemas.openxmlformats.org/officeDocument/2006/relationships" xmlns:mc="http://schemas.openxmlformats.org/markup-compatibility/2006" xmlns:mv="urn:schemas-microsoft-com:mac:vml" xmlns:p="http://schemas.openxmlformats.org/presentationml/2006/main" xmlns:c="http://schemas.openxmlformats.org/drawingml/2006/chart" xmlns:dgm="http://schemas.openxmlformats.org/drawingml/2006/diagram" xmlns:o="urn:schemas-microsoft-com:office:office" xmlns:v="urn:schemas-microsoft-com:vml" xmlns:pvml="urn:schemas-microsoft-com:office:powerpoint" xmlns:com="http://schemas.openxmlformats.org/drawingml/2006/compatibility" xmlns:p14="http://schemas.microsoft.com/office/powerpoint/2010/main" xmlns:p15="http://schemas.microsoft.com/office/powerpoint/2012/main" xmlns:ahyp="http://schemas.microsoft.com/office/drawing/2018/hyperlinkcolor">
+<p:sld xmlns:a="http://schemas.openxmlformats.org/drawingml/2006/main" xmlns:r="http://schemas.openxmlformats.org/officeDocument/2006/relationships" xmlns:p="http://schemas.openxmlformats.org/presentationml/2006/main">
   <p:cSld>
     <p:spTree>
       <p:nvGrpSpPr>
-        <p:cNvPr id="144" name="Shape 144"/>
+        <p:cNvPr id="1" name="Shape 144"/>
         <p:cNvGrpSpPr/>
         <p:nvPr/>
       </p:nvGrpSpPr>
@@ -12108,7 +13325,9 @@
       <p:sp>
         <p:nvSpPr>
           <p:cNvPr id="145" name="Google Shape;145;p20"/>
-          <p:cNvSpPr txBox="1"/>
+          <p:cNvSpPr txBox="1">
+            <a:spLocks noGrp="1"/>
+          </p:cNvSpPr>
           <p:nvPr>
             <p:ph type="title"/>
           </p:nvPr>
@@ -12123,12 +13342,12 @@
           </a:prstGeom>
         </p:spPr>
         <p:txBody>
-          <a:bodyPr anchorCtr="0" anchor="ctr" bIns="91425" lIns="91425" spcFirstLastPara="1" rIns="91425" wrap="square" tIns="91425">
+          <a:bodyPr spcFirstLastPara="1" wrap="square" lIns="91425" tIns="91425" rIns="91425" bIns="91425" anchor="ctr" anchorCtr="0">
             <a:normAutofit/>
           </a:bodyPr>
           <a:lstStyle/>
           <a:p>
-            <a:pPr indent="0" lvl="0" marL="0" rtl="0" algn="l">
+            <a:pPr marL="0" lvl="0" indent="0" algn="l" rtl="0">
               <a:spcBef>
                 <a:spcPts val="0"/>
               </a:spcBef>
@@ -12148,9 +13367,11 @@
       <p:sp>
         <p:nvSpPr>
           <p:cNvPr id="146" name="Google Shape;146;p20"/>
-          <p:cNvSpPr txBox="1"/>
+          <p:cNvSpPr txBox="1">
+            <a:spLocks noGrp="1"/>
+          </p:cNvSpPr>
           <p:nvPr>
-            <p:ph idx="12" type="sldNum"/>
+            <p:ph type="sldNum" idx="12"/>
           </p:nvPr>
         </p:nvSpPr>
         <p:spPr>
@@ -12163,12 +13384,12 @@
           </a:prstGeom>
         </p:spPr>
         <p:txBody>
-          <a:bodyPr anchorCtr="0" anchor="ctr" bIns="91425" lIns="91425" spcFirstLastPara="1" rIns="91425" wrap="square" tIns="91425">
+          <a:bodyPr spcFirstLastPara="1" wrap="square" lIns="91425" tIns="91425" rIns="91425" bIns="91425" anchor="ctr" anchorCtr="0">
             <a:normAutofit/>
           </a:bodyPr>
           <a:lstStyle/>
           <a:p>
-            <a:pPr indent="0" lvl="0" marL="0" rtl="0" algn="r">
+            <a:pPr marL="0" lvl="0" indent="0" algn="r" rtl="0">
               <a:spcBef>
                 <a:spcPts val="0"/>
               </a:spcBef>
@@ -12183,7 +13404,7 @@
                   <a:schemeClr val="lt1"/>
                 </a:solidFill>
               </a:rPr>
-              <a:t>‹#›</a:t>
+              <a:t>4</a:t>
             </a:fld>
             <a:endParaRPr>
               <a:solidFill>
@@ -12202,11 +13423,11 @@
 </file>
 
 <file path=ppt/slides/slide5.xml><?xml version="1.0" encoding="utf-8"?>
-<p:sld xmlns:a="http://schemas.openxmlformats.org/drawingml/2006/main" xmlns:r="http://schemas.openxmlformats.org/officeDocument/2006/relationships" xmlns:mc="http://schemas.openxmlformats.org/markup-compatibility/2006" xmlns:mv="urn:schemas-microsoft-com:mac:vml" xmlns:p="http://schemas.openxmlformats.org/presentationml/2006/main" xmlns:c="http://schemas.openxmlformats.org/drawingml/2006/chart" xmlns:dgm="http://schemas.openxmlformats.org/drawingml/2006/diagram" xmlns:o="urn:schemas-microsoft-com:office:office" xmlns:v="urn:schemas-microsoft-com:vml" xmlns:pvml="urn:schemas-microsoft-com:office:powerpoint" xmlns:com="http://schemas.openxmlformats.org/drawingml/2006/compatibility" xmlns:p14="http://schemas.microsoft.com/office/powerpoint/2010/main" xmlns:p15="http://schemas.microsoft.com/office/powerpoint/2012/main" xmlns:ahyp="http://schemas.microsoft.com/office/drawing/2018/hyperlinkcolor">
+<p:sld xmlns:a="http://schemas.openxmlformats.org/drawingml/2006/main" xmlns:r="http://schemas.openxmlformats.org/officeDocument/2006/relationships" xmlns:p="http://schemas.openxmlformats.org/presentationml/2006/main">
   <p:cSld>
     <p:spTree>
       <p:nvGrpSpPr>
-        <p:cNvPr id="150" name="Shape 150"/>
+        <p:cNvPr id="1" name="Shape 150"/>
         <p:cNvGrpSpPr/>
         <p:nvPr/>
       </p:nvGrpSpPr>
@@ -12221,7 +13442,9 @@
       <p:sp>
         <p:nvSpPr>
           <p:cNvPr id="151" name="Google Shape;151;p21"/>
-          <p:cNvSpPr txBox="1"/>
+          <p:cNvSpPr txBox="1">
+            <a:spLocks noGrp="1"/>
+          </p:cNvSpPr>
           <p:nvPr>
             <p:ph type="title"/>
           </p:nvPr>
@@ -12236,12 +13459,12 @@
           </a:prstGeom>
         </p:spPr>
         <p:txBody>
-          <a:bodyPr anchorCtr="0" anchor="t" bIns="91425" lIns="91425" spcFirstLastPara="1" rIns="91425" wrap="square" tIns="91425">
+          <a:bodyPr spcFirstLastPara="1" wrap="square" lIns="91425" tIns="91425" rIns="91425" bIns="91425" anchor="t" anchorCtr="0">
             <a:noAutofit/>
           </a:bodyPr>
           <a:lstStyle/>
           <a:p>
-            <a:pPr indent="0" lvl="0" marL="0" rtl="0" algn="l">
+            <a:pPr marL="0" lvl="0" indent="0" algn="l" rtl="0">
               <a:spcBef>
                 <a:spcPts val="0"/>
               </a:spcBef>
@@ -12290,9 +13513,11 @@
       <p:sp>
         <p:nvSpPr>
           <p:cNvPr id="153" name="Google Shape;153;p21"/>
-          <p:cNvSpPr txBox="1"/>
+          <p:cNvSpPr txBox="1">
+            <a:spLocks noGrp="1"/>
+          </p:cNvSpPr>
           <p:nvPr>
-            <p:ph idx="12" type="sldNum"/>
+            <p:ph type="sldNum" idx="12"/>
           </p:nvPr>
         </p:nvSpPr>
         <p:spPr>
@@ -12305,12 +13530,12 @@
           </a:prstGeom>
         </p:spPr>
         <p:txBody>
-          <a:bodyPr anchorCtr="0" anchor="ctr" bIns="91425" lIns="91425" spcFirstLastPara="1" rIns="91425" wrap="square" tIns="91425">
+          <a:bodyPr spcFirstLastPara="1" wrap="square" lIns="91425" tIns="91425" rIns="91425" bIns="91425" anchor="ctr" anchorCtr="0">
             <a:normAutofit/>
           </a:bodyPr>
           <a:lstStyle/>
           <a:p>
-            <a:pPr indent="0" lvl="0" marL="0" rtl="0" algn="r">
+            <a:pPr marL="0" lvl="0" indent="0" algn="r" rtl="0">
               <a:spcBef>
                 <a:spcPts val="0"/>
               </a:spcBef>
@@ -12321,7 +13546,7 @@
             </a:pPr>
             <a:fld id="{00000000-1234-1234-1234-123412341234}" type="slidenum">
               <a:rPr lang="fr"/>
-              <a:t>‹#›</a:t>
+              <a:t>5</a:t>
             </a:fld>
             <a:endParaRPr/>
           </a:p>
@@ -12364,11 +13589,11 @@
 </file>
 
 <file path=ppt/slides/slide6.xml><?xml version="1.0" encoding="utf-8"?>
-<p:sld xmlns:a="http://schemas.openxmlformats.org/drawingml/2006/main" xmlns:r="http://schemas.openxmlformats.org/officeDocument/2006/relationships" xmlns:mc="http://schemas.openxmlformats.org/markup-compatibility/2006" xmlns:mv="urn:schemas-microsoft-com:mac:vml" xmlns:p="http://schemas.openxmlformats.org/presentationml/2006/main" xmlns:c="http://schemas.openxmlformats.org/drawingml/2006/chart" xmlns:dgm="http://schemas.openxmlformats.org/drawingml/2006/diagram" xmlns:o="urn:schemas-microsoft-com:office:office" xmlns:v="urn:schemas-microsoft-com:vml" xmlns:pvml="urn:schemas-microsoft-com:office:powerpoint" xmlns:com="http://schemas.openxmlformats.org/drawingml/2006/compatibility" xmlns:p14="http://schemas.microsoft.com/office/powerpoint/2010/main" xmlns:p15="http://schemas.microsoft.com/office/powerpoint/2012/main" xmlns:ahyp="http://schemas.microsoft.com/office/drawing/2018/hyperlinkcolor">
+<p:sld xmlns:a="http://schemas.openxmlformats.org/drawingml/2006/main" xmlns:r="http://schemas.openxmlformats.org/officeDocument/2006/relationships" xmlns:p="http://schemas.openxmlformats.org/presentationml/2006/main">
   <p:cSld>
     <p:spTree>
       <p:nvGrpSpPr>
-        <p:cNvPr id="158" name="Shape 158"/>
+        <p:cNvPr id="1" name="Shape 158"/>
         <p:cNvGrpSpPr/>
         <p:nvPr/>
       </p:nvGrpSpPr>
@@ -12383,7 +13608,9 @@
       <p:sp>
         <p:nvSpPr>
           <p:cNvPr id="159" name="Google Shape;159;p22"/>
-          <p:cNvSpPr txBox="1"/>
+          <p:cNvSpPr txBox="1">
+            <a:spLocks noGrp="1"/>
+          </p:cNvSpPr>
           <p:nvPr>
             <p:ph type="title"/>
           </p:nvPr>
@@ -12398,12 +13625,12 @@
           </a:prstGeom>
         </p:spPr>
         <p:txBody>
-          <a:bodyPr anchorCtr="0" anchor="ctr" bIns="91425" lIns="91425" spcFirstLastPara="1" rIns="91425" wrap="square" tIns="91425">
+          <a:bodyPr spcFirstLastPara="1" wrap="square" lIns="91425" tIns="91425" rIns="91425" bIns="91425" anchor="ctr" anchorCtr="0">
             <a:normAutofit/>
           </a:bodyPr>
           <a:lstStyle/>
           <a:p>
-            <a:pPr indent="0" lvl="0" marL="0" rtl="0" algn="l">
+            <a:pPr marL="0" lvl="0" indent="0" algn="l" rtl="0">
               <a:spcBef>
                 <a:spcPts val="0"/>
               </a:spcBef>
@@ -12423,9 +13650,11 @@
       <p:sp>
         <p:nvSpPr>
           <p:cNvPr id="160" name="Google Shape;160;p22"/>
-          <p:cNvSpPr txBox="1"/>
+          <p:cNvSpPr txBox="1">
+            <a:spLocks noGrp="1"/>
+          </p:cNvSpPr>
           <p:nvPr>
-            <p:ph idx="12" type="sldNum"/>
+            <p:ph type="sldNum" idx="12"/>
           </p:nvPr>
         </p:nvSpPr>
         <p:spPr>
@@ -12438,12 +13667,12 @@
           </a:prstGeom>
         </p:spPr>
         <p:txBody>
-          <a:bodyPr anchorCtr="0" anchor="ctr" bIns="91425" lIns="91425" spcFirstLastPara="1" rIns="91425" wrap="square" tIns="91425">
+          <a:bodyPr spcFirstLastPara="1" wrap="square" lIns="91425" tIns="91425" rIns="91425" bIns="91425" anchor="ctr" anchorCtr="0">
             <a:normAutofit/>
           </a:bodyPr>
           <a:lstStyle/>
           <a:p>
-            <a:pPr indent="0" lvl="0" marL="0" rtl="0" algn="r">
+            <a:pPr marL="0" lvl="0" indent="0" algn="r" rtl="0">
               <a:spcBef>
                 <a:spcPts val="0"/>
               </a:spcBef>
@@ -12458,7 +13687,7 @@
                   <a:schemeClr val="lt1"/>
                 </a:solidFill>
               </a:rPr>
-              <a:t>‹#›</a:t>
+              <a:t>6</a:t>
             </a:fld>
             <a:endParaRPr>
               <a:solidFill>
@@ -12477,11 +13706,11 @@
 </file>
 
 <file path=ppt/slides/slide7.xml><?xml version="1.0" encoding="utf-8"?>
-<p:sld xmlns:a="http://schemas.openxmlformats.org/drawingml/2006/main" xmlns:r="http://schemas.openxmlformats.org/officeDocument/2006/relationships" xmlns:mc="http://schemas.openxmlformats.org/markup-compatibility/2006" xmlns:mv="urn:schemas-microsoft-com:mac:vml" xmlns:p="http://schemas.openxmlformats.org/presentationml/2006/main" xmlns:c="http://schemas.openxmlformats.org/drawingml/2006/chart" xmlns:dgm="http://schemas.openxmlformats.org/drawingml/2006/diagram" xmlns:o="urn:schemas-microsoft-com:office:office" xmlns:v="urn:schemas-microsoft-com:vml" xmlns:pvml="urn:schemas-microsoft-com:office:powerpoint" xmlns:com="http://schemas.openxmlformats.org/drawingml/2006/compatibility" xmlns:p14="http://schemas.microsoft.com/office/powerpoint/2010/main" xmlns:p15="http://schemas.microsoft.com/office/powerpoint/2012/main" xmlns:ahyp="http://schemas.microsoft.com/office/drawing/2018/hyperlinkcolor">
+<p:sld xmlns:a="http://schemas.openxmlformats.org/drawingml/2006/main" xmlns:r="http://schemas.openxmlformats.org/officeDocument/2006/relationships" xmlns:p="http://schemas.openxmlformats.org/presentationml/2006/main">
   <p:cSld>
     <p:spTree>
       <p:nvGrpSpPr>
-        <p:cNvPr id="164" name="Shape 164"/>
+        <p:cNvPr id="1" name="Shape 164"/>
         <p:cNvGrpSpPr/>
         <p:nvPr/>
       </p:nvGrpSpPr>
@@ -12496,7 +13725,9 @@
       <p:sp>
         <p:nvSpPr>
           <p:cNvPr id="165" name="Google Shape;165;p23"/>
-          <p:cNvSpPr txBox="1"/>
+          <p:cNvSpPr txBox="1">
+            <a:spLocks noGrp="1"/>
+          </p:cNvSpPr>
           <p:nvPr>
             <p:ph type="title"/>
           </p:nvPr>
@@ -12511,12 +13742,12 @@
           </a:prstGeom>
         </p:spPr>
         <p:txBody>
-          <a:bodyPr anchorCtr="0" anchor="b" bIns="91425" lIns="91425" spcFirstLastPara="1" rIns="91425" wrap="square" tIns="91425">
+          <a:bodyPr spcFirstLastPara="1" wrap="square" lIns="91425" tIns="91425" rIns="91425" bIns="91425" anchor="b" anchorCtr="0">
             <a:normAutofit/>
           </a:bodyPr>
           <a:lstStyle/>
           <a:p>
-            <a:pPr indent="0" lvl="0" marL="0" rtl="0" algn="l">
+            <a:pPr marL="0" lvl="0" indent="0" algn="l" rtl="0">
               <a:spcBef>
                 <a:spcPts val="0"/>
               </a:spcBef>
@@ -12536,9 +13767,11 @@
       <p:sp>
         <p:nvSpPr>
           <p:cNvPr id="166" name="Google Shape;166;p23"/>
-          <p:cNvSpPr txBox="1"/>
+          <p:cNvSpPr txBox="1">
+            <a:spLocks noGrp="1"/>
+          </p:cNvSpPr>
           <p:nvPr>
-            <p:ph idx="12" type="sldNum"/>
+            <p:ph type="sldNum" idx="12"/>
           </p:nvPr>
         </p:nvSpPr>
         <p:spPr>
@@ -12551,12 +13784,12 @@
           </a:prstGeom>
         </p:spPr>
         <p:txBody>
-          <a:bodyPr anchorCtr="0" anchor="ctr" bIns="91425" lIns="91425" spcFirstLastPara="1" rIns="91425" wrap="square" tIns="91425">
+          <a:bodyPr spcFirstLastPara="1" wrap="square" lIns="91425" tIns="91425" rIns="91425" bIns="91425" anchor="ctr" anchorCtr="0">
             <a:normAutofit/>
           </a:bodyPr>
           <a:lstStyle/>
           <a:p>
-            <a:pPr indent="0" lvl="0" marL="0" rtl="0" algn="r">
+            <a:pPr marL="0" lvl="0" indent="0" algn="r" rtl="0">
               <a:spcBef>
                 <a:spcPts val="0"/>
               </a:spcBef>
@@ -12567,7 +13800,7 @@
             </a:pPr>
             <a:fld id="{00000000-1234-1234-1234-123412341234}" type="slidenum">
               <a:rPr lang="fr"/>
-              <a:t>‹#›</a:t>
+              <a:t>7</a:t>
             </a:fld>
             <a:endParaRPr/>
           </a:p>
@@ -12576,9 +13809,11 @@
       <p:sp>
         <p:nvSpPr>
           <p:cNvPr id="167" name="Google Shape;167;p23"/>
-          <p:cNvSpPr txBox="1"/>
+          <p:cNvSpPr txBox="1">
+            <a:spLocks noGrp="1"/>
+          </p:cNvSpPr>
           <p:nvPr>
-            <p:ph idx="1" type="subTitle"/>
+            <p:ph type="subTitle" idx="1"/>
           </p:nvPr>
         </p:nvSpPr>
         <p:spPr>
@@ -12591,12 +13826,12 @@
           </a:prstGeom>
         </p:spPr>
         <p:txBody>
-          <a:bodyPr anchorCtr="0" anchor="t" bIns="91425" lIns="91425" spcFirstLastPara="1" rIns="91425" wrap="square" tIns="91425">
+          <a:bodyPr spcFirstLastPara="1" wrap="square" lIns="91425" tIns="91425" rIns="91425" bIns="91425" anchor="t" anchorCtr="0">
             <a:normAutofit/>
           </a:bodyPr>
           <a:lstStyle/>
           <a:p>
-            <a:pPr indent="0" lvl="0" marL="0" rtl="0" algn="l">
+            <a:pPr marL="0" lvl="0" indent="0" algn="l" rtl="0">
               <a:spcBef>
                 <a:spcPts val="0"/>
               </a:spcBef>
@@ -12605,9 +13840,6 @@
               </a:spcAft>
               <a:buNone/>
             </a:pPr>
-            <a:r>
-              <a:t/>
-            </a:r>
             <a:endParaRPr/>
           </a:p>
         </p:txBody>
@@ -12615,9 +13847,11 @@
       <p:sp>
         <p:nvSpPr>
           <p:cNvPr id="168" name="Google Shape;168;p23"/>
-          <p:cNvSpPr txBox="1"/>
+          <p:cNvSpPr txBox="1">
+            <a:spLocks noGrp="1"/>
+          </p:cNvSpPr>
           <p:nvPr>
-            <p:ph idx="2" type="body"/>
+            <p:ph type="body" idx="2"/>
           </p:nvPr>
         </p:nvSpPr>
         <p:spPr>
@@ -12630,12 +13864,12 @@
           </a:prstGeom>
         </p:spPr>
         <p:txBody>
-          <a:bodyPr anchorCtr="0" anchor="t" bIns="91425" lIns="91425" spcFirstLastPara="1" rIns="91425" wrap="square" tIns="91425">
+          <a:bodyPr spcFirstLastPara="1" wrap="square" lIns="91425" tIns="91425" rIns="91425" bIns="91425" anchor="t" anchorCtr="0">
             <a:normAutofit/>
           </a:bodyPr>
           <a:lstStyle/>
           <a:p>
-            <a:pPr indent="-342900" lvl="0" marL="457200" rtl="0" algn="l">
+            <a:pPr marL="457200" lvl="0" indent="-342900" algn="l" rtl="0">
               <a:spcBef>
                 <a:spcPts val="0"/>
               </a:spcBef>
@@ -12652,7 +13886,7 @@
             <a:endParaRPr/>
           </a:p>
           <a:p>
-            <a:pPr indent="-342900" lvl="0" marL="457200" rtl="0" algn="l">
+            <a:pPr marL="457200" lvl="0" indent="-342900" algn="l" rtl="0">
               <a:spcBef>
                 <a:spcPts val="0"/>
               </a:spcBef>
@@ -12669,7 +13903,7 @@
             <a:endParaRPr/>
           </a:p>
           <a:p>
-            <a:pPr indent="-342900" lvl="0" marL="457200" rtl="0" algn="l">
+            <a:pPr marL="457200" lvl="0" indent="-342900" algn="l" rtl="0">
               <a:spcBef>
                 <a:spcPts val="0"/>
               </a:spcBef>
@@ -12696,11 +13930,11 @@
 </file>
 
 <file path=ppt/slides/slide8.xml><?xml version="1.0" encoding="utf-8"?>
-<p:sld xmlns:a="http://schemas.openxmlformats.org/drawingml/2006/main" xmlns:r="http://schemas.openxmlformats.org/officeDocument/2006/relationships" xmlns:mc="http://schemas.openxmlformats.org/markup-compatibility/2006" xmlns:mv="urn:schemas-microsoft-com:mac:vml" xmlns:p="http://schemas.openxmlformats.org/presentationml/2006/main" xmlns:c="http://schemas.openxmlformats.org/drawingml/2006/chart" xmlns:dgm="http://schemas.openxmlformats.org/drawingml/2006/diagram" xmlns:o="urn:schemas-microsoft-com:office:office" xmlns:v="urn:schemas-microsoft-com:vml" xmlns:pvml="urn:schemas-microsoft-com:office:powerpoint" xmlns:com="http://schemas.openxmlformats.org/drawingml/2006/compatibility" xmlns:p14="http://schemas.microsoft.com/office/powerpoint/2010/main" xmlns:p15="http://schemas.microsoft.com/office/powerpoint/2012/main" xmlns:ahyp="http://schemas.microsoft.com/office/drawing/2018/hyperlinkcolor">
+<p:sld xmlns:a="http://schemas.openxmlformats.org/drawingml/2006/main" xmlns:r="http://schemas.openxmlformats.org/officeDocument/2006/relationships" xmlns:p="http://schemas.openxmlformats.org/presentationml/2006/main">
   <p:cSld>
     <p:spTree>
       <p:nvGrpSpPr>
-        <p:cNvPr id="172" name="Shape 172"/>
+        <p:cNvPr id="1" name="Shape 172"/>
         <p:cNvGrpSpPr/>
         <p:nvPr/>
       </p:nvGrpSpPr>
@@ -12715,7 +13949,9 @@
       <p:sp>
         <p:nvSpPr>
           <p:cNvPr id="173" name="Google Shape;173;p24"/>
-          <p:cNvSpPr txBox="1"/>
+          <p:cNvSpPr txBox="1">
+            <a:spLocks noGrp="1"/>
+          </p:cNvSpPr>
           <p:nvPr>
             <p:ph type="title"/>
           </p:nvPr>
@@ -12730,12 +13966,12 @@
           </a:prstGeom>
         </p:spPr>
         <p:txBody>
-          <a:bodyPr anchorCtr="0" anchor="t" bIns="91425" lIns="91425" spcFirstLastPara="1" rIns="91425" wrap="square" tIns="91425">
+          <a:bodyPr spcFirstLastPara="1" wrap="square" lIns="91425" tIns="91425" rIns="91425" bIns="91425" anchor="t" anchorCtr="0">
             <a:normAutofit fontScale="90000"/>
           </a:bodyPr>
           <a:lstStyle/>
           <a:p>
-            <a:pPr indent="0" lvl="0" marL="0" rtl="0" algn="l">
+            <a:pPr marL="0" lvl="0" indent="0" algn="l" rtl="0">
               <a:spcBef>
                 <a:spcPts val="0"/>
               </a:spcBef>
@@ -12755,9 +13991,11 @@
       <p:sp>
         <p:nvSpPr>
           <p:cNvPr id="174" name="Google Shape;174;p24"/>
-          <p:cNvSpPr txBox="1"/>
+          <p:cNvSpPr txBox="1">
+            <a:spLocks noGrp="1"/>
+          </p:cNvSpPr>
           <p:nvPr>
-            <p:ph idx="12" type="sldNum"/>
+            <p:ph type="sldNum" idx="12"/>
           </p:nvPr>
         </p:nvSpPr>
         <p:spPr>
@@ -12770,12 +14008,12 @@
           </a:prstGeom>
         </p:spPr>
         <p:txBody>
-          <a:bodyPr anchorCtr="0" anchor="ctr" bIns="91425" lIns="91425" spcFirstLastPara="1" rIns="91425" wrap="square" tIns="91425">
+          <a:bodyPr spcFirstLastPara="1" wrap="square" lIns="91425" tIns="91425" rIns="91425" bIns="91425" anchor="ctr" anchorCtr="0">
             <a:normAutofit/>
           </a:bodyPr>
           <a:lstStyle/>
           <a:p>
-            <a:pPr indent="0" lvl="0" marL="0" rtl="0" algn="r">
+            <a:pPr marL="0" lvl="0" indent="0" algn="r" rtl="0">
               <a:spcBef>
                 <a:spcPts val="0"/>
               </a:spcBef>
@@ -12790,7 +14028,7 @@
                   <a:schemeClr val="lt2"/>
                 </a:solidFill>
               </a:rPr>
-              <a:t>‹#›</a:t>
+              <a:t>8</a:t>
             </a:fld>
             <a:endParaRPr>
               <a:solidFill>
@@ -12809,11 +14047,11 @@
 </file>
 
 <file path=ppt/slides/slide9.xml><?xml version="1.0" encoding="utf-8"?>
-<p:sld xmlns:a="http://schemas.openxmlformats.org/drawingml/2006/main" xmlns:r="http://schemas.openxmlformats.org/officeDocument/2006/relationships" xmlns:mc="http://schemas.openxmlformats.org/markup-compatibility/2006" xmlns:mv="urn:schemas-microsoft-com:mac:vml" xmlns:p="http://schemas.openxmlformats.org/presentationml/2006/main" xmlns:c="http://schemas.openxmlformats.org/drawingml/2006/chart" xmlns:dgm="http://schemas.openxmlformats.org/drawingml/2006/diagram" xmlns:o="urn:schemas-microsoft-com:office:office" xmlns:v="urn:schemas-microsoft-com:vml" xmlns:pvml="urn:schemas-microsoft-com:office:powerpoint" xmlns:com="http://schemas.openxmlformats.org/drawingml/2006/compatibility" xmlns:p14="http://schemas.microsoft.com/office/powerpoint/2010/main" xmlns:p15="http://schemas.microsoft.com/office/powerpoint/2012/main" xmlns:ahyp="http://schemas.microsoft.com/office/drawing/2018/hyperlinkcolor">
+<p:sld xmlns:a="http://schemas.openxmlformats.org/drawingml/2006/main" xmlns:r="http://schemas.openxmlformats.org/officeDocument/2006/relationships" xmlns:p="http://schemas.openxmlformats.org/presentationml/2006/main">
   <p:cSld>
     <p:spTree>
       <p:nvGrpSpPr>
-        <p:cNvPr id="178" name="Shape 178"/>
+        <p:cNvPr id="1" name="Shape 178"/>
         <p:cNvGrpSpPr/>
         <p:nvPr/>
       </p:nvGrpSpPr>
@@ -12827,68 +14065,90 @@
       </p:grpSpPr>
       <p:sp>
         <p:nvSpPr>
-          <p:cNvPr id="179" name="Google Shape;179;p25"/>
-          <p:cNvSpPr txBox="1"/>
+          <p:cNvPr id="7" name="Titre 6">
+            <a:extLst>
+              <a:ext uri="{FF2B5EF4-FFF2-40B4-BE49-F238E27FC236}">
+                <a16:creationId xmlns:a16="http://schemas.microsoft.com/office/drawing/2014/main" id="{B2AA0B6F-CB4A-ED64-A32B-AE631003E41B}"/>
+              </a:ext>
+            </a:extLst>
+          </p:cNvPr>
+          <p:cNvSpPr>
+            <a:spLocks noGrp="1"/>
+          </p:cNvSpPr>
           <p:nvPr>
             <p:ph type="title"/>
           </p:nvPr>
         </p:nvSpPr>
         <p:spPr>
           <a:xfrm>
-            <a:off x="311700" y="445025"/>
-            <a:ext cx="8520600" cy="623400"/>
+            <a:off x="7365206" y="885825"/>
+            <a:ext cx="1467094" cy="182600"/>
           </a:xfrm>
-          <a:prstGeom prst="rect">
-            <a:avLst/>
-          </a:prstGeom>
         </p:spPr>
         <p:txBody>
-          <a:bodyPr anchorCtr="0" anchor="t" bIns="91425" lIns="91425" spcFirstLastPara="1" rIns="91425" wrap="square" tIns="91425">
+          <a:bodyPr>
             <a:normAutofit fontScale="90000"/>
           </a:bodyPr>
           <a:lstStyle/>
           <a:p>
-            <a:pPr indent="0" lvl="0" marL="0" rtl="0" algn="l">
-              <a:spcBef>
-                <a:spcPts val="0"/>
-              </a:spcBef>
-              <a:spcAft>
-                <a:spcPts val="0"/>
-              </a:spcAft>
-              <a:buNone/>
-            </a:pPr>
-            <a:r>
-              <a:rPr lang="fr"/>
-              <a:t>pie chart</a:t>
-            </a:r>
-            <a:endParaRPr/>
+            <a:endParaRPr lang="fr-FR" dirty="0"/>
+          </a:p>
+        </p:txBody>
+      </p:sp>
+      <p:sp>
+        <p:nvSpPr>
+          <p:cNvPr id="8" name="Espace réservé du texte 7">
+            <a:extLst>
+              <a:ext uri="{FF2B5EF4-FFF2-40B4-BE49-F238E27FC236}">
+                <a16:creationId xmlns:a16="http://schemas.microsoft.com/office/drawing/2014/main" id="{F90D0448-E8DA-05E8-D398-57CD1FC6A962}"/>
+              </a:ext>
+            </a:extLst>
+          </p:cNvPr>
+          <p:cNvSpPr>
+            <a:spLocks noGrp="1"/>
+          </p:cNvSpPr>
+          <p:nvPr>
+            <p:ph type="body" idx="1"/>
+          </p:nvPr>
+        </p:nvSpPr>
+        <p:spPr>
+          <a:xfrm flipH="1" flipV="1">
+            <a:off x="8832299" y="4568874"/>
+            <a:ext cx="54525" cy="393599"/>
+          </a:xfrm>
+        </p:spPr>
+        <p:txBody>
+          <a:bodyPr>
+            <a:normAutofit fontScale="77500" lnSpcReduction="20000"/>
+          </a:bodyPr>
+          <a:lstStyle/>
+          <a:p>
+            <a:endParaRPr lang="fr-FR" dirty="0"/>
           </a:p>
         </p:txBody>
       </p:sp>
       <p:sp>
         <p:nvSpPr>
           <p:cNvPr id="180" name="Google Shape;180;p25"/>
-          <p:cNvSpPr txBox="1"/>
+          <p:cNvSpPr txBox="1">
+            <a:spLocks noGrp="1"/>
+          </p:cNvSpPr>
           <p:nvPr>
-            <p:ph idx="12" type="sldNum"/>
+            <p:ph type="sldNum" idx="12"/>
           </p:nvPr>
         </p:nvSpPr>
         <p:spPr>
-          <a:xfrm>
-            <a:off x="8497999" y="4688759"/>
-            <a:ext cx="548700" cy="393600"/>
-          </a:xfrm>
           <a:prstGeom prst="rect">
             <a:avLst/>
           </a:prstGeom>
         </p:spPr>
         <p:txBody>
-          <a:bodyPr anchorCtr="0" anchor="ctr" bIns="91425" lIns="91425" spcFirstLastPara="1" rIns="91425" wrap="square" tIns="91425">
+          <a:bodyPr spcFirstLastPara="1" wrap="square" lIns="91425" tIns="91425" rIns="91425" bIns="91425" anchor="ctr" anchorCtr="0">
             <a:normAutofit/>
           </a:bodyPr>
           <a:lstStyle/>
           <a:p>
-            <a:pPr indent="0" lvl="0" marL="0" rtl="0" algn="r">
+            <a:pPr marL="0" lvl="0" indent="0" algn="r" rtl="0">
               <a:spcBef>
                 <a:spcPts val="0"/>
               </a:spcBef>
@@ -12903,7 +14163,7 @@
                   <a:schemeClr val="lt2"/>
                 </a:solidFill>
               </a:rPr>
-              <a:t>‹#›</a:t>
+              <a:t>9</a:t>
             </a:fld>
             <a:endParaRPr>
               <a:solidFill>
@@ -12913,6 +14173,34 @@
           </a:p>
         </p:txBody>
       </p:sp>
+      <p:graphicFrame>
+        <p:nvGraphicFramePr>
+          <p:cNvPr id="14" name="Graphique 13">
+            <a:extLst>
+              <a:ext uri="{FF2B5EF4-FFF2-40B4-BE49-F238E27FC236}">
+                <a16:creationId xmlns:a16="http://schemas.microsoft.com/office/drawing/2014/main" id="{3A19E190-8F46-D3BF-978A-925FAC981F07}"/>
+              </a:ext>
+            </a:extLst>
+          </p:cNvPr>
+          <p:cNvGraphicFramePr/>
+          <p:nvPr>
+            <p:extLst>
+              <p:ext uri="{D42A27DB-BD31-4B8C-83A1-F6EECF244321}">
+                <p14:modId xmlns:p14="http://schemas.microsoft.com/office/powerpoint/2010/main" val="882385265"/>
+              </p:ext>
+            </p:extLst>
+          </p:nvPr>
+        </p:nvGraphicFramePr>
+        <p:xfrm>
+          <a:off x="1193006" y="192881"/>
+          <a:ext cx="6426994" cy="4410869"/>
+        </p:xfrm>
+        <a:graphic>
+          <a:graphicData uri="http://schemas.openxmlformats.org/drawingml/2006/chart">
+            <c:chart xmlns:c="http://schemas.openxmlformats.org/drawingml/2006/chart" xmlns:r="http://schemas.openxmlformats.org/officeDocument/2006/relationships" r:id="rId3"/>
+          </a:graphicData>
+        </a:graphic>
+      </p:graphicFrame>
     </p:spTree>
   </p:cSld>
   <p:clrMapOvr>
@@ -12922,7 +14210,7 @@
 </file>
 
 <file path=ppt/theme/theme1.xml><?xml version="1.0" encoding="utf-8"?>
-<a:theme xmlns:a="http://schemas.openxmlformats.org/drawingml/2006/main" xmlns:r="http://schemas.openxmlformats.org/officeDocument/2006/relationships" name="Plum">
+<a:theme xmlns:a="http://schemas.openxmlformats.org/drawingml/2006/main" name="Plum">
   <a:themeElements>
     <a:clrScheme name="Plum">
       <a:dk1>
@@ -13197,11 +14485,13 @@
       </a:bgFillStyleLst>
     </a:fmtScheme>
   </a:themeElements>
+  <a:objectDefaults/>
+  <a:extraClrSchemeLst/>
 </a:theme>
 </file>
 
 <file path=ppt/theme/theme2.xml><?xml version="1.0" encoding="utf-8"?>
-<a:theme xmlns:a="http://schemas.openxmlformats.org/drawingml/2006/main" xmlns:r="http://schemas.openxmlformats.org/officeDocument/2006/relationships">
+<a:theme xmlns:a="http://schemas.openxmlformats.org/drawingml/2006/main">
   <a:themeElements>
     <a:clrScheme name="Default">
       <a:dk1>
@@ -13476,5 +14766,7 @@
       </a:bgFillStyleLst>
     </a:fmtScheme>
   </a:themeElements>
+  <a:objectDefaults/>
+  <a:extraClrSchemeLst/>
 </a:theme>
 </file>
--- a/Sae S2.04.pptx
+++ b/Sae S2.04.pptx
@@ -307,7 +307,7 @@
   <pc:docChgLst>
     <pc:chgData name="Erwann Sami" userId="08f666b5-0a69-478b-9c5b-8cf158a45da4" providerId="ADAL" clId="{509695E9-A8A1-4C5E-9696-9E12DEB9A5B1}"/>
     <pc:docChg chg="undo custSel modSld">
-      <pc:chgData name="Erwann Sami" userId="08f666b5-0a69-478b-9c5b-8cf158a45da4" providerId="ADAL" clId="{509695E9-A8A1-4C5E-9696-9E12DEB9A5B1}" dt="2022-06-06T18:37:18.467" v="72"/>
+      <pc:chgData name="Erwann Sami" userId="08f666b5-0a69-478b-9c5b-8cf158a45da4" providerId="ADAL" clId="{509695E9-A8A1-4C5E-9696-9E12DEB9A5B1}" dt="2022-06-06T20:34:22.998" v="114" actId="20577"/>
       <pc:docMkLst>
         <pc:docMk/>
       </pc:docMkLst>
@@ -325,6 +325,44 @@
             <ac:spMk id="119" creationId="{00000000-0000-0000-0000-000000000000}"/>
           </ac:spMkLst>
         </pc:spChg>
+      </pc:sldChg>
+      <pc:sldChg chg="modSp mod">
+        <pc:chgData name="Erwann Sami" userId="08f666b5-0a69-478b-9c5b-8cf158a45da4" providerId="ADAL" clId="{509695E9-A8A1-4C5E-9696-9E12DEB9A5B1}" dt="2022-06-06T20:34:22.998" v="114" actId="20577"/>
+        <pc:sldMkLst>
+          <pc:docMk/>
+          <pc:sldMk cId="0" sldId="262"/>
+        </pc:sldMkLst>
+        <pc:spChg chg="mod">
+          <ac:chgData name="Erwann Sami" userId="08f666b5-0a69-478b-9c5b-8cf158a45da4" providerId="ADAL" clId="{509695E9-A8A1-4C5E-9696-9E12DEB9A5B1}" dt="2022-06-06T20:34:22.998" v="114" actId="20577"/>
+          <ac:spMkLst>
+            <pc:docMk/>
+            <pc:sldMk cId="0" sldId="262"/>
+            <ac:spMk id="168" creationId="{00000000-0000-0000-0000-000000000000}"/>
+          </ac:spMkLst>
+        </pc:spChg>
+      </pc:sldChg>
+      <pc:sldChg chg="addSp modSp mod">
+        <pc:chgData name="Erwann Sami" userId="08f666b5-0a69-478b-9c5b-8cf158a45da4" providerId="ADAL" clId="{509695E9-A8A1-4C5E-9696-9E12DEB9A5B1}" dt="2022-06-06T20:33:37.662" v="78" actId="14100"/>
+        <pc:sldMkLst>
+          <pc:docMk/>
+          <pc:sldMk cId="0" sldId="263"/>
+        </pc:sldMkLst>
+        <pc:spChg chg="mod">
+          <ac:chgData name="Erwann Sami" userId="08f666b5-0a69-478b-9c5b-8cf158a45da4" providerId="ADAL" clId="{509695E9-A8A1-4C5E-9696-9E12DEB9A5B1}" dt="2022-06-06T20:33:27.943" v="74" actId="20577"/>
+          <ac:spMkLst>
+            <pc:docMk/>
+            <pc:sldMk cId="0" sldId="263"/>
+            <ac:spMk id="173" creationId="{00000000-0000-0000-0000-000000000000}"/>
+          </ac:spMkLst>
+        </pc:spChg>
+        <pc:picChg chg="add mod">
+          <ac:chgData name="Erwann Sami" userId="08f666b5-0a69-478b-9c5b-8cf158a45da4" providerId="ADAL" clId="{509695E9-A8A1-4C5E-9696-9E12DEB9A5B1}" dt="2022-06-06T20:33:37.662" v="78" actId="14100"/>
+          <ac:picMkLst>
+            <pc:docMk/>
+            <pc:sldMk cId="0" sldId="263"/>
+            <ac:picMk id="3" creationId="{2ADD0388-7A71-080B-1D86-DC6141A26F5E}"/>
+          </ac:picMkLst>
+        </pc:picChg>
       </pc:sldChg>
       <pc:sldChg chg="addSp delSp modSp mod modClrScheme chgLayout">
         <pc:chgData name="Erwann Sami" userId="08f666b5-0a69-478b-9c5b-8cf158a45da4" providerId="ADAL" clId="{509695E9-A8A1-4C5E-9696-9E12DEB9A5B1}" dt="2022-06-06T18:37:18.467" v="72"/>
@@ -566,6 +604,11 @@
               </a:ln>
               <a:effectLst/>
             </c:spPr>
+            <c:extLst>
+              <c:ext xmlns:c16="http://schemas.microsoft.com/office/drawing/2014/chart" uri="{C3380CC4-5D6E-409C-BE32-E72D297353CC}">
+                <c16:uniqueId val="{00000001-2D88-44C3-8225-688F4578176F}"/>
+              </c:ext>
+            </c:extLst>
           </c:dPt>
           <c:dPt>
             <c:idx val="1"/>
@@ -581,6 +624,11 @@
               </a:ln>
               <a:effectLst/>
             </c:spPr>
+            <c:extLst>
+              <c:ext xmlns:c16="http://schemas.microsoft.com/office/drawing/2014/chart" uri="{C3380CC4-5D6E-409C-BE32-E72D297353CC}">
+                <c16:uniqueId val="{00000003-2D88-44C3-8225-688F4578176F}"/>
+              </c:ext>
+            </c:extLst>
           </c:dPt>
           <c:dPt>
             <c:idx val="2"/>
@@ -596,6 +644,11 @@
               </a:ln>
               <a:effectLst/>
             </c:spPr>
+            <c:extLst>
+              <c:ext xmlns:c16="http://schemas.microsoft.com/office/drawing/2014/chart" uri="{C3380CC4-5D6E-409C-BE32-E72D297353CC}">
+                <c16:uniqueId val="{00000005-2D88-44C3-8225-688F4578176F}"/>
+              </c:ext>
+            </c:extLst>
           </c:dPt>
           <c:dPt>
             <c:idx val="3"/>
@@ -611,6 +664,11 @@
               </a:ln>
               <a:effectLst/>
             </c:spPr>
+            <c:extLst>
+              <c:ext xmlns:c16="http://schemas.microsoft.com/office/drawing/2014/chart" uri="{C3380CC4-5D6E-409C-BE32-E72D297353CC}">
+                <c16:uniqueId val="{00000007-2D88-44C3-8225-688F4578176F}"/>
+              </c:ext>
+            </c:extLst>
           </c:dPt>
           <c:dPt>
             <c:idx val="4"/>
@@ -626,6 +684,11 @@
               </a:ln>
               <a:effectLst/>
             </c:spPr>
+            <c:extLst>
+              <c:ext xmlns:c16="http://schemas.microsoft.com/office/drawing/2014/chart" uri="{C3380CC4-5D6E-409C-BE32-E72D297353CC}">
+                <c16:uniqueId val="{00000009-2D88-44C3-8225-688F4578176F}"/>
+              </c:ext>
+            </c:extLst>
           </c:dPt>
           <c:dPt>
             <c:idx val="5"/>
@@ -641,6 +704,11 @@
               </a:ln>
               <a:effectLst/>
             </c:spPr>
+            <c:extLst>
+              <c:ext xmlns:c16="http://schemas.microsoft.com/office/drawing/2014/chart" uri="{C3380CC4-5D6E-409C-BE32-E72D297353CC}">
+                <c16:uniqueId val="{0000000B-2D88-44C3-8225-688F4578176F}"/>
+              </c:ext>
+            </c:extLst>
           </c:dPt>
           <c:dPt>
             <c:idx val="6"/>
@@ -658,6 +726,11 @@
               </a:ln>
               <a:effectLst/>
             </c:spPr>
+            <c:extLst>
+              <c:ext xmlns:c16="http://schemas.microsoft.com/office/drawing/2014/chart" uri="{C3380CC4-5D6E-409C-BE32-E72D297353CC}">
+                <c16:uniqueId val="{0000000D-2D88-44C3-8225-688F4578176F}"/>
+              </c:ext>
+            </c:extLst>
           </c:dPt>
           <c:dLbls>
             <c:spPr>
@@ -2801,7 +2874,7 @@
         </p:nvSpPr>
         <p:spPr>
           <a:xfrm>
-            <a:off x="381300" y="685800"/>
+            <a:off x="381000" y="685800"/>
             <a:ext cx="6096000" cy="3429000"/>
           </a:xfrm>
           <a:custGeom>
@@ -2905,7 +2978,7 @@
         </p:nvSpPr>
         <p:spPr>
           <a:xfrm>
-            <a:off x="381300" y="685800"/>
+            <a:off x="381000" y="685800"/>
             <a:ext cx="6096000" cy="3429000"/>
           </a:xfrm>
           <a:custGeom>
@@ -13880,10 +13953,27 @@
               <a:buChar char="-"/>
             </a:pPr>
             <a:r>
-              <a:rPr lang="fr"/>
-              <a:t>donnée 1</a:t>
+              <a:rPr lang="fr-FR" dirty="0"/>
+              <a:t>produits</a:t>
             </a:r>
-            <a:endParaRPr/>
+            <a:endParaRPr dirty="0"/>
+          </a:p>
+          <a:p>
+            <a:pPr marL="457200" lvl="0" indent="-342900" algn="l" rtl="0">
+              <a:spcBef>
+                <a:spcPts val="0"/>
+              </a:spcBef>
+              <a:spcAft>
+                <a:spcPts val="0"/>
+              </a:spcAft>
+              <a:buSzPts val="1800"/>
+              <a:buChar char="-"/>
+            </a:pPr>
+            <a:r>
+              <a:rPr lang="fr-FR" dirty="0"/>
+              <a:t>vente</a:t>
+            </a:r>
+            <a:endParaRPr dirty="0"/>
           </a:p>
           <a:p>
             <a:pPr marL="457200" lvl="0" indent="-342900" algn="l" rtl="0">
@@ -13898,26 +13988,9 @@
             </a:pPr>
             <a:r>
               <a:rPr lang="fr"/>
-              <a:t>donnée 2</a:t>
+              <a:t>année</a:t>
             </a:r>
-            <a:endParaRPr/>
-          </a:p>
-          <a:p>
-            <a:pPr marL="457200" lvl="0" indent="-342900" algn="l" rtl="0">
-              <a:spcBef>
-                <a:spcPts val="0"/>
-              </a:spcBef>
-              <a:spcAft>
-                <a:spcPts val="0"/>
-              </a:spcAft>
-              <a:buSzPts val="1800"/>
-              <a:buChar char="-"/>
-            </a:pPr>
-            <a:r>
-              <a:rPr lang="fr"/>
-              <a:t>donnée 3</a:t>
-            </a:r>
-            <a:endParaRPr/>
+            <a:endParaRPr dirty="0"/>
           </a:p>
         </p:txBody>
       </p:sp>
@@ -13958,7 +14031,7 @@
         </p:nvSpPr>
         <p:spPr>
           <a:xfrm>
-            <a:off x="311700" y="445025"/>
+            <a:off x="231690" y="365015"/>
             <a:ext cx="8520600" cy="623400"/>
           </a:xfrm>
           <a:prstGeom prst="rect">
@@ -13980,11 +14053,7 @@
               </a:spcAft>
               <a:buNone/>
             </a:pPr>
-            <a:r>
-              <a:rPr lang="fr"/>
-              <a:t>Time line</a:t>
-            </a:r>
-            <a:endParaRPr/>
+            <a:endParaRPr dirty="0"/>
           </a:p>
         </p:txBody>
       </p:sp>
@@ -14038,6 +14107,36 @@
           </a:p>
         </p:txBody>
       </p:sp>
+      <p:pic>
+        <p:nvPicPr>
+          <p:cNvPr id="3" name="Image 2">
+            <a:extLst>
+              <a:ext uri="{FF2B5EF4-FFF2-40B4-BE49-F238E27FC236}">
+                <a16:creationId xmlns:a16="http://schemas.microsoft.com/office/drawing/2014/main" id="{2ADD0388-7A71-080B-1D86-DC6141A26F5E}"/>
+              </a:ext>
+            </a:extLst>
+          </p:cNvPr>
+          <p:cNvPicPr>
+            <a:picLocks noChangeAspect="1"/>
+          </p:cNvPicPr>
+          <p:nvPr/>
+        </p:nvPicPr>
+        <p:blipFill>
+          <a:blip r:embed="rId3"/>
+          <a:stretch>
+            <a:fillRect/>
+          </a:stretch>
+        </p:blipFill>
+        <p:spPr>
+          <a:xfrm>
+            <a:off x="144468" y="125730"/>
+            <a:ext cx="8602432" cy="4563029"/>
+          </a:xfrm>
+          <a:prstGeom prst="rect">
+            <a:avLst/>
+          </a:prstGeom>
+        </p:spPr>
+      </p:pic>
     </p:spTree>
   </p:cSld>
   <p:clrMapOvr>

--- a/Sae S2.04.pptx
+++ b/Sae S2.04.pptx
@@ -14053,6 +14053,10 @@
               </a:spcAft>
               <a:buNone/>
             </a:pPr>
+            <a:r>
+              <a:rPr lang="fr-FR" dirty="0"/>
+              <a:t>Timeline</a:t>
+            </a:r>
             <a:endParaRPr dirty="0"/>
           </a:p>
         </p:txBody>
@@ -14112,7 +14116,7 @@
           <p:cNvPr id="3" name="Image 2">
             <a:extLst>
               <a:ext uri="{FF2B5EF4-FFF2-40B4-BE49-F238E27FC236}">
-                <a16:creationId xmlns:a16="http://schemas.microsoft.com/office/drawing/2014/main" id="{2ADD0388-7A71-080B-1D86-DC6141A26F5E}"/>
+                <a16:creationId xmlns:a16="http://schemas.microsoft.com/office/drawing/2014/main" id="{DACE3C02-16D9-B2F0-DDDC-7BE75D718568}"/>
               </a:ext>
             </a:extLst>
           </p:cNvPr>
@@ -14129,8 +14133,8 @@
         </p:blipFill>
         <p:spPr>
           <a:xfrm>
-            <a:off x="144468" y="125730"/>
-            <a:ext cx="8602432" cy="4563029"/>
+            <a:off x="0" y="1184925"/>
+            <a:ext cx="9144000" cy="3584448"/>
           </a:xfrm>
           <a:prstGeom prst="rect">
             <a:avLst/>

--- a/Sae S2.04.pptx
+++ b/Sae S2.04.pptx
@@ -2354,7 +2354,7 @@
         </p:nvSpPr>
         <p:spPr>
           <a:xfrm>
-            <a:off x="381300" y="685800"/>
+            <a:off x="381000" y="685800"/>
             <a:ext cx="6096000" cy="3429000"/>
           </a:xfrm>
           <a:custGeom>
@@ -2458,7 +2458,7 @@
         </p:nvSpPr>
         <p:spPr>
           <a:xfrm>
-            <a:off x="381300" y="685800"/>
+            <a:off x="381000" y="685800"/>
             <a:ext cx="6096000" cy="3429000"/>
           </a:xfrm>
           <a:custGeom>
@@ -12923,10 +12923,22 @@
               <a:buChar char="-"/>
             </a:pPr>
             <a:r>
-              <a:rPr lang="fr"/>
-              <a:t>Créer une base de donnée a partir de données brutes donné</a:t>
+              <a:rPr lang="fr" sz="2000" dirty="0"/>
+              <a:t>Créer une base de donnée à partir des fichiers de données en .csv brutes client</a:t>
             </a:r>
-            <a:endParaRPr/>
+          </a:p>
+          <a:p>
+            <a:pPr marL="114300" lvl="0" indent="0" algn="l" rtl="0">
+              <a:spcBef>
+                <a:spcPts val="0"/>
+              </a:spcBef>
+              <a:spcAft>
+                <a:spcPts val="0"/>
+              </a:spcAft>
+              <a:buSzPts val="1800"/>
+              <a:buNone/>
+            </a:pPr>
+            <a:endParaRPr sz="2000" dirty="0"/>
           </a:p>
           <a:p>
             <a:pPr marL="457200" lvl="0" indent="-342900" algn="l" rtl="0">
@@ -12940,13 +12952,13 @@
               <a:buChar char="-"/>
             </a:pPr>
             <a:r>
-              <a:rPr lang="fr"/>
-              <a:t>Réaliser une étude analytique a partir de ces données</a:t>
+              <a:rPr lang="fr" sz="2000" dirty="0"/>
+              <a:t>Réaliser une étude analytique à partir de ces données</a:t>
             </a:r>
             <a:br>
-              <a:rPr lang="fr"/>
+              <a:rPr lang="fr" dirty="0"/>
             </a:br>
-            <a:endParaRPr>
+            <a:endParaRPr dirty="0">
               <a:latin typeface="Arial"/>
               <a:ea typeface="Arial"/>
               <a:cs typeface="Arial"/>
@@ -12963,7 +12975,7 @@
               </a:spcAft>
               <a:buNone/>
             </a:pPr>
-            <a:endParaRPr/>
+            <a:endParaRPr dirty="0"/>
           </a:p>
         </p:txBody>
       </p:sp>
@@ -13140,14 +13152,14 @@
               <a:buNone/>
             </a:pPr>
             <a:r>
-              <a:rPr lang="fr" sz="2300" b="1">
+              <a:rPr lang="fr" sz="2300" b="1" dirty="0">
                 <a:solidFill>
                   <a:schemeClr val="dk2"/>
                 </a:solidFill>
               </a:rPr>
               <a:t>Partie Base De Données</a:t>
             </a:r>
-            <a:endParaRPr sz="2300" b="1">
+            <a:endParaRPr sz="2300" b="1" dirty="0">
               <a:solidFill>
                 <a:schemeClr val="dk2"/>
               </a:solidFill>
@@ -13168,14 +13180,60 @@
               <a:buChar char="●"/>
             </a:pPr>
             <a:r>
-              <a:rPr lang="fr">
+              <a:rPr lang="fr" dirty="0">
                 <a:solidFill>
                   <a:schemeClr val="dk2"/>
                 </a:solidFill>
               </a:rPr>
               <a:t>MCD</a:t>
             </a:r>
-            <a:endParaRPr>
+          </a:p>
+          <a:p>
+            <a:pPr marL="457200" lvl="0" indent="-342900" algn="l" rtl="0">
+              <a:spcBef>
+                <a:spcPts val="1200"/>
+              </a:spcBef>
+              <a:spcAft>
+                <a:spcPts val="0"/>
+              </a:spcAft>
+              <a:buClr>
+                <a:schemeClr val="dk2"/>
+              </a:buClr>
+              <a:buSzPts val="1800"/>
+              <a:buChar char="●"/>
+            </a:pPr>
+            <a:r>
+              <a:rPr lang="fr" dirty="0">
+                <a:solidFill>
+                  <a:schemeClr val="dk2"/>
+                </a:solidFill>
+              </a:rPr>
+              <a:t>Script d’insertion des données</a:t>
+            </a:r>
+          </a:p>
+          <a:p>
+            <a:pPr marL="457200" lvl="0" indent="-342900" algn="l" rtl="0">
+              <a:spcBef>
+                <a:spcPts val="1200"/>
+              </a:spcBef>
+              <a:spcAft>
+                <a:spcPts val="0"/>
+              </a:spcAft>
+              <a:buClr>
+                <a:schemeClr val="dk2"/>
+              </a:buClr>
+              <a:buSzPts val="1800"/>
+              <a:buChar char="●"/>
+            </a:pPr>
+            <a:r>
+              <a:rPr lang="fr" dirty="0">
+                <a:solidFill>
+                  <a:schemeClr val="dk2"/>
+                </a:solidFill>
+              </a:rPr>
+              <a:t>Vues</a:t>
+            </a:r>
+            <a:endParaRPr dirty="0">
               <a:solidFill>
                 <a:schemeClr val="dk2"/>
               </a:solidFill>
@@ -13192,14 +13250,14 @@
               <a:buNone/>
             </a:pPr>
             <a:r>
-              <a:rPr lang="fr" sz="2300" b="1">
+              <a:rPr lang="fr" sz="2300" b="1" dirty="0">
                 <a:solidFill>
                   <a:schemeClr val="dk2"/>
                 </a:solidFill>
               </a:rPr>
               <a:t>Partie Statistiques</a:t>
             </a:r>
-            <a:endParaRPr sz="2300" b="1">
+            <a:endParaRPr sz="2300" b="1" dirty="0">
               <a:solidFill>
                 <a:schemeClr val="dk2"/>
               </a:solidFill>
@@ -13220,14 +13278,14 @@
               <a:buChar char="●"/>
             </a:pPr>
             <a:r>
-              <a:rPr lang="fr">
+              <a:rPr lang="fr" dirty="0">
                 <a:solidFill>
                   <a:schemeClr val="dk2"/>
                 </a:solidFill>
               </a:rPr>
               <a:t>Indicateurs</a:t>
             </a:r>
-            <a:endParaRPr>
+            <a:endParaRPr dirty="0">
               <a:solidFill>
                 <a:schemeClr val="dk2"/>
               </a:solidFill>
@@ -13248,14 +13306,14 @@
               <a:buChar char="●"/>
             </a:pPr>
             <a:r>
-              <a:rPr lang="fr">
+              <a:rPr lang="fr" dirty="0">
                 <a:solidFill>
                   <a:schemeClr val="dk2"/>
                 </a:solidFill>
               </a:rPr>
               <a:t>Visualisation</a:t>
             </a:r>
-            <a:endParaRPr sz="2300" b="1">
+            <a:endParaRPr sz="2300" b="1" dirty="0">
               <a:solidFill>
                 <a:schemeClr val="dk2"/>
               </a:solidFill>
@@ -13276,7 +13334,7 @@
               <a:buFont typeface="Arial"/>
               <a:buNone/>
             </a:pPr>
-            <a:endParaRPr b="1">
+            <a:endParaRPr b="1" dirty="0">
               <a:solidFill>
                 <a:schemeClr val="dk2"/>
               </a:solidFill>
@@ -13292,7 +13350,7 @@
               </a:spcAft>
               <a:buNone/>
             </a:pPr>
-            <a:endParaRPr>
+            <a:endParaRPr dirty="0">
               <a:solidFill>
                 <a:schemeClr val="dk2"/>
               </a:solidFill>

--- a/Sae S2.04.pptx
+++ b/Sae S2.04.pptx
@@ -5,7 +5,7 @@
     <p:sldMasterId id="2147483663" r:id="rId1"/>
   </p:sldMasterIdLst>
   <p:notesMasterIdLst>
-    <p:notesMasterId r:id="rId14"/>
+    <p:notesMasterId r:id="rId18"/>
   </p:notesMasterIdLst>
   <p:sldIdLst>
     <p:sldId id="256" r:id="rId2"/>
@@ -18,32 +18,36 @@
     <p:sldId id="263" r:id="rId9"/>
     <p:sldId id="264" r:id="rId10"/>
     <p:sldId id="265" r:id="rId11"/>
-    <p:sldId id="266" r:id="rId12"/>
-    <p:sldId id="267" r:id="rId13"/>
+    <p:sldId id="268" r:id="rId12"/>
+    <p:sldId id="269" r:id="rId13"/>
+    <p:sldId id="270" r:id="rId14"/>
+    <p:sldId id="271" r:id="rId15"/>
+    <p:sldId id="266" r:id="rId16"/>
+    <p:sldId id="267" r:id="rId17"/>
   </p:sldIdLst>
   <p:sldSz cx="9144000" cy="5143500" type="screen16x9"/>
   <p:notesSz cx="6858000" cy="9144000"/>
   <p:embeddedFontLst>
     <p:embeddedFont>
       <p:font typeface="Raleway" pitchFamily="2" charset="0"/>
-      <p:regular r:id="rId15"/>
-      <p:bold r:id="rId16"/>
-      <p:italic r:id="rId17"/>
-      <p:boldItalic r:id="rId18"/>
-    </p:embeddedFont>
-    <p:embeddedFont>
-      <p:font typeface="Raleway Medium" pitchFamily="2" charset="0"/>
       <p:regular r:id="rId19"/>
       <p:bold r:id="rId20"/>
       <p:italic r:id="rId21"/>
       <p:boldItalic r:id="rId22"/>
     </p:embeddedFont>
     <p:embeddedFont>
-      <p:font typeface="Source Sans Pro" panose="020B0503030403020204" pitchFamily="34" charset="0"/>
+      <p:font typeface="Raleway Medium" pitchFamily="2" charset="0"/>
       <p:regular r:id="rId23"/>
       <p:bold r:id="rId24"/>
       <p:italic r:id="rId25"/>
       <p:boldItalic r:id="rId26"/>
+    </p:embeddedFont>
+    <p:embeddedFont>
+      <p:font typeface="Source Sans Pro" panose="020B0503030403020204" pitchFamily="34" charset="0"/>
+      <p:regular r:id="rId27"/>
+      <p:bold r:id="rId28"/>
+      <p:italic r:id="rId29"/>
+      <p:boldItalic r:id="rId30"/>
     </p:embeddedFont>
   </p:embeddedFontLst>
   <p:defaultTextStyle>
@@ -534,6 +538,31 @@
   </mc:AlternateContent>
   <c:chart>
     <c:title>
+      <c:tx>
+        <c:rich>
+          <a:bodyPr rot="0" spcFirstLastPara="1" vertOverflow="ellipsis" vert="horz" wrap="square" anchor="ctr" anchorCtr="1"/>
+          <a:lstStyle/>
+          <a:p>
+            <a:pPr>
+              <a:defRPr sz="1862" b="0" i="0" u="none" strike="noStrike" kern="1200" spc="0" baseline="0">
+                <a:solidFill>
+                  <a:schemeClr val="tx1">
+                    <a:lumMod val="65000"/>
+                    <a:lumOff val="35000"/>
+                  </a:schemeClr>
+                </a:solidFill>
+                <a:latin typeface="+mn-lt"/>
+                <a:ea typeface="+mn-ea"/>
+                <a:cs typeface="+mn-cs"/>
+              </a:defRPr>
+            </a:pPr>
+            <a:r>
+              <a:rPr lang="fr-FR" dirty="0"/>
+              <a:t>Ventes des produits</a:t>
+            </a:r>
+          </a:p>
+        </c:rich>
+      </c:tx>
       <c:layout>
         <c:manualLayout>
           <c:xMode val="edge"/>
@@ -2042,7 +2071,7 @@
         </p:nvSpPr>
         <p:spPr>
           <a:xfrm>
-            <a:off x="381300" y="685800"/>
+            <a:off x="381000" y="685800"/>
             <a:ext cx="6096000" cy="3429000"/>
           </a:xfrm>
           <a:custGeom>
@@ -2250,7 +2279,7 @@
         </p:nvSpPr>
         <p:spPr>
           <a:xfrm>
-            <a:off x="381300" y="685800"/>
+            <a:off x="381000" y="685800"/>
             <a:ext cx="6096000" cy="3429000"/>
           </a:xfrm>
           <a:custGeom>
@@ -2354,7 +2383,7 @@
         </p:nvSpPr>
         <p:spPr>
           <a:xfrm>
-            <a:off x="381000" y="685800"/>
+            <a:off x="381300" y="685800"/>
             <a:ext cx="6096000" cy="3429000"/>
           </a:xfrm>
           <a:custGeom>
@@ -2458,7 +2487,7 @@
         </p:nvSpPr>
         <p:spPr>
           <a:xfrm>
-            <a:off x="381000" y="685800"/>
+            <a:off x="381300" y="685800"/>
             <a:ext cx="6096000" cy="3429000"/>
           </a:xfrm>
           <a:custGeom>
@@ -2666,7 +2695,7 @@
         </p:nvSpPr>
         <p:spPr>
           <a:xfrm>
-            <a:off x="381300" y="685800"/>
+            <a:off x="381000" y="685800"/>
             <a:ext cx="6096000" cy="3429000"/>
           </a:xfrm>
           <a:custGeom>
@@ -12370,7 +12399,7 @@
               <a:buNone/>
             </a:pPr>
             <a:r>
-              <a:rPr lang="fr" sz="2550">
+              <a:rPr lang="fr" sz="2550" dirty="0">
                 <a:solidFill>
                   <a:schemeClr val="lt1"/>
                 </a:solidFill>
@@ -12381,7 +12410,7 @@
               </a:rPr>
               <a:t>Romain Barabant / Léo Bourdin</a:t>
             </a:r>
-            <a:endParaRPr sz="2550">
+            <a:endParaRPr sz="2550" dirty="0">
               <a:solidFill>
                 <a:schemeClr val="lt1"/>
               </a:solidFill>
@@ -12406,7 +12435,7 @@
               <a:buNone/>
             </a:pPr>
             <a:r>
-              <a:rPr lang="fr" sz="2550">
+              <a:rPr lang="fr" sz="2550" dirty="0">
                 <a:solidFill>
                   <a:schemeClr val="lt1"/>
                 </a:solidFill>
@@ -12417,7 +12446,7 @@
               </a:rPr>
               <a:t>Benoit Cretin / Erwann Sami</a:t>
             </a:r>
-            <a:endParaRPr sz="1140">
+            <a:endParaRPr sz="1140" dirty="0">
               <a:solidFill>
                 <a:schemeClr val="lt1"/>
               </a:solidFill>
@@ -12512,11 +12541,7 @@
               </a:spcAft>
               <a:buNone/>
             </a:pPr>
-            <a:r>
-              <a:rPr lang="fr"/>
-              <a:t>bar chart</a:t>
-            </a:r>
-            <a:endParaRPr/>
+            <a:endParaRPr dirty="0"/>
           </a:p>
         </p:txBody>
       </p:sp>
@@ -12570,6 +12595,53 @@
           </a:p>
         </p:txBody>
       </p:sp>
+      <p:pic>
+        <p:nvPicPr>
+          <p:cNvPr id="1026" name="Picture 2">
+            <a:extLst>
+              <a:ext uri="{FF2B5EF4-FFF2-40B4-BE49-F238E27FC236}">
+                <a16:creationId xmlns:a16="http://schemas.microsoft.com/office/drawing/2014/main" id="{AE484419-1548-4B3B-5E6F-DB481FDD4F2D}"/>
+              </a:ext>
+            </a:extLst>
+          </p:cNvPr>
+          <p:cNvPicPr>
+            <a:picLocks noChangeAspect="1" noChangeArrowheads="1"/>
+          </p:cNvPicPr>
+          <p:nvPr/>
+        </p:nvPicPr>
+        <p:blipFill>
+          <a:blip r:embed="rId3">
+            <a:extLst>
+              <a:ext uri="{28A0092B-C50C-407E-A947-70E740481C1C}">
+                <a14:useLocalDpi xmlns:a14="http://schemas.microsoft.com/office/drawing/2010/main" val="0"/>
+              </a:ext>
+            </a:extLst>
+          </a:blip>
+          <a:srcRect/>
+          <a:stretch>
+            <a:fillRect/>
+          </a:stretch>
+        </p:blipFill>
+        <p:spPr bwMode="auto">
+          <a:xfrm>
+            <a:off x="178045" y="194310"/>
+            <a:ext cx="8787909" cy="4149090"/>
+          </a:xfrm>
+          <a:prstGeom prst="rect">
+            <a:avLst/>
+          </a:prstGeom>
+          <a:noFill/>
+          <a:extLst>
+            <a:ext uri="{909E8E84-426E-40DD-AFC4-6F175D3DCCD1}">
+              <a14:hiddenFill xmlns:a14="http://schemas.microsoft.com/office/drawing/2010/main">
+                <a:solidFill>
+                  <a:srgbClr val="FFFFFF"/>
+                </a:solidFill>
+              </a14:hiddenFill>
+            </a:ext>
+          </a:extLst>
+        </p:spPr>
+      </p:pic>
     </p:spTree>
   </p:cSld>
   <p:clrMapOvr>
@@ -12579,6 +12651,574 @@
 </file>
 
 <file path=ppt/slides/slide11.xml><?xml version="1.0" encoding="utf-8"?>
+<p:sld xmlns:a="http://schemas.openxmlformats.org/drawingml/2006/main" xmlns:r="http://schemas.openxmlformats.org/officeDocument/2006/relationships" xmlns:p="http://schemas.openxmlformats.org/presentationml/2006/main">
+  <p:cSld>
+    <p:spTree>
+      <p:nvGrpSpPr>
+        <p:cNvPr id="1" name=""/>
+        <p:cNvGrpSpPr/>
+        <p:nvPr/>
+      </p:nvGrpSpPr>
+      <p:grpSpPr>
+        <a:xfrm>
+          <a:off x="0" y="0"/>
+          <a:ext cx="0" cy="0"/>
+          <a:chOff x="0" y="0"/>
+          <a:chExt cx="0" cy="0"/>
+        </a:xfrm>
+      </p:grpSpPr>
+      <p:sp>
+        <p:nvSpPr>
+          <p:cNvPr id="2" name="Titre 1">
+            <a:extLst>
+              <a:ext uri="{FF2B5EF4-FFF2-40B4-BE49-F238E27FC236}">
+                <a16:creationId xmlns:a16="http://schemas.microsoft.com/office/drawing/2014/main" id="{1A9DA6F0-F00B-5C8E-CF09-AFA4B45283F2}"/>
+              </a:ext>
+            </a:extLst>
+          </p:cNvPr>
+          <p:cNvSpPr>
+            <a:spLocks noGrp="1"/>
+          </p:cNvSpPr>
+          <p:nvPr>
+            <p:ph type="title"/>
+          </p:nvPr>
+        </p:nvSpPr>
+        <p:spPr/>
+        <p:txBody>
+          <a:bodyPr>
+            <a:normAutofit fontScale="90000"/>
+          </a:bodyPr>
+          <a:lstStyle/>
+          <a:p>
+            <a:endParaRPr lang="fr-FR"/>
+          </a:p>
+        </p:txBody>
+      </p:sp>
+      <p:sp>
+        <p:nvSpPr>
+          <p:cNvPr id="3" name="Espace réservé du numéro de diapositive 2">
+            <a:extLst>
+              <a:ext uri="{FF2B5EF4-FFF2-40B4-BE49-F238E27FC236}">
+                <a16:creationId xmlns:a16="http://schemas.microsoft.com/office/drawing/2014/main" id="{1BBFB12F-DA6E-A8B1-F737-4307D70B2741}"/>
+              </a:ext>
+            </a:extLst>
+          </p:cNvPr>
+          <p:cNvSpPr>
+            <a:spLocks noGrp="1"/>
+          </p:cNvSpPr>
+          <p:nvPr>
+            <p:ph type="sldNum" idx="12"/>
+          </p:nvPr>
+        </p:nvSpPr>
+        <p:spPr/>
+        <p:txBody>
+          <a:bodyPr/>
+          <a:lstStyle/>
+          <a:p>
+            <a:pPr marL="0" lvl="0" indent="0" algn="r" rtl="0">
+              <a:spcBef>
+                <a:spcPts val="0"/>
+              </a:spcBef>
+              <a:spcAft>
+                <a:spcPts val="0"/>
+              </a:spcAft>
+              <a:buNone/>
+            </a:pPr>
+            <a:fld id="{00000000-1234-1234-1234-123412341234}" type="slidenum">
+              <a:rPr lang="fr-FR" smtClean="0"/>
+              <a:t>11</a:t>
+            </a:fld>
+            <a:endParaRPr lang="fr-FR"/>
+          </a:p>
+        </p:txBody>
+      </p:sp>
+      <p:pic>
+        <p:nvPicPr>
+          <p:cNvPr id="2050" name="Picture 2">
+            <a:extLst>
+              <a:ext uri="{FF2B5EF4-FFF2-40B4-BE49-F238E27FC236}">
+                <a16:creationId xmlns:a16="http://schemas.microsoft.com/office/drawing/2014/main" id="{F3F2F766-E46A-1CE6-3EE7-94F80EE977EE}"/>
+              </a:ext>
+            </a:extLst>
+          </p:cNvPr>
+          <p:cNvPicPr>
+            <a:picLocks noChangeAspect="1" noChangeArrowheads="1"/>
+          </p:cNvPicPr>
+          <p:nvPr/>
+        </p:nvPicPr>
+        <p:blipFill>
+          <a:blip r:embed="rId2">
+            <a:extLst>
+              <a:ext uri="{28A0092B-C50C-407E-A947-70E740481C1C}">
+                <a14:useLocalDpi xmlns:a14="http://schemas.microsoft.com/office/drawing/2010/main" val="0"/>
+              </a:ext>
+            </a:extLst>
+          </a:blip>
+          <a:srcRect/>
+          <a:stretch>
+            <a:fillRect/>
+          </a:stretch>
+        </p:blipFill>
+        <p:spPr bwMode="auto">
+          <a:xfrm>
+            <a:off x="98159" y="113554"/>
+            <a:ext cx="8919328" cy="4218415"/>
+          </a:xfrm>
+          <a:prstGeom prst="rect">
+            <a:avLst/>
+          </a:prstGeom>
+          <a:noFill/>
+          <a:extLst>
+            <a:ext uri="{909E8E84-426E-40DD-AFC4-6F175D3DCCD1}">
+              <a14:hiddenFill xmlns:a14="http://schemas.microsoft.com/office/drawing/2010/main">
+                <a:solidFill>
+                  <a:srgbClr val="FFFFFF"/>
+                </a:solidFill>
+              </a14:hiddenFill>
+            </a:ext>
+          </a:extLst>
+        </p:spPr>
+      </p:pic>
+    </p:spTree>
+    <p:extLst>
+      <p:ext uri="{BB962C8B-B14F-4D97-AF65-F5344CB8AC3E}">
+        <p14:creationId xmlns:p14="http://schemas.microsoft.com/office/powerpoint/2010/main" val="1129389365"/>
+      </p:ext>
+    </p:extLst>
+  </p:cSld>
+  <p:clrMapOvr>
+    <a:masterClrMapping/>
+  </p:clrMapOvr>
+</p:sld>
+</file>
+
+<file path=ppt/slides/slide12.xml><?xml version="1.0" encoding="utf-8"?>
+<p:sld xmlns:a="http://schemas.openxmlformats.org/drawingml/2006/main" xmlns:r="http://schemas.openxmlformats.org/officeDocument/2006/relationships" xmlns:p="http://schemas.openxmlformats.org/presentationml/2006/main">
+  <p:cSld>
+    <p:spTree>
+      <p:nvGrpSpPr>
+        <p:cNvPr id="1" name=""/>
+        <p:cNvGrpSpPr/>
+        <p:nvPr/>
+      </p:nvGrpSpPr>
+      <p:grpSpPr>
+        <a:xfrm>
+          <a:off x="0" y="0"/>
+          <a:ext cx="0" cy="0"/>
+          <a:chOff x="0" y="0"/>
+          <a:chExt cx="0" cy="0"/>
+        </a:xfrm>
+      </p:grpSpPr>
+      <p:sp>
+        <p:nvSpPr>
+          <p:cNvPr id="2" name="Titre 1">
+            <a:extLst>
+              <a:ext uri="{FF2B5EF4-FFF2-40B4-BE49-F238E27FC236}">
+                <a16:creationId xmlns:a16="http://schemas.microsoft.com/office/drawing/2014/main" id="{F531FFC0-33DC-289B-957D-57E6BD8E4C5F}"/>
+              </a:ext>
+            </a:extLst>
+          </p:cNvPr>
+          <p:cNvSpPr>
+            <a:spLocks noGrp="1"/>
+          </p:cNvSpPr>
+          <p:nvPr>
+            <p:ph type="title"/>
+          </p:nvPr>
+        </p:nvSpPr>
+        <p:spPr/>
+        <p:txBody>
+          <a:bodyPr>
+            <a:normAutofit fontScale="90000"/>
+          </a:bodyPr>
+          <a:lstStyle/>
+          <a:p>
+            <a:endParaRPr lang="fr-FR"/>
+          </a:p>
+        </p:txBody>
+      </p:sp>
+      <p:sp>
+        <p:nvSpPr>
+          <p:cNvPr id="3" name="Espace réservé du numéro de diapositive 2">
+            <a:extLst>
+              <a:ext uri="{FF2B5EF4-FFF2-40B4-BE49-F238E27FC236}">
+                <a16:creationId xmlns:a16="http://schemas.microsoft.com/office/drawing/2014/main" id="{9F884DD8-EA98-B96E-558A-AA2D993158BA}"/>
+              </a:ext>
+            </a:extLst>
+          </p:cNvPr>
+          <p:cNvSpPr>
+            <a:spLocks noGrp="1"/>
+          </p:cNvSpPr>
+          <p:nvPr>
+            <p:ph type="sldNum" idx="12"/>
+          </p:nvPr>
+        </p:nvSpPr>
+        <p:spPr/>
+        <p:txBody>
+          <a:bodyPr/>
+          <a:lstStyle/>
+          <a:p>
+            <a:pPr marL="0" lvl="0" indent="0" algn="r" rtl="0">
+              <a:spcBef>
+                <a:spcPts val="0"/>
+              </a:spcBef>
+              <a:spcAft>
+                <a:spcPts val="0"/>
+              </a:spcAft>
+              <a:buNone/>
+            </a:pPr>
+            <a:fld id="{00000000-1234-1234-1234-123412341234}" type="slidenum">
+              <a:rPr lang="fr-FR" smtClean="0"/>
+              <a:t>12</a:t>
+            </a:fld>
+            <a:endParaRPr lang="fr-FR"/>
+          </a:p>
+        </p:txBody>
+      </p:sp>
+      <p:pic>
+        <p:nvPicPr>
+          <p:cNvPr id="3074" name="Picture 2">
+            <a:extLst>
+              <a:ext uri="{FF2B5EF4-FFF2-40B4-BE49-F238E27FC236}">
+                <a16:creationId xmlns:a16="http://schemas.microsoft.com/office/drawing/2014/main" id="{B7789614-ABF9-B31E-DD67-D0E6ADB76AFC}"/>
+              </a:ext>
+            </a:extLst>
+          </p:cNvPr>
+          <p:cNvPicPr>
+            <a:picLocks noChangeAspect="1" noChangeArrowheads="1"/>
+          </p:cNvPicPr>
+          <p:nvPr/>
+        </p:nvPicPr>
+        <p:blipFill>
+          <a:blip r:embed="rId2">
+            <a:extLst>
+              <a:ext uri="{28A0092B-C50C-407E-A947-70E740481C1C}">
+                <a14:useLocalDpi xmlns:a14="http://schemas.microsoft.com/office/drawing/2010/main" val="0"/>
+              </a:ext>
+            </a:extLst>
+          </a:blip>
+          <a:srcRect/>
+          <a:stretch>
+            <a:fillRect/>
+          </a:stretch>
+        </p:blipFill>
+        <p:spPr bwMode="auto">
+          <a:xfrm>
+            <a:off x="116289" y="217170"/>
+            <a:ext cx="8930410" cy="4080510"/>
+          </a:xfrm>
+          <a:prstGeom prst="rect">
+            <a:avLst/>
+          </a:prstGeom>
+          <a:noFill/>
+          <a:extLst>
+            <a:ext uri="{909E8E84-426E-40DD-AFC4-6F175D3DCCD1}">
+              <a14:hiddenFill xmlns:a14="http://schemas.microsoft.com/office/drawing/2010/main">
+                <a:solidFill>
+                  <a:srgbClr val="FFFFFF"/>
+                </a:solidFill>
+              </a14:hiddenFill>
+            </a:ext>
+          </a:extLst>
+        </p:spPr>
+      </p:pic>
+    </p:spTree>
+    <p:extLst>
+      <p:ext uri="{BB962C8B-B14F-4D97-AF65-F5344CB8AC3E}">
+        <p14:creationId xmlns:p14="http://schemas.microsoft.com/office/powerpoint/2010/main" val="3737392981"/>
+      </p:ext>
+    </p:extLst>
+  </p:cSld>
+  <p:clrMapOvr>
+    <a:masterClrMapping/>
+  </p:clrMapOvr>
+</p:sld>
+</file>
+
+<file path=ppt/slides/slide13.xml><?xml version="1.0" encoding="utf-8"?>
+<p:sld xmlns:a="http://schemas.openxmlformats.org/drawingml/2006/main" xmlns:r="http://schemas.openxmlformats.org/officeDocument/2006/relationships" xmlns:p="http://schemas.openxmlformats.org/presentationml/2006/main">
+  <p:cSld>
+    <p:spTree>
+      <p:nvGrpSpPr>
+        <p:cNvPr id="1" name=""/>
+        <p:cNvGrpSpPr/>
+        <p:nvPr/>
+      </p:nvGrpSpPr>
+      <p:grpSpPr>
+        <a:xfrm>
+          <a:off x="0" y="0"/>
+          <a:ext cx="0" cy="0"/>
+          <a:chOff x="0" y="0"/>
+          <a:chExt cx="0" cy="0"/>
+        </a:xfrm>
+      </p:grpSpPr>
+      <p:sp>
+        <p:nvSpPr>
+          <p:cNvPr id="2" name="Titre 1">
+            <a:extLst>
+              <a:ext uri="{FF2B5EF4-FFF2-40B4-BE49-F238E27FC236}">
+                <a16:creationId xmlns:a16="http://schemas.microsoft.com/office/drawing/2014/main" id="{23A699C2-49A7-560B-B987-39B2BB762DCF}"/>
+              </a:ext>
+            </a:extLst>
+          </p:cNvPr>
+          <p:cNvSpPr>
+            <a:spLocks noGrp="1"/>
+          </p:cNvSpPr>
+          <p:nvPr>
+            <p:ph type="title"/>
+          </p:nvPr>
+        </p:nvSpPr>
+        <p:spPr/>
+        <p:txBody>
+          <a:bodyPr>
+            <a:normAutofit fontScale="90000"/>
+          </a:bodyPr>
+          <a:lstStyle/>
+          <a:p>
+            <a:endParaRPr lang="fr-FR"/>
+          </a:p>
+        </p:txBody>
+      </p:sp>
+      <p:sp>
+        <p:nvSpPr>
+          <p:cNvPr id="3" name="Espace réservé du numéro de diapositive 2">
+            <a:extLst>
+              <a:ext uri="{FF2B5EF4-FFF2-40B4-BE49-F238E27FC236}">
+                <a16:creationId xmlns:a16="http://schemas.microsoft.com/office/drawing/2014/main" id="{9D4403CB-AA06-DB76-C64D-53104F0D9CF6}"/>
+              </a:ext>
+            </a:extLst>
+          </p:cNvPr>
+          <p:cNvSpPr>
+            <a:spLocks noGrp="1"/>
+          </p:cNvSpPr>
+          <p:nvPr>
+            <p:ph type="sldNum" idx="12"/>
+          </p:nvPr>
+        </p:nvSpPr>
+        <p:spPr/>
+        <p:txBody>
+          <a:bodyPr/>
+          <a:lstStyle/>
+          <a:p>
+            <a:pPr marL="0" lvl="0" indent="0" algn="r" rtl="0">
+              <a:spcBef>
+                <a:spcPts val="0"/>
+              </a:spcBef>
+              <a:spcAft>
+                <a:spcPts val="0"/>
+              </a:spcAft>
+              <a:buNone/>
+            </a:pPr>
+            <a:fld id="{00000000-1234-1234-1234-123412341234}" type="slidenum">
+              <a:rPr lang="fr-FR" smtClean="0"/>
+              <a:t>13</a:t>
+            </a:fld>
+            <a:endParaRPr lang="fr-FR"/>
+          </a:p>
+        </p:txBody>
+      </p:sp>
+      <p:pic>
+        <p:nvPicPr>
+          <p:cNvPr id="4098" name="Picture 2">
+            <a:extLst>
+              <a:ext uri="{FF2B5EF4-FFF2-40B4-BE49-F238E27FC236}">
+                <a16:creationId xmlns:a16="http://schemas.microsoft.com/office/drawing/2014/main" id="{EA79DB27-C37B-867A-F194-3B76B92D3773}"/>
+              </a:ext>
+            </a:extLst>
+          </p:cNvPr>
+          <p:cNvPicPr>
+            <a:picLocks noChangeAspect="1" noChangeArrowheads="1"/>
+          </p:cNvPicPr>
+          <p:nvPr/>
+        </p:nvPicPr>
+        <p:blipFill>
+          <a:blip r:embed="rId2">
+            <a:extLst>
+              <a:ext uri="{28A0092B-C50C-407E-A947-70E740481C1C}">
+                <a14:useLocalDpi xmlns:a14="http://schemas.microsoft.com/office/drawing/2010/main" val="0"/>
+              </a:ext>
+            </a:extLst>
+          </a:blip>
+          <a:srcRect/>
+          <a:stretch>
+            <a:fillRect/>
+          </a:stretch>
+        </p:blipFill>
+        <p:spPr bwMode="auto">
+          <a:xfrm>
+            <a:off x="121966" y="102126"/>
+            <a:ext cx="8906287" cy="4149834"/>
+          </a:xfrm>
+          <a:prstGeom prst="rect">
+            <a:avLst/>
+          </a:prstGeom>
+          <a:noFill/>
+          <a:extLst>
+            <a:ext uri="{909E8E84-426E-40DD-AFC4-6F175D3DCCD1}">
+              <a14:hiddenFill xmlns:a14="http://schemas.microsoft.com/office/drawing/2010/main">
+                <a:solidFill>
+                  <a:srgbClr val="FFFFFF"/>
+                </a:solidFill>
+              </a14:hiddenFill>
+            </a:ext>
+          </a:extLst>
+        </p:spPr>
+      </p:pic>
+    </p:spTree>
+    <p:extLst>
+      <p:ext uri="{BB962C8B-B14F-4D97-AF65-F5344CB8AC3E}">
+        <p14:creationId xmlns:p14="http://schemas.microsoft.com/office/powerpoint/2010/main" val="1632262073"/>
+      </p:ext>
+    </p:extLst>
+  </p:cSld>
+  <p:clrMapOvr>
+    <a:masterClrMapping/>
+  </p:clrMapOvr>
+</p:sld>
+</file>
+
+<file path=ppt/slides/slide14.xml><?xml version="1.0" encoding="utf-8"?>
+<p:sld xmlns:a="http://schemas.openxmlformats.org/drawingml/2006/main" xmlns:r="http://schemas.openxmlformats.org/officeDocument/2006/relationships" xmlns:p="http://schemas.openxmlformats.org/presentationml/2006/main">
+  <p:cSld>
+    <p:spTree>
+      <p:nvGrpSpPr>
+        <p:cNvPr id="1" name=""/>
+        <p:cNvGrpSpPr/>
+        <p:nvPr/>
+      </p:nvGrpSpPr>
+      <p:grpSpPr>
+        <a:xfrm>
+          <a:off x="0" y="0"/>
+          <a:ext cx="0" cy="0"/>
+          <a:chOff x="0" y="0"/>
+          <a:chExt cx="0" cy="0"/>
+        </a:xfrm>
+      </p:grpSpPr>
+      <p:sp>
+        <p:nvSpPr>
+          <p:cNvPr id="2" name="Titre 1">
+            <a:extLst>
+              <a:ext uri="{FF2B5EF4-FFF2-40B4-BE49-F238E27FC236}">
+                <a16:creationId xmlns:a16="http://schemas.microsoft.com/office/drawing/2014/main" id="{6B4AD40A-89FB-C182-F1FC-1573BE8E1457}"/>
+              </a:ext>
+            </a:extLst>
+          </p:cNvPr>
+          <p:cNvSpPr>
+            <a:spLocks noGrp="1"/>
+          </p:cNvSpPr>
+          <p:nvPr>
+            <p:ph type="title"/>
+          </p:nvPr>
+        </p:nvSpPr>
+        <p:spPr/>
+        <p:txBody>
+          <a:bodyPr>
+            <a:normAutofit fontScale="90000"/>
+          </a:bodyPr>
+          <a:lstStyle/>
+          <a:p>
+            <a:endParaRPr lang="fr-FR"/>
+          </a:p>
+        </p:txBody>
+      </p:sp>
+      <p:sp>
+        <p:nvSpPr>
+          <p:cNvPr id="3" name="Espace réservé du numéro de diapositive 2">
+            <a:extLst>
+              <a:ext uri="{FF2B5EF4-FFF2-40B4-BE49-F238E27FC236}">
+                <a16:creationId xmlns:a16="http://schemas.microsoft.com/office/drawing/2014/main" id="{AA3D3970-4C78-AC8E-061D-8AB79E9E5DCA}"/>
+              </a:ext>
+            </a:extLst>
+          </p:cNvPr>
+          <p:cNvSpPr>
+            <a:spLocks noGrp="1"/>
+          </p:cNvSpPr>
+          <p:nvPr>
+            <p:ph type="sldNum" idx="12"/>
+          </p:nvPr>
+        </p:nvSpPr>
+        <p:spPr/>
+        <p:txBody>
+          <a:bodyPr/>
+          <a:lstStyle/>
+          <a:p>
+            <a:pPr marL="0" lvl="0" indent="0" algn="r" rtl="0">
+              <a:spcBef>
+                <a:spcPts val="0"/>
+              </a:spcBef>
+              <a:spcAft>
+                <a:spcPts val="0"/>
+              </a:spcAft>
+              <a:buNone/>
+            </a:pPr>
+            <a:fld id="{00000000-1234-1234-1234-123412341234}" type="slidenum">
+              <a:rPr lang="fr-FR" smtClean="0"/>
+              <a:t>14</a:t>
+            </a:fld>
+            <a:endParaRPr lang="fr-FR"/>
+          </a:p>
+        </p:txBody>
+      </p:sp>
+      <p:pic>
+        <p:nvPicPr>
+          <p:cNvPr id="5122" name="Picture 2">
+            <a:extLst>
+              <a:ext uri="{FF2B5EF4-FFF2-40B4-BE49-F238E27FC236}">
+                <a16:creationId xmlns:a16="http://schemas.microsoft.com/office/drawing/2014/main" id="{45BB6712-7027-D236-C1DA-B2EDA8E8EFE7}"/>
+              </a:ext>
+            </a:extLst>
+          </p:cNvPr>
+          <p:cNvPicPr>
+            <a:picLocks noChangeAspect="1" noChangeArrowheads="1"/>
+          </p:cNvPicPr>
+          <p:nvPr/>
+        </p:nvPicPr>
+        <p:blipFill>
+          <a:blip r:embed="rId2">
+            <a:extLst>
+              <a:ext uri="{28A0092B-C50C-407E-A947-70E740481C1C}">
+                <a14:useLocalDpi xmlns:a14="http://schemas.microsoft.com/office/drawing/2010/main" val="0"/>
+              </a:ext>
+            </a:extLst>
+          </a:blip>
+          <a:srcRect/>
+          <a:stretch>
+            <a:fillRect/>
+          </a:stretch>
+        </p:blipFill>
+        <p:spPr bwMode="auto">
+          <a:xfrm>
+            <a:off x="82551" y="189060"/>
+            <a:ext cx="8978898" cy="4177200"/>
+          </a:xfrm>
+          <a:prstGeom prst="rect">
+            <a:avLst/>
+          </a:prstGeom>
+          <a:noFill/>
+          <a:extLst>
+            <a:ext uri="{909E8E84-426E-40DD-AFC4-6F175D3DCCD1}">
+              <a14:hiddenFill xmlns:a14="http://schemas.microsoft.com/office/drawing/2010/main">
+                <a:solidFill>
+                  <a:srgbClr val="FFFFFF"/>
+                </a:solidFill>
+              </a14:hiddenFill>
+            </a:ext>
+          </a:extLst>
+        </p:spPr>
+      </p:pic>
+    </p:spTree>
+    <p:extLst>
+      <p:ext uri="{BB962C8B-B14F-4D97-AF65-F5344CB8AC3E}">
+        <p14:creationId xmlns:p14="http://schemas.microsoft.com/office/powerpoint/2010/main" val="3145780853"/>
+      </p:ext>
+    </p:extLst>
+  </p:cSld>
+  <p:clrMapOvr>
+    <a:masterClrMapping/>
+  </p:clrMapOvr>
+</p:sld>
+</file>
+
+<file path=ppt/slides/slide15.xml><?xml version="1.0" encoding="utf-8"?>
 <p:sld xmlns:a="http://schemas.openxmlformats.org/drawingml/2006/main" xmlns:r="http://schemas.openxmlformats.org/officeDocument/2006/relationships" xmlns:p="http://schemas.openxmlformats.org/presentationml/2006/main">
   <p:cSld>
     <p:spTree>
@@ -12656,7 +13296,7 @@
                   <a:schemeClr val="lt2"/>
                 </a:solidFill>
               </a:rPr>
-              <a:t>11</a:t>
+              <a:t>15</a:t>
             </a:fld>
             <a:endParaRPr>
               <a:solidFill>
@@ -12708,7 +13348,7 @@
 </p:sld>
 </file>
 
-<file path=ppt/slides/slide12.xml><?xml version="1.0" encoding="utf-8"?>
+<file path=ppt/slides/slide16.xml><?xml version="1.0" encoding="utf-8"?>
 <p:sld xmlns:a="http://schemas.openxmlformats.org/drawingml/2006/main" xmlns:r="http://schemas.openxmlformats.org/officeDocument/2006/relationships" xmlns:p="http://schemas.openxmlformats.org/presentationml/2006/main">
   <p:cSld>
     <p:spTree>
@@ -12807,7 +13447,7 @@
                   <a:schemeClr val="lt1"/>
                 </a:solidFill>
               </a:rPr>
-              <a:t>12</a:t>
+              <a:t>16</a:t>
             </a:fld>
             <a:endParaRPr>
               <a:solidFill>
@@ -12923,22 +13563,10 @@
               <a:buChar char="-"/>
             </a:pPr>
             <a:r>
-              <a:rPr lang="fr" sz="2000" dirty="0"/>
-              <a:t>Créer une base de donnée à partir des fichiers de données en .csv brutes client</a:t>
+              <a:rPr lang="fr"/>
+              <a:t>Créer une base de donnée a partir de données brutes donné</a:t>
             </a:r>
-          </a:p>
-          <a:p>
-            <a:pPr marL="114300" lvl="0" indent="0" algn="l" rtl="0">
-              <a:spcBef>
-                <a:spcPts val="0"/>
-              </a:spcBef>
-              <a:spcAft>
-                <a:spcPts val="0"/>
-              </a:spcAft>
-              <a:buSzPts val="1800"/>
-              <a:buNone/>
-            </a:pPr>
-            <a:endParaRPr sz="2000" dirty="0"/>
+            <a:endParaRPr/>
           </a:p>
           <a:p>
             <a:pPr marL="457200" lvl="0" indent="-342900" algn="l" rtl="0">
@@ -12952,13 +13580,13 @@
               <a:buChar char="-"/>
             </a:pPr>
             <a:r>
-              <a:rPr lang="fr" sz="2000" dirty="0"/>
-              <a:t>Réaliser une étude analytique à partir de ces données</a:t>
+              <a:rPr lang="fr"/>
+              <a:t>Réaliser une étude analytique a partir de ces données</a:t>
             </a:r>
             <a:br>
-              <a:rPr lang="fr" dirty="0"/>
+              <a:rPr lang="fr"/>
             </a:br>
-            <a:endParaRPr dirty="0">
+            <a:endParaRPr>
               <a:latin typeface="Arial"/>
               <a:ea typeface="Arial"/>
               <a:cs typeface="Arial"/>
@@ -12975,7 +13603,7 @@
               </a:spcAft>
               <a:buNone/>
             </a:pPr>
-            <a:endParaRPr dirty="0"/>
+            <a:endParaRPr/>
           </a:p>
         </p:txBody>
       </p:sp>
@@ -13152,14 +13780,14 @@
               <a:buNone/>
             </a:pPr>
             <a:r>
-              <a:rPr lang="fr" sz="2300" b="1" dirty="0">
+              <a:rPr lang="fr" sz="2300" b="1">
                 <a:solidFill>
                   <a:schemeClr val="dk2"/>
                 </a:solidFill>
               </a:rPr>
               <a:t>Partie Base De Données</a:t>
             </a:r>
-            <a:endParaRPr sz="2300" b="1" dirty="0">
+            <a:endParaRPr sz="2300" b="1">
               <a:solidFill>
                 <a:schemeClr val="dk2"/>
               </a:solidFill>
@@ -13180,13 +13808,42 @@
               <a:buChar char="●"/>
             </a:pPr>
             <a:r>
-              <a:rPr lang="fr" dirty="0">
+              <a:rPr lang="fr">
                 <a:solidFill>
                   <a:schemeClr val="dk2"/>
                 </a:solidFill>
               </a:rPr>
               <a:t>MCD</a:t>
             </a:r>
+            <a:endParaRPr>
+              <a:solidFill>
+                <a:schemeClr val="dk2"/>
+              </a:solidFill>
+            </a:endParaRPr>
+          </a:p>
+          <a:p>
+            <a:pPr marL="0" lvl="0" indent="0" algn="l" rtl="0">
+              <a:spcBef>
+                <a:spcPts val="1200"/>
+              </a:spcBef>
+              <a:spcAft>
+                <a:spcPts val="0"/>
+              </a:spcAft>
+              <a:buNone/>
+            </a:pPr>
+            <a:r>
+              <a:rPr lang="fr" sz="2300" b="1">
+                <a:solidFill>
+                  <a:schemeClr val="dk2"/>
+                </a:solidFill>
+              </a:rPr>
+              <a:t>Partie Statistiques</a:t>
+            </a:r>
+            <a:endParaRPr sz="2300" b="1">
+              <a:solidFill>
+                <a:schemeClr val="dk2"/>
+              </a:solidFill>
+            </a:endParaRPr>
           </a:p>
           <a:p>
             <a:pPr marL="457200" lvl="0" indent="-342900" algn="l" rtl="0">
@@ -13203,18 +13860,23 @@
               <a:buChar char="●"/>
             </a:pPr>
             <a:r>
-              <a:rPr lang="fr" dirty="0">
+              <a:rPr lang="fr">
                 <a:solidFill>
                   <a:schemeClr val="dk2"/>
                 </a:solidFill>
               </a:rPr>
-              <a:t>Script d’insertion des données</a:t>
+              <a:t>Indicateurs</a:t>
             </a:r>
+            <a:endParaRPr>
+              <a:solidFill>
+                <a:schemeClr val="dk2"/>
+              </a:solidFill>
+            </a:endParaRPr>
           </a:p>
           <a:p>
             <a:pPr marL="457200" lvl="0" indent="-342900" algn="l" rtl="0">
               <a:spcBef>
-                <a:spcPts val="1200"/>
+                <a:spcPts val="0"/>
               </a:spcBef>
               <a:spcAft>
                 <a:spcPts val="0"/>
@@ -13226,14 +13888,14 @@
               <a:buChar char="●"/>
             </a:pPr>
             <a:r>
-              <a:rPr lang="fr" dirty="0">
+              <a:rPr lang="fr">
                 <a:solidFill>
                   <a:schemeClr val="dk2"/>
                 </a:solidFill>
               </a:rPr>
-              <a:t>Vues</a:t>
+              <a:t>Visualisation</a:t>
             </a:r>
-            <a:endParaRPr dirty="0">
+            <a:endParaRPr sz="2300" b="1">
               <a:solidFill>
                 <a:schemeClr val="dk2"/>
               </a:solidFill>
@@ -13247,73 +13909,14 @@
               <a:spcAft>
                 <a:spcPts val="0"/>
               </a:spcAft>
-              <a:buNone/>
-            </a:pPr>
-            <a:r>
-              <a:rPr lang="fr" sz="2300" b="1" dirty="0">
-                <a:solidFill>
-                  <a:schemeClr val="dk2"/>
-                </a:solidFill>
-              </a:rPr>
-              <a:t>Partie Statistiques</a:t>
-            </a:r>
-            <a:endParaRPr sz="2300" b="1" dirty="0">
-              <a:solidFill>
-                <a:schemeClr val="dk2"/>
-              </a:solidFill>
-            </a:endParaRPr>
-          </a:p>
-          <a:p>
-            <a:pPr marL="457200" lvl="0" indent="-342900" algn="l" rtl="0">
-              <a:spcBef>
-                <a:spcPts val="1200"/>
-              </a:spcBef>
-              <a:spcAft>
-                <a:spcPts val="0"/>
-              </a:spcAft>
               <a:buClr>
                 <a:schemeClr val="dk2"/>
               </a:buClr>
-              <a:buSzPts val="1800"/>
-              <a:buChar char="●"/>
+              <a:buSzPts val="1100"/>
+              <a:buFont typeface="Arial"/>
+              <a:buNone/>
             </a:pPr>
-            <a:r>
-              <a:rPr lang="fr" dirty="0">
-                <a:solidFill>
-                  <a:schemeClr val="dk2"/>
-                </a:solidFill>
-              </a:rPr>
-              <a:t>Indicateurs</a:t>
-            </a:r>
-            <a:endParaRPr dirty="0">
-              <a:solidFill>
-                <a:schemeClr val="dk2"/>
-              </a:solidFill>
-            </a:endParaRPr>
-          </a:p>
-          <a:p>
-            <a:pPr marL="457200" lvl="0" indent="-342900" algn="l" rtl="0">
-              <a:spcBef>
-                <a:spcPts val="0"/>
-              </a:spcBef>
-              <a:spcAft>
-                <a:spcPts val="0"/>
-              </a:spcAft>
-              <a:buClr>
-                <a:schemeClr val="dk2"/>
-              </a:buClr>
-              <a:buSzPts val="1800"/>
-              <a:buChar char="●"/>
-            </a:pPr>
-            <a:r>
-              <a:rPr lang="fr" dirty="0">
-                <a:solidFill>
-                  <a:schemeClr val="dk2"/>
-                </a:solidFill>
-              </a:rPr>
-              <a:t>Visualisation</a:t>
-            </a:r>
-            <a:endParaRPr sz="2300" b="1" dirty="0">
+            <a:endParaRPr b="1">
               <a:solidFill>
                 <a:schemeClr val="dk2"/>
               </a:solidFill>
@@ -13325,32 +13928,11 @@
                 <a:spcPts val="1200"/>
               </a:spcBef>
               <a:spcAft>
-                <a:spcPts val="0"/>
-              </a:spcAft>
-              <a:buClr>
-                <a:schemeClr val="dk2"/>
-              </a:buClr>
-              <a:buSzPts val="1100"/>
-              <a:buFont typeface="Arial"/>
+                <a:spcPts val="1200"/>
+              </a:spcAft>
               <a:buNone/>
             </a:pPr>
-            <a:endParaRPr b="1" dirty="0">
-              <a:solidFill>
-                <a:schemeClr val="dk2"/>
-              </a:solidFill>
-            </a:endParaRPr>
-          </a:p>
-          <a:p>
-            <a:pPr marL="0" lvl="0" indent="0" algn="l" rtl="0">
-              <a:spcBef>
-                <a:spcPts val="1200"/>
-              </a:spcBef>
-              <a:spcAft>
-                <a:spcPts val="1200"/>
-              </a:spcAft>
-              <a:buNone/>
-            </a:pPr>
-            <a:endParaRPr dirty="0">
+            <a:endParaRPr>
               <a:solidFill>
                 <a:schemeClr val="dk2"/>
               </a:solidFill>
@@ -13699,7 +14281,7 @@
         </p:blipFill>
         <p:spPr>
           <a:xfrm>
-            <a:off x="152400" y="1220825"/>
+            <a:off x="214224" y="1323975"/>
             <a:ext cx="8839201" cy="3163267"/>
           </a:xfrm>
           <a:prstGeom prst="rect">
@@ -14012,7 +14594,7 @@
             </a:pPr>
             <a:r>
               <a:rPr lang="fr-FR" dirty="0"/>
-              <a:t>produits</a:t>
+              <a:t>Ligne produits</a:t>
             </a:r>
             <a:endParaRPr dirty="0"/>
           </a:p>
@@ -14029,7 +14611,7 @@
             </a:pPr>
             <a:r>
               <a:rPr lang="fr-FR" dirty="0"/>
-              <a:t>vente</a:t>
+              <a:t>Nombres de ventes</a:t>
             </a:r>
             <a:endParaRPr dirty="0"/>
           </a:p>
@@ -14045,7 +14627,7 @@
               <a:buChar char="-"/>
             </a:pPr>
             <a:r>
-              <a:rPr lang="fr"/>
+              <a:rPr lang="fr" dirty="0"/>
               <a:t>année</a:t>
             </a:r>
             <a:endParaRPr dirty="0"/>
@@ -14111,10 +14693,6 @@
               </a:spcAft>
               <a:buNone/>
             </a:pPr>
-            <a:r>
-              <a:rPr lang="fr-FR" dirty="0"/>
-              <a:t>Timeline</a:t>
-            </a:r>
             <a:endParaRPr dirty="0"/>
           </a:p>
         </p:txBody>
@@ -14174,7 +14752,7 @@
           <p:cNvPr id="3" name="Image 2">
             <a:extLst>
               <a:ext uri="{FF2B5EF4-FFF2-40B4-BE49-F238E27FC236}">
-                <a16:creationId xmlns:a16="http://schemas.microsoft.com/office/drawing/2014/main" id="{DACE3C02-16D9-B2F0-DDDC-7BE75D718568}"/>
+                <a16:creationId xmlns:a16="http://schemas.microsoft.com/office/drawing/2014/main" id="{2ADD0388-7A71-080B-1D86-DC6141A26F5E}"/>
               </a:ext>
             </a:extLst>
           </p:cNvPr>
@@ -14191,8 +14769,8 @@
         </p:blipFill>
         <p:spPr>
           <a:xfrm>
-            <a:off x="0" y="1184925"/>
-            <a:ext cx="9144000" cy="3584448"/>
+            <a:off x="144468" y="125730"/>
+            <a:ext cx="8602432" cy="4563029"/>
           </a:xfrm>
           <a:prstGeom prst="rect">
             <a:avLst/>
@@ -14347,7 +14925,7 @@
           <p:nvPr>
             <p:extLst>
               <p:ext uri="{D42A27DB-BD31-4B8C-83A1-F6EECF244321}">
-                <p14:modId xmlns:p14="http://schemas.microsoft.com/office/powerpoint/2010/main" val="882385265"/>
+                <p14:modId xmlns:p14="http://schemas.microsoft.com/office/powerpoint/2010/main" val="1854010119"/>
               </p:ext>
             </p:extLst>
           </p:nvPr>

--- a/Sae S2.04.pptx
+++ b/Sae S2.04.pptx
@@ -2383,7 +2383,7 @@
         </p:nvSpPr>
         <p:spPr>
           <a:xfrm>
-            <a:off x="381300" y="685800"/>
+            <a:off x="381000" y="685800"/>
             <a:ext cx="6096000" cy="3429000"/>
           </a:xfrm>
           <a:custGeom>
@@ -2487,7 +2487,7 @@
         </p:nvSpPr>
         <p:spPr>
           <a:xfrm>
-            <a:off x="381300" y="685800"/>
+            <a:off x="381000" y="685800"/>
             <a:ext cx="6096000" cy="3429000"/>
           </a:xfrm>
           <a:custGeom>
@@ -13563,10 +13563,22 @@
               <a:buChar char="-"/>
             </a:pPr>
             <a:r>
-              <a:rPr lang="fr"/>
-              <a:t>Créer une base de donnée a partir de données brutes donné</a:t>
+              <a:rPr lang="fr" dirty="0"/>
+              <a:t>Créer une base de données à partir des fichiers .csv brutes du client</a:t>
             </a:r>
-            <a:endParaRPr/>
+          </a:p>
+          <a:p>
+            <a:pPr marL="114300" lvl="0" indent="0" algn="l" rtl="0">
+              <a:spcBef>
+                <a:spcPts val="0"/>
+              </a:spcBef>
+              <a:spcAft>
+                <a:spcPts val="0"/>
+              </a:spcAft>
+              <a:buSzPts val="1800"/>
+              <a:buNone/>
+            </a:pPr>
+            <a:endParaRPr dirty="0"/>
           </a:p>
           <a:p>
             <a:pPr marL="457200" lvl="0" indent="-342900" algn="l" rtl="0">
@@ -13580,13 +13592,13 @@
               <a:buChar char="-"/>
             </a:pPr>
             <a:r>
-              <a:rPr lang="fr"/>
-              <a:t>Réaliser une étude analytique a partir de ces données</a:t>
+              <a:rPr lang="fr" dirty="0"/>
+              <a:t>Réaliser une étude analytique à partir de ces données</a:t>
             </a:r>
             <a:br>
-              <a:rPr lang="fr"/>
+              <a:rPr lang="fr" dirty="0"/>
             </a:br>
-            <a:endParaRPr>
+            <a:endParaRPr dirty="0">
               <a:latin typeface="Arial"/>
               <a:ea typeface="Arial"/>
               <a:cs typeface="Arial"/>
@@ -13603,7 +13615,7 @@
               </a:spcAft>
               <a:buNone/>
             </a:pPr>
-            <a:endParaRPr/>
+            <a:endParaRPr dirty="0"/>
           </a:p>
         </p:txBody>
       </p:sp>
@@ -13780,14 +13792,14 @@
               <a:buNone/>
             </a:pPr>
             <a:r>
-              <a:rPr lang="fr" sz="2300" b="1">
+              <a:rPr lang="fr" sz="2300" b="1" dirty="0">
                 <a:solidFill>
                   <a:schemeClr val="dk2"/>
                 </a:solidFill>
               </a:rPr>
               <a:t>Partie Base De Données</a:t>
             </a:r>
-            <a:endParaRPr sz="2300" b="1">
+            <a:endParaRPr sz="2300" b="1" dirty="0">
               <a:solidFill>
                 <a:schemeClr val="dk2"/>
               </a:solidFill>
@@ -13795,6 +13807,9 @@
           </a:p>
           <a:p>
             <a:pPr marL="457200" lvl="0" indent="-342900" algn="l" rtl="0">
+              <a:lnSpc>
+                <a:spcPct val="100000"/>
+              </a:lnSpc>
               <a:spcBef>
                 <a:spcPts val="1200"/>
               </a:spcBef>
@@ -13808,14 +13823,66 @@
               <a:buChar char="●"/>
             </a:pPr>
             <a:r>
-              <a:rPr lang="fr">
+              <a:rPr lang="fr" dirty="0">
                 <a:solidFill>
                   <a:schemeClr val="dk2"/>
                 </a:solidFill>
               </a:rPr>
               <a:t>MCD</a:t>
             </a:r>
-            <a:endParaRPr>
+          </a:p>
+          <a:p>
+            <a:pPr marL="457200" lvl="0" indent="-342900" algn="l" rtl="0">
+              <a:lnSpc>
+                <a:spcPct val="100000"/>
+              </a:lnSpc>
+              <a:spcBef>
+                <a:spcPts val="1200"/>
+              </a:spcBef>
+              <a:spcAft>
+                <a:spcPts val="0"/>
+              </a:spcAft>
+              <a:buClr>
+                <a:schemeClr val="dk2"/>
+              </a:buClr>
+              <a:buSzPts val="1800"/>
+              <a:buChar char="●"/>
+            </a:pPr>
+            <a:r>
+              <a:rPr lang="fr" dirty="0">
+                <a:solidFill>
+                  <a:schemeClr val="dk2"/>
+                </a:solidFill>
+              </a:rPr>
+              <a:t>Script insertion données</a:t>
+            </a:r>
+          </a:p>
+          <a:p>
+            <a:pPr marL="457200" lvl="0" indent="-342900" algn="l" rtl="0">
+              <a:lnSpc>
+                <a:spcPct val="100000"/>
+              </a:lnSpc>
+              <a:spcBef>
+                <a:spcPts val="1200"/>
+              </a:spcBef>
+              <a:spcAft>
+                <a:spcPts val="0"/>
+              </a:spcAft>
+              <a:buClr>
+                <a:schemeClr val="dk2"/>
+              </a:buClr>
+              <a:buSzPts val="1800"/>
+              <a:buChar char="●"/>
+            </a:pPr>
+            <a:r>
+              <a:rPr lang="fr" dirty="0">
+                <a:solidFill>
+                  <a:schemeClr val="dk2"/>
+                </a:solidFill>
+              </a:rPr>
+              <a:t>Vues</a:t>
+            </a:r>
+            <a:endParaRPr dirty="0">
               <a:solidFill>
                 <a:schemeClr val="dk2"/>
               </a:solidFill>
@@ -13832,14 +13899,14 @@
               <a:buNone/>
             </a:pPr>
             <a:r>
-              <a:rPr lang="fr" sz="2300" b="1">
+              <a:rPr lang="fr" sz="2300" b="1" dirty="0">
                 <a:solidFill>
                   <a:schemeClr val="dk2"/>
                 </a:solidFill>
               </a:rPr>
               <a:t>Partie Statistiques</a:t>
             </a:r>
-            <a:endParaRPr sz="2300" b="1">
+            <a:endParaRPr sz="2300" b="1" dirty="0">
               <a:solidFill>
                 <a:schemeClr val="dk2"/>
               </a:solidFill>
@@ -13860,14 +13927,14 @@
               <a:buChar char="●"/>
             </a:pPr>
             <a:r>
-              <a:rPr lang="fr">
+              <a:rPr lang="fr" dirty="0">
                 <a:solidFill>
                   <a:schemeClr val="dk2"/>
                 </a:solidFill>
               </a:rPr>
-              <a:t>Indicateurs</a:t>
+              <a:t>Choix des populations</a:t>
             </a:r>
-            <a:endParaRPr>
+            <a:endParaRPr dirty="0">
               <a:solidFill>
                 <a:schemeClr val="dk2"/>
               </a:solidFill>
@@ -13888,14 +13955,14 @@
               <a:buChar char="●"/>
             </a:pPr>
             <a:r>
-              <a:rPr lang="fr">
+              <a:rPr lang="fr" dirty="0">
                 <a:solidFill>
                   <a:schemeClr val="dk2"/>
                 </a:solidFill>
               </a:rPr>
               <a:t>Visualisation</a:t>
             </a:r>
-            <a:endParaRPr sz="2300" b="1">
+            <a:endParaRPr sz="2300" b="1" dirty="0">
               <a:solidFill>
                 <a:schemeClr val="dk2"/>
               </a:solidFill>
@@ -13916,7 +13983,7 @@
               <a:buFont typeface="Arial"/>
               <a:buNone/>
             </a:pPr>
-            <a:endParaRPr b="1">
+            <a:endParaRPr b="1" dirty="0">
               <a:solidFill>
                 <a:schemeClr val="dk2"/>
               </a:solidFill>
@@ -13932,7 +13999,7 @@
               </a:spcAft>
               <a:buNone/>
             </a:pPr>
-            <a:endParaRPr>
+            <a:endParaRPr dirty="0">
               <a:solidFill>
                 <a:schemeClr val="dk2"/>
               </a:solidFill>
@@ -14693,6 +14760,10 @@
               </a:spcAft>
               <a:buNone/>
             </a:pPr>
+            <a:r>
+              <a:rPr lang="fr-FR" dirty="0"/>
+              <a:t>Timeline</a:t>
+            </a:r>
             <a:endParaRPr dirty="0"/>
           </a:p>
         </p:txBody>
@@ -14749,10 +14820,10 @@
       </p:sp>
       <p:pic>
         <p:nvPicPr>
-          <p:cNvPr id="3" name="Image 2">
+          <p:cNvPr id="4" name="Image 3">
             <a:extLst>
               <a:ext uri="{FF2B5EF4-FFF2-40B4-BE49-F238E27FC236}">
-                <a16:creationId xmlns:a16="http://schemas.microsoft.com/office/drawing/2014/main" id="{2ADD0388-7A71-080B-1D86-DC6141A26F5E}"/>
+                <a16:creationId xmlns:a16="http://schemas.microsoft.com/office/drawing/2014/main" id="{93D805D7-AEA1-EB43-47D9-236EED13FA98}"/>
               </a:ext>
             </a:extLst>
           </p:cNvPr>
@@ -14769,8 +14840,8 @@
         </p:blipFill>
         <p:spPr>
           <a:xfrm>
-            <a:off x="144468" y="125730"/>
-            <a:ext cx="8602432" cy="4563029"/>
+            <a:off x="0" y="1104311"/>
+            <a:ext cx="9144000" cy="3584448"/>
           </a:xfrm>
           <a:prstGeom prst="rect">
             <a:avLst/>

--- a/Sae S2.04.pptx
+++ b/Sae S2.04.pptx
@@ -5,7 +5,7 @@
     <p:sldMasterId id="2147483663" r:id="rId1"/>
   </p:sldMasterIdLst>
   <p:notesMasterIdLst>
-    <p:notesMasterId r:id="rId18"/>
+    <p:notesMasterId r:id="rId20"/>
   </p:notesMasterIdLst>
   <p:sldIdLst>
     <p:sldId id="256" r:id="rId2"/>
@@ -13,41 +13,43 @@
     <p:sldId id="258" r:id="rId4"/>
     <p:sldId id="259" r:id="rId5"/>
     <p:sldId id="260" r:id="rId6"/>
-    <p:sldId id="261" r:id="rId7"/>
-    <p:sldId id="262" r:id="rId8"/>
-    <p:sldId id="263" r:id="rId9"/>
-    <p:sldId id="264" r:id="rId10"/>
-    <p:sldId id="265" r:id="rId11"/>
-    <p:sldId id="268" r:id="rId12"/>
-    <p:sldId id="269" r:id="rId13"/>
-    <p:sldId id="270" r:id="rId14"/>
-    <p:sldId id="271" r:id="rId15"/>
-    <p:sldId id="266" r:id="rId16"/>
-    <p:sldId id="267" r:id="rId17"/>
+    <p:sldId id="272" r:id="rId7"/>
+    <p:sldId id="273" r:id="rId8"/>
+    <p:sldId id="261" r:id="rId9"/>
+    <p:sldId id="262" r:id="rId10"/>
+    <p:sldId id="263" r:id="rId11"/>
+    <p:sldId id="264" r:id="rId12"/>
+    <p:sldId id="265" r:id="rId13"/>
+    <p:sldId id="268" r:id="rId14"/>
+    <p:sldId id="269" r:id="rId15"/>
+    <p:sldId id="270" r:id="rId16"/>
+    <p:sldId id="271" r:id="rId17"/>
+    <p:sldId id="266" r:id="rId18"/>
+    <p:sldId id="267" r:id="rId19"/>
   </p:sldIdLst>
   <p:sldSz cx="9144000" cy="5143500" type="screen16x9"/>
   <p:notesSz cx="6858000" cy="9144000"/>
   <p:embeddedFontLst>
     <p:embeddedFont>
       <p:font typeface="Raleway" pitchFamily="2" charset="0"/>
-      <p:regular r:id="rId19"/>
-      <p:bold r:id="rId20"/>
-      <p:italic r:id="rId21"/>
-      <p:boldItalic r:id="rId22"/>
+      <p:regular r:id="rId21"/>
+      <p:bold r:id="rId22"/>
+      <p:italic r:id="rId23"/>
+      <p:boldItalic r:id="rId24"/>
     </p:embeddedFont>
     <p:embeddedFont>
       <p:font typeface="Raleway Medium" pitchFamily="2" charset="0"/>
-      <p:regular r:id="rId23"/>
-      <p:bold r:id="rId24"/>
-      <p:italic r:id="rId25"/>
-      <p:boldItalic r:id="rId26"/>
+      <p:regular r:id="rId25"/>
+      <p:bold r:id="rId26"/>
+      <p:italic r:id="rId27"/>
+      <p:boldItalic r:id="rId28"/>
     </p:embeddedFont>
     <p:embeddedFont>
       <p:font typeface="Source Sans Pro" panose="020B0503030403020204" pitchFamily="34" charset="0"/>
-      <p:regular r:id="rId27"/>
-      <p:bold r:id="rId28"/>
-      <p:italic r:id="rId29"/>
-      <p:boldItalic r:id="rId30"/>
+      <p:regular r:id="rId29"/>
+      <p:bold r:id="rId30"/>
+      <p:italic r:id="rId31"/>
+      <p:boldItalic r:id="rId32"/>
     </p:embeddedFont>
   </p:embeddedFontLst>
   <p:defaultTextStyle>
@@ -2047,6 +2049,214 @@
   <p:cSld>
     <p:spTree>
       <p:nvGrpSpPr>
+        <p:cNvPr id="1" name="Shape 169"/>
+        <p:cNvGrpSpPr/>
+        <p:nvPr/>
+      </p:nvGrpSpPr>
+      <p:grpSpPr>
+        <a:xfrm>
+          <a:off x="0" y="0"/>
+          <a:ext cx="0" cy="0"/>
+          <a:chOff x="0" y="0"/>
+          <a:chExt cx="0" cy="0"/>
+        </a:xfrm>
+      </p:grpSpPr>
+      <p:sp>
+        <p:nvSpPr>
+          <p:cNvPr id="170" name="Google Shape;170;g13177e0c113_0_26:notes"/>
+          <p:cNvSpPr>
+            <a:spLocks noGrp="1" noRot="1" noChangeAspect="1"/>
+          </p:cNvSpPr>
+          <p:nvPr>
+            <p:ph type="sldImg" idx="2"/>
+          </p:nvPr>
+        </p:nvSpPr>
+        <p:spPr>
+          <a:xfrm>
+            <a:off x="381000" y="685800"/>
+            <a:ext cx="6096000" cy="3429000"/>
+          </a:xfrm>
+          <a:custGeom>
+            <a:avLst/>
+            <a:gdLst/>
+            <a:ahLst/>
+            <a:cxnLst/>
+            <a:rect l="l" t="t" r="r" b="b"/>
+            <a:pathLst>
+              <a:path w="120000" h="120000" extrusionOk="0">
+                <a:moveTo>
+                  <a:pt x="0" y="0"/>
+                </a:moveTo>
+                <a:lnTo>
+                  <a:pt x="120000" y="0"/>
+                </a:lnTo>
+                <a:lnTo>
+                  <a:pt x="120000" y="120000"/>
+                </a:lnTo>
+                <a:lnTo>
+                  <a:pt x="0" y="120000"/>
+                </a:lnTo>
+                <a:close/>
+              </a:path>
+            </a:pathLst>
+          </a:custGeom>
+        </p:spPr>
+      </p:sp>
+      <p:sp>
+        <p:nvSpPr>
+          <p:cNvPr id="171" name="Google Shape;171;g13177e0c113_0_26:notes"/>
+          <p:cNvSpPr txBox="1">
+            <a:spLocks noGrp="1"/>
+          </p:cNvSpPr>
+          <p:nvPr>
+            <p:ph type="body" idx="1"/>
+          </p:nvPr>
+        </p:nvSpPr>
+        <p:spPr>
+          <a:xfrm>
+            <a:off x="685800" y="4343400"/>
+            <a:ext cx="5486400" cy="4114800"/>
+          </a:xfrm>
+          <a:prstGeom prst="rect">
+            <a:avLst/>
+          </a:prstGeom>
+        </p:spPr>
+        <p:txBody>
+          <a:bodyPr spcFirstLastPara="1" wrap="square" lIns="91425" tIns="91425" rIns="91425" bIns="91425" anchor="t" anchorCtr="0">
+            <a:noAutofit/>
+          </a:bodyPr>
+          <a:lstStyle/>
+          <a:p>
+            <a:pPr marL="0" lvl="0" indent="0" algn="l" rtl="0">
+              <a:spcBef>
+                <a:spcPts val="0"/>
+              </a:spcBef>
+              <a:spcAft>
+                <a:spcPts val="0"/>
+              </a:spcAft>
+              <a:buNone/>
+            </a:pPr>
+            <a:endParaRPr/>
+          </a:p>
+        </p:txBody>
+      </p:sp>
+    </p:spTree>
+  </p:cSld>
+  <p:clrMapOvr>
+    <a:masterClrMapping/>
+  </p:clrMapOvr>
+</p:notes>
+</file>
+
+<file path=ppt/notesSlides/notesSlide11.xml><?xml version="1.0" encoding="utf-8"?>
+<p:notes xmlns:a="http://schemas.openxmlformats.org/drawingml/2006/main" xmlns:r="http://schemas.openxmlformats.org/officeDocument/2006/relationships" xmlns:p="http://schemas.openxmlformats.org/presentationml/2006/main" showMasterSp="0" showMasterPhAnim="0">
+  <p:cSld>
+    <p:spTree>
+      <p:nvGrpSpPr>
+        <p:cNvPr id="1" name="Shape 175"/>
+        <p:cNvGrpSpPr/>
+        <p:nvPr/>
+      </p:nvGrpSpPr>
+      <p:grpSpPr>
+        <a:xfrm>
+          <a:off x="0" y="0"/>
+          <a:ext cx="0" cy="0"/>
+          <a:chOff x="0" y="0"/>
+          <a:chExt cx="0" cy="0"/>
+        </a:xfrm>
+      </p:grpSpPr>
+      <p:sp>
+        <p:nvSpPr>
+          <p:cNvPr id="176" name="Google Shape;176;g13177e0c113_0_33:notes"/>
+          <p:cNvSpPr>
+            <a:spLocks noGrp="1" noRot="1" noChangeAspect="1"/>
+          </p:cNvSpPr>
+          <p:nvPr>
+            <p:ph type="sldImg" idx="2"/>
+          </p:nvPr>
+        </p:nvSpPr>
+        <p:spPr>
+          <a:xfrm>
+            <a:off x="381000" y="685800"/>
+            <a:ext cx="6096000" cy="3429000"/>
+          </a:xfrm>
+          <a:custGeom>
+            <a:avLst/>
+            <a:gdLst/>
+            <a:ahLst/>
+            <a:cxnLst/>
+            <a:rect l="l" t="t" r="r" b="b"/>
+            <a:pathLst>
+              <a:path w="120000" h="120000" extrusionOk="0">
+                <a:moveTo>
+                  <a:pt x="0" y="0"/>
+                </a:moveTo>
+                <a:lnTo>
+                  <a:pt x="120000" y="0"/>
+                </a:lnTo>
+                <a:lnTo>
+                  <a:pt x="120000" y="120000"/>
+                </a:lnTo>
+                <a:lnTo>
+                  <a:pt x="0" y="120000"/>
+                </a:lnTo>
+                <a:close/>
+              </a:path>
+            </a:pathLst>
+          </a:custGeom>
+        </p:spPr>
+      </p:sp>
+      <p:sp>
+        <p:nvSpPr>
+          <p:cNvPr id="177" name="Google Shape;177;g13177e0c113_0_33:notes"/>
+          <p:cNvSpPr txBox="1">
+            <a:spLocks noGrp="1"/>
+          </p:cNvSpPr>
+          <p:nvPr>
+            <p:ph type="body" idx="1"/>
+          </p:nvPr>
+        </p:nvSpPr>
+        <p:spPr>
+          <a:xfrm>
+            <a:off x="685800" y="4343400"/>
+            <a:ext cx="5486400" cy="4114800"/>
+          </a:xfrm>
+          <a:prstGeom prst="rect">
+            <a:avLst/>
+          </a:prstGeom>
+        </p:spPr>
+        <p:txBody>
+          <a:bodyPr spcFirstLastPara="1" wrap="square" lIns="91425" tIns="91425" rIns="91425" bIns="91425" anchor="t" anchorCtr="0">
+            <a:noAutofit/>
+          </a:bodyPr>
+          <a:lstStyle/>
+          <a:p>
+            <a:pPr marL="0" lvl="0" indent="0" algn="l" rtl="0">
+              <a:spcBef>
+                <a:spcPts val="0"/>
+              </a:spcBef>
+              <a:spcAft>
+                <a:spcPts val="0"/>
+              </a:spcAft>
+              <a:buNone/>
+            </a:pPr>
+            <a:endParaRPr/>
+          </a:p>
+        </p:txBody>
+      </p:sp>
+    </p:spTree>
+  </p:cSld>
+  <p:clrMapOvr>
+    <a:masterClrMapping/>
+  </p:clrMapOvr>
+</p:notes>
+</file>
+
+<file path=ppt/notesSlides/notesSlide12.xml><?xml version="1.0" encoding="utf-8"?>
+<p:notes xmlns:a="http://schemas.openxmlformats.org/drawingml/2006/main" xmlns:r="http://schemas.openxmlformats.org/officeDocument/2006/relationships" xmlns:p="http://schemas.openxmlformats.org/presentationml/2006/main" showMasterSp="0" showMasterPhAnim="0">
+  <p:cSld>
+    <p:spTree>
+      <p:nvGrpSpPr>
         <p:cNvPr id="1" name="Shape 181"/>
         <p:cNvGrpSpPr/>
         <p:nvPr/>
@@ -2146,7 +2356,7 @@
 </p:notes>
 </file>
 
-<file path=ppt/notesSlides/notesSlide11.xml><?xml version="1.0" encoding="utf-8"?>
+<file path=ppt/notesSlides/notesSlide13.xml><?xml version="1.0" encoding="utf-8"?>
 <p:notes xmlns:a="http://schemas.openxmlformats.org/drawingml/2006/main" xmlns:r="http://schemas.openxmlformats.org/officeDocument/2006/relationships" xmlns:p="http://schemas.openxmlformats.org/presentationml/2006/main" showMasterSp="0" showMasterPhAnim="0">
   <p:cSld>
     <p:spTree>
@@ -2250,7 +2460,7 @@
 </p:notes>
 </file>
 
-<file path=ppt/notesSlides/notesSlide12.xml><?xml version="1.0" encoding="utf-8"?>
+<file path=ppt/notesSlides/notesSlide14.xml><?xml version="1.0" encoding="utf-8"?>
 <p:notes xmlns:a="http://schemas.openxmlformats.org/drawingml/2006/main" xmlns:r="http://schemas.openxmlformats.org/officeDocument/2006/relationships" xmlns:p="http://schemas.openxmlformats.org/presentationml/2006/main" showMasterSp="0" showMasterPhAnim="0">
   <p:cSld>
     <p:spTree>
@@ -2775,6 +2985,224 @@
   <p:cSld>
     <p:spTree>
       <p:nvGrpSpPr>
+        <p:cNvPr id="1" name="Shape 147"/>
+        <p:cNvGrpSpPr/>
+        <p:nvPr/>
+      </p:nvGrpSpPr>
+      <p:grpSpPr>
+        <a:xfrm>
+          <a:off x="0" y="0"/>
+          <a:ext cx="0" cy="0"/>
+          <a:chOff x="0" y="0"/>
+          <a:chExt cx="0" cy="0"/>
+        </a:xfrm>
+      </p:grpSpPr>
+      <p:sp>
+        <p:nvSpPr>
+          <p:cNvPr id="148" name="Google Shape;148;g130f5d6aeb3_1_0:notes"/>
+          <p:cNvSpPr>
+            <a:spLocks noGrp="1" noRot="1" noChangeAspect="1"/>
+          </p:cNvSpPr>
+          <p:nvPr>
+            <p:ph type="sldImg" idx="2"/>
+          </p:nvPr>
+        </p:nvSpPr>
+        <p:spPr>
+          <a:xfrm>
+            <a:off x="381000" y="685800"/>
+            <a:ext cx="6096000" cy="3429000"/>
+          </a:xfrm>
+          <a:custGeom>
+            <a:avLst/>
+            <a:gdLst/>
+            <a:ahLst/>
+            <a:cxnLst/>
+            <a:rect l="l" t="t" r="r" b="b"/>
+            <a:pathLst>
+              <a:path w="120000" h="120000" extrusionOk="0">
+                <a:moveTo>
+                  <a:pt x="0" y="0"/>
+                </a:moveTo>
+                <a:lnTo>
+                  <a:pt x="120000" y="0"/>
+                </a:lnTo>
+                <a:lnTo>
+                  <a:pt x="120000" y="120000"/>
+                </a:lnTo>
+                <a:lnTo>
+                  <a:pt x="0" y="120000"/>
+                </a:lnTo>
+                <a:close/>
+              </a:path>
+            </a:pathLst>
+          </a:custGeom>
+        </p:spPr>
+      </p:sp>
+      <p:sp>
+        <p:nvSpPr>
+          <p:cNvPr id="149" name="Google Shape;149;g130f5d6aeb3_1_0:notes"/>
+          <p:cNvSpPr txBox="1">
+            <a:spLocks noGrp="1"/>
+          </p:cNvSpPr>
+          <p:nvPr>
+            <p:ph type="body" idx="1"/>
+          </p:nvPr>
+        </p:nvSpPr>
+        <p:spPr>
+          <a:xfrm>
+            <a:off x="685800" y="4343400"/>
+            <a:ext cx="5486400" cy="4114800"/>
+          </a:xfrm>
+          <a:prstGeom prst="rect">
+            <a:avLst/>
+          </a:prstGeom>
+        </p:spPr>
+        <p:txBody>
+          <a:bodyPr spcFirstLastPara="1" wrap="square" lIns="91425" tIns="91425" rIns="91425" bIns="91425" anchor="t" anchorCtr="0">
+            <a:noAutofit/>
+          </a:bodyPr>
+          <a:lstStyle/>
+          <a:p>
+            <a:pPr marL="0" lvl="0" indent="0" algn="l" rtl="0">
+              <a:spcBef>
+                <a:spcPts val="0"/>
+              </a:spcBef>
+              <a:spcAft>
+                <a:spcPts val="0"/>
+              </a:spcAft>
+              <a:buNone/>
+            </a:pPr>
+            <a:endParaRPr/>
+          </a:p>
+        </p:txBody>
+      </p:sp>
+    </p:spTree>
+    <p:extLst>
+      <p:ext uri="{BB962C8B-B14F-4D97-AF65-F5344CB8AC3E}">
+        <p14:creationId xmlns:p14="http://schemas.microsoft.com/office/powerpoint/2010/main" val="1798086757"/>
+      </p:ext>
+    </p:extLst>
+  </p:cSld>
+  <p:clrMapOvr>
+    <a:masterClrMapping/>
+  </p:clrMapOvr>
+</p:notes>
+</file>
+
+<file path=ppt/notesSlides/notesSlide7.xml><?xml version="1.0" encoding="utf-8"?>
+<p:notes xmlns:a="http://schemas.openxmlformats.org/drawingml/2006/main" xmlns:r="http://schemas.openxmlformats.org/officeDocument/2006/relationships" xmlns:p="http://schemas.openxmlformats.org/presentationml/2006/main" showMasterSp="0" showMasterPhAnim="0">
+  <p:cSld>
+    <p:spTree>
+      <p:nvGrpSpPr>
+        <p:cNvPr id="1" name="Shape 147"/>
+        <p:cNvGrpSpPr/>
+        <p:nvPr/>
+      </p:nvGrpSpPr>
+      <p:grpSpPr>
+        <a:xfrm>
+          <a:off x="0" y="0"/>
+          <a:ext cx="0" cy="0"/>
+          <a:chOff x="0" y="0"/>
+          <a:chExt cx="0" cy="0"/>
+        </a:xfrm>
+      </p:grpSpPr>
+      <p:sp>
+        <p:nvSpPr>
+          <p:cNvPr id="148" name="Google Shape;148;g130f5d6aeb3_1_0:notes"/>
+          <p:cNvSpPr>
+            <a:spLocks noGrp="1" noRot="1" noChangeAspect="1"/>
+          </p:cNvSpPr>
+          <p:nvPr>
+            <p:ph type="sldImg" idx="2"/>
+          </p:nvPr>
+        </p:nvSpPr>
+        <p:spPr>
+          <a:xfrm>
+            <a:off x="381000" y="685800"/>
+            <a:ext cx="6096000" cy="3429000"/>
+          </a:xfrm>
+          <a:custGeom>
+            <a:avLst/>
+            <a:gdLst/>
+            <a:ahLst/>
+            <a:cxnLst/>
+            <a:rect l="l" t="t" r="r" b="b"/>
+            <a:pathLst>
+              <a:path w="120000" h="120000" extrusionOk="0">
+                <a:moveTo>
+                  <a:pt x="0" y="0"/>
+                </a:moveTo>
+                <a:lnTo>
+                  <a:pt x="120000" y="0"/>
+                </a:lnTo>
+                <a:lnTo>
+                  <a:pt x="120000" y="120000"/>
+                </a:lnTo>
+                <a:lnTo>
+                  <a:pt x="0" y="120000"/>
+                </a:lnTo>
+                <a:close/>
+              </a:path>
+            </a:pathLst>
+          </a:custGeom>
+        </p:spPr>
+      </p:sp>
+      <p:sp>
+        <p:nvSpPr>
+          <p:cNvPr id="149" name="Google Shape;149;g130f5d6aeb3_1_0:notes"/>
+          <p:cNvSpPr txBox="1">
+            <a:spLocks noGrp="1"/>
+          </p:cNvSpPr>
+          <p:nvPr>
+            <p:ph type="body" idx="1"/>
+          </p:nvPr>
+        </p:nvSpPr>
+        <p:spPr>
+          <a:xfrm>
+            <a:off x="685800" y="4343400"/>
+            <a:ext cx="5486400" cy="4114800"/>
+          </a:xfrm>
+          <a:prstGeom prst="rect">
+            <a:avLst/>
+          </a:prstGeom>
+        </p:spPr>
+        <p:txBody>
+          <a:bodyPr spcFirstLastPara="1" wrap="square" lIns="91425" tIns="91425" rIns="91425" bIns="91425" anchor="t" anchorCtr="0">
+            <a:noAutofit/>
+          </a:bodyPr>
+          <a:lstStyle/>
+          <a:p>
+            <a:pPr marL="0" lvl="0" indent="0" algn="l" rtl="0">
+              <a:spcBef>
+                <a:spcPts val="0"/>
+              </a:spcBef>
+              <a:spcAft>
+                <a:spcPts val="0"/>
+              </a:spcAft>
+              <a:buNone/>
+            </a:pPr>
+            <a:endParaRPr/>
+          </a:p>
+        </p:txBody>
+      </p:sp>
+    </p:spTree>
+    <p:extLst>
+      <p:ext uri="{BB962C8B-B14F-4D97-AF65-F5344CB8AC3E}">
+        <p14:creationId xmlns:p14="http://schemas.microsoft.com/office/powerpoint/2010/main" val="2249374670"/>
+      </p:ext>
+    </p:extLst>
+  </p:cSld>
+  <p:clrMapOvr>
+    <a:masterClrMapping/>
+  </p:clrMapOvr>
+</p:notes>
+</file>
+
+<file path=ppt/notesSlides/notesSlide8.xml><?xml version="1.0" encoding="utf-8"?>
+<p:notes xmlns:a="http://schemas.openxmlformats.org/drawingml/2006/main" xmlns:r="http://schemas.openxmlformats.org/officeDocument/2006/relationships" xmlns:p="http://schemas.openxmlformats.org/presentationml/2006/main" showMasterSp="0" showMasterPhAnim="0">
+  <p:cSld>
+    <p:spTree>
+      <p:nvGrpSpPr>
         <p:cNvPr id="1" name="Shape 155"/>
         <p:cNvGrpSpPr/>
         <p:nvPr/>
@@ -2799,7 +3227,7 @@
         </p:nvSpPr>
         <p:spPr>
           <a:xfrm>
-            <a:off x="381300" y="685800"/>
+            <a:off x="381000" y="685800"/>
             <a:ext cx="6096000" cy="3429000"/>
           </a:xfrm>
           <a:custGeom>
@@ -2874,7 +3302,7 @@
 </p:notes>
 </file>
 
-<file path=ppt/notesSlides/notesSlide7.xml><?xml version="1.0" encoding="utf-8"?>
+<file path=ppt/notesSlides/notesSlide9.xml><?xml version="1.0" encoding="utf-8"?>
 <p:notes xmlns:a="http://schemas.openxmlformats.org/drawingml/2006/main" xmlns:r="http://schemas.openxmlformats.org/officeDocument/2006/relationships" xmlns:p="http://schemas.openxmlformats.org/presentationml/2006/main" showMasterSp="0" showMasterPhAnim="0">
   <p:cSld>
     <p:spTree>
@@ -2935,214 +3363,6 @@
       <p:sp>
         <p:nvSpPr>
           <p:cNvPr id="163" name="Google Shape;163;g13177e0c113_0_19:notes"/>
-          <p:cNvSpPr txBox="1">
-            <a:spLocks noGrp="1"/>
-          </p:cNvSpPr>
-          <p:nvPr>
-            <p:ph type="body" idx="1"/>
-          </p:nvPr>
-        </p:nvSpPr>
-        <p:spPr>
-          <a:xfrm>
-            <a:off x="685800" y="4343400"/>
-            <a:ext cx="5486400" cy="4114800"/>
-          </a:xfrm>
-          <a:prstGeom prst="rect">
-            <a:avLst/>
-          </a:prstGeom>
-        </p:spPr>
-        <p:txBody>
-          <a:bodyPr spcFirstLastPara="1" wrap="square" lIns="91425" tIns="91425" rIns="91425" bIns="91425" anchor="t" anchorCtr="0">
-            <a:noAutofit/>
-          </a:bodyPr>
-          <a:lstStyle/>
-          <a:p>
-            <a:pPr marL="0" lvl="0" indent="0" algn="l" rtl="0">
-              <a:spcBef>
-                <a:spcPts val="0"/>
-              </a:spcBef>
-              <a:spcAft>
-                <a:spcPts val="0"/>
-              </a:spcAft>
-              <a:buNone/>
-            </a:pPr>
-            <a:endParaRPr/>
-          </a:p>
-        </p:txBody>
-      </p:sp>
-    </p:spTree>
-  </p:cSld>
-  <p:clrMapOvr>
-    <a:masterClrMapping/>
-  </p:clrMapOvr>
-</p:notes>
-</file>
-
-<file path=ppt/notesSlides/notesSlide8.xml><?xml version="1.0" encoding="utf-8"?>
-<p:notes xmlns:a="http://schemas.openxmlformats.org/drawingml/2006/main" xmlns:r="http://schemas.openxmlformats.org/officeDocument/2006/relationships" xmlns:p="http://schemas.openxmlformats.org/presentationml/2006/main" showMasterSp="0" showMasterPhAnim="0">
-  <p:cSld>
-    <p:spTree>
-      <p:nvGrpSpPr>
-        <p:cNvPr id="1" name="Shape 169"/>
-        <p:cNvGrpSpPr/>
-        <p:nvPr/>
-      </p:nvGrpSpPr>
-      <p:grpSpPr>
-        <a:xfrm>
-          <a:off x="0" y="0"/>
-          <a:ext cx="0" cy="0"/>
-          <a:chOff x="0" y="0"/>
-          <a:chExt cx="0" cy="0"/>
-        </a:xfrm>
-      </p:grpSpPr>
-      <p:sp>
-        <p:nvSpPr>
-          <p:cNvPr id="170" name="Google Shape;170;g13177e0c113_0_26:notes"/>
-          <p:cNvSpPr>
-            <a:spLocks noGrp="1" noRot="1" noChangeAspect="1"/>
-          </p:cNvSpPr>
-          <p:nvPr>
-            <p:ph type="sldImg" idx="2"/>
-          </p:nvPr>
-        </p:nvSpPr>
-        <p:spPr>
-          <a:xfrm>
-            <a:off x="381000" y="685800"/>
-            <a:ext cx="6096000" cy="3429000"/>
-          </a:xfrm>
-          <a:custGeom>
-            <a:avLst/>
-            <a:gdLst/>
-            <a:ahLst/>
-            <a:cxnLst/>
-            <a:rect l="l" t="t" r="r" b="b"/>
-            <a:pathLst>
-              <a:path w="120000" h="120000" extrusionOk="0">
-                <a:moveTo>
-                  <a:pt x="0" y="0"/>
-                </a:moveTo>
-                <a:lnTo>
-                  <a:pt x="120000" y="0"/>
-                </a:lnTo>
-                <a:lnTo>
-                  <a:pt x="120000" y="120000"/>
-                </a:lnTo>
-                <a:lnTo>
-                  <a:pt x="0" y="120000"/>
-                </a:lnTo>
-                <a:close/>
-              </a:path>
-            </a:pathLst>
-          </a:custGeom>
-        </p:spPr>
-      </p:sp>
-      <p:sp>
-        <p:nvSpPr>
-          <p:cNvPr id="171" name="Google Shape;171;g13177e0c113_0_26:notes"/>
-          <p:cNvSpPr txBox="1">
-            <a:spLocks noGrp="1"/>
-          </p:cNvSpPr>
-          <p:nvPr>
-            <p:ph type="body" idx="1"/>
-          </p:nvPr>
-        </p:nvSpPr>
-        <p:spPr>
-          <a:xfrm>
-            <a:off x="685800" y="4343400"/>
-            <a:ext cx="5486400" cy="4114800"/>
-          </a:xfrm>
-          <a:prstGeom prst="rect">
-            <a:avLst/>
-          </a:prstGeom>
-        </p:spPr>
-        <p:txBody>
-          <a:bodyPr spcFirstLastPara="1" wrap="square" lIns="91425" tIns="91425" rIns="91425" bIns="91425" anchor="t" anchorCtr="0">
-            <a:noAutofit/>
-          </a:bodyPr>
-          <a:lstStyle/>
-          <a:p>
-            <a:pPr marL="0" lvl="0" indent="0" algn="l" rtl="0">
-              <a:spcBef>
-                <a:spcPts val="0"/>
-              </a:spcBef>
-              <a:spcAft>
-                <a:spcPts val="0"/>
-              </a:spcAft>
-              <a:buNone/>
-            </a:pPr>
-            <a:endParaRPr/>
-          </a:p>
-        </p:txBody>
-      </p:sp>
-    </p:spTree>
-  </p:cSld>
-  <p:clrMapOvr>
-    <a:masterClrMapping/>
-  </p:clrMapOvr>
-</p:notes>
-</file>
-
-<file path=ppt/notesSlides/notesSlide9.xml><?xml version="1.0" encoding="utf-8"?>
-<p:notes xmlns:a="http://schemas.openxmlformats.org/drawingml/2006/main" xmlns:r="http://schemas.openxmlformats.org/officeDocument/2006/relationships" xmlns:p="http://schemas.openxmlformats.org/presentationml/2006/main" showMasterSp="0" showMasterPhAnim="0">
-  <p:cSld>
-    <p:spTree>
-      <p:nvGrpSpPr>
-        <p:cNvPr id="1" name="Shape 175"/>
-        <p:cNvGrpSpPr/>
-        <p:nvPr/>
-      </p:nvGrpSpPr>
-      <p:grpSpPr>
-        <a:xfrm>
-          <a:off x="0" y="0"/>
-          <a:ext cx="0" cy="0"/>
-          <a:chOff x="0" y="0"/>
-          <a:chExt cx="0" cy="0"/>
-        </a:xfrm>
-      </p:grpSpPr>
-      <p:sp>
-        <p:nvSpPr>
-          <p:cNvPr id="176" name="Google Shape;176;g13177e0c113_0_33:notes"/>
-          <p:cNvSpPr>
-            <a:spLocks noGrp="1" noRot="1" noChangeAspect="1"/>
-          </p:cNvSpPr>
-          <p:nvPr>
-            <p:ph type="sldImg" idx="2"/>
-          </p:nvPr>
-        </p:nvSpPr>
-        <p:spPr>
-          <a:xfrm>
-            <a:off x="381000" y="685800"/>
-            <a:ext cx="6096000" cy="3429000"/>
-          </a:xfrm>
-          <a:custGeom>
-            <a:avLst/>
-            <a:gdLst/>
-            <a:ahLst/>
-            <a:cxnLst/>
-            <a:rect l="l" t="t" r="r" b="b"/>
-            <a:pathLst>
-              <a:path w="120000" h="120000" extrusionOk="0">
-                <a:moveTo>
-                  <a:pt x="0" y="0"/>
-                </a:moveTo>
-                <a:lnTo>
-                  <a:pt x="120000" y="0"/>
-                </a:lnTo>
-                <a:lnTo>
-                  <a:pt x="120000" y="120000"/>
-                </a:lnTo>
-                <a:lnTo>
-                  <a:pt x="0" y="120000"/>
-                </a:lnTo>
-                <a:close/>
-              </a:path>
-            </a:pathLst>
-          </a:custGeom>
-        </p:spPr>
-      </p:sp>
-      <p:sp>
-        <p:nvSpPr>
-          <p:cNvPr id="177" name="Google Shape;177;g13177e0c113_0_33:notes"/>
           <p:cNvSpPr txBox="1">
             <a:spLocks noGrp="1"/>
           </p:cNvSpPr>
@@ -12495,2225 +12715,6 @@
   <p:cSld>
     <p:spTree>
       <p:nvGrpSpPr>
-        <p:cNvPr id="1" name="Shape 184"/>
-        <p:cNvGrpSpPr/>
-        <p:nvPr/>
-      </p:nvGrpSpPr>
-      <p:grpSpPr>
-        <a:xfrm>
-          <a:off x="0" y="0"/>
-          <a:ext cx="0" cy="0"/>
-          <a:chOff x="0" y="0"/>
-          <a:chExt cx="0" cy="0"/>
-        </a:xfrm>
-      </p:grpSpPr>
-      <p:sp>
-        <p:nvSpPr>
-          <p:cNvPr id="185" name="Google Shape;185;p26"/>
-          <p:cNvSpPr txBox="1">
-            <a:spLocks noGrp="1"/>
-          </p:cNvSpPr>
-          <p:nvPr>
-            <p:ph type="title"/>
-          </p:nvPr>
-        </p:nvSpPr>
-        <p:spPr>
-          <a:xfrm>
-            <a:off x="311700" y="445025"/>
-            <a:ext cx="8520600" cy="623400"/>
-          </a:xfrm>
-          <a:prstGeom prst="rect">
-            <a:avLst/>
-          </a:prstGeom>
-        </p:spPr>
-        <p:txBody>
-          <a:bodyPr spcFirstLastPara="1" wrap="square" lIns="91425" tIns="91425" rIns="91425" bIns="91425" anchor="t" anchorCtr="0">
-            <a:normAutofit fontScale="90000"/>
-          </a:bodyPr>
-          <a:lstStyle/>
-          <a:p>
-            <a:pPr marL="0" lvl="0" indent="0" algn="l" rtl="0">
-              <a:spcBef>
-                <a:spcPts val="0"/>
-              </a:spcBef>
-              <a:spcAft>
-                <a:spcPts val="0"/>
-              </a:spcAft>
-              <a:buNone/>
-            </a:pPr>
-            <a:endParaRPr dirty="0"/>
-          </a:p>
-        </p:txBody>
-      </p:sp>
-      <p:sp>
-        <p:nvSpPr>
-          <p:cNvPr id="186" name="Google Shape;186;p26"/>
-          <p:cNvSpPr txBox="1">
-            <a:spLocks noGrp="1"/>
-          </p:cNvSpPr>
-          <p:nvPr>
-            <p:ph type="sldNum" idx="12"/>
-          </p:nvPr>
-        </p:nvSpPr>
-        <p:spPr>
-          <a:xfrm>
-            <a:off x="8497999" y="4688759"/>
-            <a:ext cx="548700" cy="393600"/>
-          </a:xfrm>
-          <a:prstGeom prst="rect">
-            <a:avLst/>
-          </a:prstGeom>
-        </p:spPr>
-        <p:txBody>
-          <a:bodyPr spcFirstLastPara="1" wrap="square" lIns="91425" tIns="91425" rIns="91425" bIns="91425" anchor="ctr" anchorCtr="0">
-            <a:normAutofit/>
-          </a:bodyPr>
-          <a:lstStyle/>
-          <a:p>
-            <a:pPr marL="0" lvl="0" indent="0" algn="r" rtl="0">
-              <a:spcBef>
-                <a:spcPts val="0"/>
-              </a:spcBef>
-              <a:spcAft>
-                <a:spcPts val="0"/>
-              </a:spcAft>
-              <a:buNone/>
-            </a:pPr>
-            <a:fld id="{00000000-1234-1234-1234-123412341234}" type="slidenum">
-              <a:rPr lang="fr">
-                <a:solidFill>
-                  <a:schemeClr val="lt2"/>
-                </a:solidFill>
-              </a:rPr>
-              <a:t>10</a:t>
-            </a:fld>
-            <a:endParaRPr>
-              <a:solidFill>
-                <a:schemeClr val="lt2"/>
-              </a:solidFill>
-            </a:endParaRPr>
-          </a:p>
-        </p:txBody>
-      </p:sp>
-      <p:pic>
-        <p:nvPicPr>
-          <p:cNvPr id="1026" name="Picture 2">
-            <a:extLst>
-              <a:ext uri="{FF2B5EF4-FFF2-40B4-BE49-F238E27FC236}">
-                <a16:creationId xmlns:a16="http://schemas.microsoft.com/office/drawing/2014/main" id="{AE484419-1548-4B3B-5E6F-DB481FDD4F2D}"/>
-              </a:ext>
-            </a:extLst>
-          </p:cNvPr>
-          <p:cNvPicPr>
-            <a:picLocks noChangeAspect="1" noChangeArrowheads="1"/>
-          </p:cNvPicPr>
-          <p:nvPr/>
-        </p:nvPicPr>
-        <p:blipFill>
-          <a:blip r:embed="rId3">
-            <a:extLst>
-              <a:ext uri="{28A0092B-C50C-407E-A947-70E740481C1C}">
-                <a14:useLocalDpi xmlns:a14="http://schemas.microsoft.com/office/drawing/2010/main" val="0"/>
-              </a:ext>
-            </a:extLst>
-          </a:blip>
-          <a:srcRect/>
-          <a:stretch>
-            <a:fillRect/>
-          </a:stretch>
-        </p:blipFill>
-        <p:spPr bwMode="auto">
-          <a:xfrm>
-            <a:off x="178045" y="194310"/>
-            <a:ext cx="8787909" cy="4149090"/>
-          </a:xfrm>
-          <a:prstGeom prst="rect">
-            <a:avLst/>
-          </a:prstGeom>
-          <a:noFill/>
-          <a:extLst>
-            <a:ext uri="{909E8E84-426E-40DD-AFC4-6F175D3DCCD1}">
-              <a14:hiddenFill xmlns:a14="http://schemas.microsoft.com/office/drawing/2010/main">
-                <a:solidFill>
-                  <a:srgbClr val="FFFFFF"/>
-                </a:solidFill>
-              </a14:hiddenFill>
-            </a:ext>
-          </a:extLst>
-        </p:spPr>
-      </p:pic>
-    </p:spTree>
-  </p:cSld>
-  <p:clrMapOvr>
-    <a:masterClrMapping/>
-  </p:clrMapOvr>
-</p:sld>
-</file>
-
-<file path=ppt/slides/slide11.xml><?xml version="1.0" encoding="utf-8"?>
-<p:sld xmlns:a="http://schemas.openxmlformats.org/drawingml/2006/main" xmlns:r="http://schemas.openxmlformats.org/officeDocument/2006/relationships" xmlns:p="http://schemas.openxmlformats.org/presentationml/2006/main">
-  <p:cSld>
-    <p:spTree>
-      <p:nvGrpSpPr>
-        <p:cNvPr id="1" name=""/>
-        <p:cNvGrpSpPr/>
-        <p:nvPr/>
-      </p:nvGrpSpPr>
-      <p:grpSpPr>
-        <a:xfrm>
-          <a:off x="0" y="0"/>
-          <a:ext cx="0" cy="0"/>
-          <a:chOff x="0" y="0"/>
-          <a:chExt cx="0" cy="0"/>
-        </a:xfrm>
-      </p:grpSpPr>
-      <p:sp>
-        <p:nvSpPr>
-          <p:cNvPr id="2" name="Titre 1">
-            <a:extLst>
-              <a:ext uri="{FF2B5EF4-FFF2-40B4-BE49-F238E27FC236}">
-                <a16:creationId xmlns:a16="http://schemas.microsoft.com/office/drawing/2014/main" id="{1A9DA6F0-F00B-5C8E-CF09-AFA4B45283F2}"/>
-              </a:ext>
-            </a:extLst>
-          </p:cNvPr>
-          <p:cNvSpPr>
-            <a:spLocks noGrp="1"/>
-          </p:cNvSpPr>
-          <p:nvPr>
-            <p:ph type="title"/>
-          </p:nvPr>
-        </p:nvSpPr>
-        <p:spPr/>
-        <p:txBody>
-          <a:bodyPr>
-            <a:normAutofit fontScale="90000"/>
-          </a:bodyPr>
-          <a:lstStyle/>
-          <a:p>
-            <a:endParaRPr lang="fr-FR"/>
-          </a:p>
-        </p:txBody>
-      </p:sp>
-      <p:sp>
-        <p:nvSpPr>
-          <p:cNvPr id="3" name="Espace réservé du numéro de diapositive 2">
-            <a:extLst>
-              <a:ext uri="{FF2B5EF4-FFF2-40B4-BE49-F238E27FC236}">
-                <a16:creationId xmlns:a16="http://schemas.microsoft.com/office/drawing/2014/main" id="{1BBFB12F-DA6E-A8B1-F737-4307D70B2741}"/>
-              </a:ext>
-            </a:extLst>
-          </p:cNvPr>
-          <p:cNvSpPr>
-            <a:spLocks noGrp="1"/>
-          </p:cNvSpPr>
-          <p:nvPr>
-            <p:ph type="sldNum" idx="12"/>
-          </p:nvPr>
-        </p:nvSpPr>
-        <p:spPr/>
-        <p:txBody>
-          <a:bodyPr/>
-          <a:lstStyle/>
-          <a:p>
-            <a:pPr marL="0" lvl="0" indent="0" algn="r" rtl="0">
-              <a:spcBef>
-                <a:spcPts val="0"/>
-              </a:spcBef>
-              <a:spcAft>
-                <a:spcPts val="0"/>
-              </a:spcAft>
-              <a:buNone/>
-            </a:pPr>
-            <a:fld id="{00000000-1234-1234-1234-123412341234}" type="slidenum">
-              <a:rPr lang="fr-FR" smtClean="0"/>
-              <a:t>11</a:t>
-            </a:fld>
-            <a:endParaRPr lang="fr-FR"/>
-          </a:p>
-        </p:txBody>
-      </p:sp>
-      <p:pic>
-        <p:nvPicPr>
-          <p:cNvPr id="2050" name="Picture 2">
-            <a:extLst>
-              <a:ext uri="{FF2B5EF4-FFF2-40B4-BE49-F238E27FC236}">
-                <a16:creationId xmlns:a16="http://schemas.microsoft.com/office/drawing/2014/main" id="{F3F2F766-E46A-1CE6-3EE7-94F80EE977EE}"/>
-              </a:ext>
-            </a:extLst>
-          </p:cNvPr>
-          <p:cNvPicPr>
-            <a:picLocks noChangeAspect="1" noChangeArrowheads="1"/>
-          </p:cNvPicPr>
-          <p:nvPr/>
-        </p:nvPicPr>
-        <p:blipFill>
-          <a:blip r:embed="rId2">
-            <a:extLst>
-              <a:ext uri="{28A0092B-C50C-407E-A947-70E740481C1C}">
-                <a14:useLocalDpi xmlns:a14="http://schemas.microsoft.com/office/drawing/2010/main" val="0"/>
-              </a:ext>
-            </a:extLst>
-          </a:blip>
-          <a:srcRect/>
-          <a:stretch>
-            <a:fillRect/>
-          </a:stretch>
-        </p:blipFill>
-        <p:spPr bwMode="auto">
-          <a:xfrm>
-            <a:off x="98159" y="113554"/>
-            <a:ext cx="8919328" cy="4218415"/>
-          </a:xfrm>
-          <a:prstGeom prst="rect">
-            <a:avLst/>
-          </a:prstGeom>
-          <a:noFill/>
-          <a:extLst>
-            <a:ext uri="{909E8E84-426E-40DD-AFC4-6F175D3DCCD1}">
-              <a14:hiddenFill xmlns:a14="http://schemas.microsoft.com/office/drawing/2010/main">
-                <a:solidFill>
-                  <a:srgbClr val="FFFFFF"/>
-                </a:solidFill>
-              </a14:hiddenFill>
-            </a:ext>
-          </a:extLst>
-        </p:spPr>
-      </p:pic>
-    </p:spTree>
-    <p:extLst>
-      <p:ext uri="{BB962C8B-B14F-4D97-AF65-F5344CB8AC3E}">
-        <p14:creationId xmlns:p14="http://schemas.microsoft.com/office/powerpoint/2010/main" val="1129389365"/>
-      </p:ext>
-    </p:extLst>
-  </p:cSld>
-  <p:clrMapOvr>
-    <a:masterClrMapping/>
-  </p:clrMapOvr>
-</p:sld>
-</file>
-
-<file path=ppt/slides/slide12.xml><?xml version="1.0" encoding="utf-8"?>
-<p:sld xmlns:a="http://schemas.openxmlformats.org/drawingml/2006/main" xmlns:r="http://schemas.openxmlformats.org/officeDocument/2006/relationships" xmlns:p="http://schemas.openxmlformats.org/presentationml/2006/main">
-  <p:cSld>
-    <p:spTree>
-      <p:nvGrpSpPr>
-        <p:cNvPr id="1" name=""/>
-        <p:cNvGrpSpPr/>
-        <p:nvPr/>
-      </p:nvGrpSpPr>
-      <p:grpSpPr>
-        <a:xfrm>
-          <a:off x="0" y="0"/>
-          <a:ext cx="0" cy="0"/>
-          <a:chOff x="0" y="0"/>
-          <a:chExt cx="0" cy="0"/>
-        </a:xfrm>
-      </p:grpSpPr>
-      <p:sp>
-        <p:nvSpPr>
-          <p:cNvPr id="2" name="Titre 1">
-            <a:extLst>
-              <a:ext uri="{FF2B5EF4-FFF2-40B4-BE49-F238E27FC236}">
-                <a16:creationId xmlns:a16="http://schemas.microsoft.com/office/drawing/2014/main" id="{F531FFC0-33DC-289B-957D-57E6BD8E4C5F}"/>
-              </a:ext>
-            </a:extLst>
-          </p:cNvPr>
-          <p:cNvSpPr>
-            <a:spLocks noGrp="1"/>
-          </p:cNvSpPr>
-          <p:nvPr>
-            <p:ph type="title"/>
-          </p:nvPr>
-        </p:nvSpPr>
-        <p:spPr/>
-        <p:txBody>
-          <a:bodyPr>
-            <a:normAutofit fontScale="90000"/>
-          </a:bodyPr>
-          <a:lstStyle/>
-          <a:p>
-            <a:endParaRPr lang="fr-FR"/>
-          </a:p>
-        </p:txBody>
-      </p:sp>
-      <p:sp>
-        <p:nvSpPr>
-          <p:cNvPr id="3" name="Espace réservé du numéro de diapositive 2">
-            <a:extLst>
-              <a:ext uri="{FF2B5EF4-FFF2-40B4-BE49-F238E27FC236}">
-                <a16:creationId xmlns:a16="http://schemas.microsoft.com/office/drawing/2014/main" id="{9F884DD8-EA98-B96E-558A-AA2D993158BA}"/>
-              </a:ext>
-            </a:extLst>
-          </p:cNvPr>
-          <p:cNvSpPr>
-            <a:spLocks noGrp="1"/>
-          </p:cNvSpPr>
-          <p:nvPr>
-            <p:ph type="sldNum" idx="12"/>
-          </p:nvPr>
-        </p:nvSpPr>
-        <p:spPr/>
-        <p:txBody>
-          <a:bodyPr/>
-          <a:lstStyle/>
-          <a:p>
-            <a:pPr marL="0" lvl="0" indent="0" algn="r" rtl="0">
-              <a:spcBef>
-                <a:spcPts val="0"/>
-              </a:spcBef>
-              <a:spcAft>
-                <a:spcPts val="0"/>
-              </a:spcAft>
-              <a:buNone/>
-            </a:pPr>
-            <a:fld id="{00000000-1234-1234-1234-123412341234}" type="slidenum">
-              <a:rPr lang="fr-FR" smtClean="0"/>
-              <a:t>12</a:t>
-            </a:fld>
-            <a:endParaRPr lang="fr-FR"/>
-          </a:p>
-        </p:txBody>
-      </p:sp>
-      <p:pic>
-        <p:nvPicPr>
-          <p:cNvPr id="3074" name="Picture 2">
-            <a:extLst>
-              <a:ext uri="{FF2B5EF4-FFF2-40B4-BE49-F238E27FC236}">
-                <a16:creationId xmlns:a16="http://schemas.microsoft.com/office/drawing/2014/main" id="{B7789614-ABF9-B31E-DD67-D0E6ADB76AFC}"/>
-              </a:ext>
-            </a:extLst>
-          </p:cNvPr>
-          <p:cNvPicPr>
-            <a:picLocks noChangeAspect="1" noChangeArrowheads="1"/>
-          </p:cNvPicPr>
-          <p:nvPr/>
-        </p:nvPicPr>
-        <p:blipFill>
-          <a:blip r:embed="rId2">
-            <a:extLst>
-              <a:ext uri="{28A0092B-C50C-407E-A947-70E740481C1C}">
-                <a14:useLocalDpi xmlns:a14="http://schemas.microsoft.com/office/drawing/2010/main" val="0"/>
-              </a:ext>
-            </a:extLst>
-          </a:blip>
-          <a:srcRect/>
-          <a:stretch>
-            <a:fillRect/>
-          </a:stretch>
-        </p:blipFill>
-        <p:spPr bwMode="auto">
-          <a:xfrm>
-            <a:off x="116289" y="217170"/>
-            <a:ext cx="8930410" cy="4080510"/>
-          </a:xfrm>
-          <a:prstGeom prst="rect">
-            <a:avLst/>
-          </a:prstGeom>
-          <a:noFill/>
-          <a:extLst>
-            <a:ext uri="{909E8E84-426E-40DD-AFC4-6F175D3DCCD1}">
-              <a14:hiddenFill xmlns:a14="http://schemas.microsoft.com/office/drawing/2010/main">
-                <a:solidFill>
-                  <a:srgbClr val="FFFFFF"/>
-                </a:solidFill>
-              </a14:hiddenFill>
-            </a:ext>
-          </a:extLst>
-        </p:spPr>
-      </p:pic>
-    </p:spTree>
-    <p:extLst>
-      <p:ext uri="{BB962C8B-B14F-4D97-AF65-F5344CB8AC3E}">
-        <p14:creationId xmlns:p14="http://schemas.microsoft.com/office/powerpoint/2010/main" val="3737392981"/>
-      </p:ext>
-    </p:extLst>
-  </p:cSld>
-  <p:clrMapOvr>
-    <a:masterClrMapping/>
-  </p:clrMapOvr>
-</p:sld>
-</file>
-
-<file path=ppt/slides/slide13.xml><?xml version="1.0" encoding="utf-8"?>
-<p:sld xmlns:a="http://schemas.openxmlformats.org/drawingml/2006/main" xmlns:r="http://schemas.openxmlformats.org/officeDocument/2006/relationships" xmlns:p="http://schemas.openxmlformats.org/presentationml/2006/main">
-  <p:cSld>
-    <p:spTree>
-      <p:nvGrpSpPr>
-        <p:cNvPr id="1" name=""/>
-        <p:cNvGrpSpPr/>
-        <p:nvPr/>
-      </p:nvGrpSpPr>
-      <p:grpSpPr>
-        <a:xfrm>
-          <a:off x="0" y="0"/>
-          <a:ext cx="0" cy="0"/>
-          <a:chOff x="0" y="0"/>
-          <a:chExt cx="0" cy="0"/>
-        </a:xfrm>
-      </p:grpSpPr>
-      <p:sp>
-        <p:nvSpPr>
-          <p:cNvPr id="2" name="Titre 1">
-            <a:extLst>
-              <a:ext uri="{FF2B5EF4-FFF2-40B4-BE49-F238E27FC236}">
-                <a16:creationId xmlns:a16="http://schemas.microsoft.com/office/drawing/2014/main" id="{23A699C2-49A7-560B-B987-39B2BB762DCF}"/>
-              </a:ext>
-            </a:extLst>
-          </p:cNvPr>
-          <p:cNvSpPr>
-            <a:spLocks noGrp="1"/>
-          </p:cNvSpPr>
-          <p:nvPr>
-            <p:ph type="title"/>
-          </p:nvPr>
-        </p:nvSpPr>
-        <p:spPr/>
-        <p:txBody>
-          <a:bodyPr>
-            <a:normAutofit fontScale="90000"/>
-          </a:bodyPr>
-          <a:lstStyle/>
-          <a:p>
-            <a:endParaRPr lang="fr-FR"/>
-          </a:p>
-        </p:txBody>
-      </p:sp>
-      <p:sp>
-        <p:nvSpPr>
-          <p:cNvPr id="3" name="Espace réservé du numéro de diapositive 2">
-            <a:extLst>
-              <a:ext uri="{FF2B5EF4-FFF2-40B4-BE49-F238E27FC236}">
-                <a16:creationId xmlns:a16="http://schemas.microsoft.com/office/drawing/2014/main" id="{9D4403CB-AA06-DB76-C64D-53104F0D9CF6}"/>
-              </a:ext>
-            </a:extLst>
-          </p:cNvPr>
-          <p:cNvSpPr>
-            <a:spLocks noGrp="1"/>
-          </p:cNvSpPr>
-          <p:nvPr>
-            <p:ph type="sldNum" idx="12"/>
-          </p:nvPr>
-        </p:nvSpPr>
-        <p:spPr/>
-        <p:txBody>
-          <a:bodyPr/>
-          <a:lstStyle/>
-          <a:p>
-            <a:pPr marL="0" lvl="0" indent="0" algn="r" rtl="0">
-              <a:spcBef>
-                <a:spcPts val="0"/>
-              </a:spcBef>
-              <a:spcAft>
-                <a:spcPts val="0"/>
-              </a:spcAft>
-              <a:buNone/>
-            </a:pPr>
-            <a:fld id="{00000000-1234-1234-1234-123412341234}" type="slidenum">
-              <a:rPr lang="fr-FR" smtClean="0"/>
-              <a:t>13</a:t>
-            </a:fld>
-            <a:endParaRPr lang="fr-FR"/>
-          </a:p>
-        </p:txBody>
-      </p:sp>
-      <p:pic>
-        <p:nvPicPr>
-          <p:cNvPr id="4098" name="Picture 2">
-            <a:extLst>
-              <a:ext uri="{FF2B5EF4-FFF2-40B4-BE49-F238E27FC236}">
-                <a16:creationId xmlns:a16="http://schemas.microsoft.com/office/drawing/2014/main" id="{EA79DB27-C37B-867A-F194-3B76B92D3773}"/>
-              </a:ext>
-            </a:extLst>
-          </p:cNvPr>
-          <p:cNvPicPr>
-            <a:picLocks noChangeAspect="1" noChangeArrowheads="1"/>
-          </p:cNvPicPr>
-          <p:nvPr/>
-        </p:nvPicPr>
-        <p:blipFill>
-          <a:blip r:embed="rId2">
-            <a:extLst>
-              <a:ext uri="{28A0092B-C50C-407E-A947-70E740481C1C}">
-                <a14:useLocalDpi xmlns:a14="http://schemas.microsoft.com/office/drawing/2010/main" val="0"/>
-              </a:ext>
-            </a:extLst>
-          </a:blip>
-          <a:srcRect/>
-          <a:stretch>
-            <a:fillRect/>
-          </a:stretch>
-        </p:blipFill>
-        <p:spPr bwMode="auto">
-          <a:xfrm>
-            <a:off x="121966" y="102126"/>
-            <a:ext cx="8906287" cy="4149834"/>
-          </a:xfrm>
-          <a:prstGeom prst="rect">
-            <a:avLst/>
-          </a:prstGeom>
-          <a:noFill/>
-          <a:extLst>
-            <a:ext uri="{909E8E84-426E-40DD-AFC4-6F175D3DCCD1}">
-              <a14:hiddenFill xmlns:a14="http://schemas.microsoft.com/office/drawing/2010/main">
-                <a:solidFill>
-                  <a:srgbClr val="FFFFFF"/>
-                </a:solidFill>
-              </a14:hiddenFill>
-            </a:ext>
-          </a:extLst>
-        </p:spPr>
-      </p:pic>
-    </p:spTree>
-    <p:extLst>
-      <p:ext uri="{BB962C8B-B14F-4D97-AF65-F5344CB8AC3E}">
-        <p14:creationId xmlns:p14="http://schemas.microsoft.com/office/powerpoint/2010/main" val="1632262073"/>
-      </p:ext>
-    </p:extLst>
-  </p:cSld>
-  <p:clrMapOvr>
-    <a:masterClrMapping/>
-  </p:clrMapOvr>
-</p:sld>
-</file>
-
-<file path=ppt/slides/slide14.xml><?xml version="1.0" encoding="utf-8"?>
-<p:sld xmlns:a="http://schemas.openxmlformats.org/drawingml/2006/main" xmlns:r="http://schemas.openxmlformats.org/officeDocument/2006/relationships" xmlns:p="http://schemas.openxmlformats.org/presentationml/2006/main">
-  <p:cSld>
-    <p:spTree>
-      <p:nvGrpSpPr>
-        <p:cNvPr id="1" name=""/>
-        <p:cNvGrpSpPr/>
-        <p:nvPr/>
-      </p:nvGrpSpPr>
-      <p:grpSpPr>
-        <a:xfrm>
-          <a:off x="0" y="0"/>
-          <a:ext cx="0" cy="0"/>
-          <a:chOff x="0" y="0"/>
-          <a:chExt cx="0" cy="0"/>
-        </a:xfrm>
-      </p:grpSpPr>
-      <p:sp>
-        <p:nvSpPr>
-          <p:cNvPr id="2" name="Titre 1">
-            <a:extLst>
-              <a:ext uri="{FF2B5EF4-FFF2-40B4-BE49-F238E27FC236}">
-                <a16:creationId xmlns:a16="http://schemas.microsoft.com/office/drawing/2014/main" id="{6B4AD40A-89FB-C182-F1FC-1573BE8E1457}"/>
-              </a:ext>
-            </a:extLst>
-          </p:cNvPr>
-          <p:cNvSpPr>
-            <a:spLocks noGrp="1"/>
-          </p:cNvSpPr>
-          <p:nvPr>
-            <p:ph type="title"/>
-          </p:nvPr>
-        </p:nvSpPr>
-        <p:spPr/>
-        <p:txBody>
-          <a:bodyPr>
-            <a:normAutofit fontScale="90000"/>
-          </a:bodyPr>
-          <a:lstStyle/>
-          <a:p>
-            <a:endParaRPr lang="fr-FR"/>
-          </a:p>
-        </p:txBody>
-      </p:sp>
-      <p:sp>
-        <p:nvSpPr>
-          <p:cNvPr id="3" name="Espace réservé du numéro de diapositive 2">
-            <a:extLst>
-              <a:ext uri="{FF2B5EF4-FFF2-40B4-BE49-F238E27FC236}">
-                <a16:creationId xmlns:a16="http://schemas.microsoft.com/office/drawing/2014/main" id="{AA3D3970-4C78-AC8E-061D-8AB79E9E5DCA}"/>
-              </a:ext>
-            </a:extLst>
-          </p:cNvPr>
-          <p:cNvSpPr>
-            <a:spLocks noGrp="1"/>
-          </p:cNvSpPr>
-          <p:nvPr>
-            <p:ph type="sldNum" idx="12"/>
-          </p:nvPr>
-        </p:nvSpPr>
-        <p:spPr/>
-        <p:txBody>
-          <a:bodyPr/>
-          <a:lstStyle/>
-          <a:p>
-            <a:pPr marL="0" lvl="0" indent="0" algn="r" rtl="0">
-              <a:spcBef>
-                <a:spcPts val="0"/>
-              </a:spcBef>
-              <a:spcAft>
-                <a:spcPts val="0"/>
-              </a:spcAft>
-              <a:buNone/>
-            </a:pPr>
-            <a:fld id="{00000000-1234-1234-1234-123412341234}" type="slidenum">
-              <a:rPr lang="fr-FR" smtClean="0"/>
-              <a:t>14</a:t>
-            </a:fld>
-            <a:endParaRPr lang="fr-FR"/>
-          </a:p>
-        </p:txBody>
-      </p:sp>
-      <p:pic>
-        <p:nvPicPr>
-          <p:cNvPr id="5122" name="Picture 2">
-            <a:extLst>
-              <a:ext uri="{FF2B5EF4-FFF2-40B4-BE49-F238E27FC236}">
-                <a16:creationId xmlns:a16="http://schemas.microsoft.com/office/drawing/2014/main" id="{45BB6712-7027-D236-C1DA-B2EDA8E8EFE7}"/>
-              </a:ext>
-            </a:extLst>
-          </p:cNvPr>
-          <p:cNvPicPr>
-            <a:picLocks noChangeAspect="1" noChangeArrowheads="1"/>
-          </p:cNvPicPr>
-          <p:nvPr/>
-        </p:nvPicPr>
-        <p:blipFill>
-          <a:blip r:embed="rId2">
-            <a:extLst>
-              <a:ext uri="{28A0092B-C50C-407E-A947-70E740481C1C}">
-                <a14:useLocalDpi xmlns:a14="http://schemas.microsoft.com/office/drawing/2010/main" val="0"/>
-              </a:ext>
-            </a:extLst>
-          </a:blip>
-          <a:srcRect/>
-          <a:stretch>
-            <a:fillRect/>
-          </a:stretch>
-        </p:blipFill>
-        <p:spPr bwMode="auto">
-          <a:xfrm>
-            <a:off x="82551" y="189060"/>
-            <a:ext cx="8978898" cy="4177200"/>
-          </a:xfrm>
-          <a:prstGeom prst="rect">
-            <a:avLst/>
-          </a:prstGeom>
-          <a:noFill/>
-          <a:extLst>
-            <a:ext uri="{909E8E84-426E-40DD-AFC4-6F175D3DCCD1}">
-              <a14:hiddenFill xmlns:a14="http://schemas.microsoft.com/office/drawing/2010/main">
-                <a:solidFill>
-                  <a:srgbClr val="FFFFFF"/>
-                </a:solidFill>
-              </a14:hiddenFill>
-            </a:ext>
-          </a:extLst>
-        </p:spPr>
-      </p:pic>
-    </p:spTree>
-    <p:extLst>
-      <p:ext uri="{BB962C8B-B14F-4D97-AF65-F5344CB8AC3E}">
-        <p14:creationId xmlns:p14="http://schemas.microsoft.com/office/powerpoint/2010/main" val="3145780853"/>
-      </p:ext>
-    </p:extLst>
-  </p:cSld>
-  <p:clrMapOvr>
-    <a:masterClrMapping/>
-  </p:clrMapOvr>
-</p:sld>
-</file>
-
-<file path=ppt/slides/slide15.xml><?xml version="1.0" encoding="utf-8"?>
-<p:sld xmlns:a="http://schemas.openxmlformats.org/drawingml/2006/main" xmlns:r="http://schemas.openxmlformats.org/officeDocument/2006/relationships" xmlns:p="http://schemas.openxmlformats.org/presentationml/2006/main">
-  <p:cSld>
-    <p:spTree>
-      <p:nvGrpSpPr>
-        <p:cNvPr id="1" name="Shape 190"/>
-        <p:cNvGrpSpPr/>
-        <p:nvPr/>
-      </p:nvGrpSpPr>
-      <p:grpSpPr>
-        <a:xfrm>
-          <a:off x="0" y="0"/>
-          <a:ext cx="0" cy="0"/>
-          <a:chOff x="0" y="0"/>
-          <a:chExt cx="0" cy="0"/>
-        </a:xfrm>
-      </p:grpSpPr>
-      <p:sp>
-        <p:nvSpPr>
-          <p:cNvPr id="3" name="Titre 2">
-            <a:extLst>
-              <a:ext uri="{FF2B5EF4-FFF2-40B4-BE49-F238E27FC236}">
-                <a16:creationId xmlns:a16="http://schemas.microsoft.com/office/drawing/2014/main" id="{935F02DB-CB1D-3E07-D18E-3FF2BE66051B}"/>
-              </a:ext>
-            </a:extLst>
-          </p:cNvPr>
-          <p:cNvSpPr>
-            <a:spLocks noGrp="1"/>
-          </p:cNvSpPr>
-          <p:nvPr>
-            <p:ph type="title"/>
-          </p:nvPr>
-        </p:nvSpPr>
-        <p:spPr/>
-        <p:txBody>
-          <a:bodyPr/>
-          <a:lstStyle/>
-          <a:p>
-            <a:endParaRPr lang="fr-FR" dirty="0"/>
-          </a:p>
-        </p:txBody>
-      </p:sp>
-      <p:sp>
-        <p:nvSpPr>
-          <p:cNvPr id="192" name="Google Shape;192;p27"/>
-          <p:cNvSpPr txBox="1">
-            <a:spLocks noGrp="1"/>
-          </p:cNvSpPr>
-          <p:nvPr>
-            <p:ph type="sldNum" idx="12"/>
-          </p:nvPr>
-        </p:nvSpPr>
-        <p:spPr>
-          <a:prstGeom prst="rect">
-            <a:avLst/>
-          </a:prstGeom>
-        </p:spPr>
-        <p:txBody>
-          <a:bodyPr spcFirstLastPara="1" wrap="square" lIns="91425" tIns="91425" rIns="91425" bIns="91425" anchor="ctr" anchorCtr="0">
-            <a:normAutofit/>
-          </a:bodyPr>
-          <a:lstStyle/>
-          <a:p>
-            <a:pPr marL="0" lvl="0" indent="0" algn="r" rtl="0">
-              <a:spcBef>
-                <a:spcPts val="0"/>
-              </a:spcBef>
-              <a:spcAft>
-                <a:spcPts val="0"/>
-              </a:spcAft>
-              <a:buNone/>
-            </a:pPr>
-            <a:fld id="{00000000-1234-1234-1234-123412341234}" type="slidenum">
-              <a:rPr lang="fr">
-                <a:solidFill>
-                  <a:schemeClr val="lt2"/>
-                </a:solidFill>
-              </a:rPr>
-              <a:t>15</a:t>
-            </a:fld>
-            <a:endParaRPr>
-              <a:solidFill>
-                <a:schemeClr val="lt2"/>
-              </a:solidFill>
-            </a:endParaRPr>
-          </a:p>
-        </p:txBody>
-      </p:sp>
-      <p:pic>
-        <p:nvPicPr>
-          <p:cNvPr id="8" name="Image 1">
-            <a:extLst>
-              <a:ext uri="{FF2B5EF4-FFF2-40B4-BE49-F238E27FC236}">
-                <a16:creationId xmlns:a16="http://schemas.microsoft.com/office/drawing/2014/main" id="{38A09904-1B23-84E9-8028-9E64674DF485}"/>
-              </a:ext>
-            </a:extLst>
-          </p:cNvPr>
-          <p:cNvPicPr>
-            <a:picLocks noChangeAspect="1"/>
-          </p:cNvPicPr>
-          <p:nvPr/>
-        </p:nvPicPr>
-        <p:blipFill>
-          <a:blip r:embed="rId3"/>
-          <a:stretch>
-            <a:fillRect/>
-          </a:stretch>
-        </p:blipFill>
-        <p:spPr>
-          <a:xfrm>
-            <a:off x="707051" y="239271"/>
-            <a:ext cx="7729897" cy="4646288"/>
-          </a:xfrm>
-          <a:prstGeom prst="rect">
-            <a:avLst/>
-          </a:prstGeom>
-          <a:noFill/>
-          <a:ln cap="rnd">
-            <a:noFill/>
-          </a:ln>
-        </p:spPr>
-      </p:pic>
-    </p:spTree>
-  </p:cSld>
-  <p:clrMapOvr>
-    <a:masterClrMapping/>
-  </p:clrMapOvr>
-</p:sld>
-</file>
-
-<file path=ppt/slides/slide16.xml><?xml version="1.0" encoding="utf-8"?>
-<p:sld xmlns:a="http://schemas.openxmlformats.org/drawingml/2006/main" xmlns:r="http://schemas.openxmlformats.org/officeDocument/2006/relationships" xmlns:p="http://schemas.openxmlformats.org/presentationml/2006/main">
-  <p:cSld>
-    <p:spTree>
-      <p:nvGrpSpPr>
-        <p:cNvPr id="1" name="Shape 196"/>
-        <p:cNvGrpSpPr/>
-        <p:nvPr/>
-      </p:nvGrpSpPr>
-      <p:grpSpPr>
-        <a:xfrm>
-          <a:off x="0" y="0"/>
-          <a:ext cx="0" cy="0"/>
-          <a:chOff x="0" y="0"/>
-          <a:chExt cx="0" cy="0"/>
-        </a:xfrm>
-      </p:grpSpPr>
-      <p:sp>
-        <p:nvSpPr>
-          <p:cNvPr id="197" name="Google Shape;197;p28"/>
-          <p:cNvSpPr txBox="1">
-            <a:spLocks noGrp="1"/>
-          </p:cNvSpPr>
-          <p:nvPr>
-            <p:ph type="title"/>
-          </p:nvPr>
-        </p:nvSpPr>
-        <p:spPr>
-          <a:xfrm>
-            <a:off x="490250" y="526350"/>
-            <a:ext cx="5604000" cy="4090800"/>
-          </a:xfrm>
-          <a:prstGeom prst="rect">
-            <a:avLst/>
-          </a:prstGeom>
-        </p:spPr>
-        <p:txBody>
-          <a:bodyPr spcFirstLastPara="1" wrap="square" lIns="91425" tIns="91425" rIns="91425" bIns="91425" anchor="ctr" anchorCtr="0">
-            <a:normAutofit/>
-          </a:bodyPr>
-          <a:lstStyle/>
-          <a:p>
-            <a:pPr marL="0" lvl="0" indent="0" algn="l" rtl="0">
-              <a:spcBef>
-                <a:spcPts val="0"/>
-              </a:spcBef>
-              <a:spcAft>
-                <a:spcPts val="0"/>
-              </a:spcAft>
-              <a:buNone/>
-            </a:pPr>
-            <a:r>
-              <a:rPr lang="fr"/>
-              <a:t>Conclusion</a:t>
-            </a:r>
-            <a:endParaRPr/>
-          </a:p>
-        </p:txBody>
-      </p:sp>
-      <p:sp>
-        <p:nvSpPr>
-          <p:cNvPr id="198" name="Google Shape;198;p28"/>
-          <p:cNvSpPr txBox="1">
-            <a:spLocks noGrp="1"/>
-          </p:cNvSpPr>
-          <p:nvPr>
-            <p:ph type="sldNum" idx="12"/>
-          </p:nvPr>
-        </p:nvSpPr>
-        <p:spPr>
-          <a:xfrm>
-            <a:off x="8497999" y="4688759"/>
-            <a:ext cx="548700" cy="393600"/>
-          </a:xfrm>
-          <a:prstGeom prst="rect">
-            <a:avLst/>
-          </a:prstGeom>
-        </p:spPr>
-        <p:txBody>
-          <a:bodyPr spcFirstLastPara="1" wrap="square" lIns="91425" tIns="91425" rIns="91425" bIns="91425" anchor="ctr" anchorCtr="0">
-            <a:normAutofit/>
-          </a:bodyPr>
-          <a:lstStyle/>
-          <a:p>
-            <a:pPr marL="0" lvl="0" indent="0" algn="r" rtl="0">
-              <a:spcBef>
-                <a:spcPts val="0"/>
-              </a:spcBef>
-              <a:spcAft>
-                <a:spcPts val="0"/>
-              </a:spcAft>
-              <a:buNone/>
-            </a:pPr>
-            <a:fld id="{00000000-1234-1234-1234-123412341234}" type="slidenum">
-              <a:rPr lang="fr">
-                <a:solidFill>
-                  <a:schemeClr val="lt1"/>
-                </a:solidFill>
-              </a:rPr>
-              <a:t>16</a:t>
-            </a:fld>
-            <a:endParaRPr>
-              <a:solidFill>
-                <a:schemeClr val="lt1"/>
-              </a:solidFill>
-            </a:endParaRPr>
-          </a:p>
-        </p:txBody>
-      </p:sp>
-    </p:spTree>
-  </p:cSld>
-  <p:clrMapOvr>
-    <a:masterClrMapping/>
-  </p:clrMapOvr>
-</p:sld>
-</file>
-
-<file path=ppt/slides/slide2.xml><?xml version="1.0" encoding="utf-8"?>
-<p:sld xmlns:a="http://schemas.openxmlformats.org/drawingml/2006/main" xmlns:r="http://schemas.openxmlformats.org/officeDocument/2006/relationships" xmlns:p="http://schemas.openxmlformats.org/presentationml/2006/main">
-  <p:cSld>
-    <p:spTree>
-      <p:nvGrpSpPr>
-        <p:cNvPr id="1" name="Shape 128"/>
-        <p:cNvGrpSpPr/>
-        <p:nvPr/>
-      </p:nvGrpSpPr>
-      <p:grpSpPr>
-        <a:xfrm>
-          <a:off x="0" y="0"/>
-          <a:ext cx="0" cy="0"/>
-          <a:chOff x="0" y="0"/>
-          <a:chExt cx="0" cy="0"/>
-        </a:xfrm>
-      </p:grpSpPr>
-      <p:sp>
-        <p:nvSpPr>
-          <p:cNvPr id="129" name="Google Shape;129;p18"/>
-          <p:cNvSpPr txBox="1">
-            <a:spLocks noGrp="1"/>
-          </p:cNvSpPr>
-          <p:nvPr>
-            <p:ph type="title"/>
-          </p:nvPr>
-        </p:nvSpPr>
-        <p:spPr>
-          <a:xfrm>
-            <a:off x="1297500" y="393750"/>
-            <a:ext cx="7038900" cy="914100"/>
-          </a:xfrm>
-          <a:prstGeom prst="rect">
-            <a:avLst/>
-          </a:prstGeom>
-        </p:spPr>
-        <p:txBody>
-          <a:bodyPr spcFirstLastPara="1" wrap="square" lIns="91425" tIns="91425" rIns="91425" bIns="91425" anchor="t" anchorCtr="0">
-            <a:normAutofit/>
-          </a:bodyPr>
-          <a:lstStyle/>
-          <a:p>
-            <a:pPr marL="0" lvl="0" indent="0" algn="l" rtl="0">
-              <a:spcBef>
-                <a:spcPts val="0"/>
-              </a:spcBef>
-              <a:spcAft>
-                <a:spcPts val="0"/>
-              </a:spcAft>
-              <a:buNone/>
-            </a:pPr>
-            <a:r>
-              <a:rPr lang="fr"/>
-              <a:t>Objectif du projet</a:t>
-            </a:r>
-            <a:endParaRPr/>
-          </a:p>
-        </p:txBody>
-      </p:sp>
-      <p:sp>
-        <p:nvSpPr>
-          <p:cNvPr id="130" name="Google Shape;130;p18"/>
-          <p:cNvSpPr txBox="1">
-            <a:spLocks noGrp="1"/>
-          </p:cNvSpPr>
-          <p:nvPr>
-            <p:ph type="body" idx="1"/>
-          </p:nvPr>
-        </p:nvSpPr>
-        <p:spPr>
-          <a:xfrm>
-            <a:off x="4018025" y="1567550"/>
-            <a:ext cx="4886700" cy="2386500"/>
-          </a:xfrm>
-          <a:prstGeom prst="rect">
-            <a:avLst/>
-          </a:prstGeom>
-          <a:ln>
-            <a:noFill/>
-          </a:ln>
-        </p:spPr>
-        <p:txBody>
-          <a:bodyPr spcFirstLastPara="1" wrap="square" lIns="91425" tIns="91425" rIns="91425" bIns="91425" anchor="t" anchorCtr="0">
-            <a:normAutofit/>
-          </a:bodyPr>
-          <a:lstStyle/>
-          <a:p>
-            <a:pPr marL="457200" lvl="0" indent="-342900" algn="l" rtl="0">
-              <a:spcBef>
-                <a:spcPts val="0"/>
-              </a:spcBef>
-              <a:spcAft>
-                <a:spcPts val="0"/>
-              </a:spcAft>
-              <a:buSzPts val="1800"/>
-              <a:buChar char="-"/>
-            </a:pPr>
-            <a:r>
-              <a:rPr lang="fr" dirty="0"/>
-              <a:t>Créer une base de données à partir des fichiers .csv brutes du client</a:t>
-            </a:r>
-          </a:p>
-          <a:p>
-            <a:pPr marL="114300" lvl="0" indent="0" algn="l" rtl="0">
-              <a:spcBef>
-                <a:spcPts val="0"/>
-              </a:spcBef>
-              <a:spcAft>
-                <a:spcPts val="0"/>
-              </a:spcAft>
-              <a:buSzPts val="1800"/>
-              <a:buNone/>
-            </a:pPr>
-            <a:endParaRPr dirty="0"/>
-          </a:p>
-          <a:p>
-            <a:pPr marL="457200" lvl="0" indent="-342900" algn="l" rtl="0">
-              <a:spcBef>
-                <a:spcPts val="0"/>
-              </a:spcBef>
-              <a:spcAft>
-                <a:spcPts val="0"/>
-              </a:spcAft>
-              <a:buSzPts val="1800"/>
-              <a:buChar char="-"/>
-            </a:pPr>
-            <a:r>
-              <a:rPr lang="fr" dirty="0"/>
-              <a:t>Réaliser une étude analytique à partir de ces données</a:t>
-            </a:r>
-            <a:br>
-              <a:rPr lang="fr" dirty="0"/>
-            </a:br>
-            <a:endParaRPr dirty="0">
-              <a:latin typeface="Arial"/>
-              <a:ea typeface="Arial"/>
-              <a:cs typeface="Arial"/>
-              <a:sym typeface="Arial"/>
-            </a:endParaRPr>
-          </a:p>
-          <a:p>
-            <a:pPr marL="0" lvl="0" indent="0" algn="l" rtl="0">
-              <a:spcBef>
-                <a:spcPts val="1200"/>
-              </a:spcBef>
-              <a:spcAft>
-                <a:spcPts val="1200"/>
-              </a:spcAft>
-              <a:buNone/>
-            </a:pPr>
-            <a:endParaRPr dirty="0"/>
-          </a:p>
-        </p:txBody>
-      </p:sp>
-      <p:pic>
-        <p:nvPicPr>
-          <p:cNvPr id="131" name="Google Shape;131;p18"/>
-          <p:cNvPicPr preferRelativeResize="0"/>
-          <p:nvPr/>
-        </p:nvPicPr>
-        <p:blipFill>
-          <a:blip r:embed="rId3">
-            <a:alphaModFix/>
-          </a:blip>
-          <a:stretch>
-            <a:fillRect/>
-          </a:stretch>
-        </p:blipFill>
-        <p:spPr>
-          <a:xfrm>
-            <a:off x="7707575" y="189475"/>
-            <a:ext cx="1345850" cy="758025"/>
-          </a:xfrm>
-          <a:prstGeom prst="rect">
-            <a:avLst/>
-          </a:prstGeom>
-          <a:noFill/>
-          <a:ln>
-            <a:noFill/>
-          </a:ln>
-        </p:spPr>
-      </p:pic>
-      <p:sp>
-        <p:nvSpPr>
-          <p:cNvPr id="132" name="Google Shape;132;p18"/>
-          <p:cNvSpPr txBox="1">
-            <a:spLocks noGrp="1"/>
-          </p:cNvSpPr>
-          <p:nvPr>
-            <p:ph type="sldNum" idx="12"/>
-          </p:nvPr>
-        </p:nvSpPr>
-        <p:spPr>
-          <a:xfrm>
-            <a:off x="8472458" y="4663217"/>
-            <a:ext cx="548700" cy="393600"/>
-          </a:xfrm>
-          <a:prstGeom prst="rect">
-            <a:avLst/>
-          </a:prstGeom>
-        </p:spPr>
-        <p:txBody>
-          <a:bodyPr spcFirstLastPara="1" wrap="square" lIns="91425" tIns="91425" rIns="91425" bIns="91425" anchor="ctr" anchorCtr="0">
-            <a:normAutofit/>
-          </a:bodyPr>
-          <a:lstStyle/>
-          <a:p>
-            <a:pPr marL="0" lvl="0" indent="0" algn="r" rtl="0">
-              <a:spcBef>
-                <a:spcPts val="0"/>
-              </a:spcBef>
-              <a:spcAft>
-                <a:spcPts val="0"/>
-              </a:spcAft>
-              <a:buNone/>
-            </a:pPr>
-            <a:fld id="{00000000-1234-1234-1234-123412341234}" type="slidenum">
-              <a:rPr lang="fr"/>
-              <a:t>2</a:t>
-            </a:fld>
-            <a:endParaRPr/>
-          </a:p>
-        </p:txBody>
-      </p:sp>
-    </p:spTree>
-  </p:cSld>
-  <p:clrMapOvr>
-    <a:masterClrMapping/>
-  </p:clrMapOvr>
-</p:sld>
-</file>
-
-<file path=ppt/slides/slide3.xml><?xml version="1.0" encoding="utf-8"?>
-<p:sld xmlns:a="http://schemas.openxmlformats.org/drawingml/2006/main" xmlns:r="http://schemas.openxmlformats.org/officeDocument/2006/relationships" xmlns:p="http://schemas.openxmlformats.org/presentationml/2006/main">
-  <p:cSld>
-    <p:spTree>
-      <p:nvGrpSpPr>
-        <p:cNvPr id="1" name="Shape 136"/>
-        <p:cNvGrpSpPr/>
-        <p:nvPr/>
-      </p:nvGrpSpPr>
-      <p:grpSpPr>
-        <a:xfrm>
-          <a:off x="0" y="0"/>
-          <a:ext cx="0" cy="0"/>
-          <a:chOff x="0" y="0"/>
-          <a:chExt cx="0" cy="0"/>
-        </a:xfrm>
-      </p:grpSpPr>
-      <p:sp>
-        <p:nvSpPr>
-          <p:cNvPr id="137" name="Google Shape;137;p19"/>
-          <p:cNvSpPr txBox="1">
-            <a:spLocks noGrp="1"/>
-          </p:cNvSpPr>
-          <p:nvPr>
-            <p:ph type="title"/>
-          </p:nvPr>
-        </p:nvSpPr>
-        <p:spPr>
-          <a:xfrm>
-            <a:off x="276325" y="256775"/>
-            <a:ext cx="8520600" cy="623400"/>
-          </a:xfrm>
-          <a:prstGeom prst="rect">
-            <a:avLst/>
-          </a:prstGeom>
-        </p:spPr>
-        <p:txBody>
-          <a:bodyPr spcFirstLastPara="1" wrap="square" lIns="91425" tIns="91425" rIns="91425" bIns="91425" anchor="t" anchorCtr="0">
-            <a:noAutofit/>
-          </a:bodyPr>
-          <a:lstStyle/>
-          <a:p>
-            <a:pPr marL="0" lvl="0" indent="0" algn="l" rtl="0">
-              <a:spcBef>
-                <a:spcPts val="0"/>
-              </a:spcBef>
-              <a:spcAft>
-                <a:spcPts val="0"/>
-              </a:spcAft>
-              <a:buSzPts val="990"/>
-              <a:buNone/>
-            </a:pPr>
-            <a:r>
-              <a:rPr lang="fr" sz="3500"/>
-              <a:t>Sommaire</a:t>
-            </a:r>
-            <a:endParaRPr sz="3500"/>
-          </a:p>
-        </p:txBody>
-      </p:sp>
-      <p:sp>
-        <p:nvSpPr>
-          <p:cNvPr id="138" name="Google Shape;138;p19"/>
-          <p:cNvSpPr txBox="1">
-            <a:spLocks noGrp="1"/>
-          </p:cNvSpPr>
-          <p:nvPr>
-            <p:ph type="body" idx="1"/>
-          </p:nvPr>
-        </p:nvSpPr>
-        <p:spPr>
-          <a:xfrm>
-            <a:off x="311700" y="1152475"/>
-            <a:ext cx="8520600" cy="3416400"/>
-          </a:xfrm>
-          <a:prstGeom prst="rect">
-            <a:avLst/>
-          </a:prstGeom>
-        </p:spPr>
-        <p:txBody>
-          <a:bodyPr spcFirstLastPara="1" wrap="square" lIns="91425" tIns="91425" rIns="91425" bIns="91425" anchor="t" anchorCtr="0">
-            <a:normAutofit/>
-          </a:bodyPr>
-          <a:lstStyle/>
-          <a:p>
-            <a:pPr marL="0" lvl="0" indent="0" algn="l" rtl="0">
-              <a:spcBef>
-                <a:spcPts val="0"/>
-              </a:spcBef>
-              <a:spcAft>
-                <a:spcPts val="0"/>
-              </a:spcAft>
-              <a:buNone/>
-            </a:pPr>
-            <a:r>
-              <a:rPr lang="fr" sz="2300" b="1" dirty="0">
-                <a:solidFill>
-                  <a:schemeClr val="dk2"/>
-                </a:solidFill>
-              </a:rPr>
-              <a:t>Partie Base De Données</a:t>
-            </a:r>
-            <a:endParaRPr sz="2300" b="1" dirty="0">
-              <a:solidFill>
-                <a:schemeClr val="dk2"/>
-              </a:solidFill>
-            </a:endParaRPr>
-          </a:p>
-          <a:p>
-            <a:pPr marL="457200" lvl="0" indent="-342900" algn="l" rtl="0">
-              <a:lnSpc>
-                <a:spcPct val="100000"/>
-              </a:lnSpc>
-              <a:spcBef>
-                <a:spcPts val="1200"/>
-              </a:spcBef>
-              <a:spcAft>
-                <a:spcPts val="0"/>
-              </a:spcAft>
-              <a:buClr>
-                <a:schemeClr val="dk2"/>
-              </a:buClr>
-              <a:buSzPts val="1800"/>
-              <a:buChar char="●"/>
-            </a:pPr>
-            <a:r>
-              <a:rPr lang="fr" dirty="0">
-                <a:solidFill>
-                  <a:schemeClr val="dk2"/>
-                </a:solidFill>
-              </a:rPr>
-              <a:t>MCD</a:t>
-            </a:r>
-          </a:p>
-          <a:p>
-            <a:pPr marL="457200" lvl="0" indent="-342900" algn="l" rtl="0">
-              <a:lnSpc>
-                <a:spcPct val="100000"/>
-              </a:lnSpc>
-              <a:spcBef>
-                <a:spcPts val="1200"/>
-              </a:spcBef>
-              <a:spcAft>
-                <a:spcPts val="0"/>
-              </a:spcAft>
-              <a:buClr>
-                <a:schemeClr val="dk2"/>
-              </a:buClr>
-              <a:buSzPts val="1800"/>
-              <a:buChar char="●"/>
-            </a:pPr>
-            <a:r>
-              <a:rPr lang="fr" dirty="0">
-                <a:solidFill>
-                  <a:schemeClr val="dk2"/>
-                </a:solidFill>
-              </a:rPr>
-              <a:t>Script insertion données</a:t>
-            </a:r>
-          </a:p>
-          <a:p>
-            <a:pPr marL="457200" lvl="0" indent="-342900" algn="l" rtl="0">
-              <a:lnSpc>
-                <a:spcPct val="100000"/>
-              </a:lnSpc>
-              <a:spcBef>
-                <a:spcPts val="1200"/>
-              </a:spcBef>
-              <a:spcAft>
-                <a:spcPts val="0"/>
-              </a:spcAft>
-              <a:buClr>
-                <a:schemeClr val="dk2"/>
-              </a:buClr>
-              <a:buSzPts val="1800"/>
-              <a:buChar char="●"/>
-            </a:pPr>
-            <a:r>
-              <a:rPr lang="fr" dirty="0">
-                <a:solidFill>
-                  <a:schemeClr val="dk2"/>
-                </a:solidFill>
-              </a:rPr>
-              <a:t>Vues</a:t>
-            </a:r>
-            <a:endParaRPr dirty="0">
-              <a:solidFill>
-                <a:schemeClr val="dk2"/>
-              </a:solidFill>
-            </a:endParaRPr>
-          </a:p>
-          <a:p>
-            <a:pPr marL="0" lvl="0" indent="0" algn="l" rtl="0">
-              <a:spcBef>
-                <a:spcPts val="1200"/>
-              </a:spcBef>
-              <a:spcAft>
-                <a:spcPts val="0"/>
-              </a:spcAft>
-              <a:buNone/>
-            </a:pPr>
-            <a:r>
-              <a:rPr lang="fr" sz="2300" b="1" dirty="0">
-                <a:solidFill>
-                  <a:schemeClr val="dk2"/>
-                </a:solidFill>
-              </a:rPr>
-              <a:t>Partie Statistiques</a:t>
-            </a:r>
-            <a:endParaRPr sz="2300" b="1" dirty="0">
-              <a:solidFill>
-                <a:schemeClr val="dk2"/>
-              </a:solidFill>
-            </a:endParaRPr>
-          </a:p>
-          <a:p>
-            <a:pPr marL="457200" lvl="0" indent="-342900" algn="l" rtl="0">
-              <a:spcBef>
-                <a:spcPts val="1200"/>
-              </a:spcBef>
-              <a:spcAft>
-                <a:spcPts val="0"/>
-              </a:spcAft>
-              <a:buClr>
-                <a:schemeClr val="dk2"/>
-              </a:buClr>
-              <a:buSzPts val="1800"/>
-              <a:buChar char="●"/>
-            </a:pPr>
-            <a:r>
-              <a:rPr lang="fr" dirty="0">
-                <a:solidFill>
-                  <a:schemeClr val="dk2"/>
-                </a:solidFill>
-              </a:rPr>
-              <a:t>Choix des populations</a:t>
-            </a:r>
-            <a:endParaRPr dirty="0">
-              <a:solidFill>
-                <a:schemeClr val="dk2"/>
-              </a:solidFill>
-            </a:endParaRPr>
-          </a:p>
-          <a:p>
-            <a:pPr marL="457200" lvl="0" indent="-342900" algn="l" rtl="0">
-              <a:spcBef>
-                <a:spcPts val="0"/>
-              </a:spcBef>
-              <a:spcAft>
-                <a:spcPts val="0"/>
-              </a:spcAft>
-              <a:buClr>
-                <a:schemeClr val="dk2"/>
-              </a:buClr>
-              <a:buSzPts val="1800"/>
-              <a:buChar char="●"/>
-            </a:pPr>
-            <a:r>
-              <a:rPr lang="fr" dirty="0">
-                <a:solidFill>
-                  <a:schemeClr val="dk2"/>
-                </a:solidFill>
-              </a:rPr>
-              <a:t>Visualisation</a:t>
-            </a:r>
-            <a:endParaRPr sz="2300" b="1" dirty="0">
-              <a:solidFill>
-                <a:schemeClr val="dk2"/>
-              </a:solidFill>
-            </a:endParaRPr>
-          </a:p>
-          <a:p>
-            <a:pPr marL="0" lvl="0" indent="0" algn="l" rtl="0">
-              <a:spcBef>
-                <a:spcPts val="1200"/>
-              </a:spcBef>
-              <a:spcAft>
-                <a:spcPts val="0"/>
-              </a:spcAft>
-              <a:buClr>
-                <a:schemeClr val="dk2"/>
-              </a:buClr>
-              <a:buSzPts val="1100"/>
-              <a:buFont typeface="Arial"/>
-              <a:buNone/>
-            </a:pPr>
-            <a:endParaRPr b="1" dirty="0">
-              <a:solidFill>
-                <a:schemeClr val="dk2"/>
-              </a:solidFill>
-            </a:endParaRPr>
-          </a:p>
-          <a:p>
-            <a:pPr marL="0" lvl="0" indent="0" algn="l" rtl="0">
-              <a:spcBef>
-                <a:spcPts val="1200"/>
-              </a:spcBef>
-              <a:spcAft>
-                <a:spcPts val="1200"/>
-              </a:spcAft>
-              <a:buNone/>
-            </a:pPr>
-            <a:endParaRPr dirty="0">
-              <a:solidFill>
-                <a:schemeClr val="dk2"/>
-              </a:solidFill>
-            </a:endParaRPr>
-          </a:p>
-        </p:txBody>
-      </p:sp>
-      <p:pic>
-        <p:nvPicPr>
-          <p:cNvPr id="139" name="Google Shape;139;p19"/>
-          <p:cNvPicPr preferRelativeResize="0"/>
-          <p:nvPr/>
-        </p:nvPicPr>
-        <p:blipFill>
-          <a:blip r:embed="rId3">
-            <a:alphaModFix/>
-          </a:blip>
-          <a:stretch>
-            <a:fillRect/>
-          </a:stretch>
-        </p:blipFill>
-        <p:spPr>
-          <a:xfrm>
-            <a:off x="7707575" y="189475"/>
-            <a:ext cx="1345850" cy="758025"/>
-          </a:xfrm>
-          <a:prstGeom prst="rect">
-            <a:avLst/>
-          </a:prstGeom>
-          <a:noFill/>
-          <a:ln>
-            <a:noFill/>
-          </a:ln>
-        </p:spPr>
-      </p:pic>
-      <p:sp>
-        <p:nvSpPr>
-          <p:cNvPr id="140" name="Google Shape;140;p19"/>
-          <p:cNvSpPr txBox="1">
-            <a:spLocks noGrp="1"/>
-          </p:cNvSpPr>
-          <p:nvPr>
-            <p:ph type="sldNum" idx="12"/>
-          </p:nvPr>
-        </p:nvSpPr>
-        <p:spPr>
-          <a:xfrm>
-            <a:off x="8497999" y="4688759"/>
-            <a:ext cx="548700" cy="393600"/>
-          </a:xfrm>
-          <a:prstGeom prst="rect">
-            <a:avLst/>
-          </a:prstGeom>
-        </p:spPr>
-        <p:txBody>
-          <a:bodyPr spcFirstLastPara="1" wrap="square" lIns="91425" tIns="91425" rIns="91425" bIns="91425" anchor="ctr" anchorCtr="0">
-            <a:normAutofit/>
-          </a:bodyPr>
-          <a:lstStyle/>
-          <a:p>
-            <a:pPr marL="0" lvl="0" indent="0" algn="r" rtl="0">
-              <a:spcBef>
-                <a:spcPts val="0"/>
-              </a:spcBef>
-              <a:spcAft>
-                <a:spcPts val="0"/>
-              </a:spcAft>
-              <a:buNone/>
-            </a:pPr>
-            <a:fld id="{00000000-1234-1234-1234-123412341234}" type="slidenum">
-              <a:rPr lang="fr"/>
-              <a:t>3</a:t>
-            </a:fld>
-            <a:endParaRPr/>
-          </a:p>
-        </p:txBody>
-      </p:sp>
-    </p:spTree>
-  </p:cSld>
-  <p:clrMapOvr>
-    <a:masterClrMapping/>
-  </p:clrMapOvr>
-</p:sld>
-</file>
-
-<file path=ppt/slides/slide4.xml><?xml version="1.0" encoding="utf-8"?>
-<p:sld xmlns:a="http://schemas.openxmlformats.org/drawingml/2006/main" xmlns:r="http://schemas.openxmlformats.org/officeDocument/2006/relationships" xmlns:p="http://schemas.openxmlformats.org/presentationml/2006/main">
-  <p:cSld>
-    <p:spTree>
-      <p:nvGrpSpPr>
-        <p:cNvPr id="1" name="Shape 144"/>
-        <p:cNvGrpSpPr/>
-        <p:nvPr/>
-      </p:nvGrpSpPr>
-      <p:grpSpPr>
-        <a:xfrm>
-          <a:off x="0" y="0"/>
-          <a:ext cx="0" cy="0"/>
-          <a:chOff x="0" y="0"/>
-          <a:chExt cx="0" cy="0"/>
-        </a:xfrm>
-      </p:grpSpPr>
-      <p:sp>
-        <p:nvSpPr>
-          <p:cNvPr id="145" name="Google Shape;145;p20"/>
-          <p:cNvSpPr txBox="1">
-            <a:spLocks noGrp="1"/>
-          </p:cNvSpPr>
-          <p:nvPr>
-            <p:ph type="title"/>
-          </p:nvPr>
-        </p:nvSpPr>
-        <p:spPr>
-          <a:xfrm>
-            <a:off x="490250" y="526350"/>
-            <a:ext cx="5604000" cy="4090800"/>
-          </a:xfrm>
-          <a:prstGeom prst="rect">
-            <a:avLst/>
-          </a:prstGeom>
-        </p:spPr>
-        <p:txBody>
-          <a:bodyPr spcFirstLastPara="1" wrap="square" lIns="91425" tIns="91425" rIns="91425" bIns="91425" anchor="ctr" anchorCtr="0">
-            <a:normAutofit/>
-          </a:bodyPr>
-          <a:lstStyle/>
-          <a:p>
-            <a:pPr marL="0" lvl="0" indent="0" algn="l" rtl="0">
-              <a:spcBef>
-                <a:spcPts val="0"/>
-              </a:spcBef>
-              <a:spcAft>
-                <a:spcPts val="0"/>
-              </a:spcAft>
-              <a:buNone/>
-            </a:pPr>
-            <a:r>
-              <a:rPr lang="fr"/>
-              <a:t>Présentation de la base de donnée</a:t>
-            </a:r>
-            <a:endParaRPr/>
-          </a:p>
-        </p:txBody>
-      </p:sp>
-      <p:sp>
-        <p:nvSpPr>
-          <p:cNvPr id="146" name="Google Shape;146;p20"/>
-          <p:cNvSpPr txBox="1">
-            <a:spLocks noGrp="1"/>
-          </p:cNvSpPr>
-          <p:nvPr>
-            <p:ph type="sldNum" idx="12"/>
-          </p:nvPr>
-        </p:nvSpPr>
-        <p:spPr>
-          <a:xfrm>
-            <a:off x="8497999" y="4688759"/>
-            <a:ext cx="548700" cy="393600"/>
-          </a:xfrm>
-          <a:prstGeom prst="rect">
-            <a:avLst/>
-          </a:prstGeom>
-        </p:spPr>
-        <p:txBody>
-          <a:bodyPr spcFirstLastPara="1" wrap="square" lIns="91425" tIns="91425" rIns="91425" bIns="91425" anchor="ctr" anchorCtr="0">
-            <a:normAutofit/>
-          </a:bodyPr>
-          <a:lstStyle/>
-          <a:p>
-            <a:pPr marL="0" lvl="0" indent="0" algn="r" rtl="0">
-              <a:spcBef>
-                <a:spcPts val="0"/>
-              </a:spcBef>
-              <a:spcAft>
-                <a:spcPts val="0"/>
-              </a:spcAft>
-              <a:buNone/>
-            </a:pPr>
-            <a:fld id="{00000000-1234-1234-1234-123412341234}" type="slidenum">
-              <a:rPr lang="fr">
-                <a:solidFill>
-                  <a:schemeClr val="lt1"/>
-                </a:solidFill>
-              </a:rPr>
-              <a:t>4</a:t>
-            </a:fld>
-            <a:endParaRPr>
-              <a:solidFill>
-                <a:schemeClr val="lt1"/>
-              </a:solidFill>
-            </a:endParaRPr>
-          </a:p>
-        </p:txBody>
-      </p:sp>
-    </p:spTree>
-  </p:cSld>
-  <p:clrMapOvr>
-    <a:masterClrMapping/>
-  </p:clrMapOvr>
-</p:sld>
-</file>
-
-<file path=ppt/slides/slide5.xml><?xml version="1.0" encoding="utf-8"?>
-<p:sld xmlns:a="http://schemas.openxmlformats.org/drawingml/2006/main" xmlns:r="http://schemas.openxmlformats.org/officeDocument/2006/relationships" xmlns:p="http://schemas.openxmlformats.org/presentationml/2006/main">
-  <p:cSld>
-    <p:spTree>
-      <p:nvGrpSpPr>
-        <p:cNvPr id="1" name="Shape 150"/>
-        <p:cNvGrpSpPr/>
-        <p:nvPr/>
-      </p:nvGrpSpPr>
-      <p:grpSpPr>
-        <a:xfrm>
-          <a:off x="0" y="0"/>
-          <a:ext cx="0" cy="0"/>
-          <a:chOff x="0" y="0"/>
-          <a:chExt cx="0" cy="0"/>
-        </a:xfrm>
-      </p:grpSpPr>
-      <p:sp>
-        <p:nvSpPr>
-          <p:cNvPr id="151" name="Google Shape;151;p21"/>
-          <p:cNvSpPr txBox="1">
-            <a:spLocks noGrp="1"/>
-          </p:cNvSpPr>
-          <p:nvPr>
-            <p:ph type="title"/>
-          </p:nvPr>
-        </p:nvSpPr>
-        <p:spPr>
-          <a:xfrm>
-            <a:off x="311700" y="445025"/>
-            <a:ext cx="8520600" cy="623400"/>
-          </a:xfrm>
-          <a:prstGeom prst="rect">
-            <a:avLst/>
-          </a:prstGeom>
-        </p:spPr>
-        <p:txBody>
-          <a:bodyPr spcFirstLastPara="1" wrap="square" lIns="91425" tIns="91425" rIns="91425" bIns="91425" anchor="t" anchorCtr="0">
-            <a:noAutofit/>
-          </a:bodyPr>
-          <a:lstStyle/>
-          <a:p>
-            <a:pPr marL="0" lvl="0" indent="0" algn="l" rtl="0">
-              <a:spcBef>
-                <a:spcPts val="0"/>
-              </a:spcBef>
-              <a:spcAft>
-                <a:spcPts val="0"/>
-              </a:spcAft>
-              <a:buSzPts val="990"/>
-              <a:buNone/>
-            </a:pPr>
-            <a:r>
-              <a:rPr lang="fr"/>
-              <a:t>Modèle Conceptuel des Données</a:t>
-            </a:r>
-            <a:endParaRPr/>
-          </a:p>
-        </p:txBody>
-      </p:sp>
-      <p:pic>
-        <p:nvPicPr>
-          <p:cNvPr id="152" name="Google Shape;152;p21"/>
-          <p:cNvPicPr preferRelativeResize="0"/>
-          <p:nvPr/>
-        </p:nvPicPr>
-        <p:blipFill>
-          <a:blip r:embed="rId3">
-            <a:alphaModFix/>
-          </a:blip>
-          <a:stretch>
-            <a:fillRect/>
-          </a:stretch>
-        </p:blipFill>
-        <p:spPr>
-          <a:xfrm>
-            <a:off x="7707575" y="189475"/>
-            <a:ext cx="1345850" cy="758025"/>
-          </a:xfrm>
-          <a:prstGeom prst="rect">
-            <a:avLst/>
-          </a:prstGeom>
-          <a:noFill/>
-          <a:ln>
-            <a:noFill/>
-          </a:ln>
-        </p:spPr>
-      </p:pic>
-      <p:sp>
-        <p:nvSpPr>
-          <p:cNvPr id="153" name="Google Shape;153;p21"/>
-          <p:cNvSpPr txBox="1">
-            <a:spLocks noGrp="1"/>
-          </p:cNvSpPr>
-          <p:nvPr>
-            <p:ph type="sldNum" idx="12"/>
-          </p:nvPr>
-        </p:nvSpPr>
-        <p:spPr>
-          <a:xfrm>
-            <a:off x="8497999" y="4688759"/>
-            <a:ext cx="548700" cy="393600"/>
-          </a:xfrm>
-          <a:prstGeom prst="rect">
-            <a:avLst/>
-          </a:prstGeom>
-        </p:spPr>
-        <p:txBody>
-          <a:bodyPr spcFirstLastPara="1" wrap="square" lIns="91425" tIns="91425" rIns="91425" bIns="91425" anchor="ctr" anchorCtr="0">
-            <a:normAutofit/>
-          </a:bodyPr>
-          <a:lstStyle/>
-          <a:p>
-            <a:pPr marL="0" lvl="0" indent="0" algn="r" rtl="0">
-              <a:spcBef>
-                <a:spcPts val="0"/>
-              </a:spcBef>
-              <a:spcAft>
-                <a:spcPts val="0"/>
-              </a:spcAft>
-              <a:buNone/>
-            </a:pPr>
-            <a:fld id="{00000000-1234-1234-1234-123412341234}" type="slidenum">
-              <a:rPr lang="fr"/>
-              <a:t>5</a:t>
-            </a:fld>
-            <a:endParaRPr/>
-          </a:p>
-        </p:txBody>
-      </p:sp>
-      <p:pic>
-        <p:nvPicPr>
-          <p:cNvPr id="154" name="Google Shape;154;p21"/>
-          <p:cNvPicPr preferRelativeResize="0"/>
-          <p:nvPr/>
-        </p:nvPicPr>
-        <p:blipFill>
-          <a:blip r:embed="rId4">
-            <a:alphaModFix/>
-          </a:blip>
-          <a:stretch>
-            <a:fillRect/>
-          </a:stretch>
-        </p:blipFill>
-        <p:spPr>
-          <a:xfrm>
-            <a:off x="214224" y="1323975"/>
-            <a:ext cx="8839201" cy="3163267"/>
-          </a:xfrm>
-          <a:prstGeom prst="rect">
-            <a:avLst/>
-          </a:prstGeom>
-          <a:noFill/>
-          <a:ln>
-            <a:noFill/>
-          </a:ln>
-        </p:spPr>
-      </p:pic>
-    </p:spTree>
-  </p:cSld>
-  <p:clrMapOvr>
-    <a:masterClrMapping/>
-  </p:clrMapOvr>
-</p:sld>
-</file>
-
-<file path=ppt/slides/slide6.xml><?xml version="1.0" encoding="utf-8"?>
-<p:sld xmlns:a="http://schemas.openxmlformats.org/drawingml/2006/main" xmlns:r="http://schemas.openxmlformats.org/officeDocument/2006/relationships" xmlns:p="http://schemas.openxmlformats.org/presentationml/2006/main">
-  <p:cSld>
-    <p:spTree>
-      <p:nvGrpSpPr>
-        <p:cNvPr id="1" name="Shape 158"/>
-        <p:cNvGrpSpPr/>
-        <p:nvPr/>
-      </p:nvGrpSpPr>
-      <p:grpSpPr>
-        <a:xfrm>
-          <a:off x="0" y="0"/>
-          <a:ext cx="0" cy="0"/>
-          <a:chOff x="0" y="0"/>
-          <a:chExt cx="0" cy="0"/>
-        </a:xfrm>
-      </p:grpSpPr>
-      <p:sp>
-        <p:nvSpPr>
-          <p:cNvPr id="159" name="Google Shape;159;p22"/>
-          <p:cNvSpPr txBox="1">
-            <a:spLocks noGrp="1"/>
-          </p:cNvSpPr>
-          <p:nvPr>
-            <p:ph type="title"/>
-          </p:nvPr>
-        </p:nvSpPr>
-        <p:spPr>
-          <a:xfrm>
-            <a:off x="490250" y="526350"/>
-            <a:ext cx="5604000" cy="4090800"/>
-          </a:xfrm>
-          <a:prstGeom prst="rect">
-            <a:avLst/>
-          </a:prstGeom>
-        </p:spPr>
-        <p:txBody>
-          <a:bodyPr spcFirstLastPara="1" wrap="square" lIns="91425" tIns="91425" rIns="91425" bIns="91425" anchor="ctr" anchorCtr="0">
-            <a:normAutofit/>
-          </a:bodyPr>
-          <a:lstStyle/>
-          <a:p>
-            <a:pPr marL="0" lvl="0" indent="0" algn="l" rtl="0">
-              <a:spcBef>
-                <a:spcPts val="0"/>
-              </a:spcBef>
-              <a:spcAft>
-                <a:spcPts val="0"/>
-              </a:spcAft>
-              <a:buNone/>
-            </a:pPr>
-            <a:r>
-              <a:rPr lang="fr"/>
-              <a:t>Etude analytique des données</a:t>
-            </a:r>
-            <a:endParaRPr/>
-          </a:p>
-        </p:txBody>
-      </p:sp>
-      <p:sp>
-        <p:nvSpPr>
-          <p:cNvPr id="160" name="Google Shape;160;p22"/>
-          <p:cNvSpPr txBox="1">
-            <a:spLocks noGrp="1"/>
-          </p:cNvSpPr>
-          <p:nvPr>
-            <p:ph type="sldNum" idx="12"/>
-          </p:nvPr>
-        </p:nvSpPr>
-        <p:spPr>
-          <a:xfrm>
-            <a:off x="8497999" y="4688759"/>
-            <a:ext cx="548700" cy="393600"/>
-          </a:xfrm>
-          <a:prstGeom prst="rect">
-            <a:avLst/>
-          </a:prstGeom>
-        </p:spPr>
-        <p:txBody>
-          <a:bodyPr spcFirstLastPara="1" wrap="square" lIns="91425" tIns="91425" rIns="91425" bIns="91425" anchor="ctr" anchorCtr="0">
-            <a:normAutofit/>
-          </a:bodyPr>
-          <a:lstStyle/>
-          <a:p>
-            <a:pPr marL="0" lvl="0" indent="0" algn="r" rtl="0">
-              <a:spcBef>
-                <a:spcPts val="0"/>
-              </a:spcBef>
-              <a:spcAft>
-                <a:spcPts val="0"/>
-              </a:spcAft>
-              <a:buNone/>
-            </a:pPr>
-            <a:fld id="{00000000-1234-1234-1234-123412341234}" type="slidenum">
-              <a:rPr lang="fr">
-                <a:solidFill>
-                  <a:schemeClr val="lt1"/>
-                </a:solidFill>
-              </a:rPr>
-              <a:t>6</a:t>
-            </a:fld>
-            <a:endParaRPr>
-              <a:solidFill>
-                <a:schemeClr val="lt1"/>
-              </a:solidFill>
-            </a:endParaRPr>
-          </a:p>
-        </p:txBody>
-      </p:sp>
-    </p:spTree>
-  </p:cSld>
-  <p:clrMapOvr>
-    <a:masterClrMapping/>
-  </p:clrMapOvr>
-</p:sld>
-</file>
-
-<file path=ppt/slides/slide7.xml><?xml version="1.0" encoding="utf-8"?>
-<p:sld xmlns:a="http://schemas.openxmlformats.org/drawingml/2006/main" xmlns:r="http://schemas.openxmlformats.org/officeDocument/2006/relationships" xmlns:p="http://schemas.openxmlformats.org/presentationml/2006/main">
-  <p:cSld>
-    <p:spTree>
-      <p:nvGrpSpPr>
-        <p:cNvPr id="1" name="Shape 164"/>
-        <p:cNvGrpSpPr/>
-        <p:nvPr/>
-      </p:nvGrpSpPr>
-      <p:grpSpPr>
-        <a:xfrm>
-          <a:off x="0" y="0"/>
-          <a:ext cx="0" cy="0"/>
-          <a:chOff x="0" y="0"/>
-          <a:chExt cx="0" cy="0"/>
-        </a:xfrm>
-      </p:grpSpPr>
-      <p:sp>
-        <p:nvSpPr>
-          <p:cNvPr id="165" name="Google Shape;165;p23"/>
-          <p:cNvSpPr txBox="1">
-            <a:spLocks noGrp="1"/>
-          </p:cNvSpPr>
-          <p:nvPr>
-            <p:ph type="title"/>
-          </p:nvPr>
-        </p:nvSpPr>
-        <p:spPr>
-          <a:xfrm>
-            <a:off x="265500" y="1181700"/>
-            <a:ext cx="4045200" cy="1533600"/>
-          </a:xfrm>
-          <a:prstGeom prst="rect">
-            <a:avLst/>
-          </a:prstGeom>
-        </p:spPr>
-        <p:txBody>
-          <a:bodyPr spcFirstLastPara="1" wrap="square" lIns="91425" tIns="91425" rIns="91425" bIns="91425" anchor="b" anchorCtr="0">
-            <a:normAutofit/>
-          </a:bodyPr>
-          <a:lstStyle/>
-          <a:p>
-            <a:pPr marL="0" lvl="0" indent="0" algn="l" rtl="0">
-              <a:spcBef>
-                <a:spcPts val="0"/>
-              </a:spcBef>
-              <a:spcAft>
-                <a:spcPts val="0"/>
-              </a:spcAft>
-              <a:buNone/>
-            </a:pPr>
-            <a:r>
-              <a:rPr lang="fr"/>
-              <a:t>Choix des populations</a:t>
-            </a:r>
-            <a:endParaRPr/>
-          </a:p>
-        </p:txBody>
-      </p:sp>
-      <p:sp>
-        <p:nvSpPr>
-          <p:cNvPr id="166" name="Google Shape;166;p23"/>
-          <p:cNvSpPr txBox="1">
-            <a:spLocks noGrp="1"/>
-          </p:cNvSpPr>
-          <p:nvPr>
-            <p:ph type="sldNum" idx="12"/>
-          </p:nvPr>
-        </p:nvSpPr>
-        <p:spPr>
-          <a:xfrm>
-            <a:off x="8497999" y="4688759"/>
-            <a:ext cx="548700" cy="393600"/>
-          </a:xfrm>
-          <a:prstGeom prst="rect">
-            <a:avLst/>
-          </a:prstGeom>
-        </p:spPr>
-        <p:txBody>
-          <a:bodyPr spcFirstLastPara="1" wrap="square" lIns="91425" tIns="91425" rIns="91425" bIns="91425" anchor="ctr" anchorCtr="0">
-            <a:normAutofit/>
-          </a:bodyPr>
-          <a:lstStyle/>
-          <a:p>
-            <a:pPr marL="0" lvl="0" indent="0" algn="r" rtl="0">
-              <a:spcBef>
-                <a:spcPts val="0"/>
-              </a:spcBef>
-              <a:spcAft>
-                <a:spcPts val="0"/>
-              </a:spcAft>
-              <a:buNone/>
-            </a:pPr>
-            <a:fld id="{00000000-1234-1234-1234-123412341234}" type="slidenum">
-              <a:rPr lang="fr"/>
-              <a:t>7</a:t>
-            </a:fld>
-            <a:endParaRPr/>
-          </a:p>
-        </p:txBody>
-      </p:sp>
-      <p:sp>
-        <p:nvSpPr>
-          <p:cNvPr id="167" name="Google Shape;167;p23"/>
-          <p:cNvSpPr txBox="1">
-            <a:spLocks noGrp="1"/>
-          </p:cNvSpPr>
-          <p:nvPr>
-            <p:ph type="subTitle" idx="1"/>
-          </p:nvPr>
-        </p:nvSpPr>
-        <p:spPr>
-          <a:xfrm>
-            <a:off x="265500" y="2769001"/>
-            <a:ext cx="4045200" cy="1345500"/>
-          </a:xfrm>
-          <a:prstGeom prst="rect">
-            <a:avLst/>
-          </a:prstGeom>
-        </p:spPr>
-        <p:txBody>
-          <a:bodyPr spcFirstLastPara="1" wrap="square" lIns="91425" tIns="91425" rIns="91425" bIns="91425" anchor="t" anchorCtr="0">
-            <a:normAutofit/>
-          </a:bodyPr>
-          <a:lstStyle/>
-          <a:p>
-            <a:pPr marL="0" lvl="0" indent="0" algn="l" rtl="0">
-              <a:spcBef>
-                <a:spcPts val="0"/>
-              </a:spcBef>
-              <a:spcAft>
-                <a:spcPts val="0"/>
-              </a:spcAft>
-              <a:buNone/>
-            </a:pPr>
-            <a:endParaRPr/>
-          </a:p>
-        </p:txBody>
-      </p:sp>
-      <p:sp>
-        <p:nvSpPr>
-          <p:cNvPr id="168" name="Google Shape;168;p23"/>
-          <p:cNvSpPr txBox="1">
-            <a:spLocks noGrp="1"/>
-          </p:cNvSpPr>
-          <p:nvPr>
-            <p:ph type="body" idx="2"/>
-          </p:nvPr>
-        </p:nvSpPr>
-        <p:spPr>
-          <a:xfrm>
-            <a:off x="4939500" y="724200"/>
-            <a:ext cx="3837000" cy="3695100"/>
-          </a:xfrm>
-          <a:prstGeom prst="rect">
-            <a:avLst/>
-          </a:prstGeom>
-        </p:spPr>
-        <p:txBody>
-          <a:bodyPr spcFirstLastPara="1" wrap="square" lIns="91425" tIns="91425" rIns="91425" bIns="91425" anchor="t" anchorCtr="0">
-            <a:normAutofit/>
-          </a:bodyPr>
-          <a:lstStyle/>
-          <a:p>
-            <a:pPr marL="457200" lvl="0" indent="-342900" algn="l" rtl="0">
-              <a:spcBef>
-                <a:spcPts val="0"/>
-              </a:spcBef>
-              <a:spcAft>
-                <a:spcPts val="0"/>
-              </a:spcAft>
-              <a:buSzPts val="1800"/>
-              <a:buChar char="-"/>
-            </a:pPr>
-            <a:r>
-              <a:rPr lang="fr-FR" dirty="0"/>
-              <a:t>Ligne produits</a:t>
-            </a:r>
-            <a:endParaRPr dirty="0"/>
-          </a:p>
-          <a:p>
-            <a:pPr marL="457200" lvl="0" indent="-342900" algn="l" rtl="0">
-              <a:spcBef>
-                <a:spcPts val="0"/>
-              </a:spcBef>
-              <a:spcAft>
-                <a:spcPts val="0"/>
-              </a:spcAft>
-              <a:buSzPts val="1800"/>
-              <a:buChar char="-"/>
-            </a:pPr>
-            <a:r>
-              <a:rPr lang="fr-FR" dirty="0"/>
-              <a:t>Nombres de ventes</a:t>
-            </a:r>
-            <a:endParaRPr dirty="0"/>
-          </a:p>
-          <a:p>
-            <a:pPr marL="457200" lvl="0" indent="-342900" algn="l" rtl="0">
-              <a:spcBef>
-                <a:spcPts val="0"/>
-              </a:spcBef>
-              <a:spcAft>
-                <a:spcPts val="0"/>
-              </a:spcAft>
-              <a:buSzPts val="1800"/>
-              <a:buChar char="-"/>
-            </a:pPr>
-            <a:r>
-              <a:rPr lang="fr" dirty="0"/>
-              <a:t>année</a:t>
-            </a:r>
-            <a:endParaRPr dirty="0"/>
-          </a:p>
-        </p:txBody>
-      </p:sp>
-    </p:spTree>
-  </p:cSld>
-  <p:clrMapOvr>
-    <a:masterClrMapping/>
-  </p:clrMapOvr>
-</p:sld>
-</file>
-
-<file path=ppt/slides/slide8.xml><?xml version="1.0" encoding="utf-8"?>
-<p:sld xmlns:a="http://schemas.openxmlformats.org/drawingml/2006/main" xmlns:r="http://schemas.openxmlformats.org/officeDocument/2006/relationships" xmlns:p="http://schemas.openxmlformats.org/presentationml/2006/main">
-  <p:cSld>
-    <p:spTree>
-      <p:nvGrpSpPr>
         <p:cNvPr id="1" name="Shape 172"/>
         <p:cNvGrpSpPr/>
         <p:nvPr/>
@@ -14808,7 +12809,7 @@
                   <a:schemeClr val="lt2"/>
                 </a:solidFill>
               </a:rPr>
-              <a:t>8</a:t>
+              <a:t>10</a:t>
             </a:fld>
             <a:endParaRPr>
               <a:solidFill>
@@ -14856,7 +12857,7 @@
 </p:sld>
 </file>
 
-<file path=ppt/slides/slide9.xml><?xml version="1.0" encoding="utf-8"?>
+<file path=ppt/slides/slide11.xml><?xml version="1.0" encoding="utf-8"?>
 <p:sld xmlns:a="http://schemas.openxmlformats.org/drawingml/2006/main" xmlns:r="http://schemas.openxmlformats.org/officeDocument/2006/relationships" xmlns:p="http://schemas.openxmlformats.org/presentationml/2006/main">
   <p:cSld>
     <p:spTree>
@@ -14973,7 +12974,7 @@
                   <a:schemeClr val="lt2"/>
                 </a:solidFill>
               </a:rPr>
-              <a:t>9</a:t>
+              <a:t>11</a:t>
             </a:fld>
             <a:endParaRPr>
               <a:solidFill>
@@ -15011,6 +13012,2511 @@
           </a:graphicData>
         </a:graphic>
       </p:graphicFrame>
+    </p:spTree>
+  </p:cSld>
+  <p:clrMapOvr>
+    <a:masterClrMapping/>
+  </p:clrMapOvr>
+</p:sld>
+</file>
+
+<file path=ppt/slides/slide12.xml><?xml version="1.0" encoding="utf-8"?>
+<p:sld xmlns:a="http://schemas.openxmlformats.org/drawingml/2006/main" xmlns:r="http://schemas.openxmlformats.org/officeDocument/2006/relationships" xmlns:p="http://schemas.openxmlformats.org/presentationml/2006/main">
+  <p:cSld>
+    <p:spTree>
+      <p:nvGrpSpPr>
+        <p:cNvPr id="1" name="Shape 184"/>
+        <p:cNvGrpSpPr/>
+        <p:nvPr/>
+      </p:nvGrpSpPr>
+      <p:grpSpPr>
+        <a:xfrm>
+          <a:off x="0" y="0"/>
+          <a:ext cx="0" cy="0"/>
+          <a:chOff x="0" y="0"/>
+          <a:chExt cx="0" cy="0"/>
+        </a:xfrm>
+      </p:grpSpPr>
+      <p:sp>
+        <p:nvSpPr>
+          <p:cNvPr id="185" name="Google Shape;185;p26"/>
+          <p:cNvSpPr txBox="1">
+            <a:spLocks noGrp="1"/>
+          </p:cNvSpPr>
+          <p:nvPr>
+            <p:ph type="title"/>
+          </p:nvPr>
+        </p:nvSpPr>
+        <p:spPr>
+          <a:xfrm>
+            <a:off x="311700" y="445025"/>
+            <a:ext cx="8520600" cy="623400"/>
+          </a:xfrm>
+          <a:prstGeom prst="rect">
+            <a:avLst/>
+          </a:prstGeom>
+        </p:spPr>
+        <p:txBody>
+          <a:bodyPr spcFirstLastPara="1" wrap="square" lIns="91425" tIns="91425" rIns="91425" bIns="91425" anchor="t" anchorCtr="0">
+            <a:normAutofit fontScale="90000"/>
+          </a:bodyPr>
+          <a:lstStyle/>
+          <a:p>
+            <a:pPr marL="0" lvl="0" indent="0" algn="l" rtl="0">
+              <a:spcBef>
+                <a:spcPts val="0"/>
+              </a:spcBef>
+              <a:spcAft>
+                <a:spcPts val="0"/>
+              </a:spcAft>
+              <a:buNone/>
+            </a:pPr>
+            <a:endParaRPr dirty="0"/>
+          </a:p>
+        </p:txBody>
+      </p:sp>
+      <p:sp>
+        <p:nvSpPr>
+          <p:cNvPr id="186" name="Google Shape;186;p26"/>
+          <p:cNvSpPr txBox="1">
+            <a:spLocks noGrp="1"/>
+          </p:cNvSpPr>
+          <p:nvPr>
+            <p:ph type="sldNum" idx="12"/>
+          </p:nvPr>
+        </p:nvSpPr>
+        <p:spPr>
+          <a:xfrm>
+            <a:off x="8497999" y="4688759"/>
+            <a:ext cx="548700" cy="393600"/>
+          </a:xfrm>
+          <a:prstGeom prst="rect">
+            <a:avLst/>
+          </a:prstGeom>
+        </p:spPr>
+        <p:txBody>
+          <a:bodyPr spcFirstLastPara="1" wrap="square" lIns="91425" tIns="91425" rIns="91425" bIns="91425" anchor="ctr" anchorCtr="0">
+            <a:normAutofit/>
+          </a:bodyPr>
+          <a:lstStyle/>
+          <a:p>
+            <a:pPr marL="0" lvl="0" indent="0" algn="r" rtl="0">
+              <a:spcBef>
+                <a:spcPts val="0"/>
+              </a:spcBef>
+              <a:spcAft>
+                <a:spcPts val="0"/>
+              </a:spcAft>
+              <a:buNone/>
+            </a:pPr>
+            <a:fld id="{00000000-1234-1234-1234-123412341234}" type="slidenum">
+              <a:rPr lang="fr">
+                <a:solidFill>
+                  <a:schemeClr val="lt2"/>
+                </a:solidFill>
+              </a:rPr>
+              <a:t>12</a:t>
+            </a:fld>
+            <a:endParaRPr>
+              <a:solidFill>
+                <a:schemeClr val="lt2"/>
+              </a:solidFill>
+            </a:endParaRPr>
+          </a:p>
+        </p:txBody>
+      </p:sp>
+      <p:pic>
+        <p:nvPicPr>
+          <p:cNvPr id="1026" name="Picture 2">
+            <a:extLst>
+              <a:ext uri="{FF2B5EF4-FFF2-40B4-BE49-F238E27FC236}">
+                <a16:creationId xmlns:a16="http://schemas.microsoft.com/office/drawing/2014/main" id="{AE484419-1548-4B3B-5E6F-DB481FDD4F2D}"/>
+              </a:ext>
+            </a:extLst>
+          </p:cNvPr>
+          <p:cNvPicPr>
+            <a:picLocks noChangeAspect="1" noChangeArrowheads="1"/>
+          </p:cNvPicPr>
+          <p:nvPr/>
+        </p:nvPicPr>
+        <p:blipFill>
+          <a:blip r:embed="rId3">
+            <a:extLst>
+              <a:ext uri="{28A0092B-C50C-407E-A947-70E740481C1C}">
+                <a14:useLocalDpi xmlns:a14="http://schemas.microsoft.com/office/drawing/2010/main" val="0"/>
+              </a:ext>
+            </a:extLst>
+          </a:blip>
+          <a:srcRect/>
+          <a:stretch>
+            <a:fillRect/>
+          </a:stretch>
+        </p:blipFill>
+        <p:spPr bwMode="auto">
+          <a:xfrm>
+            <a:off x="178045" y="194310"/>
+            <a:ext cx="8787909" cy="4149090"/>
+          </a:xfrm>
+          <a:prstGeom prst="rect">
+            <a:avLst/>
+          </a:prstGeom>
+          <a:noFill/>
+          <a:extLst>
+            <a:ext uri="{909E8E84-426E-40DD-AFC4-6F175D3DCCD1}">
+              <a14:hiddenFill xmlns:a14="http://schemas.microsoft.com/office/drawing/2010/main">
+                <a:solidFill>
+                  <a:srgbClr val="FFFFFF"/>
+                </a:solidFill>
+              </a14:hiddenFill>
+            </a:ext>
+          </a:extLst>
+        </p:spPr>
+      </p:pic>
+    </p:spTree>
+  </p:cSld>
+  <p:clrMapOvr>
+    <a:masterClrMapping/>
+  </p:clrMapOvr>
+</p:sld>
+</file>
+
+<file path=ppt/slides/slide13.xml><?xml version="1.0" encoding="utf-8"?>
+<p:sld xmlns:a="http://schemas.openxmlformats.org/drawingml/2006/main" xmlns:r="http://schemas.openxmlformats.org/officeDocument/2006/relationships" xmlns:p="http://schemas.openxmlformats.org/presentationml/2006/main">
+  <p:cSld>
+    <p:spTree>
+      <p:nvGrpSpPr>
+        <p:cNvPr id="1" name=""/>
+        <p:cNvGrpSpPr/>
+        <p:nvPr/>
+      </p:nvGrpSpPr>
+      <p:grpSpPr>
+        <a:xfrm>
+          <a:off x="0" y="0"/>
+          <a:ext cx="0" cy="0"/>
+          <a:chOff x="0" y="0"/>
+          <a:chExt cx="0" cy="0"/>
+        </a:xfrm>
+      </p:grpSpPr>
+      <p:sp>
+        <p:nvSpPr>
+          <p:cNvPr id="2" name="Titre 1">
+            <a:extLst>
+              <a:ext uri="{FF2B5EF4-FFF2-40B4-BE49-F238E27FC236}">
+                <a16:creationId xmlns:a16="http://schemas.microsoft.com/office/drawing/2014/main" id="{1A9DA6F0-F00B-5C8E-CF09-AFA4B45283F2}"/>
+              </a:ext>
+            </a:extLst>
+          </p:cNvPr>
+          <p:cNvSpPr>
+            <a:spLocks noGrp="1"/>
+          </p:cNvSpPr>
+          <p:nvPr>
+            <p:ph type="title"/>
+          </p:nvPr>
+        </p:nvSpPr>
+        <p:spPr/>
+        <p:txBody>
+          <a:bodyPr>
+            <a:normAutofit fontScale="90000"/>
+          </a:bodyPr>
+          <a:lstStyle/>
+          <a:p>
+            <a:endParaRPr lang="fr-FR"/>
+          </a:p>
+        </p:txBody>
+      </p:sp>
+      <p:sp>
+        <p:nvSpPr>
+          <p:cNvPr id="3" name="Espace réservé du numéro de diapositive 2">
+            <a:extLst>
+              <a:ext uri="{FF2B5EF4-FFF2-40B4-BE49-F238E27FC236}">
+                <a16:creationId xmlns:a16="http://schemas.microsoft.com/office/drawing/2014/main" id="{1BBFB12F-DA6E-A8B1-F737-4307D70B2741}"/>
+              </a:ext>
+            </a:extLst>
+          </p:cNvPr>
+          <p:cNvSpPr>
+            <a:spLocks noGrp="1"/>
+          </p:cNvSpPr>
+          <p:nvPr>
+            <p:ph type="sldNum" idx="12"/>
+          </p:nvPr>
+        </p:nvSpPr>
+        <p:spPr/>
+        <p:txBody>
+          <a:bodyPr/>
+          <a:lstStyle/>
+          <a:p>
+            <a:pPr marL="0" lvl="0" indent="0" algn="r" rtl="0">
+              <a:spcBef>
+                <a:spcPts val="0"/>
+              </a:spcBef>
+              <a:spcAft>
+                <a:spcPts val="0"/>
+              </a:spcAft>
+              <a:buNone/>
+            </a:pPr>
+            <a:fld id="{00000000-1234-1234-1234-123412341234}" type="slidenum">
+              <a:rPr lang="fr-FR" smtClean="0"/>
+              <a:t>13</a:t>
+            </a:fld>
+            <a:endParaRPr lang="fr-FR"/>
+          </a:p>
+        </p:txBody>
+      </p:sp>
+      <p:pic>
+        <p:nvPicPr>
+          <p:cNvPr id="2050" name="Picture 2">
+            <a:extLst>
+              <a:ext uri="{FF2B5EF4-FFF2-40B4-BE49-F238E27FC236}">
+                <a16:creationId xmlns:a16="http://schemas.microsoft.com/office/drawing/2014/main" id="{F3F2F766-E46A-1CE6-3EE7-94F80EE977EE}"/>
+              </a:ext>
+            </a:extLst>
+          </p:cNvPr>
+          <p:cNvPicPr>
+            <a:picLocks noChangeAspect="1" noChangeArrowheads="1"/>
+          </p:cNvPicPr>
+          <p:nvPr/>
+        </p:nvPicPr>
+        <p:blipFill>
+          <a:blip r:embed="rId2">
+            <a:extLst>
+              <a:ext uri="{28A0092B-C50C-407E-A947-70E740481C1C}">
+                <a14:useLocalDpi xmlns:a14="http://schemas.microsoft.com/office/drawing/2010/main" val="0"/>
+              </a:ext>
+            </a:extLst>
+          </a:blip>
+          <a:srcRect/>
+          <a:stretch>
+            <a:fillRect/>
+          </a:stretch>
+        </p:blipFill>
+        <p:spPr bwMode="auto">
+          <a:xfrm>
+            <a:off x="98159" y="113554"/>
+            <a:ext cx="8919328" cy="4218415"/>
+          </a:xfrm>
+          <a:prstGeom prst="rect">
+            <a:avLst/>
+          </a:prstGeom>
+          <a:noFill/>
+          <a:extLst>
+            <a:ext uri="{909E8E84-426E-40DD-AFC4-6F175D3DCCD1}">
+              <a14:hiddenFill xmlns:a14="http://schemas.microsoft.com/office/drawing/2010/main">
+                <a:solidFill>
+                  <a:srgbClr val="FFFFFF"/>
+                </a:solidFill>
+              </a14:hiddenFill>
+            </a:ext>
+          </a:extLst>
+        </p:spPr>
+      </p:pic>
+    </p:spTree>
+    <p:extLst>
+      <p:ext uri="{BB962C8B-B14F-4D97-AF65-F5344CB8AC3E}">
+        <p14:creationId xmlns:p14="http://schemas.microsoft.com/office/powerpoint/2010/main" val="1129389365"/>
+      </p:ext>
+    </p:extLst>
+  </p:cSld>
+  <p:clrMapOvr>
+    <a:masterClrMapping/>
+  </p:clrMapOvr>
+</p:sld>
+</file>
+
+<file path=ppt/slides/slide14.xml><?xml version="1.0" encoding="utf-8"?>
+<p:sld xmlns:a="http://schemas.openxmlformats.org/drawingml/2006/main" xmlns:r="http://schemas.openxmlformats.org/officeDocument/2006/relationships" xmlns:p="http://schemas.openxmlformats.org/presentationml/2006/main">
+  <p:cSld>
+    <p:spTree>
+      <p:nvGrpSpPr>
+        <p:cNvPr id="1" name=""/>
+        <p:cNvGrpSpPr/>
+        <p:nvPr/>
+      </p:nvGrpSpPr>
+      <p:grpSpPr>
+        <a:xfrm>
+          <a:off x="0" y="0"/>
+          <a:ext cx="0" cy="0"/>
+          <a:chOff x="0" y="0"/>
+          <a:chExt cx="0" cy="0"/>
+        </a:xfrm>
+      </p:grpSpPr>
+      <p:sp>
+        <p:nvSpPr>
+          <p:cNvPr id="2" name="Titre 1">
+            <a:extLst>
+              <a:ext uri="{FF2B5EF4-FFF2-40B4-BE49-F238E27FC236}">
+                <a16:creationId xmlns:a16="http://schemas.microsoft.com/office/drawing/2014/main" id="{F531FFC0-33DC-289B-957D-57E6BD8E4C5F}"/>
+              </a:ext>
+            </a:extLst>
+          </p:cNvPr>
+          <p:cNvSpPr>
+            <a:spLocks noGrp="1"/>
+          </p:cNvSpPr>
+          <p:nvPr>
+            <p:ph type="title"/>
+          </p:nvPr>
+        </p:nvSpPr>
+        <p:spPr/>
+        <p:txBody>
+          <a:bodyPr>
+            <a:normAutofit fontScale="90000"/>
+          </a:bodyPr>
+          <a:lstStyle/>
+          <a:p>
+            <a:endParaRPr lang="fr-FR"/>
+          </a:p>
+        </p:txBody>
+      </p:sp>
+      <p:sp>
+        <p:nvSpPr>
+          <p:cNvPr id="3" name="Espace réservé du numéro de diapositive 2">
+            <a:extLst>
+              <a:ext uri="{FF2B5EF4-FFF2-40B4-BE49-F238E27FC236}">
+                <a16:creationId xmlns:a16="http://schemas.microsoft.com/office/drawing/2014/main" id="{9F884DD8-EA98-B96E-558A-AA2D993158BA}"/>
+              </a:ext>
+            </a:extLst>
+          </p:cNvPr>
+          <p:cNvSpPr>
+            <a:spLocks noGrp="1"/>
+          </p:cNvSpPr>
+          <p:nvPr>
+            <p:ph type="sldNum" idx="12"/>
+          </p:nvPr>
+        </p:nvSpPr>
+        <p:spPr/>
+        <p:txBody>
+          <a:bodyPr/>
+          <a:lstStyle/>
+          <a:p>
+            <a:pPr marL="0" lvl="0" indent="0" algn="r" rtl="0">
+              <a:spcBef>
+                <a:spcPts val="0"/>
+              </a:spcBef>
+              <a:spcAft>
+                <a:spcPts val="0"/>
+              </a:spcAft>
+              <a:buNone/>
+            </a:pPr>
+            <a:fld id="{00000000-1234-1234-1234-123412341234}" type="slidenum">
+              <a:rPr lang="fr-FR" smtClean="0"/>
+              <a:t>14</a:t>
+            </a:fld>
+            <a:endParaRPr lang="fr-FR"/>
+          </a:p>
+        </p:txBody>
+      </p:sp>
+      <p:pic>
+        <p:nvPicPr>
+          <p:cNvPr id="3074" name="Picture 2">
+            <a:extLst>
+              <a:ext uri="{FF2B5EF4-FFF2-40B4-BE49-F238E27FC236}">
+                <a16:creationId xmlns:a16="http://schemas.microsoft.com/office/drawing/2014/main" id="{B7789614-ABF9-B31E-DD67-D0E6ADB76AFC}"/>
+              </a:ext>
+            </a:extLst>
+          </p:cNvPr>
+          <p:cNvPicPr>
+            <a:picLocks noChangeAspect="1" noChangeArrowheads="1"/>
+          </p:cNvPicPr>
+          <p:nvPr/>
+        </p:nvPicPr>
+        <p:blipFill>
+          <a:blip r:embed="rId2">
+            <a:extLst>
+              <a:ext uri="{28A0092B-C50C-407E-A947-70E740481C1C}">
+                <a14:useLocalDpi xmlns:a14="http://schemas.microsoft.com/office/drawing/2010/main" val="0"/>
+              </a:ext>
+            </a:extLst>
+          </a:blip>
+          <a:srcRect/>
+          <a:stretch>
+            <a:fillRect/>
+          </a:stretch>
+        </p:blipFill>
+        <p:spPr bwMode="auto">
+          <a:xfrm>
+            <a:off x="116289" y="217170"/>
+            <a:ext cx="8930410" cy="4080510"/>
+          </a:xfrm>
+          <a:prstGeom prst="rect">
+            <a:avLst/>
+          </a:prstGeom>
+          <a:noFill/>
+          <a:extLst>
+            <a:ext uri="{909E8E84-426E-40DD-AFC4-6F175D3DCCD1}">
+              <a14:hiddenFill xmlns:a14="http://schemas.microsoft.com/office/drawing/2010/main">
+                <a:solidFill>
+                  <a:srgbClr val="FFFFFF"/>
+                </a:solidFill>
+              </a14:hiddenFill>
+            </a:ext>
+          </a:extLst>
+        </p:spPr>
+      </p:pic>
+    </p:spTree>
+    <p:extLst>
+      <p:ext uri="{BB962C8B-B14F-4D97-AF65-F5344CB8AC3E}">
+        <p14:creationId xmlns:p14="http://schemas.microsoft.com/office/powerpoint/2010/main" val="3737392981"/>
+      </p:ext>
+    </p:extLst>
+  </p:cSld>
+  <p:clrMapOvr>
+    <a:masterClrMapping/>
+  </p:clrMapOvr>
+</p:sld>
+</file>
+
+<file path=ppt/slides/slide15.xml><?xml version="1.0" encoding="utf-8"?>
+<p:sld xmlns:a="http://schemas.openxmlformats.org/drawingml/2006/main" xmlns:r="http://schemas.openxmlformats.org/officeDocument/2006/relationships" xmlns:p="http://schemas.openxmlformats.org/presentationml/2006/main">
+  <p:cSld>
+    <p:spTree>
+      <p:nvGrpSpPr>
+        <p:cNvPr id="1" name=""/>
+        <p:cNvGrpSpPr/>
+        <p:nvPr/>
+      </p:nvGrpSpPr>
+      <p:grpSpPr>
+        <a:xfrm>
+          <a:off x="0" y="0"/>
+          <a:ext cx="0" cy="0"/>
+          <a:chOff x="0" y="0"/>
+          <a:chExt cx="0" cy="0"/>
+        </a:xfrm>
+      </p:grpSpPr>
+      <p:sp>
+        <p:nvSpPr>
+          <p:cNvPr id="2" name="Titre 1">
+            <a:extLst>
+              <a:ext uri="{FF2B5EF4-FFF2-40B4-BE49-F238E27FC236}">
+                <a16:creationId xmlns:a16="http://schemas.microsoft.com/office/drawing/2014/main" id="{23A699C2-49A7-560B-B987-39B2BB762DCF}"/>
+              </a:ext>
+            </a:extLst>
+          </p:cNvPr>
+          <p:cNvSpPr>
+            <a:spLocks noGrp="1"/>
+          </p:cNvSpPr>
+          <p:nvPr>
+            <p:ph type="title"/>
+          </p:nvPr>
+        </p:nvSpPr>
+        <p:spPr/>
+        <p:txBody>
+          <a:bodyPr>
+            <a:normAutofit fontScale="90000"/>
+          </a:bodyPr>
+          <a:lstStyle/>
+          <a:p>
+            <a:endParaRPr lang="fr-FR"/>
+          </a:p>
+        </p:txBody>
+      </p:sp>
+      <p:sp>
+        <p:nvSpPr>
+          <p:cNvPr id="3" name="Espace réservé du numéro de diapositive 2">
+            <a:extLst>
+              <a:ext uri="{FF2B5EF4-FFF2-40B4-BE49-F238E27FC236}">
+                <a16:creationId xmlns:a16="http://schemas.microsoft.com/office/drawing/2014/main" id="{9D4403CB-AA06-DB76-C64D-53104F0D9CF6}"/>
+              </a:ext>
+            </a:extLst>
+          </p:cNvPr>
+          <p:cNvSpPr>
+            <a:spLocks noGrp="1"/>
+          </p:cNvSpPr>
+          <p:nvPr>
+            <p:ph type="sldNum" idx="12"/>
+          </p:nvPr>
+        </p:nvSpPr>
+        <p:spPr/>
+        <p:txBody>
+          <a:bodyPr/>
+          <a:lstStyle/>
+          <a:p>
+            <a:pPr marL="0" lvl="0" indent="0" algn="r" rtl="0">
+              <a:spcBef>
+                <a:spcPts val="0"/>
+              </a:spcBef>
+              <a:spcAft>
+                <a:spcPts val="0"/>
+              </a:spcAft>
+              <a:buNone/>
+            </a:pPr>
+            <a:fld id="{00000000-1234-1234-1234-123412341234}" type="slidenum">
+              <a:rPr lang="fr-FR" smtClean="0"/>
+              <a:t>15</a:t>
+            </a:fld>
+            <a:endParaRPr lang="fr-FR"/>
+          </a:p>
+        </p:txBody>
+      </p:sp>
+      <p:pic>
+        <p:nvPicPr>
+          <p:cNvPr id="4098" name="Picture 2">
+            <a:extLst>
+              <a:ext uri="{FF2B5EF4-FFF2-40B4-BE49-F238E27FC236}">
+                <a16:creationId xmlns:a16="http://schemas.microsoft.com/office/drawing/2014/main" id="{EA79DB27-C37B-867A-F194-3B76B92D3773}"/>
+              </a:ext>
+            </a:extLst>
+          </p:cNvPr>
+          <p:cNvPicPr>
+            <a:picLocks noChangeAspect="1" noChangeArrowheads="1"/>
+          </p:cNvPicPr>
+          <p:nvPr/>
+        </p:nvPicPr>
+        <p:blipFill>
+          <a:blip r:embed="rId2">
+            <a:extLst>
+              <a:ext uri="{28A0092B-C50C-407E-A947-70E740481C1C}">
+                <a14:useLocalDpi xmlns:a14="http://schemas.microsoft.com/office/drawing/2010/main" val="0"/>
+              </a:ext>
+            </a:extLst>
+          </a:blip>
+          <a:srcRect/>
+          <a:stretch>
+            <a:fillRect/>
+          </a:stretch>
+        </p:blipFill>
+        <p:spPr bwMode="auto">
+          <a:xfrm>
+            <a:off x="121966" y="102126"/>
+            <a:ext cx="8906287" cy="4149834"/>
+          </a:xfrm>
+          <a:prstGeom prst="rect">
+            <a:avLst/>
+          </a:prstGeom>
+          <a:noFill/>
+          <a:extLst>
+            <a:ext uri="{909E8E84-426E-40DD-AFC4-6F175D3DCCD1}">
+              <a14:hiddenFill xmlns:a14="http://schemas.microsoft.com/office/drawing/2010/main">
+                <a:solidFill>
+                  <a:srgbClr val="FFFFFF"/>
+                </a:solidFill>
+              </a14:hiddenFill>
+            </a:ext>
+          </a:extLst>
+        </p:spPr>
+      </p:pic>
+    </p:spTree>
+    <p:extLst>
+      <p:ext uri="{BB962C8B-B14F-4D97-AF65-F5344CB8AC3E}">
+        <p14:creationId xmlns:p14="http://schemas.microsoft.com/office/powerpoint/2010/main" val="1632262073"/>
+      </p:ext>
+    </p:extLst>
+  </p:cSld>
+  <p:clrMapOvr>
+    <a:masterClrMapping/>
+  </p:clrMapOvr>
+</p:sld>
+</file>
+
+<file path=ppt/slides/slide16.xml><?xml version="1.0" encoding="utf-8"?>
+<p:sld xmlns:a="http://schemas.openxmlformats.org/drawingml/2006/main" xmlns:r="http://schemas.openxmlformats.org/officeDocument/2006/relationships" xmlns:p="http://schemas.openxmlformats.org/presentationml/2006/main">
+  <p:cSld>
+    <p:spTree>
+      <p:nvGrpSpPr>
+        <p:cNvPr id="1" name=""/>
+        <p:cNvGrpSpPr/>
+        <p:nvPr/>
+      </p:nvGrpSpPr>
+      <p:grpSpPr>
+        <a:xfrm>
+          <a:off x="0" y="0"/>
+          <a:ext cx="0" cy="0"/>
+          <a:chOff x="0" y="0"/>
+          <a:chExt cx="0" cy="0"/>
+        </a:xfrm>
+      </p:grpSpPr>
+      <p:sp>
+        <p:nvSpPr>
+          <p:cNvPr id="2" name="Titre 1">
+            <a:extLst>
+              <a:ext uri="{FF2B5EF4-FFF2-40B4-BE49-F238E27FC236}">
+                <a16:creationId xmlns:a16="http://schemas.microsoft.com/office/drawing/2014/main" id="{6B4AD40A-89FB-C182-F1FC-1573BE8E1457}"/>
+              </a:ext>
+            </a:extLst>
+          </p:cNvPr>
+          <p:cNvSpPr>
+            <a:spLocks noGrp="1"/>
+          </p:cNvSpPr>
+          <p:nvPr>
+            <p:ph type="title"/>
+          </p:nvPr>
+        </p:nvSpPr>
+        <p:spPr/>
+        <p:txBody>
+          <a:bodyPr>
+            <a:normAutofit fontScale="90000"/>
+          </a:bodyPr>
+          <a:lstStyle/>
+          <a:p>
+            <a:endParaRPr lang="fr-FR"/>
+          </a:p>
+        </p:txBody>
+      </p:sp>
+      <p:sp>
+        <p:nvSpPr>
+          <p:cNvPr id="3" name="Espace réservé du numéro de diapositive 2">
+            <a:extLst>
+              <a:ext uri="{FF2B5EF4-FFF2-40B4-BE49-F238E27FC236}">
+                <a16:creationId xmlns:a16="http://schemas.microsoft.com/office/drawing/2014/main" id="{AA3D3970-4C78-AC8E-061D-8AB79E9E5DCA}"/>
+              </a:ext>
+            </a:extLst>
+          </p:cNvPr>
+          <p:cNvSpPr>
+            <a:spLocks noGrp="1"/>
+          </p:cNvSpPr>
+          <p:nvPr>
+            <p:ph type="sldNum" idx="12"/>
+          </p:nvPr>
+        </p:nvSpPr>
+        <p:spPr/>
+        <p:txBody>
+          <a:bodyPr/>
+          <a:lstStyle/>
+          <a:p>
+            <a:pPr marL="0" lvl="0" indent="0" algn="r" rtl="0">
+              <a:spcBef>
+                <a:spcPts val="0"/>
+              </a:spcBef>
+              <a:spcAft>
+                <a:spcPts val="0"/>
+              </a:spcAft>
+              <a:buNone/>
+            </a:pPr>
+            <a:fld id="{00000000-1234-1234-1234-123412341234}" type="slidenum">
+              <a:rPr lang="fr-FR" smtClean="0"/>
+              <a:t>16</a:t>
+            </a:fld>
+            <a:endParaRPr lang="fr-FR"/>
+          </a:p>
+        </p:txBody>
+      </p:sp>
+      <p:pic>
+        <p:nvPicPr>
+          <p:cNvPr id="5122" name="Picture 2">
+            <a:extLst>
+              <a:ext uri="{FF2B5EF4-FFF2-40B4-BE49-F238E27FC236}">
+                <a16:creationId xmlns:a16="http://schemas.microsoft.com/office/drawing/2014/main" id="{45BB6712-7027-D236-C1DA-B2EDA8E8EFE7}"/>
+              </a:ext>
+            </a:extLst>
+          </p:cNvPr>
+          <p:cNvPicPr>
+            <a:picLocks noChangeAspect="1" noChangeArrowheads="1"/>
+          </p:cNvPicPr>
+          <p:nvPr/>
+        </p:nvPicPr>
+        <p:blipFill>
+          <a:blip r:embed="rId2">
+            <a:extLst>
+              <a:ext uri="{28A0092B-C50C-407E-A947-70E740481C1C}">
+                <a14:useLocalDpi xmlns:a14="http://schemas.microsoft.com/office/drawing/2010/main" val="0"/>
+              </a:ext>
+            </a:extLst>
+          </a:blip>
+          <a:srcRect/>
+          <a:stretch>
+            <a:fillRect/>
+          </a:stretch>
+        </p:blipFill>
+        <p:spPr bwMode="auto">
+          <a:xfrm>
+            <a:off x="82551" y="189060"/>
+            <a:ext cx="8978898" cy="4177200"/>
+          </a:xfrm>
+          <a:prstGeom prst="rect">
+            <a:avLst/>
+          </a:prstGeom>
+          <a:noFill/>
+          <a:extLst>
+            <a:ext uri="{909E8E84-426E-40DD-AFC4-6F175D3DCCD1}">
+              <a14:hiddenFill xmlns:a14="http://schemas.microsoft.com/office/drawing/2010/main">
+                <a:solidFill>
+                  <a:srgbClr val="FFFFFF"/>
+                </a:solidFill>
+              </a14:hiddenFill>
+            </a:ext>
+          </a:extLst>
+        </p:spPr>
+      </p:pic>
+    </p:spTree>
+    <p:extLst>
+      <p:ext uri="{BB962C8B-B14F-4D97-AF65-F5344CB8AC3E}">
+        <p14:creationId xmlns:p14="http://schemas.microsoft.com/office/powerpoint/2010/main" val="3145780853"/>
+      </p:ext>
+    </p:extLst>
+  </p:cSld>
+  <p:clrMapOvr>
+    <a:masterClrMapping/>
+  </p:clrMapOvr>
+</p:sld>
+</file>
+
+<file path=ppt/slides/slide17.xml><?xml version="1.0" encoding="utf-8"?>
+<p:sld xmlns:a="http://schemas.openxmlformats.org/drawingml/2006/main" xmlns:r="http://schemas.openxmlformats.org/officeDocument/2006/relationships" xmlns:p="http://schemas.openxmlformats.org/presentationml/2006/main">
+  <p:cSld>
+    <p:spTree>
+      <p:nvGrpSpPr>
+        <p:cNvPr id="1" name="Shape 190"/>
+        <p:cNvGrpSpPr/>
+        <p:nvPr/>
+      </p:nvGrpSpPr>
+      <p:grpSpPr>
+        <a:xfrm>
+          <a:off x="0" y="0"/>
+          <a:ext cx="0" cy="0"/>
+          <a:chOff x="0" y="0"/>
+          <a:chExt cx="0" cy="0"/>
+        </a:xfrm>
+      </p:grpSpPr>
+      <p:sp>
+        <p:nvSpPr>
+          <p:cNvPr id="3" name="Titre 2">
+            <a:extLst>
+              <a:ext uri="{FF2B5EF4-FFF2-40B4-BE49-F238E27FC236}">
+                <a16:creationId xmlns:a16="http://schemas.microsoft.com/office/drawing/2014/main" id="{935F02DB-CB1D-3E07-D18E-3FF2BE66051B}"/>
+              </a:ext>
+            </a:extLst>
+          </p:cNvPr>
+          <p:cNvSpPr>
+            <a:spLocks noGrp="1"/>
+          </p:cNvSpPr>
+          <p:nvPr>
+            <p:ph type="title"/>
+          </p:nvPr>
+        </p:nvSpPr>
+        <p:spPr/>
+        <p:txBody>
+          <a:bodyPr/>
+          <a:lstStyle/>
+          <a:p>
+            <a:endParaRPr lang="fr-FR" dirty="0"/>
+          </a:p>
+        </p:txBody>
+      </p:sp>
+      <p:sp>
+        <p:nvSpPr>
+          <p:cNvPr id="192" name="Google Shape;192;p27"/>
+          <p:cNvSpPr txBox="1">
+            <a:spLocks noGrp="1"/>
+          </p:cNvSpPr>
+          <p:nvPr>
+            <p:ph type="sldNum" idx="12"/>
+          </p:nvPr>
+        </p:nvSpPr>
+        <p:spPr>
+          <a:prstGeom prst="rect">
+            <a:avLst/>
+          </a:prstGeom>
+        </p:spPr>
+        <p:txBody>
+          <a:bodyPr spcFirstLastPara="1" wrap="square" lIns="91425" tIns="91425" rIns="91425" bIns="91425" anchor="ctr" anchorCtr="0">
+            <a:normAutofit/>
+          </a:bodyPr>
+          <a:lstStyle/>
+          <a:p>
+            <a:pPr marL="0" lvl="0" indent="0" algn="r" rtl="0">
+              <a:spcBef>
+                <a:spcPts val="0"/>
+              </a:spcBef>
+              <a:spcAft>
+                <a:spcPts val="0"/>
+              </a:spcAft>
+              <a:buNone/>
+            </a:pPr>
+            <a:fld id="{00000000-1234-1234-1234-123412341234}" type="slidenum">
+              <a:rPr lang="fr">
+                <a:solidFill>
+                  <a:schemeClr val="lt2"/>
+                </a:solidFill>
+              </a:rPr>
+              <a:t>17</a:t>
+            </a:fld>
+            <a:endParaRPr>
+              <a:solidFill>
+                <a:schemeClr val="lt2"/>
+              </a:solidFill>
+            </a:endParaRPr>
+          </a:p>
+        </p:txBody>
+      </p:sp>
+      <p:pic>
+        <p:nvPicPr>
+          <p:cNvPr id="8" name="Image 1">
+            <a:extLst>
+              <a:ext uri="{FF2B5EF4-FFF2-40B4-BE49-F238E27FC236}">
+                <a16:creationId xmlns:a16="http://schemas.microsoft.com/office/drawing/2014/main" id="{38A09904-1B23-84E9-8028-9E64674DF485}"/>
+              </a:ext>
+            </a:extLst>
+          </p:cNvPr>
+          <p:cNvPicPr>
+            <a:picLocks noChangeAspect="1"/>
+          </p:cNvPicPr>
+          <p:nvPr/>
+        </p:nvPicPr>
+        <p:blipFill>
+          <a:blip r:embed="rId3"/>
+          <a:stretch>
+            <a:fillRect/>
+          </a:stretch>
+        </p:blipFill>
+        <p:spPr>
+          <a:xfrm>
+            <a:off x="707051" y="239271"/>
+            <a:ext cx="7729897" cy="4646288"/>
+          </a:xfrm>
+          <a:prstGeom prst="rect">
+            <a:avLst/>
+          </a:prstGeom>
+          <a:noFill/>
+          <a:ln cap="rnd">
+            <a:noFill/>
+          </a:ln>
+        </p:spPr>
+      </p:pic>
+    </p:spTree>
+  </p:cSld>
+  <p:clrMapOvr>
+    <a:masterClrMapping/>
+  </p:clrMapOvr>
+</p:sld>
+</file>
+
+<file path=ppt/slides/slide18.xml><?xml version="1.0" encoding="utf-8"?>
+<p:sld xmlns:a="http://schemas.openxmlformats.org/drawingml/2006/main" xmlns:r="http://schemas.openxmlformats.org/officeDocument/2006/relationships" xmlns:p="http://schemas.openxmlformats.org/presentationml/2006/main">
+  <p:cSld>
+    <p:spTree>
+      <p:nvGrpSpPr>
+        <p:cNvPr id="1" name="Shape 196"/>
+        <p:cNvGrpSpPr/>
+        <p:nvPr/>
+      </p:nvGrpSpPr>
+      <p:grpSpPr>
+        <a:xfrm>
+          <a:off x="0" y="0"/>
+          <a:ext cx="0" cy="0"/>
+          <a:chOff x="0" y="0"/>
+          <a:chExt cx="0" cy="0"/>
+        </a:xfrm>
+      </p:grpSpPr>
+      <p:sp>
+        <p:nvSpPr>
+          <p:cNvPr id="197" name="Google Shape;197;p28"/>
+          <p:cNvSpPr txBox="1">
+            <a:spLocks noGrp="1"/>
+          </p:cNvSpPr>
+          <p:nvPr>
+            <p:ph type="title"/>
+          </p:nvPr>
+        </p:nvSpPr>
+        <p:spPr>
+          <a:xfrm>
+            <a:off x="490250" y="526350"/>
+            <a:ext cx="5604000" cy="4090800"/>
+          </a:xfrm>
+          <a:prstGeom prst="rect">
+            <a:avLst/>
+          </a:prstGeom>
+        </p:spPr>
+        <p:txBody>
+          <a:bodyPr spcFirstLastPara="1" wrap="square" lIns="91425" tIns="91425" rIns="91425" bIns="91425" anchor="ctr" anchorCtr="0">
+            <a:normAutofit/>
+          </a:bodyPr>
+          <a:lstStyle/>
+          <a:p>
+            <a:pPr marL="0" lvl="0" indent="0" algn="l" rtl="0">
+              <a:spcBef>
+                <a:spcPts val="0"/>
+              </a:spcBef>
+              <a:spcAft>
+                <a:spcPts val="0"/>
+              </a:spcAft>
+              <a:buNone/>
+            </a:pPr>
+            <a:r>
+              <a:rPr lang="fr"/>
+              <a:t>Conclusion</a:t>
+            </a:r>
+            <a:endParaRPr/>
+          </a:p>
+        </p:txBody>
+      </p:sp>
+      <p:sp>
+        <p:nvSpPr>
+          <p:cNvPr id="198" name="Google Shape;198;p28"/>
+          <p:cNvSpPr txBox="1">
+            <a:spLocks noGrp="1"/>
+          </p:cNvSpPr>
+          <p:nvPr>
+            <p:ph type="sldNum" idx="12"/>
+          </p:nvPr>
+        </p:nvSpPr>
+        <p:spPr>
+          <a:xfrm>
+            <a:off x="8497999" y="4688759"/>
+            <a:ext cx="548700" cy="393600"/>
+          </a:xfrm>
+          <a:prstGeom prst="rect">
+            <a:avLst/>
+          </a:prstGeom>
+        </p:spPr>
+        <p:txBody>
+          <a:bodyPr spcFirstLastPara="1" wrap="square" lIns="91425" tIns="91425" rIns="91425" bIns="91425" anchor="ctr" anchorCtr="0">
+            <a:normAutofit/>
+          </a:bodyPr>
+          <a:lstStyle/>
+          <a:p>
+            <a:pPr marL="0" lvl="0" indent="0" algn="r" rtl="0">
+              <a:spcBef>
+                <a:spcPts val="0"/>
+              </a:spcBef>
+              <a:spcAft>
+                <a:spcPts val="0"/>
+              </a:spcAft>
+              <a:buNone/>
+            </a:pPr>
+            <a:fld id="{00000000-1234-1234-1234-123412341234}" type="slidenum">
+              <a:rPr lang="fr">
+                <a:solidFill>
+                  <a:schemeClr val="lt1"/>
+                </a:solidFill>
+              </a:rPr>
+              <a:t>18</a:t>
+            </a:fld>
+            <a:endParaRPr>
+              <a:solidFill>
+                <a:schemeClr val="lt1"/>
+              </a:solidFill>
+            </a:endParaRPr>
+          </a:p>
+        </p:txBody>
+      </p:sp>
+    </p:spTree>
+  </p:cSld>
+  <p:clrMapOvr>
+    <a:masterClrMapping/>
+  </p:clrMapOvr>
+</p:sld>
+</file>
+
+<file path=ppt/slides/slide2.xml><?xml version="1.0" encoding="utf-8"?>
+<p:sld xmlns:a="http://schemas.openxmlformats.org/drawingml/2006/main" xmlns:r="http://schemas.openxmlformats.org/officeDocument/2006/relationships" xmlns:p="http://schemas.openxmlformats.org/presentationml/2006/main">
+  <p:cSld>
+    <p:spTree>
+      <p:nvGrpSpPr>
+        <p:cNvPr id="1" name="Shape 128"/>
+        <p:cNvGrpSpPr/>
+        <p:nvPr/>
+      </p:nvGrpSpPr>
+      <p:grpSpPr>
+        <a:xfrm>
+          <a:off x="0" y="0"/>
+          <a:ext cx="0" cy="0"/>
+          <a:chOff x="0" y="0"/>
+          <a:chExt cx="0" cy="0"/>
+        </a:xfrm>
+      </p:grpSpPr>
+      <p:sp>
+        <p:nvSpPr>
+          <p:cNvPr id="129" name="Google Shape;129;p18"/>
+          <p:cNvSpPr txBox="1">
+            <a:spLocks noGrp="1"/>
+          </p:cNvSpPr>
+          <p:nvPr>
+            <p:ph type="title"/>
+          </p:nvPr>
+        </p:nvSpPr>
+        <p:spPr>
+          <a:xfrm>
+            <a:off x="1297500" y="393750"/>
+            <a:ext cx="7038900" cy="914100"/>
+          </a:xfrm>
+          <a:prstGeom prst="rect">
+            <a:avLst/>
+          </a:prstGeom>
+        </p:spPr>
+        <p:txBody>
+          <a:bodyPr spcFirstLastPara="1" wrap="square" lIns="91425" tIns="91425" rIns="91425" bIns="91425" anchor="t" anchorCtr="0">
+            <a:normAutofit/>
+          </a:bodyPr>
+          <a:lstStyle/>
+          <a:p>
+            <a:pPr marL="0" lvl="0" indent="0" algn="l" rtl="0">
+              <a:spcBef>
+                <a:spcPts val="0"/>
+              </a:spcBef>
+              <a:spcAft>
+                <a:spcPts val="0"/>
+              </a:spcAft>
+              <a:buNone/>
+            </a:pPr>
+            <a:r>
+              <a:rPr lang="fr"/>
+              <a:t>Objectif du projet</a:t>
+            </a:r>
+            <a:endParaRPr/>
+          </a:p>
+        </p:txBody>
+      </p:sp>
+      <p:sp>
+        <p:nvSpPr>
+          <p:cNvPr id="130" name="Google Shape;130;p18"/>
+          <p:cNvSpPr txBox="1">
+            <a:spLocks noGrp="1"/>
+          </p:cNvSpPr>
+          <p:nvPr>
+            <p:ph type="body" idx="1"/>
+          </p:nvPr>
+        </p:nvSpPr>
+        <p:spPr>
+          <a:xfrm>
+            <a:off x="4018025" y="1567550"/>
+            <a:ext cx="4886700" cy="2386500"/>
+          </a:xfrm>
+          <a:prstGeom prst="rect">
+            <a:avLst/>
+          </a:prstGeom>
+          <a:ln>
+            <a:noFill/>
+          </a:ln>
+        </p:spPr>
+        <p:txBody>
+          <a:bodyPr spcFirstLastPara="1" wrap="square" lIns="91425" tIns="91425" rIns="91425" bIns="91425" anchor="t" anchorCtr="0">
+            <a:normAutofit/>
+          </a:bodyPr>
+          <a:lstStyle/>
+          <a:p>
+            <a:pPr marL="457200" lvl="0" indent="-342900" algn="l" rtl="0">
+              <a:spcBef>
+                <a:spcPts val="0"/>
+              </a:spcBef>
+              <a:spcAft>
+                <a:spcPts val="0"/>
+              </a:spcAft>
+              <a:buSzPts val="1800"/>
+              <a:buChar char="-"/>
+            </a:pPr>
+            <a:r>
+              <a:rPr lang="fr" dirty="0"/>
+              <a:t>Créer une base de données à partir des fichiers .csv brutes du client</a:t>
+            </a:r>
+          </a:p>
+          <a:p>
+            <a:pPr marL="114300" lvl="0" indent="0" algn="l" rtl="0">
+              <a:spcBef>
+                <a:spcPts val="0"/>
+              </a:spcBef>
+              <a:spcAft>
+                <a:spcPts val="0"/>
+              </a:spcAft>
+              <a:buSzPts val="1800"/>
+              <a:buNone/>
+            </a:pPr>
+            <a:endParaRPr dirty="0"/>
+          </a:p>
+          <a:p>
+            <a:pPr marL="457200" lvl="0" indent="-342900" algn="l" rtl="0">
+              <a:spcBef>
+                <a:spcPts val="0"/>
+              </a:spcBef>
+              <a:spcAft>
+                <a:spcPts val="0"/>
+              </a:spcAft>
+              <a:buSzPts val="1800"/>
+              <a:buChar char="-"/>
+            </a:pPr>
+            <a:r>
+              <a:rPr lang="fr" dirty="0"/>
+              <a:t>Réaliser une étude analytique à partir de ces données</a:t>
+            </a:r>
+            <a:br>
+              <a:rPr lang="fr" dirty="0"/>
+            </a:br>
+            <a:endParaRPr dirty="0">
+              <a:latin typeface="Arial"/>
+              <a:ea typeface="Arial"/>
+              <a:cs typeface="Arial"/>
+              <a:sym typeface="Arial"/>
+            </a:endParaRPr>
+          </a:p>
+          <a:p>
+            <a:pPr marL="0" lvl="0" indent="0" algn="l" rtl="0">
+              <a:spcBef>
+                <a:spcPts val="1200"/>
+              </a:spcBef>
+              <a:spcAft>
+                <a:spcPts val="1200"/>
+              </a:spcAft>
+              <a:buNone/>
+            </a:pPr>
+            <a:endParaRPr dirty="0"/>
+          </a:p>
+        </p:txBody>
+      </p:sp>
+      <p:pic>
+        <p:nvPicPr>
+          <p:cNvPr id="131" name="Google Shape;131;p18"/>
+          <p:cNvPicPr preferRelativeResize="0"/>
+          <p:nvPr/>
+        </p:nvPicPr>
+        <p:blipFill>
+          <a:blip r:embed="rId3">
+            <a:alphaModFix/>
+          </a:blip>
+          <a:stretch>
+            <a:fillRect/>
+          </a:stretch>
+        </p:blipFill>
+        <p:spPr>
+          <a:xfrm>
+            <a:off x="7707575" y="189475"/>
+            <a:ext cx="1345850" cy="758025"/>
+          </a:xfrm>
+          <a:prstGeom prst="rect">
+            <a:avLst/>
+          </a:prstGeom>
+          <a:noFill/>
+          <a:ln>
+            <a:noFill/>
+          </a:ln>
+        </p:spPr>
+      </p:pic>
+      <p:sp>
+        <p:nvSpPr>
+          <p:cNvPr id="132" name="Google Shape;132;p18"/>
+          <p:cNvSpPr txBox="1">
+            <a:spLocks noGrp="1"/>
+          </p:cNvSpPr>
+          <p:nvPr>
+            <p:ph type="sldNum" idx="12"/>
+          </p:nvPr>
+        </p:nvSpPr>
+        <p:spPr>
+          <a:xfrm>
+            <a:off x="8472458" y="4663217"/>
+            <a:ext cx="548700" cy="393600"/>
+          </a:xfrm>
+          <a:prstGeom prst="rect">
+            <a:avLst/>
+          </a:prstGeom>
+        </p:spPr>
+        <p:txBody>
+          <a:bodyPr spcFirstLastPara="1" wrap="square" lIns="91425" tIns="91425" rIns="91425" bIns="91425" anchor="ctr" anchorCtr="0">
+            <a:normAutofit/>
+          </a:bodyPr>
+          <a:lstStyle/>
+          <a:p>
+            <a:pPr marL="0" lvl="0" indent="0" algn="r" rtl="0">
+              <a:spcBef>
+                <a:spcPts val="0"/>
+              </a:spcBef>
+              <a:spcAft>
+                <a:spcPts val="0"/>
+              </a:spcAft>
+              <a:buNone/>
+            </a:pPr>
+            <a:fld id="{00000000-1234-1234-1234-123412341234}" type="slidenum">
+              <a:rPr lang="fr"/>
+              <a:t>2</a:t>
+            </a:fld>
+            <a:endParaRPr/>
+          </a:p>
+        </p:txBody>
+      </p:sp>
+    </p:spTree>
+  </p:cSld>
+  <p:clrMapOvr>
+    <a:masterClrMapping/>
+  </p:clrMapOvr>
+</p:sld>
+</file>
+
+<file path=ppt/slides/slide3.xml><?xml version="1.0" encoding="utf-8"?>
+<p:sld xmlns:a="http://schemas.openxmlformats.org/drawingml/2006/main" xmlns:r="http://schemas.openxmlformats.org/officeDocument/2006/relationships" xmlns:p="http://schemas.openxmlformats.org/presentationml/2006/main">
+  <p:cSld>
+    <p:spTree>
+      <p:nvGrpSpPr>
+        <p:cNvPr id="1" name="Shape 136"/>
+        <p:cNvGrpSpPr/>
+        <p:nvPr/>
+      </p:nvGrpSpPr>
+      <p:grpSpPr>
+        <a:xfrm>
+          <a:off x="0" y="0"/>
+          <a:ext cx="0" cy="0"/>
+          <a:chOff x="0" y="0"/>
+          <a:chExt cx="0" cy="0"/>
+        </a:xfrm>
+      </p:grpSpPr>
+      <p:sp>
+        <p:nvSpPr>
+          <p:cNvPr id="137" name="Google Shape;137;p19"/>
+          <p:cNvSpPr txBox="1">
+            <a:spLocks noGrp="1"/>
+          </p:cNvSpPr>
+          <p:nvPr>
+            <p:ph type="title"/>
+          </p:nvPr>
+        </p:nvSpPr>
+        <p:spPr>
+          <a:xfrm>
+            <a:off x="276325" y="256775"/>
+            <a:ext cx="8520600" cy="623400"/>
+          </a:xfrm>
+          <a:prstGeom prst="rect">
+            <a:avLst/>
+          </a:prstGeom>
+        </p:spPr>
+        <p:txBody>
+          <a:bodyPr spcFirstLastPara="1" wrap="square" lIns="91425" tIns="91425" rIns="91425" bIns="91425" anchor="t" anchorCtr="0">
+            <a:noAutofit/>
+          </a:bodyPr>
+          <a:lstStyle/>
+          <a:p>
+            <a:pPr marL="0" lvl="0" indent="0" algn="l" rtl="0">
+              <a:spcBef>
+                <a:spcPts val="0"/>
+              </a:spcBef>
+              <a:spcAft>
+                <a:spcPts val="0"/>
+              </a:spcAft>
+              <a:buSzPts val="990"/>
+              <a:buNone/>
+            </a:pPr>
+            <a:r>
+              <a:rPr lang="fr" sz="3500"/>
+              <a:t>Sommaire</a:t>
+            </a:r>
+            <a:endParaRPr sz="3500"/>
+          </a:p>
+        </p:txBody>
+      </p:sp>
+      <p:sp>
+        <p:nvSpPr>
+          <p:cNvPr id="138" name="Google Shape;138;p19"/>
+          <p:cNvSpPr txBox="1">
+            <a:spLocks noGrp="1"/>
+          </p:cNvSpPr>
+          <p:nvPr>
+            <p:ph type="body" idx="1"/>
+          </p:nvPr>
+        </p:nvSpPr>
+        <p:spPr>
+          <a:xfrm>
+            <a:off x="311700" y="1152475"/>
+            <a:ext cx="8520600" cy="3416400"/>
+          </a:xfrm>
+          <a:prstGeom prst="rect">
+            <a:avLst/>
+          </a:prstGeom>
+        </p:spPr>
+        <p:txBody>
+          <a:bodyPr spcFirstLastPara="1" wrap="square" lIns="91425" tIns="91425" rIns="91425" bIns="91425" anchor="t" anchorCtr="0">
+            <a:normAutofit/>
+          </a:bodyPr>
+          <a:lstStyle/>
+          <a:p>
+            <a:pPr marL="0" lvl="0" indent="0" algn="l" rtl="0">
+              <a:spcBef>
+                <a:spcPts val="0"/>
+              </a:spcBef>
+              <a:spcAft>
+                <a:spcPts val="0"/>
+              </a:spcAft>
+              <a:buNone/>
+            </a:pPr>
+            <a:r>
+              <a:rPr lang="fr" sz="2300" b="1" dirty="0">
+                <a:solidFill>
+                  <a:schemeClr val="dk2"/>
+                </a:solidFill>
+              </a:rPr>
+              <a:t>Partie Base De Données</a:t>
+            </a:r>
+            <a:endParaRPr sz="2300" b="1" dirty="0">
+              <a:solidFill>
+                <a:schemeClr val="dk2"/>
+              </a:solidFill>
+            </a:endParaRPr>
+          </a:p>
+          <a:p>
+            <a:pPr marL="457200" lvl="0" indent="-342900" algn="l" rtl="0">
+              <a:lnSpc>
+                <a:spcPct val="100000"/>
+              </a:lnSpc>
+              <a:spcBef>
+                <a:spcPts val="1200"/>
+              </a:spcBef>
+              <a:spcAft>
+                <a:spcPts val="0"/>
+              </a:spcAft>
+              <a:buClr>
+                <a:schemeClr val="dk2"/>
+              </a:buClr>
+              <a:buSzPts val="1800"/>
+              <a:buChar char="●"/>
+            </a:pPr>
+            <a:r>
+              <a:rPr lang="fr" dirty="0">
+                <a:solidFill>
+                  <a:schemeClr val="dk2"/>
+                </a:solidFill>
+              </a:rPr>
+              <a:t>MCD</a:t>
+            </a:r>
+          </a:p>
+          <a:p>
+            <a:pPr marL="457200" lvl="0" indent="-342900" algn="l" rtl="0">
+              <a:lnSpc>
+                <a:spcPct val="100000"/>
+              </a:lnSpc>
+              <a:spcBef>
+                <a:spcPts val="1200"/>
+              </a:spcBef>
+              <a:spcAft>
+                <a:spcPts val="0"/>
+              </a:spcAft>
+              <a:buClr>
+                <a:schemeClr val="dk2"/>
+              </a:buClr>
+              <a:buSzPts val="1800"/>
+              <a:buChar char="●"/>
+            </a:pPr>
+            <a:r>
+              <a:rPr lang="fr" dirty="0">
+                <a:solidFill>
+                  <a:schemeClr val="dk2"/>
+                </a:solidFill>
+              </a:rPr>
+              <a:t>Script insertion données</a:t>
+            </a:r>
+          </a:p>
+          <a:p>
+            <a:pPr marL="457200" lvl="0" indent="-342900" algn="l" rtl="0">
+              <a:lnSpc>
+                <a:spcPct val="100000"/>
+              </a:lnSpc>
+              <a:spcBef>
+                <a:spcPts val="1200"/>
+              </a:spcBef>
+              <a:spcAft>
+                <a:spcPts val="0"/>
+              </a:spcAft>
+              <a:buClr>
+                <a:schemeClr val="dk2"/>
+              </a:buClr>
+              <a:buSzPts val="1800"/>
+              <a:buChar char="●"/>
+            </a:pPr>
+            <a:r>
+              <a:rPr lang="fr" dirty="0">
+                <a:solidFill>
+                  <a:schemeClr val="dk2"/>
+                </a:solidFill>
+              </a:rPr>
+              <a:t>Vues</a:t>
+            </a:r>
+            <a:endParaRPr dirty="0">
+              <a:solidFill>
+                <a:schemeClr val="dk2"/>
+              </a:solidFill>
+            </a:endParaRPr>
+          </a:p>
+          <a:p>
+            <a:pPr marL="0" lvl="0" indent="0" algn="l" rtl="0">
+              <a:spcBef>
+                <a:spcPts val="1200"/>
+              </a:spcBef>
+              <a:spcAft>
+                <a:spcPts val="0"/>
+              </a:spcAft>
+              <a:buNone/>
+            </a:pPr>
+            <a:r>
+              <a:rPr lang="fr" sz="2300" b="1" dirty="0">
+                <a:solidFill>
+                  <a:schemeClr val="dk2"/>
+                </a:solidFill>
+              </a:rPr>
+              <a:t>Partie Statistiques</a:t>
+            </a:r>
+            <a:endParaRPr sz="2300" b="1" dirty="0">
+              <a:solidFill>
+                <a:schemeClr val="dk2"/>
+              </a:solidFill>
+            </a:endParaRPr>
+          </a:p>
+          <a:p>
+            <a:pPr marL="457200" lvl="0" indent="-342900" algn="l" rtl="0">
+              <a:spcBef>
+                <a:spcPts val="1200"/>
+              </a:spcBef>
+              <a:spcAft>
+                <a:spcPts val="0"/>
+              </a:spcAft>
+              <a:buClr>
+                <a:schemeClr val="dk2"/>
+              </a:buClr>
+              <a:buSzPts val="1800"/>
+              <a:buChar char="●"/>
+            </a:pPr>
+            <a:r>
+              <a:rPr lang="fr" dirty="0">
+                <a:solidFill>
+                  <a:schemeClr val="dk2"/>
+                </a:solidFill>
+              </a:rPr>
+              <a:t>Choix des populations</a:t>
+            </a:r>
+            <a:endParaRPr dirty="0">
+              <a:solidFill>
+                <a:schemeClr val="dk2"/>
+              </a:solidFill>
+            </a:endParaRPr>
+          </a:p>
+          <a:p>
+            <a:pPr marL="457200" lvl="0" indent="-342900" algn="l" rtl="0">
+              <a:spcBef>
+                <a:spcPts val="0"/>
+              </a:spcBef>
+              <a:spcAft>
+                <a:spcPts val="0"/>
+              </a:spcAft>
+              <a:buClr>
+                <a:schemeClr val="dk2"/>
+              </a:buClr>
+              <a:buSzPts val="1800"/>
+              <a:buChar char="●"/>
+            </a:pPr>
+            <a:r>
+              <a:rPr lang="fr" dirty="0">
+                <a:solidFill>
+                  <a:schemeClr val="dk2"/>
+                </a:solidFill>
+              </a:rPr>
+              <a:t>Visualisation</a:t>
+            </a:r>
+            <a:endParaRPr sz="2300" b="1" dirty="0">
+              <a:solidFill>
+                <a:schemeClr val="dk2"/>
+              </a:solidFill>
+            </a:endParaRPr>
+          </a:p>
+          <a:p>
+            <a:pPr marL="0" lvl="0" indent="0" algn="l" rtl="0">
+              <a:spcBef>
+                <a:spcPts val="1200"/>
+              </a:spcBef>
+              <a:spcAft>
+                <a:spcPts val="0"/>
+              </a:spcAft>
+              <a:buClr>
+                <a:schemeClr val="dk2"/>
+              </a:buClr>
+              <a:buSzPts val="1100"/>
+              <a:buFont typeface="Arial"/>
+              <a:buNone/>
+            </a:pPr>
+            <a:endParaRPr b="1" dirty="0">
+              <a:solidFill>
+                <a:schemeClr val="dk2"/>
+              </a:solidFill>
+            </a:endParaRPr>
+          </a:p>
+          <a:p>
+            <a:pPr marL="0" lvl="0" indent="0" algn="l" rtl="0">
+              <a:spcBef>
+                <a:spcPts val="1200"/>
+              </a:spcBef>
+              <a:spcAft>
+                <a:spcPts val="1200"/>
+              </a:spcAft>
+              <a:buNone/>
+            </a:pPr>
+            <a:endParaRPr dirty="0">
+              <a:solidFill>
+                <a:schemeClr val="dk2"/>
+              </a:solidFill>
+            </a:endParaRPr>
+          </a:p>
+        </p:txBody>
+      </p:sp>
+      <p:pic>
+        <p:nvPicPr>
+          <p:cNvPr id="139" name="Google Shape;139;p19"/>
+          <p:cNvPicPr preferRelativeResize="0"/>
+          <p:nvPr/>
+        </p:nvPicPr>
+        <p:blipFill>
+          <a:blip r:embed="rId3">
+            <a:alphaModFix/>
+          </a:blip>
+          <a:stretch>
+            <a:fillRect/>
+          </a:stretch>
+        </p:blipFill>
+        <p:spPr>
+          <a:xfrm>
+            <a:off x="7707575" y="189475"/>
+            <a:ext cx="1345850" cy="758025"/>
+          </a:xfrm>
+          <a:prstGeom prst="rect">
+            <a:avLst/>
+          </a:prstGeom>
+          <a:noFill/>
+          <a:ln>
+            <a:noFill/>
+          </a:ln>
+        </p:spPr>
+      </p:pic>
+      <p:sp>
+        <p:nvSpPr>
+          <p:cNvPr id="140" name="Google Shape;140;p19"/>
+          <p:cNvSpPr txBox="1">
+            <a:spLocks noGrp="1"/>
+          </p:cNvSpPr>
+          <p:nvPr>
+            <p:ph type="sldNum" idx="12"/>
+          </p:nvPr>
+        </p:nvSpPr>
+        <p:spPr>
+          <a:xfrm>
+            <a:off x="8497999" y="4688759"/>
+            <a:ext cx="548700" cy="393600"/>
+          </a:xfrm>
+          <a:prstGeom prst="rect">
+            <a:avLst/>
+          </a:prstGeom>
+        </p:spPr>
+        <p:txBody>
+          <a:bodyPr spcFirstLastPara="1" wrap="square" lIns="91425" tIns="91425" rIns="91425" bIns="91425" anchor="ctr" anchorCtr="0">
+            <a:normAutofit/>
+          </a:bodyPr>
+          <a:lstStyle/>
+          <a:p>
+            <a:pPr marL="0" lvl="0" indent="0" algn="r" rtl="0">
+              <a:spcBef>
+                <a:spcPts val="0"/>
+              </a:spcBef>
+              <a:spcAft>
+                <a:spcPts val="0"/>
+              </a:spcAft>
+              <a:buNone/>
+            </a:pPr>
+            <a:fld id="{00000000-1234-1234-1234-123412341234}" type="slidenum">
+              <a:rPr lang="fr"/>
+              <a:t>3</a:t>
+            </a:fld>
+            <a:endParaRPr/>
+          </a:p>
+        </p:txBody>
+      </p:sp>
+    </p:spTree>
+  </p:cSld>
+  <p:clrMapOvr>
+    <a:masterClrMapping/>
+  </p:clrMapOvr>
+</p:sld>
+</file>
+
+<file path=ppt/slides/slide4.xml><?xml version="1.0" encoding="utf-8"?>
+<p:sld xmlns:a="http://schemas.openxmlformats.org/drawingml/2006/main" xmlns:r="http://schemas.openxmlformats.org/officeDocument/2006/relationships" xmlns:p="http://schemas.openxmlformats.org/presentationml/2006/main">
+  <p:cSld>
+    <p:spTree>
+      <p:nvGrpSpPr>
+        <p:cNvPr id="1" name="Shape 144"/>
+        <p:cNvGrpSpPr/>
+        <p:nvPr/>
+      </p:nvGrpSpPr>
+      <p:grpSpPr>
+        <a:xfrm>
+          <a:off x="0" y="0"/>
+          <a:ext cx="0" cy="0"/>
+          <a:chOff x="0" y="0"/>
+          <a:chExt cx="0" cy="0"/>
+        </a:xfrm>
+      </p:grpSpPr>
+      <p:sp>
+        <p:nvSpPr>
+          <p:cNvPr id="145" name="Google Shape;145;p20"/>
+          <p:cNvSpPr txBox="1">
+            <a:spLocks noGrp="1"/>
+          </p:cNvSpPr>
+          <p:nvPr>
+            <p:ph type="title"/>
+          </p:nvPr>
+        </p:nvSpPr>
+        <p:spPr>
+          <a:xfrm>
+            <a:off x="490250" y="526350"/>
+            <a:ext cx="5604000" cy="4090800"/>
+          </a:xfrm>
+          <a:prstGeom prst="rect">
+            <a:avLst/>
+          </a:prstGeom>
+        </p:spPr>
+        <p:txBody>
+          <a:bodyPr spcFirstLastPara="1" wrap="square" lIns="91425" tIns="91425" rIns="91425" bIns="91425" anchor="ctr" anchorCtr="0">
+            <a:normAutofit/>
+          </a:bodyPr>
+          <a:lstStyle/>
+          <a:p>
+            <a:pPr marL="0" lvl="0" indent="0" algn="l" rtl="0">
+              <a:spcBef>
+                <a:spcPts val="0"/>
+              </a:spcBef>
+              <a:spcAft>
+                <a:spcPts val="0"/>
+              </a:spcAft>
+              <a:buNone/>
+            </a:pPr>
+            <a:r>
+              <a:rPr lang="fr"/>
+              <a:t>Présentation de la base de donnée</a:t>
+            </a:r>
+            <a:endParaRPr/>
+          </a:p>
+        </p:txBody>
+      </p:sp>
+      <p:sp>
+        <p:nvSpPr>
+          <p:cNvPr id="146" name="Google Shape;146;p20"/>
+          <p:cNvSpPr txBox="1">
+            <a:spLocks noGrp="1"/>
+          </p:cNvSpPr>
+          <p:nvPr>
+            <p:ph type="sldNum" idx="12"/>
+          </p:nvPr>
+        </p:nvSpPr>
+        <p:spPr>
+          <a:xfrm>
+            <a:off x="8497999" y="4688759"/>
+            <a:ext cx="548700" cy="393600"/>
+          </a:xfrm>
+          <a:prstGeom prst="rect">
+            <a:avLst/>
+          </a:prstGeom>
+        </p:spPr>
+        <p:txBody>
+          <a:bodyPr spcFirstLastPara="1" wrap="square" lIns="91425" tIns="91425" rIns="91425" bIns="91425" anchor="ctr" anchorCtr="0">
+            <a:normAutofit/>
+          </a:bodyPr>
+          <a:lstStyle/>
+          <a:p>
+            <a:pPr marL="0" lvl="0" indent="0" algn="r" rtl="0">
+              <a:spcBef>
+                <a:spcPts val="0"/>
+              </a:spcBef>
+              <a:spcAft>
+                <a:spcPts val="0"/>
+              </a:spcAft>
+              <a:buNone/>
+            </a:pPr>
+            <a:fld id="{00000000-1234-1234-1234-123412341234}" type="slidenum">
+              <a:rPr lang="fr">
+                <a:solidFill>
+                  <a:schemeClr val="lt1"/>
+                </a:solidFill>
+              </a:rPr>
+              <a:t>4</a:t>
+            </a:fld>
+            <a:endParaRPr>
+              <a:solidFill>
+                <a:schemeClr val="lt1"/>
+              </a:solidFill>
+            </a:endParaRPr>
+          </a:p>
+        </p:txBody>
+      </p:sp>
+    </p:spTree>
+  </p:cSld>
+  <p:clrMapOvr>
+    <a:masterClrMapping/>
+  </p:clrMapOvr>
+</p:sld>
+</file>
+
+<file path=ppt/slides/slide5.xml><?xml version="1.0" encoding="utf-8"?>
+<p:sld xmlns:a="http://schemas.openxmlformats.org/drawingml/2006/main" xmlns:r="http://schemas.openxmlformats.org/officeDocument/2006/relationships" xmlns:p="http://schemas.openxmlformats.org/presentationml/2006/main">
+  <p:cSld>
+    <p:spTree>
+      <p:nvGrpSpPr>
+        <p:cNvPr id="1" name="Shape 150"/>
+        <p:cNvGrpSpPr/>
+        <p:nvPr/>
+      </p:nvGrpSpPr>
+      <p:grpSpPr>
+        <a:xfrm>
+          <a:off x="0" y="0"/>
+          <a:ext cx="0" cy="0"/>
+          <a:chOff x="0" y="0"/>
+          <a:chExt cx="0" cy="0"/>
+        </a:xfrm>
+      </p:grpSpPr>
+      <p:sp>
+        <p:nvSpPr>
+          <p:cNvPr id="151" name="Google Shape;151;p21"/>
+          <p:cNvSpPr txBox="1">
+            <a:spLocks noGrp="1"/>
+          </p:cNvSpPr>
+          <p:nvPr>
+            <p:ph type="title"/>
+          </p:nvPr>
+        </p:nvSpPr>
+        <p:spPr>
+          <a:xfrm>
+            <a:off x="311700" y="445025"/>
+            <a:ext cx="8520600" cy="623400"/>
+          </a:xfrm>
+          <a:prstGeom prst="rect">
+            <a:avLst/>
+          </a:prstGeom>
+        </p:spPr>
+        <p:txBody>
+          <a:bodyPr spcFirstLastPara="1" wrap="square" lIns="91425" tIns="91425" rIns="91425" bIns="91425" anchor="t" anchorCtr="0">
+            <a:noAutofit/>
+          </a:bodyPr>
+          <a:lstStyle/>
+          <a:p>
+            <a:pPr marL="0" lvl="0" indent="0" algn="l" rtl="0">
+              <a:spcBef>
+                <a:spcPts val="0"/>
+              </a:spcBef>
+              <a:spcAft>
+                <a:spcPts val="0"/>
+              </a:spcAft>
+              <a:buSzPts val="990"/>
+              <a:buNone/>
+            </a:pPr>
+            <a:r>
+              <a:rPr lang="fr"/>
+              <a:t>Modèle Conceptuel des Données</a:t>
+            </a:r>
+            <a:endParaRPr/>
+          </a:p>
+        </p:txBody>
+      </p:sp>
+      <p:pic>
+        <p:nvPicPr>
+          <p:cNvPr id="152" name="Google Shape;152;p21"/>
+          <p:cNvPicPr preferRelativeResize="0"/>
+          <p:nvPr/>
+        </p:nvPicPr>
+        <p:blipFill>
+          <a:blip r:embed="rId3">
+            <a:alphaModFix/>
+          </a:blip>
+          <a:stretch>
+            <a:fillRect/>
+          </a:stretch>
+        </p:blipFill>
+        <p:spPr>
+          <a:xfrm>
+            <a:off x="7707575" y="189475"/>
+            <a:ext cx="1345850" cy="758025"/>
+          </a:xfrm>
+          <a:prstGeom prst="rect">
+            <a:avLst/>
+          </a:prstGeom>
+          <a:noFill/>
+          <a:ln>
+            <a:noFill/>
+          </a:ln>
+        </p:spPr>
+      </p:pic>
+      <p:sp>
+        <p:nvSpPr>
+          <p:cNvPr id="153" name="Google Shape;153;p21"/>
+          <p:cNvSpPr txBox="1">
+            <a:spLocks noGrp="1"/>
+          </p:cNvSpPr>
+          <p:nvPr>
+            <p:ph type="sldNum" idx="12"/>
+          </p:nvPr>
+        </p:nvSpPr>
+        <p:spPr>
+          <a:xfrm>
+            <a:off x="8497999" y="4688759"/>
+            <a:ext cx="548700" cy="393600"/>
+          </a:xfrm>
+          <a:prstGeom prst="rect">
+            <a:avLst/>
+          </a:prstGeom>
+        </p:spPr>
+        <p:txBody>
+          <a:bodyPr spcFirstLastPara="1" wrap="square" lIns="91425" tIns="91425" rIns="91425" bIns="91425" anchor="ctr" anchorCtr="0">
+            <a:normAutofit/>
+          </a:bodyPr>
+          <a:lstStyle/>
+          <a:p>
+            <a:pPr marL="0" lvl="0" indent="0" algn="r" rtl="0">
+              <a:spcBef>
+                <a:spcPts val="0"/>
+              </a:spcBef>
+              <a:spcAft>
+                <a:spcPts val="0"/>
+              </a:spcAft>
+              <a:buNone/>
+            </a:pPr>
+            <a:fld id="{00000000-1234-1234-1234-123412341234}" type="slidenum">
+              <a:rPr lang="fr"/>
+              <a:t>5</a:t>
+            </a:fld>
+            <a:endParaRPr/>
+          </a:p>
+        </p:txBody>
+      </p:sp>
+      <p:pic>
+        <p:nvPicPr>
+          <p:cNvPr id="154" name="Google Shape;154;p21"/>
+          <p:cNvPicPr preferRelativeResize="0"/>
+          <p:nvPr/>
+        </p:nvPicPr>
+        <p:blipFill>
+          <a:blip r:embed="rId4">
+            <a:alphaModFix/>
+          </a:blip>
+          <a:stretch>
+            <a:fillRect/>
+          </a:stretch>
+        </p:blipFill>
+        <p:spPr>
+          <a:xfrm>
+            <a:off x="214224" y="1323975"/>
+            <a:ext cx="8839201" cy="3163267"/>
+          </a:xfrm>
+          <a:prstGeom prst="rect">
+            <a:avLst/>
+          </a:prstGeom>
+          <a:noFill/>
+          <a:ln>
+            <a:noFill/>
+          </a:ln>
+        </p:spPr>
+      </p:pic>
+    </p:spTree>
+  </p:cSld>
+  <p:clrMapOvr>
+    <a:masterClrMapping/>
+  </p:clrMapOvr>
+</p:sld>
+</file>
+
+<file path=ppt/slides/slide6.xml><?xml version="1.0" encoding="utf-8"?>
+<p:sld xmlns:a="http://schemas.openxmlformats.org/drawingml/2006/main" xmlns:r="http://schemas.openxmlformats.org/officeDocument/2006/relationships" xmlns:p="http://schemas.openxmlformats.org/presentationml/2006/main">
+  <p:cSld>
+    <p:spTree>
+      <p:nvGrpSpPr>
+        <p:cNvPr id="1" name="Shape 150"/>
+        <p:cNvGrpSpPr/>
+        <p:nvPr/>
+      </p:nvGrpSpPr>
+      <p:grpSpPr>
+        <a:xfrm>
+          <a:off x="0" y="0"/>
+          <a:ext cx="0" cy="0"/>
+          <a:chOff x="0" y="0"/>
+          <a:chExt cx="0" cy="0"/>
+        </a:xfrm>
+      </p:grpSpPr>
+      <p:sp>
+        <p:nvSpPr>
+          <p:cNvPr id="151" name="Google Shape;151;p21"/>
+          <p:cNvSpPr txBox="1">
+            <a:spLocks noGrp="1"/>
+          </p:cNvSpPr>
+          <p:nvPr>
+            <p:ph type="title"/>
+          </p:nvPr>
+        </p:nvSpPr>
+        <p:spPr>
+          <a:xfrm>
+            <a:off x="311700" y="445025"/>
+            <a:ext cx="8520600" cy="623400"/>
+          </a:xfrm>
+          <a:prstGeom prst="rect">
+            <a:avLst/>
+          </a:prstGeom>
+        </p:spPr>
+        <p:txBody>
+          <a:bodyPr spcFirstLastPara="1" wrap="square" lIns="91425" tIns="91425" rIns="91425" bIns="91425" anchor="t" anchorCtr="0">
+            <a:noAutofit/>
+          </a:bodyPr>
+          <a:lstStyle/>
+          <a:p>
+            <a:pPr marL="0" lvl="0" indent="0" algn="l" rtl="0">
+              <a:spcBef>
+                <a:spcPts val="0"/>
+              </a:spcBef>
+              <a:spcAft>
+                <a:spcPts val="0"/>
+              </a:spcAft>
+              <a:buSzPts val="990"/>
+              <a:buNone/>
+            </a:pPr>
+            <a:r>
+              <a:rPr lang="fr" dirty="0"/>
+              <a:t>Script insertion données</a:t>
+            </a:r>
+            <a:endParaRPr dirty="0"/>
+          </a:p>
+        </p:txBody>
+      </p:sp>
+      <p:pic>
+        <p:nvPicPr>
+          <p:cNvPr id="152" name="Google Shape;152;p21"/>
+          <p:cNvPicPr preferRelativeResize="0"/>
+          <p:nvPr/>
+        </p:nvPicPr>
+        <p:blipFill>
+          <a:blip r:embed="rId3">
+            <a:alphaModFix/>
+          </a:blip>
+          <a:stretch>
+            <a:fillRect/>
+          </a:stretch>
+        </p:blipFill>
+        <p:spPr>
+          <a:xfrm>
+            <a:off x="7707575" y="189475"/>
+            <a:ext cx="1345850" cy="758025"/>
+          </a:xfrm>
+          <a:prstGeom prst="rect">
+            <a:avLst/>
+          </a:prstGeom>
+          <a:noFill/>
+          <a:ln>
+            <a:noFill/>
+          </a:ln>
+        </p:spPr>
+      </p:pic>
+      <p:sp>
+        <p:nvSpPr>
+          <p:cNvPr id="153" name="Google Shape;153;p21"/>
+          <p:cNvSpPr txBox="1">
+            <a:spLocks noGrp="1"/>
+          </p:cNvSpPr>
+          <p:nvPr>
+            <p:ph type="sldNum" idx="12"/>
+          </p:nvPr>
+        </p:nvSpPr>
+        <p:spPr>
+          <a:xfrm>
+            <a:off x="8497999" y="4688759"/>
+            <a:ext cx="548700" cy="393600"/>
+          </a:xfrm>
+          <a:prstGeom prst="rect">
+            <a:avLst/>
+          </a:prstGeom>
+        </p:spPr>
+        <p:txBody>
+          <a:bodyPr spcFirstLastPara="1" wrap="square" lIns="91425" tIns="91425" rIns="91425" bIns="91425" anchor="ctr" anchorCtr="0">
+            <a:normAutofit/>
+          </a:bodyPr>
+          <a:lstStyle/>
+          <a:p>
+            <a:pPr marL="0" lvl="0" indent="0" algn="r" rtl="0">
+              <a:spcBef>
+                <a:spcPts val="0"/>
+              </a:spcBef>
+              <a:spcAft>
+                <a:spcPts val="0"/>
+              </a:spcAft>
+              <a:buNone/>
+            </a:pPr>
+            <a:fld id="{00000000-1234-1234-1234-123412341234}" type="slidenum">
+              <a:rPr lang="fr"/>
+              <a:t>6</a:t>
+            </a:fld>
+            <a:endParaRPr/>
+          </a:p>
+        </p:txBody>
+      </p:sp>
+    </p:spTree>
+    <p:extLst>
+      <p:ext uri="{BB962C8B-B14F-4D97-AF65-F5344CB8AC3E}">
+        <p14:creationId xmlns:p14="http://schemas.microsoft.com/office/powerpoint/2010/main" val="3925782192"/>
+      </p:ext>
+    </p:extLst>
+  </p:cSld>
+  <p:clrMapOvr>
+    <a:masterClrMapping/>
+  </p:clrMapOvr>
+</p:sld>
+</file>
+
+<file path=ppt/slides/slide7.xml><?xml version="1.0" encoding="utf-8"?>
+<p:sld xmlns:a="http://schemas.openxmlformats.org/drawingml/2006/main" xmlns:r="http://schemas.openxmlformats.org/officeDocument/2006/relationships" xmlns:p="http://schemas.openxmlformats.org/presentationml/2006/main">
+  <p:cSld>
+    <p:spTree>
+      <p:nvGrpSpPr>
+        <p:cNvPr id="1" name="Shape 150"/>
+        <p:cNvGrpSpPr/>
+        <p:nvPr/>
+      </p:nvGrpSpPr>
+      <p:grpSpPr>
+        <a:xfrm>
+          <a:off x="0" y="0"/>
+          <a:ext cx="0" cy="0"/>
+          <a:chOff x="0" y="0"/>
+          <a:chExt cx="0" cy="0"/>
+        </a:xfrm>
+      </p:grpSpPr>
+      <p:sp>
+        <p:nvSpPr>
+          <p:cNvPr id="151" name="Google Shape;151;p21"/>
+          <p:cNvSpPr txBox="1">
+            <a:spLocks noGrp="1"/>
+          </p:cNvSpPr>
+          <p:nvPr>
+            <p:ph type="title"/>
+          </p:nvPr>
+        </p:nvSpPr>
+        <p:spPr>
+          <a:xfrm>
+            <a:off x="311700" y="445025"/>
+            <a:ext cx="8520600" cy="623400"/>
+          </a:xfrm>
+          <a:prstGeom prst="rect">
+            <a:avLst/>
+          </a:prstGeom>
+        </p:spPr>
+        <p:txBody>
+          <a:bodyPr spcFirstLastPara="1" wrap="square" lIns="91425" tIns="91425" rIns="91425" bIns="91425" anchor="t" anchorCtr="0">
+            <a:noAutofit/>
+          </a:bodyPr>
+          <a:lstStyle/>
+          <a:p>
+            <a:pPr marL="0" lvl="0" indent="0" algn="l" rtl="0">
+              <a:spcBef>
+                <a:spcPts val="0"/>
+              </a:spcBef>
+              <a:spcAft>
+                <a:spcPts val="0"/>
+              </a:spcAft>
+              <a:buSzPts val="990"/>
+              <a:buNone/>
+            </a:pPr>
+            <a:r>
+              <a:rPr lang="fr" dirty="0"/>
+              <a:t>Vues</a:t>
+            </a:r>
+            <a:endParaRPr dirty="0"/>
+          </a:p>
+        </p:txBody>
+      </p:sp>
+      <p:pic>
+        <p:nvPicPr>
+          <p:cNvPr id="152" name="Google Shape;152;p21"/>
+          <p:cNvPicPr preferRelativeResize="0"/>
+          <p:nvPr/>
+        </p:nvPicPr>
+        <p:blipFill>
+          <a:blip r:embed="rId3">
+            <a:alphaModFix/>
+          </a:blip>
+          <a:stretch>
+            <a:fillRect/>
+          </a:stretch>
+        </p:blipFill>
+        <p:spPr>
+          <a:xfrm>
+            <a:off x="7707575" y="189475"/>
+            <a:ext cx="1345850" cy="758025"/>
+          </a:xfrm>
+          <a:prstGeom prst="rect">
+            <a:avLst/>
+          </a:prstGeom>
+          <a:noFill/>
+          <a:ln>
+            <a:noFill/>
+          </a:ln>
+        </p:spPr>
+      </p:pic>
+      <p:sp>
+        <p:nvSpPr>
+          <p:cNvPr id="153" name="Google Shape;153;p21"/>
+          <p:cNvSpPr txBox="1">
+            <a:spLocks noGrp="1"/>
+          </p:cNvSpPr>
+          <p:nvPr>
+            <p:ph type="sldNum" idx="12"/>
+          </p:nvPr>
+        </p:nvSpPr>
+        <p:spPr>
+          <a:xfrm>
+            <a:off x="8497999" y="4688759"/>
+            <a:ext cx="548700" cy="393600"/>
+          </a:xfrm>
+          <a:prstGeom prst="rect">
+            <a:avLst/>
+          </a:prstGeom>
+        </p:spPr>
+        <p:txBody>
+          <a:bodyPr spcFirstLastPara="1" wrap="square" lIns="91425" tIns="91425" rIns="91425" bIns="91425" anchor="ctr" anchorCtr="0">
+            <a:normAutofit/>
+          </a:bodyPr>
+          <a:lstStyle/>
+          <a:p>
+            <a:pPr marL="0" lvl="0" indent="0" algn="r" rtl="0">
+              <a:spcBef>
+                <a:spcPts val="0"/>
+              </a:spcBef>
+              <a:spcAft>
+                <a:spcPts val="0"/>
+              </a:spcAft>
+              <a:buNone/>
+            </a:pPr>
+            <a:fld id="{00000000-1234-1234-1234-123412341234}" type="slidenum">
+              <a:rPr lang="fr"/>
+              <a:t>7</a:t>
+            </a:fld>
+            <a:endParaRPr/>
+          </a:p>
+        </p:txBody>
+      </p:sp>
+    </p:spTree>
+    <p:extLst>
+      <p:ext uri="{BB962C8B-B14F-4D97-AF65-F5344CB8AC3E}">
+        <p14:creationId xmlns:p14="http://schemas.microsoft.com/office/powerpoint/2010/main" val="1432894117"/>
+      </p:ext>
+    </p:extLst>
+  </p:cSld>
+  <p:clrMapOvr>
+    <a:masterClrMapping/>
+  </p:clrMapOvr>
+</p:sld>
+</file>
+
+<file path=ppt/slides/slide8.xml><?xml version="1.0" encoding="utf-8"?>
+<p:sld xmlns:a="http://schemas.openxmlformats.org/drawingml/2006/main" xmlns:r="http://schemas.openxmlformats.org/officeDocument/2006/relationships" xmlns:p="http://schemas.openxmlformats.org/presentationml/2006/main">
+  <p:cSld>
+    <p:spTree>
+      <p:nvGrpSpPr>
+        <p:cNvPr id="1" name="Shape 158"/>
+        <p:cNvGrpSpPr/>
+        <p:nvPr/>
+      </p:nvGrpSpPr>
+      <p:grpSpPr>
+        <a:xfrm>
+          <a:off x="0" y="0"/>
+          <a:ext cx="0" cy="0"/>
+          <a:chOff x="0" y="0"/>
+          <a:chExt cx="0" cy="0"/>
+        </a:xfrm>
+      </p:grpSpPr>
+      <p:sp>
+        <p:nvSpPr>
+          <p:cNvPr id="159" name="Google Shape;159;p22"/>
+          <p:cNvSpPr txBox="1">
+            <a:spLocks noGrp="1"/>
+          </p:cNvSpPr>
+          <p:nvPr>
+            <p:ph type="title"/>
+          </p:nvPr>
+        </p:nvSpPr>
+        <p:spPr>
+          <a:xfrm>
+            <a:off x="490250" y="526350"/>
+            <a:ext cx="5604000" cy="4090800"/>
+          </a:xfrm>
+          <a:prstGeom prst="rect">
+            <a:avLst/>
+          </a:prstGeom>
+        </p:spPr>
+        <p:txBody>
+          <a:bodyPr spcFirstLastPara="1" wrap="square" lIns="91425" tIns="91425" rIns="91425" bIns="91425" anchor="ctr" anchorCtr="0">
+            <a:normAutofit/>
+          </a:bodyPr>
+          <a:lstStyle/>
+          <a:p>
+            <a:pPr marL="0" lvl="0" indent="0" algn="l" rtl="0">
+              <a:spcBef>
+                <a:spcPts val="0"/>
+              </a:spcBef>
+              <a:spcAft>
+                <a:spcPts val="0"/>
+              </a:spcAft>
+              <a:buNone/>
+            </a:pPr>
+            <a:r>
+              <a:rPr lang="fr"/>
+              <a:t>Etude analytique des données</a:t>
+            </a:r>
+            <a:endParaRPr/>
+          </a:p>
+        </p:txBody>
+      </p:sp>
+      <p:sp>
+        <p:nvSpPr>
+          <p:cNvPr id="160" name="Google Shape;160;p22"/>
+          <p:cNvSpPr txBox="1">
+            <a:spLocks noGrp="1"/>
+          </p:cNvSpPr>
+          <p:nvPr>
+            <p:ph type="sldNum" idx="12"/>
+          </p:nvPr>
+        </p:nvSpPr>
+        <p:spPr>
+          <a:xfrm>
+            <a:off x="8497999" y="4688759"/>
+            <a:ext cx="548700" cy="393600"/>
+          </a:xfrm>
+          <a:prstGeom prst="rect">
+            <a:avLst/>
+          </a:prstGeom>
+        </p:spPr>
+        <p:txBody>
+          <a:bodyPr spcFirstLastPara="1" wrap="square" lIns="91425" tIns="91425" rIns="91425" bIns="91425" anchor="ctr" anchorCtr="0">
+            <a:normAutofit/>
+          </a:bodyPr>
+          <a:lstStyle/>
+          <a:p>
+            <a:pPr marL="0" lvl="0" indent="0" algn="r" rtl="0">
+              <a:spcBef>
+                <a:spcPts val="0"/>
+              </a:spcBef>
+              <a:spcAft>
+                <a:spcPts val="0"/>
+              </a:spcAft>
+              <a:buNone/>
+            </a:pPr>
+            <a:fld id="{00000000-1234-1234-1234-123412341234}" type="slidenum">
+              <a:rPr lang="fr">
+                <a:solidFill>
+                  <a:schemeClr val="lt1"/>
+                </a:solidFill>
+              </a:rPr>
+              <a:t>8</a:t>
+            </a:fld>
+            <a:endParaRPr>
+              <a:solidFill>
+                <a:schemeClr val="lt1"/>
+              </a:solidFill>
+            </a:endParaRPr>
+          </a:p>
+        </p:txBody>
+      </p:sp>
+    </p:spTree>
+  </p:cSld>
+  <p:clrMapOvr>
+    <a:masterClrMapping/>
+  </p:clrMapOvr>
+</p:sld>
+</file>
+
+<file path=ppt/slides/slide9.xml><?xml version="1.0" encoding="utf-8"?>
+<p:sld xmlns:a="http://schemas.openxmlformats.org/drawingml/2006/main" xmlns:r="http://schemas.openxmlformats.org/officeDocument/2006/relationships" xmlns:p="http://schemas.openxmlformats.org/presentationml/2006/main">
+  <p:cSld>
+    <p:spTree>
+      <p:nvGrpSpPr>
+        <p:cNvPr id="1" name="Shape 164"/>
+        <p:cNvGrpSpPr/>
+        <p:nvPr/>
+      </p:nvGrpSpPr>
+      <p:grpSpPr>
+        <a:xfrm>
+          <a:off x="0" y="0"/>
+          <a:ext cx="0" cy="0"/>
+          <a:chOff x="0" y="0"/>
+          <a:chExt cx="0" cy="0"/>
+        </a:xfrm>
+      </p:grpSpPr>
+      <p:sp>
+        <p:nvSpPr>
+          <p:cNvPr id="165" name="Google Shape;165;p23"/>
+          <p:cNvSpPr txBox="1">
+            <a:spLocks noGrp="1"/>
+          </p:cNvSpPr>
+          <p:nvPr>
+            <p:ph type="title"/>
+          </p:nvPr>
+        </p:nvSpPr>
+        <p:spPr>
+          <a:xfrm>
+            <a:off x="265500" y="1181700"/>
+            <a:ext cx="4045200" cy="1533600"/>
+          </a:xfrm>
+          <a:prstGeom prst="rect">
+            <a:avLst/>
+          </a:prstGeom>
+        </p:spPr>
+        <p:txBody>
+          <a:bodyPr spcFirstLastPara="1" wrap="square" lIns="91425" tIns="91425" rIns="91425" bIns="91425" anchor="b" anchorCtr="0">
+            <a:normAutofit/>
+          </a:bodyPr>
+          <a:lstStyle/>
+          <a:p>
+            <a:pPr marL="0" lvl="0" indent="0" algn="l" rtl="0">
+              <a:spcBef>
+                <a:spcPts val="0"/>
+              </a:spcBef>
+              <a:spcAft>
+                <a:spcPts val="0"/>
+              </a:spcAft>
+              <a:buNone/>
+            </a:pPr>
+            <a:r>
+              <a:rPr lang="fr"/>
+              <a:t>Choix des populations</a:t>
+            </a:r>
+            <a:endParaRPr/>
+          </a:p>
+        </p:txBody>
+      </p:sp>
+      <p:sp>
+        <p:nvSpPr>
+          <p:cNvPr id="166" name="Google Shape;166;p23"/>
+          <p:cNvSpPr txBox="1">
+            <a:spLocks noGrp="1"/>
+          </p:cNvSpPr>
+          <p:nvPr>
+            <p:ph type="sldNum" idx="12"/>
+          </p:nvPr>
+        </p:nvSpPr>
+        <p:spPr>
+          <a:xfrm>
+            <a:off x="8497999" y="4688759"/>
+            <a:ext cx="548700" cy="393600"/>
+          </a:xfrm>
+          <a:prstGeom prst="rect">
+            <a:avLst/>
+          </a:prstGeom>
+        </p:spPr>
+        <p:txBody>
+          <a:bodyPr spcFirstLastPara="1" wrap="square" lIns="91425" tIns="91425" rIns="91425" bIns="91425" anchor="ctr" anchorCtr="0">
+            <a:normAutofit/>
+          </a:bodyPr>
+          <a:lstStyle/>
+          <a:p>
+            <a:pPr marL="0" lvl="0" indent="0" algn="r" rtl="0">
+              <a:spcBef>
+                <a:spcPts val="0"/>
+              </a:spcBef>
+              <a:spcAft>
+                <a:spcPts val="0"/>
+              </a:spcAft>
+              <a:buNone/>
+            </a:pPr>
+            <a:fld id="{00000000-1234-1234-1234-123412341234}" type="slidenum">
+              <a:rPr lang="fr"/>
+              <a:t>9</a:t>
+            </a:fld>
+            <a:endParaRPr/>
+          </a:p>
+        </p:txBody>
+      </p:sp>
+      <p:sp>
+        <p:nvSpPr>
+          <p:cNvPr id="167" name="Google Shape;167;p23"/>
+          <p:cNvSpPr txBox="1">
+            <a:spLocks noGrp="1"/>
+          </p:cNvSpPr>
+          <p:nvPr>
+            <p:ph type="subTitle" idx="1"/>
+          </p:nvPr>
+        </p:nvSpPr>
+        <p:spPr>
+          <a:xfrm>
+            <a:off x="265500" y="2769001"/>
+            <a:ext cx="4045200" cy="1345500"/>
+          </a:xfrm>
+          <a:prstGeom prst="rect">
+            <a:avLst/>
+          </a:prstGeom>
+        </p:spPr>
+        <p:txBody>
+          <a:bodyPr spcFirstLastPara="1" wrap="square" lIns="91425" tIns="91425" rIns="91425" bIns="91425" anchor="t" anchorCtr="0">
+            <a:normAutofit/>
+          </a:bodyPr>
+          <a:lstStyle/>
+          <a:p>
+            <a:pPr marL="0" lvl="0" indent="0" algn="l" rtl="0">
+              <a:spcBef>
+                <a:spcPts val="0"/>
+              </a:spcBef>
+              <a:spcAft>
+                <a:spcPts val="0"/>
+              </a:spcAft>
+              <a:buNone/>
+            </a:pPr>
+            <a:endParaRPr/>
+          </a:p>
+        </p:txBody>
+      </p:sp>
+      <p:sp>
+        <p:nvSpPr>
+          <p:cNvPr id="168" name="Google Shape;168;p23"/>
+          <p:cNvSpPr txBox="1">
+            <a:spLocks noGrp="1"/>
+          </p:cNvSpPr>
+          <p:nvPr>
+            <p:ph type="body" idx="2"/>
+          </p:nvPr>
+        </p:nvSpPr>
+        <p:spPr>
+          <a:xfrm>
+            <a:off x="4939500" y="724200"/>
+            <a:ext cx="3837000" cy="3695100"/>
+          </a:xfrm>
+          <a:prstGeom prst="rect">
+            <a:avLst/>
+          </a:prstGeom>
+        </p:spPr>
+        <p:txBody>
+          <a:bodyPr spcFirstLastPara="1" wrap="square" lIns="91425" tIns="91425" rIns="91425" bIns="91425" anchor="t" anchorCtr="0">
+            <a:normAutofit/>
+          </a:bodyPr>
+          <a:lstStyle/>
+          <a:p>
+            <a:pPr marL="457200" lvl="0" indent="-342900" algn="l" rtl="0">
+              <a:spcBef>
+                <a:spcPts val="0"/>
+              </a:spcBef>
+              <a:spcAft>
+                <a:spcPts val="0"/>
+              </a:spcAft>
+              <a:buSzPts val="1800"/>
+              <a:buChar char="-"/>
+            </a:pPr>
+            <a:r>
+              <a:rPr lang="fr-FR" dirty="0"/>
+              <a:t>Ligne produits</a:t>
+            </a:r>
+            <a:endParaRPr dirty="0"/>
+          </a:p>
+          <a:p>
+            <a:pPr marL="457200" lvl="0" indent="-342900" algn="l" rtl="0">
+              <a:spcBef>
+                <a:spcPts val="0"/>
+              </a:spcBef>
+              <a:spcAft>
+                <a:spcPts val="0"/>
+              </a:spcAft>
+              <a:buSzPts val="1800"/>
+              <a:buChar char="-"/>
+            </a:pPr>
+            <a:r>
+              <a:rPr lang="fr-FR" dirty="0"/>
+              <a:t>Nombres de ventes</a:t>
+            </a:r>
+            <a:endParaRPr dirty="0"/>
+          </a:p>
+          <a:p>
+            <a:pPr marL="457200" lvl="0" indent="-342900" algn="l" rtl="0">
+              <a:spcBef>
+                <a:spcPts val="0"/>
+              </a:spcBef>
+              <a:spcAft>
+                <a:spcPts val="0"/>
+              </a:spcAft>
+              <a:buSzPts val="1800"/>
+              <a:buChar char="-"/>
+            </a:pPr>
+            <a:r>
+              <a:rPr lang="fr" dirty="0"/>
+              <a:t>année</a:t>
+            </a:r>
+            <a:endParaRPr dirty="0"/>
+          </a:p>
+        </p:txBody>
+      </p:sp>
     </p:spTree>
   </p:cSld>
   <p:clrMapOvr>

--- a/Sae S2.04.pptx
+++ b/Sae S2.04.pptx
@@ -519,6 +519,30 @@
             <ac:picMk id="8" creationId="{38A09904-1B23-84E9-8028-9E64674DF485}"/>
           </ac:picMkLst>
         </pc:picChg>
+      </pc:sldChg>
+    </pc:docChg>
+  </pc:docChgLst>
+  <pc:docChgLst>
+    <pc:chgData name="Erwann Sami" userId="08f666b5-0a69-478b-9c5b-8cf158a45da4" providerId="ADAL" clId="{76F67B3E-3C20-4B88-BC66-937CF5411D11}"/>
+    <pc:docChg chg="modSld">
+      <pc:chgData name="Erwann Sami" userId="08f666b5-0a69-478b-9c5b-8cf158a45da4" providerId="ADAL" clId="{76F67B3E-3C20-4B88-BC66-937CF5411D11}" dt="2022-06-07T07:15:49.520" v="44" actId="20577"/>
+      <pc:docMkLst>
+        <pc:docMk/>
+      </pc:docMkLst>
+      <pc:sldChg chg="modSp mod">
+        <pc:chgData name="Erwann Sami" userId="08f666b5-0a69-478b-9c5b-8cf158a45da4" providerId="ADAL" clId="{76F67B3E-3C20-4B88-BC66-937CF5411D11}" dt="2022-06-07T07:15:49.520" v="44" actId="20577"/>
+        <pc:sldMkLst>
+          <pc:docMk/>
+          <pc:sldMk cId="0" sldId="262"/>
+        </pc:sldMkLst>
+        <pc:spChg chg="mod">
+          <ac:chgData name="Erwann Sami" userId="08f666b5-0a69-478b-9c5b-8cf158a45da4" providerId="ADAL" clId="{76F67B3E-3C20-4B88-BC66-937CF5411D11}" dt="2022-06-07T07:15:49.520" v="44" actId="20577"/>
+          <ac:spMkLst>
+            <pc:docMk/>
+            <pc:sldMk cId="0" sldId="262"/>
+            <ac:spMk id="168" creationId="{00000000-0000-0000-0000-000000000000}"/>
+          </ac:spMkLst>
+        </pc:spChg>
       </pc:sldChg>
     </pc:docChg>
   </pc:docChgLst>
@@ -15496,6 +15520,22 @@
               <a:rPr lang="fr-FR" dirty="0"/>
               <a:t>Nombres de ventes</a:t>
             </a:r>
+          </a:p>
+          <a:p>
+            <a:pPr marL="457200" lvl="0" indent="-342900" algn="l" rtl="0">
+              <a:spcBef>
+                <a:spcPts val="0"/>
+              </a:spcBef>
+              <a:spcAft>
+                <a:spcPts val="0"/>
+              </a:spcAft>
+              <a:buSzPts val="1800"/>
+              <a:buChar char="-"/>
+            </a:pPr>
+            <a:r>
+              <a:rPr lang="fr-FR" dirty="0"/>
+              <a:t>Nombres clients</a:t>
+            </a:r>
             <a:endParaRPr dirty="0"/>
           </a:p>
           <a:p>
@@ -15511,7 +15551,55 @@
             </a:pPr>
             <a:r>
               <a:rPr lang="fr" dirty="0"/>
-              <a:t>année</a:t>
+              <a:t>Année</a:t>
+            </a:r>
+          </a:p>
+          <a:p>
+            <a:pPr marL="457200" lvl="0" indent="-342900" algn="l" rtl="0">
+              <a:spcBef>
+                <a:spcPts val="0"/>
+              </a:spcBef>
+              <a:spcAft>
+                <a:spcPts val="0"/>
+              </a:spcAft>
+              <a:buSzPts val="1800"/>
+              <a:buChar char="-"/>
+            </a:pPr>
+            <a:r>
+              <a:rPr lang="fr" dirty="0"/>
+              <a:t>Région </a:t>
+            </a:r>
+          </a:p>
+          <a:p>
+            <a:pPr marL="457200" lvl="0" indent="-342900" algn="l" rtl="0">
+              <a:spcBef>
+                <a:spcPts val="0"/>
+              </a:spcBef>
+              <a:spcAft>
+                <a:spcPts val="0"/>
+              </a:spcAft>
+              <a:buSzPts val="1800"/>
+              <a:buChar char="-"/>
+            </a:pPr>
+            <a:r>
+              <a:rPr lang="fr" dirty="0"/>
+              <a:t>Pays</a:t>
+            </a:r>
+          </a:p>
+          <a:p>
+            <a:pPr marL="457200" lvl="0" indent="-342900" algn="l" rtl="0">
+              <a:spcBef>
+                <a:spcPts val="0"/>
+              </a:spcBef>
+              <a:spcAft>
+                <a:spcPts val="0"/>
+              </a:spcAft>
+              <a:buSzPts val="1800"/>
+              <a:buChar char="-"/>
+            </a:pPr>
+            <a:r>
+              <a:rPr lang="fr" dirty="0"/>
+              <a:t>Prix Produits</a:t>
             </a:r>
             <a:endParaRPr dirty="0"/>
           </a:p>
